--- a/ppt/Chapter 6.pptx
+++ b/ppt/Chapter 6.pptx
@@ -1185,7 +1185,7 @@
           <p:cNvSpPr>
             <a:spLocks noChangeArrowheads="1"/>
           </p:cNvSpPr>
-          <p:nvPr userDrawn="1"/>
+          <p:nvPr/>
         </p:nvSpPr>
         <p:spPr bwMode="auto">
           <a:xfrm>
@@ -1544,7 +1544,7 @@
           <p:cNvPicPr>
             <a:picLocks noChangeAspect="1" noChangeArrowheads="1"/>
           </p:cNvPicPr>
-          <p:nvPr userDrawn="1"/>
+          <p:nvPr/>
         </p:nvPicPr>
         <p:blipFill>
           <a:blip r:embed="rId4" cstate="print">
@@ -1585,7 +1585,7 @@
           <p:cNvPicPr>
             <a:picLocks noChangeAspect="1" noChangeArrowheads="1"/>
           </p:cNvPicPr>
-          <p:nvPr userDrawn="1"/>
+          <p:nvPr/>
         </p:nvPicPr>
         <p:blipFill>
           <a:blip r:embed="rId5">
@@ -3414,7 +3414,7 @@
           <p:cNvSpPr>
             <a:spLocks noChangeArrowheads="1"/>
           </p:cNvSpPr>
-          <p:nvPr userDrawn="1"/>
+          <p:nvPr/>
         </p:nvSpPr>
         <p:spPr bwMode="gray">
           <a:xfrm rot="16200000">
@@ -3489,7 +3489,7 @@
           <p:cNvSpPr>
             <a:spLocks noChangeArrowheads="1"/>
           </p:cNvSpPr>
-          <p:nvPr userDrawn="1"/>
+          <p:nvPr/>
         </p:nvSpPr>
         <p:spPr bwMode="gray">
           <a:xfrm rot="16200000">
@@ -4364,15 +4364,19 @@
           <a:lstStyle/>
           <a:p>
             <a:r>
-              <a:rPr lang="en-US" altLang="zh-CN" smtClean="0"/>
-              <a:t>Slide 5- </a:t>
+              <a:rPr lang="en-US" altLang="zh-CN" dirty="0" smtClean="0"/>
+              <a:t>Slide </a:t>
+            </a:r>
+            <a:r>
+              <a:rPr lang="en-US" altLang="zh-CN" dirty="0" smtClean="0"/>
+              <a:t>6- </a:t>
             </a:r>
             <a:fld id="{3C594E94-0A75-47C5-A997-082619340147}" type="slidenum">
               <a:rPr lang="en-US" altLang="zh-CN" smtClean="0"/>
               <a:pPr/>
               <a:t>1</a:t>
             </a:fld>
-            <a:endParaRPr lang="en-CA" altLang="zh-CN">
+            <a:endParaRPr lang="en-CA" altLang="zh-CN" dirty="0">
               <a:ea typeface="宋体" panose="02010600030101010101" pitchFamily="2" charset="-122"/>
             </a:endParaRPr>
           </a:p>
@@ -7317,15 +7321,19 @@
           <a:lstStyle/>
           <a:p>
             <a:r>
-              <a:rPr lang="en-US" altLang="zh-CN"/>
-              <a:t>Slide 5- </a:t>
+              <a:rPr lang="en-US" altLang="zh-CN" dirty="0"/>
+              <a:t>Slide </a:t>
+            </a:r>
+            <a:r>
+              <a:rPr lang="en-US" altLang="zh-CN" dirty="0" smtClean="0"/>
+              <a:t>6- </a:t>
             </a:r>
             <a:fld id="{AE31BC2A-753E-44EB-BABF-D53E3A571D56}" type="slidenum">
               <a:rPr lang="en-US" altLang="zh-CN"/>
               <a:pPr/>
               <a:t>2</a:t>
             </a:fld>
-            <a:endParaRPr lang="en-CA" altLang="zh-CN">
+            <a:endParaRPr lang="en-CA" altLang="zh-CN" dirty="0">
               <a:ea typeface="宋体" panose="02010600030101010101" pitchFamily="2" charset="-122"/>
             </a:endParaRPr>
           </a:p>
@@ -12649,7 +12657,7 @@
           <a:graphicData uri="http://schemas.openxmlformats.org/presentationml/2006/ole">
             <mc:AlternateContent xmlns:mc="http://schemas.openxmlformats.org/markup-compatibility/2006">
               <mc:Choice xmlns:v="urn:schemas-microsoft-com:vml" Requires="v">
-                <p:oleObj spid="_x0000_s1106" name="包装程序外壳对象" showAsIcon="1" r:id="rId3" imgW="925920" imgH="533880" progId="Package">
+                <p:oleObj spid="_x0000_s1109" name="包装程序外壳对象" showAsIcon="1" r:id="rId3" imgW="925920" imgH="533880" progId="Package">
                   <p:embed/>
                 </p:oleObj>
               </mc:Choice>
@@ -14117,7 +14125,7 @@
               <a:buNone/>
             </a:pPr>
             <a:r>
-              <a:rPr lang="en-US" altLang="zh-CN" b="1">
+              <a:rPr lang="en-US" altLang="zh-CN" b="1" dirty="0">
                 <a:solidFill>
                   <a:schemeClr val="tx2"/>
                 </a:solidFill>
@@ -26833,15 +26841,19 @@
           <a:lstStyle/>
           <a:p>
             <a:r>
-              <a:rPr lang="en-US" altLang="zh-CN" smtClean="0"/>
-              <a:t>Slide 5- </a:t>
+              <a:rPr lang="en-US" altLang="zh-CN" dirty="0" smtClean="0"/>
+              <a:t>Slide </a:t>
+            </a:r>
+            <a:r>
+              <a:rPr lang="en-US" altLang="zh-CN" dirty="0" smtClean="0"/>
+              <a:t>6- </a:t>
             </a:r>
             <a:fld id="{3C594E94-0A75-47C5-A997-082619340147}" type="slidenum">
               <a:rPr lang="en-US" altLang="zh-CN" smtClean="0"/>
               <a:pPr/>
               <a:t>9</a:t>
             </a:fld>
-            <a:endParaRPr lang="en-CA" altLang="zh-CN">
+            <a:endParaRPr lang="en-CA" altLang="zh-CN" dirty="0">
               <a:ea typeface="宋体" panose="02010600030101010101" pitchFamily="2" charset="-122"/>
             </a:endParaRPr>
           </a:p>
@@ -26897,7 +26909,11 @@
           <a:bodyPr wrap="none" rtlCol="0">
             <a:spAutoFit/>
           </a:bodyPr>
-          <a:lstStyle/>
+          <a:lstStyle>
+            <a:defPPr>
+              <a:defRPr lang="en-CA"/>
+            </a:defPPr>
+          </a:lstStyle>
           <a:p>
             <a:r>
               <a:rPr lang="en-US" altLang="zh-CN" dirty="0">

--- a/ppt/Chapter 6.pptx
+++ b/ppt/Chapter 6.pptx
@@ -4365,11 +4365,7 @@
           <a:p>
             <a:r>
               <a:rPr lang="en-US" altLang="zh-CN" dirty="0" smtClean="0"/>
-              <a:t>Slide </a:t>
-            </a:r>
-            <a:r>
-              <a:rPr lang="en-US" altLang="zh-CN" dirty="0" smtClean="0"/>
-              <a:t>6- </a:t>
+              <a:t>Slide 6- </a:t>
             </a:r>
             <a:fld id="{3C594E94-0A75-47C5-A997-082619340147}" type="slidenum">
               <a:rPr lang="en-US" altLang="zh-CN" smtClean="0"/>
@@ -4483,6 +4479,13 @@
     <a:masterClrMapping/>
   </p:clrMapOvr>
   <p:transition spd="med"/>
+  <p:timing>
+    <p:tnLst>
+      <p:par>
+        <p:cTn id="1" dur="indefinite" restart="never" nodeType="tmRoot"/>
+      </p:par>
+    </p:tnLst>
+  </p:timing>
 </p:sld>
 </file>
 
@@ -4519,15 +4522,19 @@
           <a:lstStyle/>
           <a:p>
             <a:r>
-              <a:rPr lang="en-US" altLang="zh-CN"/>
-              <a:t>Slide 5- </a:t>
+              <a:rPr lang="en-US" altLang="zh-CN" dirty="0"/>
+              <a:t>Slide </a:t>
+            </a:r>
+            <a:r>
+              <a:rPr lang="en-US" altLang="zh-CN" dirty="0" smtClean="0"/>
+              <a:t>6- </a:t>
             </a:r>
             <a:fld id="{5D9BFEAF-0DB9-4F70-AF63-16543E53CF80}" type="slidenum">
               <a:rPr lang="en-US" altLang="zh-CN"/>
               <a:pPr/>
               <a:t>10</a:t>
             </a:fld>
-            <a:endParaRPr lang="en-CA" altLang="zh-CN">
+            <a:endParaRPr lang="en-CA" altLang="zh-CN" dirty="0">
               <a:ea typeface="宋体" panose="02010600030101010101" pitchFamily="2" charset="-122"/>
             </a:endParaRPr>
           </a:p>
@@ -4702,15 +4709,19 @@
           <a:lstStyle/>
           <a:p>
             <a:r>
-              <a:rPr lang="en-US" altLang="zh-CN"/>
-              <a:t>Slide 5- </a:t>
+              <a:rPr lang="en-US" altLang="zh-CN" dirty="0"/>
+              <a:t>Slide </a:t>
+            </a:r>
+            <a:r>
+              <a:rPr lang="en-US" altLang="zh-CN" dirty="0" smtClean="0"/>
+              <a:t>6- </a:t>
             </a:r>
             <a:fld id="{D5176A24-EE0D-4D75-82C8-AA8C03AE7AF9}" type="slidenum">
               <a:rPr lang="en-US" altLang="zh-CN"/>
               <a:pPr/>
               <a:t>11</a:t>
             </a:fld>
-            <a:endParaRPr lang="en-CA" altLang="zh-CN">
+            <a:endParaRPr lang="en-CA" altLang="zh-CN" dirty="0">
               <a:ea typeface="宋体" panose="02010600030101010101" pitchFamily="2" charset="-122"/>
             </a:endParaRPr>
           </a:p>
@@ -4873,15 +4884,19 @@
           <a:lstStyle/>
           <a:p>
             <a:r>
-              <a:rPr lang="en-US" altLang="zh-CN"/>
-              <a:t>Slide 5- </a:t>
+              <a:rPr lang="en-US" altLang="zh-CN" dirty="0"/>
+              <a:t>Slide </a:t>
+            </a:r>
+            <a:r>
+              <a:rPr lang="en-US" altLang="zh-CN" dirty="0" smtClean="0"/>
+              <a:t>6- </a:t>
             </a:r>
             <a:fld id="{D92DFB4F-87C6-44D9-A9D8-AF3EBDC24F50}" type="slidenum">
               <a:rPr lang="en-US" altLang="zh-CN"/>
               <a:pPr/>
               <a:t>12</a:t>
             </a:fld>
-            <a:endParaRPr lang="en-CA" altLang="zh-CN">
+            <a:endParaRPr lang="en-CA" altLang="zh-CN" dirty="0">
               <a:ea typeface="宋体" panose="02010600030101010101" pitchFamily="2" charset="-122"/>
             </a:endParaRPr>
           </a:p>
@@ -4925,56 +4940,68 @@
           <a:lstStyle/>
           <a:p>
             <a:r>
-              <a:rPr lang="en-US" altLang="zh-CN"/>
+              <a:rPr lang="en-US" altLang="zh-CN" dirty="0"/>
               <a:t>Like other variables, a stream variable… </a:t>
             </a:r>
           </a:p>
           <a:p>
             <a:pPr lvl="1"/>
             <a:r>
-              <a:rPr lang="en-US" altLang="zh-CN"/>
+              <a:rPr lang="en-US" altLang="zh-CN" dirty="0"/>
               <a:t>Must be declared before it can be used</a:t>
             </a:r>
           </a:p>
           <a:p>
             <a:pPr lvl="1"/>
             <a:r>
-              <a:rPr lang="en-US" altLang="zh-CN"/>
-              <a:t>Must be initialized before it contains valid data</a:t>
+              <a:rPr lang="en-US" altLang="zh-CN" dirty="0"/>
+              <a:t>Must be </a:t>
+            </a:r>
+            <a:r>
+              <a:rPr lang="en-US" altLang="zh-CN" dirty="0">
+                <a:solidFill>
+                  <a:srgbClr val="FF0000"/>
+                </a:solidFill>
+              </a:rPr>
+              <a:t>initialized </a:t>
+            </a:r>
+            <a:r>
+              <a:rPr lang="en-US" altLang="zh-CN" dirty="0"/>
+              <a:t>before it contains valid data</a:t>
             </a:r>
           </a:p>
           <a:p>
             <a:pPr lvl="2"/>
             <a:r>
-              <a:rPr lang="en-US" altLang="zh-CN"/>
+              <a:rPr lang="en-US" altLang="zh-CN" dirty="0"/>
               <a:t>Initializing a stream means connecting it to a file</a:t>
             </a:r>
           </a:p>
           <a:p>
             <a:pPr lvl="2"/>
             <a:r>
-              <a:rPr lang="en-US" altLang="zh-CN"/>
+              <a:rPr lang="en-US" altLang="zh-CN" dirty="0"/>
               <a:t>The value of the stream variable can be thought of </a:t>
             </a:r>
             <a:br>
-              <a:rPr lang="en-US" altLang="zh-CN"/>
-            </a:br>
-            <a:r>
-              <a:rPr lang="en-US" altLang="zh-CN"/>
+              <a:rPr lang="en-US" altLang="zh-CN" dirty="0"/>
+            </a:br>
+            <a:r>
+              <a:rPr lang="en-US" altLang="zh-CN" dirty="0"/>
               <a:t>as the file it is connected to</a:t>
             </a:r>
           </a:p>
           <a:p>
             <a:pPr lvl="1"/>
             <a:r>
-              <a:rPr lang="en-US" altLang="zh-CN"/>
+              <a:rPr lang="en-US" altLang="zh-CN" dirty="0"/>
               <a:t>Can have its value changed</a:t>
             </a:r>
           </a:p>
           <a:p>
             <a:pPr lvl="2"/>
             <a:r>
-              <a:rPr lang="en-US" altLang="zh-CN"/>
+              <a:rPr lang="en-US" altLang="zh-CN" dirty="0"/>
               <a:t>Changing a stream value means disconnecting from one file and connecting to another</a:t>
             </a:r>
           </a:p>
@@ -5031,15 +5058,19 @@
           <a:lstStyle/>
           <a:p>
             <a:r>
-              <a:rPr lang="en-US" altLang="zh-CN"/>
-              <a:t>Slide 5- </a:t>
+              <a:rPr lang="en-US" altLang="zh-CN" dirty="0"/>
+              <a:t>Slide </a:t>
+            </a:r>
+            <a:r>
+              <a:rPr lang="en-US" altLang="zh-CN" dirty="0" smtClean="0"/>
+              <a:t>6- </a:t>
             </a:r>
             <a:fld id="{AA5282B9-745F-4A7D-9788-DC8632FFC685}" type="slidenum">
               <a:rPr lang="en-US" altLang="zh-CN"/>
               <a:pPr/>
               <a:t>13</a:t>
             </a:fld>
-            <a:endParaRPr lang="en-CA" altLang="zh-CN">
+            <a:endParaRPr lang="en-CA" altLang="zh-CN" dirty="0">
               <a:ea typeface="宋体" panose="02010600030101010101" pitchFamily="2" charset="-122"/>
             </a:endParaRPr>
           </a:p>
@@ -5176,15 +5207,19 @@
           <a:lstStyle/>
           <a:p>
             <a:r>
-              <a:rPr lang="en-US" altLang="zh-CN"/>
-              <a:t>Slide 5- </a:t>
+              <a:rPr lang="en-US" altLang="zh-CN" dirty="0"/>
+              <a:t>Slide </a:t>
+            </a:r>
+            <a:r>
+              <a:rPr lang="en-US" altLang="zh-CN" dirty="0" smtClean="0"/>
+              <a:t>6- </a:t>
             </a:r>
             <a:fld id="{AAFB7153-7427-4F2E-AF58-5C472544225B}" type="slidenum">
               <a:rPr lang="en-US" altLang="zh-CN"/>
               <a:pPr/>
               <a:t>14</a:t>
             </a:fld>
-            <a:endParaRPr lang="en-CA" altLang="zh-CN">
+            <a:endParaRPr lang="en-CA" altLang="zh-CN" dirty="0">
               <a:ea typeface="宋体" panose="02010600030101010101" pitchFamily="2" charset="-122"/>
             </a:endParaRPr>
           </a:p>
@@ -5476,15 +5511,19 @@
           <a:lstStyle/>
           <a:p>
             <a:r>
-              <a:rPr lang="en-US" altLang="zh-CN"/>
-              <a:t>Slide 5- </a:t>
+              <a:rPr lang="en-US" altLang="zh-CN" dirty="0"/>
+              <a:t>Slide </a:t>
+            </a:r>
+            <a:r>
+              <a:rPr lang="en-US" altLang="zh-CN" dirty="0" smtClean="0"/>
+              <a:t>6- </a:t>
             </a:r>
             <a:fld id="{459C53D8-7B98-4DA5-BD18-80BCF727E629}" type="slidenum">
               <a:rPr lang="en-US" altLang="zh-CN"/>
               <a:pPr/>
               <a:t>15</a:t>
             </a:fld>
-            <a:endParaRPr lang="en-CA" altLang="zh-CN">
+            <a:endParaRPr lang="en-CA" altLang="zh-CN" dirty="0">
               <a:ea typeface="宋体" panose="02010600030101010101" pitchFamily="2" charset="-122"/>
             </a:endParaRPr>
           </a:p>
@@ -5764,15 +5803,19 @@
           <a:lstStyle/>
           <a:p>
             <a:r>
-              <a:rPr lang="en-US" altLang="zh-CN"/>
-              <a:t>Slide 5- </a:t>
+              <a:rPr lang="en-US" altLang="zh-CN" dirty="0"/>
+              <a:t>Slide </a:t>
+            </a:r>
+            <a:r>
+              <a:rPr lang="en-US" altLang="zh-CN" dirty="0" smtClean="0"/>
+              <a:t>6- </a:t>
             </a:r>
             <a:fld id="{8D3EAB23-C282-480C-9E1B-B3807731EC0B}" type="slidenum">
               <a:rPr lang="en-US" altLang="zh-CN"/>
               <a:pPr/>
               <a:t>16</a:t>
             </a:fld>
-            <a:endParaRPr lang="en-CA" altLang="zh-CN">
+            <a:endParaRPr lang="en-CA" altLang="zh-CN" dirty="0">
               <a:ea typeface="宋体" panose="02010600030101010101" pitchFamily="2" charset="-122"/>
             </a:endParaRPr>
           </a:p>
@@ -6538,15 +6581,19 @@
           <a:lstStyle/>
           <a:p>
             <a:r>
-              <a:rPr lang="en-US" altLang="zh-CN"/>
-              <a:t>Slide 5- </a:t>
+              <a:rPr lang="en-US" altLang="zh-CN" dirty="0"/>
+              <a:t>Slide </a:t>
+            </a:r>
+            <a:r>
+              <a:rPr lang="en-US" altLang="zh-CN" dirty="0" smtClean="0"/>
+              <a:t>6- </a:t>
             </a:r>
             <a:fld id="{39503776-44A2-40A5-9FD4-6D7CF32AC135}" type="slidenum">
               <a:rPr lang="en-US" altLang="zh-CN"/>
               <a:pPr/>
               <a:t>17</a:t>
             </a:fld>
-            <a:endParaRPr lang="en-CA" altLang="zh-CN">
+            <a:endParaRPr lang="en-CA" altLang="zh-CN" dirty="0">
               <a:ea typeface="宋体" panose="02010600030101010101" pitchFamily="2" charset="-122"/>
             </a:endParaRPr>
           </a:p>
@@ -6850,15 +6897,19 @@
           <a:lstStyle/>
           <a:p>
             <a:r>
-              <a:rPr lang="en-US" altLang="zh-CN"/>
-              <a:t>Slide 5- </a:t>
+              <a:rPr lang="en-US" altLang="zh-CN" dirty="0"/>
+              <a:t>Slide </a:t>
+            </a:r>
+            <a:r>
+              <a:rPr lang="en-US" altLang="zh-CN" dirty="0" smtClean="0"/>
+              <a:t>6- </a:t>
             </a:r>
             <a:fld id="{D33A8698-C8B5-47E3-AB48-7B49E19C4490}" type="slidenum">
               <a:rPr lang="en-US" altLang="zh-CN"/>
               <a:pPr/>
               <a:t>18</a:t>
             </a:fld>
-            <a:endParaRPr lang="en-CA" altLang="zh-CN">
+            <a:endParaRPr lang="en-CA" altLang="zh-CN" dirty="0">
               <a:ea typeface="宋体" panose="02010600030101010101" pitchFamily="2" charset="-122"/>
             </a:endParaRPr>
           </a:p>
@@ -7156,15 +7207,19 @@
           <a:lstStyle/>
           <a:p>
             <a:r>
-              <a:rPr lang="en-US" altLang="zh-CN"/>
-              <a:t>Slide 5- </a:t>
+              <a:rPr lang="en-US" altLang="zh-CN" dirty="0"/>
+              <a:t>Slide </a:t>
+            </a:r>
+            <a:r>
+              <a:rPr lang="en-US" altLang="zh-CN" dirty="0" smtClean="0"/>
+              <a:t>6- </a:t>
             </a:r>
             <a:fld id="{B483EA53-E0B9-42B5-9B87-E0A709115B40}" type="slidenum">
               <a:rPr lang="en-US" altLang="zh-CN"/>
               <a:pPr/>
               <a:t>19</a:t>
             </a:fld>
-            <a:endParaRPr lang="en-CA" altLang="zh-CN">
+            <a:endParaRPr lang="en-CA" altLang="zh-CN" dirty="0">
               <a:ea typeface="宋体" panose="02010600030101010101" pitchFamily="2" charset="-122"/>
             </a:endParaRPr>
           </a:p>
@@ -7495,6 +7550,13 @@
     <a:masterClrMapping/>
   </p:clrMapOvr>
   <p:transition spd="med"/>
+  <p:timing>
+    <p:tnLst>
+      <p:par>
+        <p:cTn id="1" dur="indefinite" restart="never" nodeType="tmRoot"/>
+      </p:par>
+    </p:tnLst>
+  </p:timing>
 </p:sld>
 </file>
 
@@ -7531,15 +7593,19 @@
           <a:lstStyle/>
           <a:p>
             <a:r>
-              <a:rPr lang="en-US" altLang="zh-CN"/>
-              <a:t>Slide 5- </a:t>
+              <a:rPr lang="en-US" altLang="zh-CN" dirty="0"/>
+              <a:t>Slide </a:t>
+            </a:r>
+            <a:r>
+              <a:rPr lang="en-US" altLang="zh-CN" dirty="0" smtClean="0"/>
+              <a:t>6- </a:t>
             </a:r>
             <a:fld id="{9A85F820-E1FA-4AEF-834A-D0C581E5B943}" type="slidenum">
               <a:rPr lang="en-US" altLang="zh-CN"/>
               <a:pPr/>
               <a:t>20</a:t>
             </a:fld>
-            <a:endParaRPr lang="en-CA" altLang="zh-CN">
+            <a:endParaRPr lang="en-CA" altLang="zh-CN" dirty="0">
               <a:ea typeface="宋体" panose="02010600030101010101" pitchFamily="2" charset="-122"/>
             </a:endParaRPr>
           </a:p>
@@ -7714,15 +7780,19 @@
           <a:lstStyle/>
           <a:p>
             <a:r>
-              <a:rPr lang="en-US" altLang="zh-CN" smtClean="0"/>
-              <a:t>Slide 5- </a:t>
+              <a:rPr lang="en-US" altLang="zh-CN" dirty="0" smtClean="0"/>
+              <a:t>Slide </a:t>
+            </a:r>
+            <a:r>
+              <a:rPr lang="en-US" altLang="zh-CN" dirty="0" smtClean="0"/>
+              <a:t>6- </a:t>
             </a:r>
             <a:fld id="{3C594E94-0A75-47C5-A997-082619340147}" type="slidenum">
               <a:rPr lang="en-US" altLang="zh-CN" smtClean="0"/>
               <a:pPr/>
               <a:t>21</a:t>
             </a:fld>
-            <a:endParaRPr lang="en-CA" altLang="zh-CN">
+            <a:endParaRPr lang="en-CA" altLang="zh-CN" dirty="0">
               <a:ea typeface="宋体" panose="02010600030101010101" pitchFamily="2" charset="-122"/>
             </a:endParaRPr>
           </a:p>
@@ -8451,6 +8521,13 @@
     <a:masterClrMapping/>
   </p:clrMapOvr>
   <p:transition spd="med"/>
+  <p:timing>
+    <p:tnLst>
+      <p:par>
+        <p:cTn id="1" dur="indefinite" restart="never" nodeType="tmRoot"/>
+      </p:par>
+    </p:tnLst>
+  </p:timing>
 </p:sld>
 </file>
 
@@ -8487,15 +8564,19 @@
           <a:lstStyle/>
           <a:p>
             <a:r>
-              <a:rPr lang="en-US" altLang="zh-CN"/>
-              <a:t>Slide 5- </a:t>
+              <a:rPr lang="en-US" altLang="zh-CN" dirty="0"/>
+              <a:t>Slide </a:t>
+            </a:r>
+            <a:r>
+              <a:rPr lang="en-US" altLang="zh-CN" dirty="0" smtClean="0"/>
+              <a:t>6- </a:t>
             </a:r>
             <a:fld id="{BBB17C9A-19DC-475E-B234-ED83B6E1E201}" type="slidenum">
               <a:rPr lang="en-US" altLang="zh-CN"/>
               <a:pPr/>
               <a:t>22</a:t>
             </a:fld>
-            <a:endParaRPr lang="en-CA" altLang="zh-CN">
+            <a:endParaRPr lang="en-CA" altLang="zh-CN" dirty="0">
               <a:ea typeface="宋体" panose="02010600030101010101" pitchFamily="2" charset="-122"/>
             </a:endParaRPr>
           </a:p>
@@ -8683,15 +8764,19 @@
           <a:lstStyle/>
           <a:p>
             <a:r>
-              <a:rPr lang="en-US" altLang="zh-CN"/>
-              <a:t>Slide 5- </a:t>
+              <a:rPr lang="en-US" altLang="zh-CN" dirty="0"/>
+              <a:t>Slide </a:t>
+            </a:r>
+            <a:r>
+              <a:rPr lang="en-US" altLang="zh-CN" dirty="0" smtClean="0"/>
+              <a:t>6- </a:t>
             </a:r>
             <a:fld id="{9A3A56A7-1FC7-44D4-840F-26BF46185F35}" type="slidenum">
               <a:rPr lang="en-US" altLang="zh-CN"/>
               <a:pPr/>
               <a:t>23</a:t>
             </a:fld>
-            <a:endParaRPr lang="en-CA" altLang="zh-CN">
+            <a:endParaRPr lang="en-CA" altLang="zh-CN" dirty="0">
               <a:ea typeface="宋体" panose="02010600030101010101" pitchFamily="2" charset="-122"/>
             </a:endParaRPr>
           </a:p>
@@ -8835,15 +8920,19 @@
           <a:lstStyle/>
           <a:p>
             <a:r>
-              <a:rPr lang="en-US" altLang="zh-CN"/>
-              <a:t>Slide 5- </a:t>
+              <a:rPr lang="en-US" altLang="zh-CN" dirty="0"/>
+              <a:t>Slide </a:t>
+            </a:r>
+            <a:r>
+              <a:rPr lang="en-US" altLang="zh-CN" dirty="0" smtClean="0"/>
+              <a:t>6- </a:t>
             </a:r>
             <a:fld id="{03A87C93-BDC3-4CD5-9D01-AAB148C3077F}" type="slidenum">
               <a:rPr lang="en-US" altLang="zh-CN"/>
               <a:pPr/>
               <a:t>24</a:t>
             </a:fld>
-            <a:endParaRPr lang="en-CA" altLang="zh-CN">
+            <a:endParaRPr lang="en-CA" altLang="zh-CN" dirty="0">
               <a:ea typeface="宋体" panose="02010600030101010101" pitchFamily="2" charset="-122"/>
             </a:endParaRPr>
           </a:p>
@@ -8992,15 +9081,19 @@
           <a:lstStyle/>
           <a:p>
             <a:r>
-              <a:rPr lang="en-US" altLang="zh-CN"/>
-              <a:t>Slide 5- </a:t>
+              <a:rPr lang="en-US" altLang="zh-CN" dirty="0"/>
+              <a:t>Slide </a:t>
+            </a:r>
+            <a:r>
+              <a:rPr lang="en-US" altLang="zh-CN" dirty="0" smtClean="0"/>
+              <a:t>6- </a:t>
             </a:r>
             <a:fld id="{7A435769-E6B6-46C5-9B45-FF8E347A91C7}" type="slidenum">
               <a:rPr lang="en-US" altLang="zh-CN"/>
               <a:pPr/>
               <a:t>25</a:t>
             </a:fld>
-            <a:endParaRPr lang="en-CA" altLang="zh-CN">
+            <a:endParaRPr lang="en-CA" altLang="zh-CN" dirty="0">
               <a:ea typeface="宋体" panose="02010600030101010101" pitchFamily="2" charset="-122"/>
             </a:endParaRPr>
           </a:p>
@@ -9197,15 +9290,19 @@
           <a:lstStyle/>
           <a:p>
             <a:r>
-              <a:rPr lang="en-US" altLang="zh-CN"/>
-              <a:t>Slide 5- </a:t>
+              <a:rPr lang="en-US" altLang="zh-CN" dirty="0"/>
+              <a:t>Slide </a:t>
+            </a:r>
+            <a:r>
+              <a:rPr lang="en-US" altLang="zh-CN" dirty="0" smtClean="0"/>
+              <a:t>6- </a:t>
             </a:r>
             <a:fld id="{EBCA420C-4EA1-41D8-A97D-3A24328A40AA}" type="slidenum">
               <a:rPr lang="en-US" altLang="zh-CN"/>
               <a:pPr/>
               <a:t>26</a:t>
             </a:fld>
-            <a:endParaRPr lang="en-CA" altLang="zh-CN">
+            <a:endParaRPr lang="en-CA" altLang="zh-CN" dirty="0">
               <a:ea typeface="宋体" panose="02010600030101010101" pitchFamily="2" charset="-122"/>
             </a:endParaRPr>
           </a:p>
@@ -9370,15 +9467,19 @@
           <a:lstStyle/>
           <a:p>
             <a:r>
-              <a:rPr lang="en-US" altLang="zh-CN"/>
-              <a:t>Slide 5- </a:t>
+              <a:rPr lang="en-US" altLang="zh-CN" dirty="0"/>
+              <a:t>Slide </a:t>
+            </a:r>
+            <a:r>
+              <a:rPr lang="en-US" altLang="zh-CN" dirty="0" smtClean="0"/>
+              <a:t>6- </a:t>
             </a:r>
             <a:fld id="{488734CF-E7A7-4410-8D2C-6AFEF0D5CC52}" type="slidenum">
               <a:rPr lang="en-US" altLang="zh-CN"/>
               <a:pPr/>
               <a:t>27</a:t>
             </a:fld>
-            <a:endParaRPr lang="en-CA" altLang="zh-CN">
+            <a:endParaRPr lang="en-CA" altLang="zh-CN" dirty="0">
               <a:ea typeface="宋体" panose="02010600030101010101" pitchFamily="2" charset="-122"/>
             </a:endParaRPr>
           </a:p>
@@ -9965,14 +10066,18 @@
           <a:p>
             <a:r>
               <a:rPr lang="en-US" altLang="zh-CN"/>
-              <a:t>Slide 5- </a:t>
+              <a:t>Slide </a:t>
+            </a:r>
+            <a:r>
+              <a:rPr lang="en-US" altLang="zh-CN" smtClean="0"/>
+              <a:t>6- </a:t>
             </a:r>
             <a:fld id="{357133D4-2EBC-4A24-BFB8-BAEA4A881DDF}" type="slidenum">
               <a:rPr lang="en-US" altLang="zh-CN"/>
               <a:pPr/>
               <a:t>28</a:t>
             </a:fld>
-            <a:endParaRPr lang="en-CA" altLang="zh-CN">
+            <a:endParaRPr lang="en-CA" altLang="zh-CN" dirty="0">
               <a:ea typeface="宋体" panose="02010600030101010101" pitchFamily="2" charset="-122"/>
             </a:endParaRPr>
           </a:p>
@@ -10270,15 +10375,19 @@
           <a:lstStyle/>
           <a:p>
             <a:r>
-              <a:rPr lang="en-US" altLang="zh-CN" smtClean="0"/>
-              <a:t>Slide 5- </a:t>
+              <a:rPr lang="en-US" altLang="zh-CN" dirty="0" smtClean="0"/>
+              <a:t>Slide </a:t>
+            </a:r>
+            <a:r>
+              <a:rPr lang="en-US" altLang="zh-CN" dirty="0" smtClean="0"/>
+              <a:t>6- </a:t>
             </a:r>
             <a:fld id="{3C594E94-0A75-47C5-A997-082619340147}" type="slidenum">
               <a:rPr lang="en-US" altLang="zh-CN" smtClean="0"/>
               <a:pPr/>
               <a:t>3</a:t>
             </a:fld>
-            <a:endParaRPr lang="en-CA" altLang="zh-CN">
+            <a:endParaRPr lang="en-CA" altLang="zh-CN" dirty="0">
               <a:ea typeface="宋体" panose="02010600030101010101" pitchFamily="2" charset="-122"/>
             </a:endParaRPr>
           </a:p>
@@ -10295,6 +10404,13 @@
     <a:masterClrMapping/>
   </p:clrMapOvr>
   <p:transition spd="med"/>
+  <p:timing>
+    <p:tnLst>
+      <p:par>
+        <p:cTn id="1" dur="indefinite" restart="never" nodeType="tmRoot"/>
+      </p:par>
+    </p:tnLst>
+  </p:timing>
 </p:sld>
 </file>
 
@@ -11592,6 +11708,13 @@
     <a:masterClrMapping/>
   </p:clrMapOvr>
   <p:transition spd="med"/>
+  <p:timing>
+    <p:tnLst>
+      <p:par>
+        <p:cTn id="1" dur="indefinite" restart="never" nodeType="tmRoot"/>
+      </p:par>
+    </p:tnLst>
+  </p:timing>
 </p:sld>
 </file>
 
@@ -12657,7 +12780,7 @@
           <a:graphicData uri="http://schemas.openxmlformats.org/presentationml/2006/ole">
             <mc:AlternateContent xmlns:mc="http://schemas.openxmlformats.org/markup-compatibility/2006">
               <mc:Choice xmlns:v="urn:schemas-microsoft-com:vml" Requires="v">
-                <p:oleObj spid="_x0000_s1109" name="包装程序外壳对象" showAsIcon="1" r:id="rId3" imgW="925920" imgH="533880" progId="Package">
+                <p:oleObj spid="_x0000_s1168" name="包装程序外壳对象" showAsIcon="1" r:id="rId3" imgW="925920" imgH="533880" progId="Package">
                   <p:embed/>
                 </p:oleObj>
               </mc:Choice>
@@ -12703,6 +12826,13 @@
     <a:masterClrMapping/>
   </p:clrMapOvr>
   <p:transition spd="med"/>
+  <p:timing>
+    <p:tnLst>
+      <p:par>
+        <p:cTn id="1" dur="indefinite" restart="never" nodeType="tmRoot"/>
+      </p:par>
+    </p:tnLst>
+  </p:timing>
 </p:sld>
 </file>
 
@@ -12967,6 +13097,13 @@
     <a:masterClrMapping/>
   </p:clrMapOvr>
   <p:transition spd="med"/>
+  <p:timing>
+    <p:tnLst>
+      <p:par>
+        <p:cTn id="1" dur="indefinite" restart="never" nodeType="tmRoot"/>
+      </p:par>
+    </p:tnLst>
+  </p:timing>
 </p:sld>
 </file>
 
@@ -16040,15 +16177,19 @@
           <a:lstStyle/>
           <a:p>
             <a:r>
-              <a:rPr lang="en-US" altLang="zh-CN"/>
-              <a:t>Slide 5- </a:t>
+              <a:rPr lang="en-US" altLang="zh-CN" dirty="0"/>
+              <a:t>Slide </a:t>
+            </a:r>
+            <a:r>
+              <a:rPr lang="en-US" altLang="zh-CN" dirty="0" smtClean="0"/>
+              <a:t>6- </a:t>
             </a:r>
             <a:fld id="{242E50C9-21EC-4CDA-8EF2-B9EB94175672}" type="slidenum">
               <a:rPr lang="en-US" altLang="zh-CN"/>
               <a:pPr/>
               <a:t>5</a:t>
             </a:fld>
-            <a:endParaRPr lang="en-CA" altLang="zh-CN">
+            <a:endParaRPr lang="en-CA" altLang="zh-CN" dirty="0">
               <a:ea typeface="宋体" panose="02010600030101010101" pitchFamily="2" charset="-122"/>
             </a:endParaRPr>
           </a:p>
@@ -18437,6 +18578,13 @@
     <a:masterClrMapping/>
   </p:clrMapOvr>
   <p:transition spd="med"/>
+  <p:timing>
+    <p:tnLst>
+      <p:par>
+        <p:cTn id="1" dur="indefinite" restart="never" nodeType="tmRoot"/>
+      </p:par>
+    </p:tnLst>
+  </p:timing>
 </p:sld>
 </file>
 
@@ -18548,6 +18696,13 @@
     <a:masterClrMapping/>
   </p:clrMapOvr>
   <p:transition spd="med"/>
+  <p:timing>
+    <p:tnLst>
+      <p:par>
+        <p:cTn id="1" dur="indefinite" restart="never" nodeType="tmRoot"/>
+      </p:par>
+    </p:tnLst>
+  </p:timing>
 </p:sld>
 </file>
 
@@ -18735,15 +18890,19 @@
           <a:lstStyle/>
           <a:p>
             <a:r>
-              <a:rPr lang="en-US" altLang="zh-CN"/>
-              <a:t>Slide 5- </a:t>
+              <a:rPr lang="en-US" altLang="zh-CN" dirty="0"/>
+              <a:t>Slide </a:t>
+            </a:r>
+            <a:r>
+              <a:rPr lang="en-US" altLang="zh-CN" dirty="0" smtClean="0"/>
+              <a:t>6- </a:t>
             </a:r>
             <a:fld id="{103D0F7D-F264-48B8-B65D-7E00D3DCA4BD}" type="slidenum">
               <a:rPr lang="en-US" altLang="zh-CN"/>
               <a:pPr/>
               <a:t>6</a:t>
             </a:fld>
-            <a:endParaRPr lang="en-CA" altLang="zh-CN">
+            <a:endParaRPr lang="en-CA" altLang="zh-CN" dirty="0">
               <a:ea typeface="宋体" panose="02010600030101010101" pitchFamily="2" charset="-122"/>
             </a:endParaRPr>
           </a:p>
@@ -21205,15 +21364,19 @@
           <a:lstStyle/>
           <a:p>
             <a:r>
-              <a:rPr lang="en-US" altLang="zh-CN"/>
-              <a:t>Slide 5- </a:t>
+              <a:rPr lang="en-US" altLang="zh-CN" dirty="0"/>
+              <a:t>Slide </a:t>
+            </a:r>
+            <a:r>
+              <a:rPr lang="en-US" altLang="zh-CN" dirty="0" smtClean="0"/>
+              <a:t>6- </a:t>
             </a:r>
             <a:fld id="{12D6209A-1A0F-488A-92A5-7744C650EA4E}" type="slidenum">
               <a:rPr lang="en-US" altLang="zh-CN"/>
               <a:pPr/>
               <a:t>7</a:t>
             </a:fld>
-            <a:endParaRPr lang="en-CA" altLang="zh-CN">
+            <a:endParaRPr lang="en-CA" altLang="zh-CN" dirty="0">
               <a:ea typeface="宋体" panose="02010600030101010101" pitchFamily="2" charset="-122"/>
             </a:endParaRPr>
           </a:p>
@@ -21896,63 +22059,91 @@
           <a:lstStyle/>
           <a:p>
             <a:r>
-              <a:rPr lang="en-US" altLang="zh-CN" sz="2400"/>
-              <a:t>The get_int function seen in Display 5.7</a:t>
-            </a:r>
-            <a:br>
-              <a:rPr lang="en-US" altLang="zh-CN" sz="2400"/>
-            </a:br>
-            <a:r>
-              <a:rPr lang="en-US" altLang="zh-CN" sz="2400"/>
+              <a:rPr lang="en-US" altLang="zh-CN" sz="2400" dirty="0"/>
+              <a:t>The </a:t>
+            </a:r>
+            <a:r>
+              <a:rPr lang="en-US" altLang="zh-CN" sz="2400" dirty="0" err="1"/>
+              <a:t>get_int</a:t>
+            </a:r>
+            <a:r>
+              <a:rPr lang="en-US" altLang="zh-CN" sz="2400" dirty="0"/>
+              <a:t> function seen in Display </a:t>
+            </a:r>
+            <a:r>
+              <a:rPr lang="en-US" altLang="zh-CN" sz="2400" dirty="0" smtClean="0"/>
+              <a:t>6.7</a:t>
+            </a:r>
+            <a:r>
+              <a:rPr lang="en-US" altLang="zh-CN" sz="2400" dirty="0"/>
+              <a:t/>
+            </a:r>
+            <a:br>
+              <a:rPr lang="en-US" altLang="zh-CN" sz="2400" dirty="0"/>
+            </a:br>
+            <a:r>
+              <a:rPr lang="en-US" altLang="zh-CN" sz="2400" dirty="0"/>
               <a:t>obtains an integer value from the user</a:t>
             </a:r>
           </a:p>
           <a:p>
             <a:pPr lvl="1"/>
             <a:r>
-              <a:rPr lang="en-US" altLang="zh-CN" sz="2400"/>
-              <a:t>get_int prompts the user, reads the input, and displays</a:t>
-            </a:r>
-            <a:br>
-              <a:rPr lang="en-US" altLang="zh-CN" sz="2400"/>
-            </a:br>
-            <a:r>
-              <a:rPr lang="en-US" altLang="zh-CN" sz="2400"/>
+              <a:rPr lang="en-US" altLang="zh-CN" sz="2400" dirty="0" err="1"/>
+              <a:t>get_int</a:t>
+            </a:r>
+            <a:r>
+              <a:rPr lang="en-US" altLang="zh-CN" sz="2400" dirty="0"/>
+              <a:t> prompts the user, reads the input, and displays</a:t>
+            </a:r>
+            <a:br>
+              <a:rPr lang="en-US" altLang="zh-CN" sz="2400" dirty="0"/>
+            </a:br>
+            <a:r>
+              <a:rPr lang="en-US" altLang="zh-CN" sz="2400" dirty="0"/>
               <a:t>the input</a:t>
             </a:r>
           </a:p>
           <a:p>
             <a:pPr lvl="1"/>
             <a:r>
-              <a:rPr lang="en-US" altLang="zh-CN" sz="2400"/>
-              <a:t>After displaying the input, get_int asks the user to </a:t>
-            </a:r>
-            <a:br>
-              <a:rPr lang="en-US" altLang="zh-CN" sz="2400"/>
-            </a:br>
-            <a:r>
-              <a:rPr lang="en-US" altLang="zh-CN" sz="2400"/>
+              <a:rPr lang="en-US" altLang="zh-CN" sz="2400" dirty="0"/>
+              <a:t>After displaying the input, </a:t>
+            </a:r>
+            <a:r>
+              <a:rPr lang="en-US" altLang="zh-CN" sz="2400" dirty="0" err="1"/>
+              <a:t>get_int</a:t>
+            </a:r>
+            <a:r>
+              <a:rPr lang="en-US" altLang="zh-CN" sz="2400" dirty="0"/>
+              <a:t> asks the user to </a:t>
+            </a:r>
+            <a:br>
+              <a:rPr lang="en-US" altLang="zh-CN" sz="2400" dirty="0"/>
+            </a:br>
+            <a:r>
+              <a:rPr lang="en-US" altLang="zh-CN" sz="2400" dirty="0"/>
               <a:t>confirm the number and reads the user's response</a:t>
             </a:r>
             <a:br>
-              <a:rPr lang="en-US" altLang="zh-CN" sz="2400"/>
-            </a:br>
-            <a:r>
-              <a:rPr lang="en-US" altLang="zh-CN" sz="2400"/>
+              <a:rPr lang="en-US" altLang="zh-CN" sz="2400" dirty="0"/>
+            </a:br>
+            <a:r>
+              <a:rPr lang="en-US" altLang="zh-CN" sz="2400" dirty="0"/>
               <a:t>using a variable of type character</a:t>
             </a:r>
           </a:p>
           <a:p>
             <a:pPr lvl="1"/>
             <a:r>
-              <a:rPr lang="en-US" altLang="zh-CN" sz="2400"/>
+              <a:rPr lang="en-US" altLang="zh-CN" sz="2400" dirty="0"/>
               <a:t>The process is repeated until the user indicates with</a:t>
             </a:r>
             <a:br>
-              <a:rPr lang="en-US" altLang="zh-CN" sz="2400"/>
-            </a:br>
-            <a:r>
-              <a:rPr lang="en-US" altLang="zh-CN" sz="2400"/>
+              <a:rPr lang="en-US" altLang="zh-CN" sz="2400" dirty="0"/>
+            </a:br>
+            <a:r>
+              <a:rPr lang="en-US" altLang="zh-CN" sz="2400" dirty="0"/>
               <a:t>a 'Y' or 'y' that the number entered is correct</a:t>
             </a:r>
           </a:p>
@@ -22048,7 +22239,15 @@
             </a:r>
             <a:r>
               <a:rPr lang="en-US" altLang="zh-CN" sz="2400" dirty="0"/>
-              <a:t> function seen in Display 5.7 is </a:t>
+              <a:t> function seen in Display </a:t>
+            </a:r>
+            <a:r>
+              <a:rPr lang="en-US" altLang="zh-CN" sz="2400" dirty="0" smtClean="0"/>
+              <a:t>6.7 </a:t>
+            </a:r>
+            <a:r>
+              <a:rPr lang="en-US" altLang="zh-CN" sz="2400" dirty="0"/>
+              <a:t>is </a:t>
             </a:r>
             <a:br>
               <a:rPr lang="en-US" altLang="zh-CN" sz="2400" dirty="0"/>
@@ -22160,8 +22359,8 @@
         </p:nvSpPr>
         <p:spPr bwMode="auto">
           <a:xfrm>
-            <a:off x="6100763" y="5068888"/>
-            <a:ext cx="2243137" cy="466725"/>
+            <a:off x="6095260" y="5068888"/>
+            <a:ext cx="2254143" cy="461665"/>
           </a:xfrm>
           <a:prstGeom prst="rect">
             <a:avLst/>
@@ -22212,7 +22411,23 @@
                   <a:schemeClr val="tx2"/>
                 </a:solidFill>
               </a:rPr>
-              <a:t>Display 5.7 (1)</a:t>
+              <a:t>Display </a:t>
+            </a:r>
+            <a:r>
+              <a:rPr lang="en-US" altLang="zh-CN" b="1" dirty="0" smtClean="0">
+                <a:solidFill>
+                  <a:schemeClr val="tx2"/>
+                </a:solidFill>
+              </a:rPr>
+              <a:t>6.7 </a:t>
+            </a:r>
+            <a:r>
+              <a:rPr lang="en-US" altLang="zh-CN" b="1" dirty="0">
+                <a:solidFill>
+                  <a:schemeClr val="tx2"/>
+                </a:solidFill>
+              </a:rPr>
+              <a:t>(1)</a:t>
             </a:r>
           </a:p>
         </p:txBody>
@@ -22229,8 +22444,8 @@
         </p:nvSpPr>
         <p:spPr bwMode="auto">
           <a:xfrm>
-            <a:off x="6100763" y="5545138"/>
-            <a:ext cx="2243137" cy="466725"/>
+            <a:off x="6095260" y="5545138"/>
+            <a:ext cx="2254143" cy="461665"/>
           </a:xfrm>
           <a:prstGeom prst="rect">
             <a:avLst/>
@@ -22281,7 +22496,7 @@
                   <a:schemeClr val="tx2"/>
                 </a:solidFill>
               </a:rPr>
-              <a:t>Display 5.7 </a:t>
+              <a:t>Display </a:t>
             </a:r>
             <a:r>
               <a:rPr lang="en-US" altLang="zh-CN" b="1" dirty="0" smtClean="0">
@@ -22289,7 +22504,7 @@
                   <a:schemeClr val="tx2"/>
                 </a:solidFill>
               </a:rPr>
-              <a:t>(2</a:t>
+              <a:t>6.7 (2</a:t>
             </a:r>
             <a:r>
               <a:rPr lang="en-US" altLang="zh-CN" b="1" dirty="0">
@@ -22967,49 +23182,94 @@
           <a:lstStyle/>
           <a:p>
             <a:r>
-              <a:rPr lang="en-US" altLang="zh-CN"/>
+              <a:rPr lang="en-US" altLang="zh-CN" dirty="0"/>
               <a:t>Be sure to deal with the '\n' that ends each </a:t>
             </a:r>
             <a:br>
-              <a:rPr lang="en-US" altLang="zh-CN"/>
-            </a:br>
-            <a:r>
-              <a:rPr lang="en-US" altLang="zh-CN"/>
-              <a:t>input line if using cin &gt;&gt; and cin.get</a:t>
-            </a:r>
+              <a:rPr lang="en-US" altLang="zh-CN" dirty="0"/>
+            </a:br>
+            <a:r>
+              <a:rPr lang="en-US" altLang="zh-CN" dirty="0"/>
+              <a:t>input line if using </a:t>
+            </a:r>
+            <a:r>
+              <a:rPr lang="en-US" altLang="zh-CN" dirty="0" err="1"/>
+              <a:t>cin</a:t>
+            </a:r>
+            <a:r>
+              <a:rPr lang="en-US" altLang="zh-CN" dirty="0"/>
+              <a:t> &gt;&gt; and </a:t>
+            </a:r>
+            <a:r>
+              <a:rPr lang="en-US" altLang="zh-CN" dirty="0" err="1"/>
+              <a:t>cin.get</a:t>
+            </a:r>
+            <a:endParaRPr lang="en-US" altLang="zh-CN" dirty="0"/>
           </a:p>
           <a:p>
             <a:pPr lvl="1"/>
             <a:r>
-              <a:rPr lang="en-US" altLang="zh-CN"/>
-              <a:t>"cin &gt;&gt;"  reads up to the '\n'</a:t>
+              <a:rPr lang="en-US" altLang="zh-CN" dirty="0"/>
+              <a:t>"</a:t>
+            </a:r>
+            <a:r>
+              <a:rPr lang="en-US" altLang="zh-CN" dirty="0" err="1"/>
+              <a:t>cin</a:t>
+            </a:r>
+            <a:r>
+              <a:rPr lang="en-US" altLang="zh-CN" dirty="0"/>
+              <a:t> &gt;&gt;"  reads up to the '\n'</a:t>
             </a:r>
           </a:p>
           <a:p>
             <a:pPr lvl="1"/>
             <a:r>
-              <a:rPr lang="en-US" altLang="zh-CN"/>
+              <a:rPr lang="en-US" altLang="zh-CN" dirty="0"/>
               <a:t>The '\n' remains in the input stream</a:t>
             </a:r>
           </a:p>
           <a:p>
             <a:pPr lvl="1"/>
             <a:r>
-              <a:rPr lang="en-US" altLang="zh-CN"/>
-              <a:t>Using cin.get  next will read the '\n'</a:t>
+              <a:rPr lang="en-US" altLang="zh-CN" dirty="0"/>
+              <a:t>Using </a:t>
+            </a:r>
+            <a:r>
+              <a:rPr lang="en-US" altLang="zh-CN" dirty="0" err="1"/>
+              <a:t>cin.get</a:t>
+            </a:r>
+            <a:r>
+              <a:rPr lang="en-US" altLang="zh-CN" dirty="0"/>
+              <a:t>  next will read the '\n'</a:t>
             </a:r>
           </a:p>
           <a:p>
             <a:pPr lvl="1"/>
             <a:r>
-              <a:rPr lang="en-US" altLang="zh-CN"/>
-              <a:t>The new_line function from Display 5.7 can</a:t>
-            </a:r>
-            <a:br>
-              <a:rPr lang="en-US" altLang="zh-CN"/>
-            </a:br>
-            <a:r>
-              <a:rPr lang="en-US" altLang="zh-CN"/>
+              <a:rPr lang="en-US" altLang="zh-CN" dirty="0"/>
+              <a:t>The </a:t>
+            </a:r>
+            <a:r>
+              <a:rPr lang="en-US" altLang="zh-CN" dirty="0" err="1"/>
+              <a:t>new_line</a:t>
+            </a:r>
+            <a:r>
+              <a:rPr lang="en-US" altLang="zh-CN" dirty="0"/>
+              <a:t> function from Display </a:t>
+            </a:r>
+            <a:r>
+              <a:rPr lang="en-US" altLang="zh-CN" dirty="0" smtClean="0"/>
+              <a:t>6.7 </a:t>
+            </a:r>
+            <a:r>
+              <a:rPr lang="en-US" altLang="zh-CN" dirty="0"/>
+              <a:t>can</a:t>
+            </a:r>
+            <a:br>
+              <a:rPr lang="en-US" altLang="zh-CN" dirty="0"/>
+            </a:br>
+            <a:r>
+              <a:rPr lang="en-US" altLang="zh-CN" dirty="0"/>
               <a:t>be used to clear the '\n'</a:t>
             </a:r>
           </a:p>
@@ -24528,15 +24788,19 @@
           <a:lstStyle/>
           <a:p>
             <a:r>
-              <a:rPr lang="en-US" altLang="zh-CN" smtClean="0"/>
-              <a:t>Slide 5- </a:t>
+              <a:rPr lang="en-US" altLang="zh-CN" dirty="0" smtClean="0"/>
+              <a:t>Slide </a:t>
+            </a:r>
+            <a:r>
+              <a:rPr lang="en-US" altLang="zh-CN" dirty="0" smtClean="0"/>
+              <a:t>6- </a:t>
             </a:r>
             <a:fld id="{3C594E94-0A75-47C5-A997-082619340147}" type="slidenum">
               <a:rPr lang="en-US" altLang="zh-CN" smtClean="0"/>
               <a:pPr/>
               <a:t>8</a:t>
             </a:fld>
-            <a:endParaRPr lang="en-CA" altLang="zh-CN">
+            <a:endParaRPr lang="en-CA" altLang="zh-CN" dirty="0">
               <a:ea typeface="宋体" panose="02010600030101010101" pitchFamily="2" charset="-122"/>
             </a:endParaRPr>
           </a:p>
@@ -24553,6 +24817,13 @@
     <a:masterClrMapping/>
   </p:clrMapOvr>
   <p:transition spd="med"/>
+  <p:timing>
+    <p:tnLst>
+      <p:par>
+        <p:cTn id="1" dur="indefinite" restart="never" nodeType="tmRoot"/>
+      </p:par>
+    </p:tnLst>
+  </p:timing>
 </p:sld>
 </file>
 
@@ -25265,8 +25536,8 @@
         </p:nvSpPr>
         <p:spPr bwMode="auto">
           <a:xfrm>
-            <a:off x="6602413" y="5259388"/>
-            <a:ext cx="2243137" cy="466725"/>
+            <a:off x="6596910" y="5259388"/>
+            <a:ext cx="2254143" cy="461665"/>
           </a:xfrm>
           <a:prstGeom prst="rect">
             <a:avLst/>
@@ -25312,12 +25583,28 @@
               <a:buNone/>
             </a:pPr>
             <a:r>
-              <a:rPr lang="en-US" altLang="zh-CN" b="1">
+              <a:rPr lang="en-US" altLang="zh-CN" b="1" dirty="0">
                 <a:solidFill>
                   <a:schemeClr val="tx2"/>
                 </a:solidFill>
               </a:rPr>
-              <a:t>Display 5.8 (1)</a:t>
+              <a:t>Display </a:t>
+            </a:r>
+            <a:r>
+              <a:rPr lang="en-US" altLang="zh-CN" b="1" dirty="0" smtClean="0">
+                <a:solidFill>
+                  <a:schemeClr val="tx2"/>
+                </a:solidFill>
+              </a:rPr>
+              <a:t>6.8 </a:t>
+            </a:r>
+            <a:r>
+              <a:rPr lang="en-US" altLang="zh-CN" b="1" dirty="0">
+                <a:solidFill>
+                  <a:schemeClr val="tx2"/>
+                </a:solidFill>
+              </a:rPr>
+              <a:t>(1)</a:t>
             </a:r>
           </a:p>
         </p:txBody>
@@ -25334,8 +25621,8 @@
         </p:nvSpPr>
         <p:spPr bwMode="auto">
           <a:xfrm>
-            <a:off x="6602413" y="5781675"/>
-            <a:ext cx="2243137" cy="466725"/>
+            <a:off x="6596910" y="5781675"/>
+            <a:ext cx="2254143" cy="461665"/>
           </a:xfrm>
           <a:prstGeom prst="rect">
             <a:avLst/>
@@ -25381,12 +25668,28 @@
               <a:buNone/>
             </a:pPr>
             <a:r>
-              <a:rPr lang="en-US" altLang="zh-CN" b="1">
+              <a:rPr lang="en-US" altLang="zh-CN" b="1" dirty="0">
                 <a:solidFill>
                   <a:schemeClr val="tx2"/>
                 </a:solidFill>
               </a:rPr>
-              <a:t>Display 5.8 (2)</a:t>
+              <a:t>Display </a:t>
+            </a:r>
+            <a:r>
+              <a:rPr lang="en-US" altLang="zh-CN" b="1" dirty="0" smtClean="0">
+                <a:solidFill>
+                  <a:schemeClr val="tx2"/>
+                </a:solidFill>
+              </a:rPr>
+              <a:t>6.8 </a:t>
+            </a:r>
+            <a:r>
+              <a:rPr lang="en-US" altLang="zh-CN" b="1" dirty="0">
+                <a:solidFill>
+                  <a:schemeClr val="tx2"/>
+                </a:solidFill>
+              </a:rPr>
+              <a:t>(2)</a:t>
             </a:r>
           </a:p>
         </p:txBody>
@@ -26271,8 +26574,8 @@
         </p:nvSpPr>
         <p:spPr bwMode="auto">
           <a:xfrm>
-            <a:off x="6605588" y="5411788"/>
-            <a:ext cx="2159000" cy="466725"/>
+            <a:off x="6558017" y="5411788"/>
+            <a:ext cx="2254143" cy="461665"/>
           </a:xfrm>
           <a:prstGeom prst="rect">
             <a:avLst/>
@@ -26318,12 +26621,20 @@
               <a:buNone/>
             </a:pPr>
             <a:r>
-              <a:rPr lang="en-US" altLang="zh-CN" b="1">
+              <a:rPr lang="en-US" altLang="zh-CN" b="1" dirty="0" smtClean="0">
                 <a:solidFill>
                   <a:schemeClr val="tx2"/>
                 </a:solidFill>
               </a:rPr>
-              <a:t>Display5.9 (1)</a:t>
+              <a:t>Display 6.9 </a:t>
+            </a:r>
+            <a:r>
+              <a:rPr lang="en-US" altLang="zh-CN" b="1" dirty="0">
+                <a:solidFill>
+                  <a:schemeClr val="tx2"/>
+                </a:solidFill>
+              </a:rPr>
+              <a:t>(1)</a:t>
             </a:r>
           </a:p>
         </p:txBody>
@@ -26340,8 +26651,8 @@
         </p:nvSpPr>
         <p:spPr bwMode="auto">
           <a:xfrm>
-            <a:off x="6564313" y="5934075"/>
-            <a:ext cx="2243137" cy="466725"/>
+            <a:off x="6558810" y="5934075"/>
+            <a:ext cx="2254143" cy="461665"/>
           </a:xfrm>
           <a:prstGeom prst="rect">
             <a:avLst/>
@@ -26387,12 +26698,28 @@
               <a:buNone/>
             </a:pPr>
             <a:r>
-              <a:rPr lang="en-US" altLang="zh-CN" b="1">
+              <a:rPr lang="en-US" altLang="zh-CN" b="1" dirty="0">
                 <a:solidFill>
                   <a:schemeClr val="tx2"/>
                 </a:solidFill>
               </a:rPr>
-              <a:t>Display 5.9 (2)</a:t>
+              <a:t>Display </a:t>
+            </a:r>
+            <a:r>
+              <a:rPr lang="en-US" altLang="zh-CN" b="1" dirty="0" smtClean="0">
+                <a:solidFill>
+                  <a:schemeClr val="tx2"/>
+                </a:solidFill>
+              </a:rPr>
+              <a:t>6.9 </a:t>
+            </a:r>
+            <a:r>
+              <a:rPr lang="en-US" altLang="zh-CN" b="1" dirty="0">
+                <a:solidFill>
+                  <a:schemeClr val="tx2"/>
+                </a:solidFill>
+              </a:rPr>
+              <a:t>(2)</a:t>
             </a:r>
           </a:p>
         </p:txBody>
@@ -26842,11 +27169,7 @@
           <a:p>
             <a:r>
               <a:rPr lang="en-US" altLang="zh-CN" dirty="0" smtClean="0"/>
-              <a:t>Slide </a:t>
-            </a:r>
-            <a:r>
-              <a:rPr lang="en-US" altLang="zh-CN" dirty="0" smtClean="0"/>
-              <a:t>6- </a:t>
+              <a:t>Slide 6- </a:t>
             </a:r>
             <a:fld id="{3C594E94-0A75-47C5-A997-082619340147}" type="slidenum">
               <a:rPr lang="en-US" altLang="zh-CN" smtClean="0"/>
@@ -26936,6 +27259,13 @@
     <a:masterClrMapping/>
   </p:clrMapOvr>
   <p:transition spd="med"/>
+  <p:timing>
+    <p:tnLst>
+      <p:par>
+        <p:cTn id="1" dur="indefinite" restart="never" nodeType="tmRoot"/>
+      </p:par>
+    </p:tnLst>
+  </p:timing>
 </p:sld>
 </file>
 

--- a/ppt/Chapter 6.pptx
+++ b/ppt/Chapter 6.pptx
@@ -7781,11 +7781,7 @@
           <a:p>
             <a:r>
               <a:rPr lang="en-US" altLang="zh-CN" dirty="0" smtClean="0"/>
-              <a:t>Slide </a:t>
-            </a:r>
-            <a:r>
-              <a:rPr lang="en-US" altLang="zh-CN" dirty="0" smtClean="0"/>
-              <a:t>6- </a:t>
+              <a:t>Slide 6- </a:t>
             </a:r>
             <a:fld id="{3C594E94-0A75-47C5-A997-082619340147}" type="slidenum">
               <a:rPr lang="en-US" altLang="zh-CN" smtClean="0"/>
@@ -10376,11 +10372,7 @@
           <a:p>
             <a:r>
               <a:rPr lang="en-US" altLang="zh-CN" dirty="0" smtClean="0"/>
-              <a:t>Slide </a:t>
-            </a:r>
-            <a:r>
-              <a:rPr lang="en-US" altLang="zh-CN" dirty="0" smtClean="0"/>
-              <a:t>6- </a:t>
+              <a:t>Slide 6- </a:t>
             </a:r>
             <a:fld id="{3C594E94-0A75-47C5-A997-082619340147}" type="slidenum">
               <a:rPr lang="en-US" altLang="zh-CN" smtClean="0"/>
@@ -12780,7 +12772,7 @@
           <a:graphicData uri="http://schemas.openxmlformats.org/presentationml/2006/ole">
             <mc:AlternateContent xmlns:mc="http://schemas.openxmlformats.org/markup-compatibility/2006">
               <mc:Choice xmlns:v="urn:schemas-microsoft-com:vml" Requires="v">
-                <p:oleObj spid="_x0000_s1168" name="包装程序外壳对象" showAsIcon="1" r:id="rId3" imgW="925920" imgH="533880" progId="Package">
+                <p:oleObj spid="_x0000_s1169" name="包装程序外壳对象" showAsIcon="1" r:id="rId3" imgW="925920" imgH="533880" progId="Package">
                   <p:embed/>
                 </p:oleObj>
               </mc:Choice>
@@ -24789,11 +24781,7 @@
           <a:p>
             <a:r>
               <a:rPr lang="en-US" altLang="zh-CN" dirty="0" smtClean="0"/>
-              <a:t>Slide </a:t>
-            </a:r>
-            <a:r>
-              <a:rPr lang="en-US" altLang="zh-CN" dirty="0" smtClean="0"/>
-              <a:t>6- </a:t>
+              <a:t>Slide 6- </a:t>
             </a:r>
             <a:fld id="{3C594E94-0A75-47C5-A997-082619340147}" type="slidenum">
               <a:rPr lang="en-US" altLang="zh-CN" smtClean="0"/>

--- a/ppt/Chapter 6.pptx
+++ b/ppt/Chapter 6.pptx
@@ -565,12 +565,16 @@
             </a:lvl1pPr>
           </a:lstStyle>
           <a:p>
+            <a:r>
+              <a:rPr lang="en-US" altLang="zh-CN" dirty="0" smtClean="0"/>
+              <a:t>6-</a:t>
+            </a:r>
             <a:fld id="{60D9011D-2152-46F3-AC82-AD3C7D68A3A3}" type="slidenum">
-              <a:rPr lang="zh-CN" altLang="en-CA"/>
+              <a:rPr lang="zh-CN" altLang="en-CA" smtClean="0"/>
               <a:pPr/>
               <a:t>‹#›</a:t>
             </a:fld>
-            <a:endParaRPr lang="en-CA" altLang="zh-CN"/>
+            <a:endParaRPr lang="en-CA" altLang="zh-CN" dirty="0"/>
           </a:p>
         </p:txBody>
       </p:sp>
@@ -1163,7 +1167,7 @@
 </file>
 
 <file path=ppt/slideLayouts/slideLayout1.xml><?xml version="1.0" encoding="utf-8"?>
-<p:sldLayout xmlns:a="http://schemas.openxmlformats.org/drawingml/2006/main" xmlns:r="http://schemas.openxmlformats.org/officeDocument/2006/relationships" xmlns:p="http://schemas.openxmlformats.org/presentationml/2006/main" showMasterSp="0" type="title" preserve="1">
+<p:sldLayout xmlns:a="http://schemas.openxmlformats.org/drawingml/2006/main" xmlns:r="http://schemas.openxmlformats.org/officeDocument/2006/relationships" xmlns:p="http://schemas.openxmlformats.org/presentationml/2006/main" type="title" preserve="1">
   <p:cSld name="标题幻灯片">
     <p:spTree>
       <p:nvGrpSpPr>
@@ -1293,98 +1297,6 @@
           <a:lstStyle/>
           <a:p>
             <a:endParaRPr lang="zh-CN" altLang="en-US"/>
-          </a:p>
-        </p:txBody>
-      </p:sp>
-      <p:sp>
-        <p:nvSpPr>
-          <p:cNvPr id="4125" name="Rectangle 29"/>
-          <p:cNvSpPr>
-            <a:spLocks noGrp="1" noChangeArrowheads="1"/>
-          </p:cNvSpPr>
-          <p:nvPr>
-            <p:ph type="ftr" sz="quarter" idx="3"/>
-          </p:nvPr>
-        </p:nvSpPr>
-        <p:spPr bwMode="auto">
-          <a:xfrm>
-            <a:off x="838200" y="6397625"/>
-            <a:ext cx="5486400" cy="457200"/>
-          </a:xfrm>
-          <a:prstGeom prst="rect">
-            <a:avLst/>
-          </a:prstGeom>
-          <a:noFill/>
-          <a:extLst>
-            <a:ext uri="{909E8E84-426E-40DD-AFC4-6F175D3DCCD1}">
-              <a14:hiddenFill xmlns:a14="http://schemas.microsoft.com/office/drawing/2010/main">
-                <a:solidFill>
-                  <a:schemeClr val="accent1"/>
-                </a:solidFill>
-              </a14:hiddenFill>
-            </a:ext>
-            <a:ext uri="{91240B29-F687-4F45-9708-019B960494DF}">
-              <a14:hiddenLine xmlns:a14="http://schemas.microsoft.com/office/drawing/2010/main" w="9525">
-                <a:solidFill>
-                  <a:schemeClr val="tx1"/>
-                </a:solidFill>
-                <a:miter lim="800000"/>
-                <a:headEnd/>
-                <a:tailEnd/>
-              </a14:hiddenLine>
-            </a:ext>
-            <a:ext uri="{AF507438-7753-43E0-B8FC-AC1667EBCBE1}">
-              <a14:hiddenEffects xmlns:a14="http://schemas.microsoft.com/office/drawing/2010/main">
-                <a:effectLst>
-                  <a:outerShdw dist="35921" dir="2700000" algn="ctr" rotWithShape="0">
-                    <a:schemeClr val="bg2"/>
-                  </a:outerShdw>
-                </a:effectLst>
-              </a14:hiddenEffects>
-            </a:ext>
-          </a:extLst>
-        </p:spPr>
-        <p:txBody>
-          <a:bodyPr vert="horz" wrap="square" lIns="91440" tIns="45720" rIns="91440" bIns="45720" numCol="1" anchor="b" anchorCtr="0" compatLnSpc="1">
-            <a:prstTxWarp prst="textNoShape">
-              <a:avLst/>
-            </a:prstTxWarp>
-          </a:bodyPr>
-          <a:lstStyle>
-            <a:lvl1pPr>
-              <a:defRPr sz="900"/>
-            </a:lvl1pPr>
-          </a:lstStyle>
-          <a:p>
-            <a:r>
-              <a:rPr lang="en-US" altLang="zh-CN"/>
-              <a:t>Copyright © 2008 </a:t>
-            </a:r>
-            <a:r>
-              <a:rPr lang="en-US" altLang="zh-TW">
-                <a:ea typeface="新細明體" charset="-120"/>
-              </a:rPr>
-              <a:t>PEARSON EDUCATION </a:t>
-            </a:r>
-            <a:r>
-              <a:rPr lang="en-US" altLang="zh-CN">
-                <a:ea typeface="宋体" panose="02010600030101010101" pitchFamily="2" charset="-122"/>
-              </a:rPr>
-              <a:t>ASIA </a:t>
-            </a:r>
-            <a:r>
-              <a:rPr lang="en-US" altLang="zh-TW">
-                <a:ea typeface="新細明體" charset="-120"/>
-              </a:rPr>
-              <a:t>LIMITED and Tsinghua University Press</a:t>
-            </a:r>
-            <a:r>
-              <a:rPr lang="en-US" altLang="zh-CN">
-                <a:ea typeface="宋体" panose="02010600030101010101" pitchFamily="2" charset="-122"/>
-              </a:rPr>
-              <a:t> </a:t>
-            </a:r>
-            <a:endParaRPr lang="en-US" altLang="zh-CN"/>
           </a:p>
         </p:txBody>
       </p:sp>
@@ -1579,47 +1491,6 @@
           </a:extLst>
         </p:spPr>
       </p:pic>
-      <p:pic>
-        <p:nvPicPr>
-          <p:cNvPr id="4145" name="Picture 49" descr="26pic_06_11_22_10_30_44"/>
-          <p:cNvPicPr>
-            <a:picLocks noChangeAspect="1" noChangeArrowheads="1"/>
-          </p:cNvPicPr>
-          <p:nvPr/>
-        </p:nvPicPr>
-        <p:blipFill>
-          <a:blip r:embed="rId5">
-            <a:extLst>
-              <a:ext uri="{28A0092B-C50C-407E-A947-70E740481C1C}">
-                <a14:useLocalDpi xmlns:a14="http://schemas.microsoft.com/office/drawing/2010/main" val="0"/>
-              </a:ext>
-            </a:extLst>
-          </a:blip>
-          <a:srcRect/>
-          <a:stretch>
-            <a:fillRect/>
-          </a:stretch>
-        </p:blipFill>
-        <p:spPr bwMode="auto">
-          <a:xfrm>
-            <a:off x="2463800" y="5410200"/>
-            <a:ext cx="3175000" cy="914400"/>
-          </a:xfrm>
-          <a:prstGeom prst="rect">
-            <a:avLst/>
-          </a:prstGeom>
-          <a:noFill/>
-          <a:extLst>
-            <a:ext uri="{909E8E84-426E-40DD-AFC4-6F175D3DCCD1}">
-              <a14:hiddenFill xmlns:a14="http://schemas.microsoft.com/office/drawing/2010/main">
-                <a:solidFill>
-                  <a:srgbClr val="FFFFFF"/>
-                </a:solidFill>
-              </a14:hiddenFill>
-            </a:ext>
-          </a:extLst>
-        </p:spPr>
-      </p:pic>
     </p:spTree>
   </p:cSld>
   <p:clrMapOvr>
@@ -1741,15 +1612,19 @@
           </a:lstStyle>
           <a:p>
             <a:r>
-              <a:rPr lang="en-US" altLang="zh-CN"/>
-              <a:t>Slide 5- </a:t>
+              <a:rPr lang="en-US" altLang="zh-CN" dirty="0"/>
+              <a:t>Slide </a:t>
+            </a:r>
+            <a:r>
+              <a:rPr lang="en-US" altLang="zh-CN" dirty="0" smtClean="0"/>
+              <a:t>6- </a:t>
             </a:r>
             <a:fld id="{1CFD3717-D8AB-46B4-979A-8136D7D1BB08}" type="slidenum">
               <a:rPr lang="en-US" altLang="zh-CN"/>
               <a:pPr/>
               <a:t>‹#›</a:t>
             </a:fld>
-            <a:endParaRPr lang="en-CA" altLang="zh-CN">
+            <a:endParaRPr lang="en-CA" altLang="zh-CN" dirty="0">
               <a:ea typeface="宋体" panose="02010600030101010101" pitchFamily="2" charset="-122"/>
             </a:endParaRPr>
           </a:p>
@@ -1891,15 +1766,19 @@
           </a:lstStyle>
           <a:p>
             <a:r>
-              <a:rPr lang="en-US" altLang="zh-CN"/>
-              <a:t>Slide 5- </a:t>
+              <a:rPr lang="en-US" altLang="zh-CN" dirty="0"/>
+              <a:t>Slide </a:t>
+            </a:r>
+            <a:r>
+              <a:rPr lang="en-US" altLang="zh-CN" dirty="0" smtClean="0"/>
+              <a:t>6- </a:t>
             </a:r>
             <a:fld id="{9A2BA22D-40D9-4A2F-A9F5-319C9D632D85}" type="slidenum">
               <a:rPr lang="en-US" altLang="zh-CN"/>
               <a:pPr/>
               <a:t>‹#›</a:t>
             </a:fld>
-            <a:endParaRPr lang="en-CA" altLang="zh-CN">
+            <a:endParaRPr lang="en-CA" altLang="zh-CN" dirty="0">
               <a:ea typeface="宋体" panose="02010600030101010101" pitchFamily="2" charset="-122"/>
             </a:endParaRPr>
           </a:p>
@@ -2008,40 +1887,6 @@
               <a:t>第五级</a:t>
             </a:r>
             <a:endParaRPr lang="zh-CN" altLang="en-US"/>
-          </a:p>
-        </p:txBody>
-      </p:sp>
-      <p:sp>
-        <p:nvSpPr>
-          <p:cNvPr id="4" name="灯片编号占位符 3"/>
-          <p:cNvSpPr>
-            <a:spLocks noGrp="1"/>
-          </p:cNvSpPr>
-          <p:nvPr>
-            <p:ph type="sldNum" sz="quarter" idx="10"/>
-          </p:nvPr>
-        </p:nvSpPr>
-        <p:spPr/>
-        <p:txBody>
-          <a:bodyPr/>
-          <a:lstStyle>
-            <a:lvl1pPr>
-              <a:defRPr/>
-            </a:lvl1pPr>
-          </a:lstStyle>
-          <a:p>
-            <a:r>
-              <a:rPr lang="en-US" altLang="zh-CN"/>
-              <a:t>Slide 5- </a:t>
-            </a:r>
-            <a:fld id="{3C594E94-0A75-47C5-A997-082619340147}" type="slidenum">
-              <a:rPr lang="en-US" altLang="zh-CN"/>
-              <a:pPr/>
-              <a:t>‹#›</a:t>
-            </a:fld>
-            <a:endParaRPr lang="en-CA" altLang="zh-CN">
-              <a:ea typeface="宋体" panose="02010600030101010101" pitchFamily="2" charset="-122"/>
-            </a:endParaRPr>
           </a:p>
         </p:txBody>
       </p:sp>
@@ -2173,40 +2018,6 @@
           </a:p>
         </p:txBody>
       </p:sp>
-      <p:sp>
-        <p:nvSpPr>
-          <p:cNvPr id="4" name="灯片编号占位符 3"/>
-          <p:cNvSpPr>
-            <a:spLocks noGrp="1"/>
-          </p:cNvSpPr>
-          <p:nvPr>
-            <p:ph type="sldNum" sz="quarter" idx="10"/>
-          </p:nvPr>
-        </p:nvSpPr>
-        <p:spPr/>
-        <p:txBody>
-          <a:bodyPr/>
-          <a:lstStyle>
-            <a:lvl1pPr>
-              <a:defRPr/>
-            </a:lvl1pPr>
-          </a:lstStyle>
-          <a:p>
-            <a:r>
-              <a:rPr lang="en-US" altLang="zh-CN"/>
-              <a:t>Slide 5- </a:t>
-            </a:r>
-            <a:fld id="{7BDCB02B-ABB8-4296-AE2E-EE3064A39126}" type="slidenum">
-              <a:rPr lang="en-US" altLang="zh-CN"/>
-              <a:pPr/>
-              <a:t>‹#›</a:t>
-            </a:fld>
-            <a:endParaRPr lang="en-CA" altLang="zh-CN">
-              <a:ea typeface="宋体" panose="02010600030101010101" pitchFamily="2" charset="-122"/>
-            </a:endParaRPr>
-          </a:p>
-        </p:txBody>
-      </p:sp>
     </p:spTree>
     <p:extLst>
       <p:ext uri="{BB962C8B-B14F-4D97-AF65-F5344CB8AC3E}">
@@ -2395,15 +2206,19 @@
           </a:lstStyle>
           <a:p>
             <a:r>
-              <a:rPr lang="en-US" altLang="zh-CN"/>
-              <a:t>Slide 5- </a:t>
+              <a:rPr lang="en-US" altLang="zh-CN" dirty="0"/>
+              <a:t>Slide </a:t>
+            </a:r>
+            <a:r>
+              <a:rPr lang="en-US" altLang="zh-CN" dirty="0" smtClean="0"/>
+              <a:t>6- </a:t>
             </a:r>
             <a:fld id="{9ACFE678-C6CB-4598-848C-636B3DEEB622}" type="slidenum">
               <a:rPr lang="en-US" altLang="zh-CN"/>
               <a:pPr/>
               <a:t>‹#›</a:t>
             </a:fld>
-            <a:endParaRPr lang="en-CA" altLang="zh-CN">
+            <a:endParaRPr lang="en-CA" altLang="zh-CN" dirty="0">
               <a:ea typeface="宋体" panose="02010600030101010101" pitchFamily="2" charset="-122"/>
             </a:endParaRPr>
           </a:p>
@@ -2732,15 +2547,19 @@
           </a:lstStyle>
           <a:p>
             <a:r>
-              <a:rPr lang="en-US" altLang="zh-CN"/>
-              <a:t>Slide 5- </a:t>
+              <a:rPr lang="en-US" altLang="zh-CN" dirty="0"/>
+              <a:t>Slide </a:t>
+            </a:r>
+            <a:r>
+              <a:rPr lang="en-US" altLang="zh-CN" dirty="0" smtClean="0"/>
+              <a:t>6- </a:t>
             </a:r>
             <a:fld id="{62294025-951D-4198-8041-192CD2A356E4}" type="slidenum">
               <a:rPr lang="en-US" altLang="zh-CN"/>
               <a:pPr/>
               <a:t>‹#›</a:t>
             </a:fld>
-            <a:endParaRPr lang="en-CA" altLang="zh-CN">
+            <a:endParaRPr lang="en-CA" altLang="zh-CN" dirty="0">
               <a:ea typeface="宋体" panose="02010600030101010101" pitchFamily="2" charset="-122"/>
             </a:endParaRPr>
           </a:p>
@@ -2820,15 +2639,19 @@
           </a:lstStyle>
           <a:p>
             <a:r>
-              <a:rPr lang="en-US" altLang="zh-CN"/>
-              <a:t>Slide 5- </a:t>
+              <a:rPr lang="en-US" altLang="zh-CN" dirty="0"/>
+              <a:t>Slide </a:t>
+            </a:r>
+            <a:r>
+              <a:rPr lang="en-US" altLang="zh-CN" dirty="0" smtClean="0"/>
+              <a:t>6- </a:t>
             </a:r>
             <a:fld id="{3371F30A-3AFC-4363-8D0A-FC4B157010FB}" type="slidenum">
               <a:rPr lang="en-US" altLang="zh-CN"/>
               <a:pPr/>
               <a:t>‹#›</a:t>
             </a:fld>
-            <a:endParaRPr lang="en-CA" altLang="zh-CN">
+            <a:endParaRPr lang="en-CA" altLang="zh-CN" dirty="0">
               <a:ea typeface="宋体" panose="02010600030101010101" pitchFamily="2" charset="-122"/>
             </a:endParaRPr>
           </a:p>
@@ -2885,15 +2708,19 @@
           </a:lstStyle>
           <a:p>
             <a:r>
-              <a:rPr lang="en-US" altLang="zh-CN"/>
-              <a:t>Slide 5- </a:t>
+              <a:rPr lang="en-US" altLang="zh-CN" dirty="0"/>
+              <a:t>Slide </a:t>
+            </a:r>
+            <a:r>
+              <a:rPr lang="en-US" altLang="zh-CN" dirty="0" smtClean="0"/>
+              <a:t>6- </a:t>
             </a:r>
             <a:fld id="{1CE67936-BD54-45F2-86D1-0665F40EBF21}" type="slidenum">
               <a:rPr lang="en-US" altLang="zh-CN"/>
               <a:pPr/>
               <a:t>‹#›</a:t>
             </a:fld>
-            <a:endParaRPr lang="en-CA" altLang="zh-CN">
+            <a:endParaRPr lang="en-CA" altLang="zh-CN" dirty="0">
               <a:ea typeface="宋体" panose="02010600030101010101" pitchFamily="2" charset="-122"/>
             </a:endParaRPr>
           </a:p>
@@ -3132,15 +2959,19 @@
           </a:lstStyle>
           <a:p>
             <a:r>
-              <a:rPr lang="en-US" altLang="zh-CN"/>
-              <a:t>Slide 5- </a:t>
+              <a:rPr lang="en-US" altLang="zh-CN" dirty="0"/>
+              <a:t>Slide </a:t>
+            </a:r>
+            <a:r>
+              <a:rPr lang="en-US" altLang="zh-CN" dirty="0" smtClean="0"/>
+              <a:t>6- </a:t>
             </a:r>
             <a:fld id="{792B2A00-988C-4DDF-A06E-EF0F0A630FE5}" type="slidenum">
               <a:rPr lang="en-US" altLang="zh-CN"/>
               <a:pPr/>
               <a:t>‹#›</a:t>
             </a:fld>
-            <a:endParaRPr lang="en-CA" altLang="zh-CN">
+            <a:endParaRPr lang="en-CA" altLang="zh-CN" dirty="0">
               <a:ea typeface="宋体" panose="02010600030101010101" pitchFamily="2" charset="-122"/>
             </a:endParaRPr>
           </a:p>
@@ -3355,15 +3186,19 @@
           </a:lstStyle>
           <a:p>
             <a:r>
-              <a:rPr lang="en-US" altLang="zh-CN"/>
-              <a:t>Slide 5- </a:t>
+              <a:rPr lang="en-US" altLang="zh-CN" dirty="0"/>
+              <a:t>Slide </a:t>
+            </a:r>
+            <a:r>
+              <a:rPr lang="en-US" altLang="zh-CN" dirty="0" smtClean="0"/>
+              <a:t>6- </a:t>
             </a:r>
             <a:fld id="{A47C856B-C28C-412D-A0C5-882D811DE99C}" type="slidenum">
               <a:rPr lang="en-US" altLang="zh-CN"/>
               <a:pPr/>
               <a:t>‹#›</a:t>
             </a:fld>
-            <a:endParaRPr lang="en-CA" altLang="zh-CN">
+            <a:endParaRPr lang="en-CA" altLang="zh-CN" dirty="0">
               <a:ea typeface="宋体" panose="02010600030101010101" pitchFamily="2" charset="-122"/>
             </a:endParaRPr>
           </a:p>
@@ -3408,81 +3243,6 @@
           <a:chExt cx="0" cy="0"/>
         </a:xfrm>
       </p:grpSpPr>
-      <p:sp>
-        <p:nvSpPr>
-          <p:cNvPr id="3109" name="Rectangle 37"/>
-          <p:cNvSpPr>
-            <a:spLocks noChangeArrowheads="1"/>
-          </p:cNvSpPr>
-          <p:nvPr/>
-        </p:nvSpPr>
-        <p:spPr bwMode="gray">
-          <a:xfrm rot="16200000">
-            <a:off x="4419600" y="2136775"/>
-            <a:ext cx="301625" cy="9140825"/>
-          </a:xfrm>
-          <a:prstGeom prst="rect">
-            <a:avLst/>
-          </a:prstGeom>
-          <a:gradFill rotWithShape="0">
-            <a:gsLst>
-              <a:gs pos="0">
-                <a:srgbClr val="6669AA">
-                  <a:alpha val="47000"/>
-                </a:srgbClr>
-              </a:gs>
-              <a:gs pos="100000">
-                <a:srgbClr val="6669AA">
-                  <a:gamma/>
-                  <a:tint val="33333"/>
-                  <a:invGamma/>
-                </a:srgbClr>
-              </a:gs>
-            </a:gsLst>
-            <a:lin ang="5400000" scaled="1"/>
-          </a:gradFill>
-          <a:ln>
-            <a:noFill/>
-          </a:ln>
-          <a:effectLst/>
-          <a:extLst>
-            <a:ext uri="{91240B29-F687-4F45-9708-019B960494DF}">
-              <a14:hiddenLine xmlns:a14="http://schemas.microsoft.com/office/drawing/2010/main" w="76200">
-                <a:pattFill prst="pct40">
-                  <a:fgClr>
-                    <a:schemeClr val="bg1"/>
-                  </a:fgClr>
-                  <a:bgClr>
-                    <a:srgbClr val="02B2CA"/>
-                  </a:bgClr>
-                </a:pattFill>
-                <a:miter lim="800000"/>
-                <a:headEnd/>
-                <a:tailEnd/>
-              </a14:hiddenLine>
-            </a:ext>
-            <a:ext uri="{AF507438-7753-43E0-B8FC-AC1667EBCBE1}">
-              <a14:hiddenEffects xmlns:a14="http://schemas.microsoft.com/office/drawing/2010/main">
-                <a:effectLst>
-                  <a:outerShdw dist="35921" dir="2700000" algn="ctr" rotWithShape="0">
-                    <a:schemeClr val="bg2"/>
-                  </a:outerShdw>
-                </a:effectLst>
-              </a14:hiddenEffects>
-            </a:ext>
-          </a:extLst>
-        </p:spPr>
-        <p:txBody>
-          <a:bodyPr vert="eaVert" wrap="none" anchor="ctr"/>
-          <a:lstStyle/>
-          <a:p>
-            <a:pPr algn="ctr"/>
-            <a:endParaRPr kumimoji="1" lang="en-US" altLang="zh-CN" sz="3200">
-              <a:latin typeface="Tahoma" panose="020B0604030504040204" pitchFamily="34" charset="0"/>
-            </a:endParaRPr>
-          </a:p>
-        </p:txBody>
-      </p:sp>
       <p:sp>
         <p:nvSpPr>
           <p:cNvPr id="3114" name="Rectangle 42" descr="40%"/>
@@ -3686,15 +3446,19 @@
           </a:lstStyle>
           <a:p>
             <a:r>
-              <a:rPr lang="en-US" altLang="zh-CN"/>
-              <a:t>Slide 5- </a:t>
+              <a:rPr lang="en-US" altLang="zh-CN" dirty="0"/>
+              <a:t>Slide </a:t>
+            </a:r>
+            <a:r>
+              <a:rPr lang="en-US" altLang="zh-CN" dirty="0" smtClean="0"/>
+              <a:t>6- </a:t>
             </a:r>
             <a:fld id="{64DFAACD-A2F6-4D8B-AD96-C11C543D4A62}" type="slidenum">
               <a:rPr lang="en-US" altLang="zh-CN"/>
               <a:pPr/>
               <a:t>‹#›</a:t>
             </a:fld>
-            <a:endParaRPr lang="en-CA" altLang="zh-CN">
+            <a:endParaRPr lang="en-CA" altLang="zh-CN" dirty="0">
               <a:ea typeface="宋体" panose="02010600030101010101" pitchFamily="2" charset="-122"/>
             </a:endParaRPr>
           </a:p>
@@ -3793,86 +3557,6 @@
               <a:rPr lang="en-US" altLang="zh-CN" smtClean="0"/>
               <a:t>Fifth level</a:t>
             </a:r>
-          </a:p>
-        </p:txBody>
-      </p:sp>
-      <p:sp>
-        <p:nvSpPr>
-          <p:cNvPr id="3102" name="Rectangle 30"/>
-          <p:cNvSpPr>
-            <a:spLocks noChangeArrowheads="1"/>
-          </p:cNvSpPr>
-          <p:nvPr/>
-        </p:nvSpPr>
-        <p:spPr bwMode="auto">
-          <a:xfrm>
-            <a:off x="838200" y="6397625"/>
-            <a:ext cx="4953000" cy="457200"/>
-          </a:xfrm>
-          <a:prstGeom prst="rect">
-            <a:avLst/>
-          </a:prstGeom>
-          <a:noFill/>
-          <a:ln>
-            <a:noFill/>
-          </a:ln>
-          <a:effectLst/>
-          <a:extLst>
-            <a:ext uri="{909E8E84-426E-40DD-AFC4-6F175D3DCCD1}">
-              <a14:hiddenFill xmlns:a14="http://schemas.microsoft.com/office/drawing/2010/main">
-                <a:solidFill>
-                  <a:schemeClr val="accent1"/>
-                </a:solidFill>
-              </a14:hiddenFill>
-            </a:ext>
-            <a:ext uri="{91240B29-F687-4F45-9708-019B960494DF}">
-              <a14:hiddenLine xmlns:a14="http://schemas.microsoft.com/office/drawing/2010/main" w="9525">
-                <a:solidFill>
-                  <a:schemeClr val="tx1"/>
-                </a:solidFill>
-                <a:miter lim="800000"/>
-                <a:headEnd/>
-                <a:tailEnd/>
-              </a14:hiddenLine>
-            </a:ext>
-            <a:ext uri="{AF507438-7753-43E0-B8FC-AC1667EBCBE1}">
-              <a14:hiddenEffects xmlns:a14="http://schemas.microsoft.com/office/drawing/2010/main">
-                <a:effectLst>
-                  <a:outerShdw dist="35921" dir="2700000" algn="ctr" rotWithShape="0">
-                    <a:schemeClr val="bg2"/>
-                  </a:outerShdw>
-                </a:effectLst>
-              </a14:hiddenEffects>
-            </a:ext>
-          </a:extLst>
-        </p:spPr>
-        <p:txBody>
-          <a:bodyPr anchor="b"/>
-          <a:lstStyle/>
-          <a:p>
-            <a:r>
-              <a:rPr lang="en-US" altLang="zh-CN" sz="900"/>
-              <a:t>Copyright © 2008 </a:t>
-            </a:r>
-            <a:r>
-              <a:rPr lang="en-US" altLang="zh-TW" sz="900">
-                <a:ea typeface="新細明體" charset="-120"/>
-              </a:rPr>
-              <a:t>PEARSON EDUCATION </a:t>
-            </a:r>
-            <a:r>
-              <a:rPr lang="en-US" altLang="zh-CN" sz="900">
-                <a:ea typeface="宋体" panose="02010600030101010101" pitchFamily="2" charset="-122"/>
-              </a:rPr>
-              <a:t>ASIA </a:t>
-            </a:r>
-            <a:r>
-              <a:rPr lang="en-US" altLang="zh-TW" sz="900">
-                <a:ea typeface="新細明體" charset="-120"/>
-              </a:rPr>
-              <a:t>LIMITED and Tsinghua University Press</a:t>
-            </a:r>
-            <a:endParaRPr lang="en-US" altLang="zh-CN" sz="900"/>
           </a:p>
         </p:txBody>
       </p:sp>
@@ -4355,10 +4039,15 @@
             <a:spLocks noGrp="1"/>
           </p:cNvSpPr>
           <p:nvPr>
-            <p:ph type="sldNum" sz="quarter" idx="10"/>
-          </p:nvPr>
-        </p:nvSpPr>
-        <p:spPr/>
+            <p:ph type="sldNum" sz="quarter" idx="4294967295"/>
+          </p:nvPr>
+        </p:nvSpPr>
+        <p:spPr>
+          <a:xfrm>
+            <a:off x="7050088" y="6400800"/>
+            <a:ext cx="1905000" cy="457200"/>
+          </a:xfrm>
+        </p:spPr>
         <p:txBody>
           <a:bodyPr/>
           <a:lstStyle/>
@@ -4465,6 +4154,32 @@
               <a:t>dailiyun@swu.edu.cn</a:t>
             </a:r>
             <a:endParaRPr lang="zh-CN" altLang="en-US" dirty="0"/>
+          </a:p>
+        </p:txBody>
+      </p:sp>
+      <p:sp>
+        <p:nvSpPr>
+          <p:cNvPr id="6" name="文本框 5"/>
+          <p:cNvSpPr txBox="1"/>
+          <p:nvPr/>
+        </p:nvSpPr>
+        <p:spPr>
+          <a:xfrm>
+            <a:off x="1678259" y="6735337"/>
+            <a:ext cx="184731" cy="461665"/>
+          </a:xfrm>
+          <a:prstGeom prst="rect">
+            <a:avLst/>
+          </a:prstGeom>
+          <a:noFill/>
+        </p:spPr>
+        <p:txBody>
+          <a:bodyPr wrap="none" rtlCol="0">
+            <a:spAutoFit/>
+          </a:bodyPr>
+          <a:lstStyle/>
+          <a:p>
+            <a:endParaRPr kumimoji="1" lang="zh-CN" altLang="en-US" dirty="0"/>
           </a:p>
         </p:txBody>
       </p:sp>
@@ -4513,10 +4228,15 @@
             <a:spLocks noGrp="1"/>
           </p:cNvSpPr>
           <p:nvPr>
-            <p:ph type="sldNum" sz="quarter" idx="10"/>
-          </p:nvPr>
-        </p:nvSpPr>
-        <p:spPr/>
+            <p:ph type="sldNum" sz="quarter" idx="4294967295"/>
+          </p:nvPr>
+        </p:nvSpPr>
+        <p:spPr>
+          <a:xfrm>
+            <a:off x="7050088" y="6400800"/>
+            <a:ext cx="1905000" cy="457200"/>
+          </a:xfrm>
+        </p:spPr>
         <p:txBody>
           <a:bodyPr/>
           <a:lstStyle/>
@@ -4700,10 +4420,15 @@
             <a:spLocks noGrp="1"/>
           </p:cNvSpPr>
           <p:nvPr>
-            <p:ph type="sldNum" sz="quarter" idx="10"/>
-          </p:nvPr>
-        </p:nvSpPr>
-        <p:spPr/>
+            <p:ph type="sldNum" sz="quarter" idx="4294967295"/>
+          </p:nvPr>
+        </p:nvSpPr>
+        <p:spPr>
+          <a:xfrm>
+            <a:off x="7050088" y="6400800"/>
+            <a:ext cx="1905000" cy="457200"/>
+          </a:xfrm>
+        </p:spPr>
         <p:txBody>
           <a:bodyPr/>
           <a:lstStyle/>
@@ -4875,10 +4600,15 @@
             <a:spLocks noGrp="1"/>
           </p:cNvSpPr>
           <p:nvPr>
-            <p:ph type="sldNum" sz="quarter" idx="10"/>
-          </p:nvPr>
-        </p:nvSpPr>
-        <p:spPr/>
+            <p:ph type="sldNum" sz="quarter" idx="4294967295"/>
+          </p:nvPr>
+        </p:nvSpPr>
+        <p:spPr>
+          <a:xfrm>
+            <a:off x="7050088" y="6400800"/>
+            <a:ext cx="1905000" cy="457200"/>
+          </a:xfrm>
+        </p:spPr>
         <p:txBody>
           <a:bodyPr/>
           <a:lstStyle/>
@@ -5049,10 +4779,15 @@
             <a:spLocks noGrp="1"/>
           </p:cNvSpPr>
           <p:nvPr>
-            <p:ph type="sldNum" sz="quarter" idx="10"/>
-          </p:nvPr>
-        </p:nvSpPr>
-        <p:spPr/>
+            <p:ph type="sldNum" sz="quarter" idx="4294967295"/>
+          </p:nvPr>
+        </p:nvSpPr>
+        <p:spPr>
+          <a:xfrm>
+            <a:off x="7050088" y="6400800"/>
+            <a:ext cx="1905000" cy="457200"/>
+          </a:xfrm>
+        </p:spPr>
         <p:txBody>
           <a:bodyPr/>
           <a:lstStyle/>
@@ -5198,10 +4933,15 @@
             <a:spLocks noGrp="1"/>
           </p:cNvSpPr>
           <p:nvPr>
-            <p:ph type="sldNum" sz="quarter" idx="10"/>
-          </p:nvPr>
-        </p:nvSpPr>
-        <p:spPr/>
+            <p:ph type="sldNum" sz="quarter" idx="4294967295"/>
+          </p:nvPr>
+        </p:nvSpPr>
+        <p:spPr>
+          <a:xfrm>
+            <a:off x="7050088" y="6400800"/>
+            <a:ext cx="1905000" cy="457200"/>
+          </a:xfrm>
+        </p:spPr>
         <p:txBody>
           <a:bodyPr/>
           <a:lstStyle/>
@@ -5502,10 +5242,15 @@
             <a:spLocks noGrp="1"/>
           </p:cNvSpPr>
           <p:nvPr>
-            <p:ph type="sldNum" sz="quarter" idx="10"/>
-          </p:nvPr>
-        </p:nvSpPr>
-        <p:spPr/>
+            <p:ph type="sldNum" sz="quarter" idx="4294967295"/>
+          </p:nvPr>
+        </p:nvSpPr>
+        <p:spPr>
+          <a:xfrm>
+            <a:off x="7050088" y="6400800"/>
+            <a:ext cx="1905000" cy="457200"/>
+          </a:xfrm>
+        </p:spPr>
         <p:txBody>
           <a:bodyPr/>
           <a:lstStyle/>
@@ -5794,10 +5539,15 @@
             <a:spLocks noGrp="1"/>
           </p:cNvSpPr>
           <p:nvPr>
-            <p:ph type="sldNum" sz="quarter" idx="10"/>
-          </p:nvPr>
-        </p:nvSpPr>
-        <p:spPr/>
+            <p:ph type="sldNum" sz="quarter" idx="4294967295"/>
+          </p:nvPr>
+        </p:nvSpPr>
+        <p:spPr>
+          <a:xfrm>
+            <a:off x="7050088" y="6400800"/>
+            <a:ext cx="1905000" cy="457200"/>
+          </a:xfrm>
+        </p:spPr>
         <p:txBody>
           <a:bodyPr/>
           <a:lstStyle/>
@@ -6572,10 +6322,15 @@
             <a:spLocks noGrp="1"/>
           </p:cNvSpPr>
           <p:nvPr>
-            <p:ph type="sldNum" sz="quarter" idx="10"/>
-          </p:nvPr>
-        </p:nvSpPr>
-        <p:spPr/>
+            <p:ph type="sldNum" sz="quarter" idx="4294967295"/>
+          </p:nvPr>
+        </p:nvSpPr>
+        <p:spPr>
+          <a:xfrm>
+            <a:off x="7050088" y="6400800"/>
+            <a:ext cx="1905000" cy="457200"/>
+          </a:xfrm>
+        </p:spPr>
         <p:txBody>
           <a:bodyPr/>
           <a:lstStyle/>
@@ -6888,10 +6643,15 @@
             <a:spLocks noGrp="1"/>
           </p:cNvSpPr>
           <p:nvPr>
-            <p:ph type="sldNum" sz="quarter" idx="10"/>
-          </p:nvPr>
-        </p:nvSpPr>
-        <p:spPr/>
+            <p:ph type="sldNum" sz="quarter" idx="4294967295"/>
+          </p:nvPr>
+        </p:nvSpPr>
+        <p:spPr>
+          <a:xfrm>
+            <a:off x="7050088" y="6400800"/>
+            <a:ext cx="1905000" cy="457200"/>
+          </a:xfrm>
+        </p:spPr>
         <p:txBody>
           <a:bodyPr/>
           <a:lstStyle/>
@@ -7198,10 +6958,15 @@
             <a:spLocks noGrp="1"/>
           </p:cNvSpPr>
           <p:nvPr>
-            <p:ph type="sldNum" sz="quarter" idx="10"/>
-          </p:nvPr>
-        </p:nvSpPr>
-        <p:spPr/>
+            <p:ph type="sldNum" sz="quarter" idx="4294967295"/>
+          </p:nvPr>
+        </p:nvSpPr>
+        <p:spPr>
+          <a:xfrm>
+            <a:off x="7050088" y="6400800"/>
+            <a:ext cx="1905000" cy="457200"/>
+          </a:xfrm>
+        </p:spPr>
         <p:txBody>
           <a:bodyPr/>
           <a:lstStyle/>
@@ -7367,10 +7132,15 @@
             <a:spLocks noGrp="1"/>
           </p:cNvSpPr>
           <p:nvPr>
-            <p:ph type="sldNum" sz="quarter" idx="10"/>
-          </p:nvPr>
-        </p:nvSpPr>
-        <p:spPr/>
+            <p:ph type="sldNum" sz="quarter" idx="4294967295"/>
+          </p:nvPr>
+        </p:nvSpPr>
+        <p:spPr>
+          <a:xfrm>
+            <a:off x="7050088" y="6400800"/>
+            <a:ext cx="1905000" cy="457200"/>
+          </a:xfrm>
+        </p:spPr>
         <p:txBody>
           <a:bodyPr/>
           <a:lstStyle/>
@@ -7584,10 +7354,15 @@
             <a:spLocks noGrp="1"/>
           </p:cNvSpPr>
           <p:nvPr>
-            <p:ph type="sldNum" sz="quarter" idx="10"/>
-          </p:nvPr>
-        </p:nvSpPr>
-        <p:spPr/>
+            <p:ph type="sldNum" sz="quarter" idx="4294967295"/>
+          </p:nvPr>
+        </p:nvSpPr>
+        <p:spPr>
+          <a:xfrm>
+            <a:off x="7050088" y="6400800"/>
+            <a:ext cx="1905000" cy="457200"/>
+          </a:xfrm>
+        </p:spPr>
         <p:txBody>
           <a:bodyPr/>
           <a:lstStyle/>
@@ -7771,10 +7546,15 @@
             <a:spLocks noGrp="1"/>
           </p:cNvSpPr>
           <p:nvPr>
-            <p:ph type="sldNum" sz="quarter" idx="10"/>
-          </p:nvPr>
-        </p:nvSpPr>
-        <p:spPr/>
+            <p:ph type="sldNum" sz="quarter" idx="4294967295"/>
+          </p:nvPr>
+        </p:nvSpPr>
+        <p:spPr>
+          <a:xfrm>
+            <a:off x="7050088" y="6400800"/>
+            <a:ext cx="1905000" cy="457200"/>
+          </a:xfrm>
+        </p:spPr>
         <p:txBody>
           <a:bodyPr/>
           <a:lstStyle/>
@@ -8551,10 +8331,15 @@
             <a:spLocks noGrp="1"/>
           </p:cNvSpPr>
           <p:nvPr>
-            <p:ph type="sldNum" sz="quarter" idx="10"/>
-          </p:nvPr>
-        </p:nvSpPr>
-        <p:spPr/>
+            <p:ph type="sldNum" sz="quarter" idx="4294967295"/>
+          </p:nvPr>
+        </p:nvSpPr>
+        <p:spPr>
+          <a:xfrm>
+            <a:off x="7050088" y="6400800"/>
+            <a:ext cx="1905000" cy="457200"/>
+          </a:xfrm>
+        </p:spPr>
         <p:txBody>
           <a:bodyPr/>
           <a:lstStyle/>
@@ -8751,10 +8536,15 @@
             <a:spLocks noGrp="1"/>
           </p:cNvSpPr>
           <p:nvPr>
-            <p:ph type="sldNum" sz="quarter" idx="10"/>
-          </p:nvPr>
-        </p:nvSpPr>
-        <p:spPr/>
+            <p:ph type="sldNum" sz="quarter" idx="4294967295"/>
+          </p:nvPr>
+        </p:nvSpPr>
+        <p:spPr>
+          <a:xfrm>
+            <a:off x="7050088" y="6400800"/>
+            <a:ext cx="1905000" cy="457200"/>
+          </a:xfrm>
+        </p:spPr>
         <p:txBody>
           <a:bodyPr/>
           <a:lstStyle/>
@@ -8907,10 +8697,15 @@
             <a:spLocks noGrp="1"/>
           </p:cNvSpPr>
           <p:nvPr>
-            <p:ph type="sldNum" sz="quarter" idx="10"/>
-          </p:nvPr>
-        </p:nvSpPr>
-        <p:spPr/>
+            <p:ph type="sldNum" sz="quarter" idx="4294967295"/>
+          </p:nvPr>
+        </p:nvSpPr>
+        <p:spPr>
+          <a:xfrm>
+            <a:off x="7050088" y="6400800"/>
+            <a:ext cx="1905000" cy="457200"/>
+          </a:xfrm>
+        </p:spPr>
         <p:txBody>
           <a:bodyPr/>
           <a:lstStyle/>
@@ -9068,10 +8863,15 @@
             <a:spLocks noGrp="1"/>
           </p:cNvSpPr>
           <p:nvPr>
-            <p:ph type="sldNum" sz="quarter" idx="10"/>
-          </p:nvPr>
-        </p:nvSpPr>
-        <p:spPr/>
+            <p:ph type="sldNum" sz="quarter" idx="4294967295"/>
+          </p:nvPr>
+        </p:nvSpPr>
+        <p:spPr>
+          <a:xfrm>
+            <a:off x="7050088" y="6400800"/>
+            <a:ext cx="1905000" cy="457200"/>
+          </a:xfrm>
+        </p:spPr>
         <p:txBody>
           <a:bodyPr/>
           <a:lstStyle/>
@@ -9218,8 +9018,28 @@
           <a:p>
             <a:pPr lvl="2"/>
             <a:r>
+              <a:rPr lang="en-US" altLang="zh-CN" sz="2000" dirty="0">
+                <a:solidFill>
+                  <a:srgbClr val="0000FF"/>
+                </a:solidFill>
+              </a:rPr>
+              <a:t>in_stream1.open </a:t>
+            </a:r>
+            <a:r>
               <a:rPr lang="en-US" altLang="zh-CN" sz="2000" dirty="0"/>
-              <a:t>in_stream1.open and in_stream2.open are the same</a:t>
+              <a:t>and </a:t>
+            </a:r>
+            <a:r>
+              <a:rPr lang="en-US" altLang="zh-CN" sz="2000" dirty="0">
+                <a:solidFill>
+                  <a:srgbClr val="0000FF"/>
+                </a:solidFill>
+              </a:rPr>
+              <a:t>in_stream2.open</a:t>
+            </a:r>
+            <a:r>
+              <a:rPr lang="en-US" altLang="zh-CN" sz="2000" dirty="0"/>
+              <a:t> are the same</a:t>
             </a:r>
             <a:br>
               <a:rPr lang="en-US" altLang="zh-CN" sz="2000" dirty="0"/>
@@ -9277,10 +9097,15 @@
             <a:spLocks noGrp="1"/>
           </p:cNvSpPr>
           <p:nvPr>
-            <p:ph type="sldNum" sz="quarter" idx="10"/>
-          </p:nvPr>
-        </p:nvSpPr>
-        <p:spPr/>
+            <p:ph type="sldNum" sz="quarter" idx="4294967295"/>
+          </p:nvPr>
+        </p:nvSpPr>
+        <p:spPr>
+          <a:xfrm>
+            <a:off x="7050088" y="6400800"/>
+            <a:ext cx="1905000" cy="457200"/>
+          </a:xfrm>
+        </p:spPr>
         <p:txBody>
           <a:bodyPr/>
           <a:lstStyle/>
@@ -9373,26 +9198,30 @@
               <a:t>The class </a:t>
             </a:r>
             <a:r>
+              <a:rPr lang="en-US" altLang="zh-CN" sz="2400" dirty="0" err="1">
+                <a:solidFill>
+                  <a:srgbClr val="0000FF"/>
+                </a:solidFill>
+              </a:rPr>
+              <a:t>ifstream</a:t>
+            </a:r>
+            <a:r>
+              <a:rPr lang="en-US" altLang="zh-CN" sz="2400" dirty="0"/>
+              <a:t> has an open function</a:t>
+            </a:r>
+          </a:p>
+          <a:p>
+            <a:pPr lvl="1"/>
+            <a:r>
+              <a:rPr lang="en-US" altLang="zh-CN" sz="2400" dirty="0"/>
+              <a:t>Every variable (object) declared of type </a:t>
+            </a:r>
+            <a:r>
               <a:rPr lang="en-US" altLang="zh-CN" sz="2400" dirty="0" err="1"/>
               <a:t>ifstream</a:t>
             </a:r>
             <a:r>
               <a:rPr lang="en-US" altLang="zh-CN" sz="2400" dirty="0"/>
-              <a:t> has an open function</a:t>
-            </a:r>
-          </a:p>
-          <a:p>
-            <a:pPr lvl="1"/>
-            <a:r>
-              <a:rPr lang="en-US" altLang="zh-CN" sz="2400" dirty="0"/>
-              <a:t>Every variable (object) declared of type </a:t>
-            </a:r>
-            <a:r>
-              <a:rPr lang="en-US" altLang="zh-CN" sz="2400" dirty="0" err="1"/>
-              <a:t>ifstream</a:t>
-            </a:r>
-            <a:r>
-              <a:rPr lang="en-US" altLang="zh-CN" sz="2400" dirty="0"/>
               <a:t> </a:t>
             </a:r>
             <a:br>
@@ -9408,7 +9237,7 @@
             <a:endParaRPr lang="en-US" altLang="zh-CN" sz="2400" dirty="0"/>
           </a:p>
           <a:p>
-            <a:endParaRPr lang="en-US" altLang="zh-CN" sz="2400"/>
+            <a:endParaRPr lang="en-US" altLang="zh-CN" sz="2400" dirty="0"/>
           </a:p>
         </p:txBody>
       </p:sp>
@@ -9454,10 +9283,15 @@
             <a:spLocks noGrp="1"/>
           </p:cNvSpPr>
           <p:nvPr>
-            <p:ph type="sldNum" sz="quarter" idx="10"/>
-          </p:nvPr>
-        </p:nvSpPr>
-        <p:spPr/>
+            <p:ph type="sldNum" sz="quarter" idx="4294967295"/>
+          </p:nvPr>
+        </p:nvSpPr>
+        <p:spPr>
+          <a:xfrm>
+            <a:off x="7050088" y="6400800"/>
+            <a:ext cx="1905000" cy="457200"/>
+          </a:xfrm>
+        </p:spPr>
         <p:txBody>
           <a:bodyPr/>
           <a:lstStyle/>
@@ -10052,10 +9886,15 @@
             <a:spLocks noGrp="1"/>
           </p:cNvSpPr>
           <p:nvPr>
-            <p:ph type="sldNum" sz="quarter" idx="10"/>
-          </p:nvPr>
-        </p:nvSpPr>
-        <p:spPr/>
+            <p:ph type="sldNum" sz="quarter" idx="4294967295"/>
+          </p:nvPr>
+        </p:nvSpPr>
+        <p:spPr>
+          <a:xfrm>
+            <a:off x="7050088" y="6400800"/>
+            <a:ext cx="1905000" cy="457200"/>
+          </a:xfrm>
+        </p:spPr>
         <p:txBody>
           <a:bodyPr/>
           <a:lstStyle/>
@@ -10189,24 +10028,33 @@
             <a:spLocks noGrp="1"/>
           </p:cNvSpPr>
           <p:nvPr>
-            <p:ph type="sldNum" sz="quarter" idx="10"/>
-          </p:nvPr>
-        </p:nvSpPr>
-        <p:spPr/>
+            <p:ph type="sldNum" sz="quarter" idx="4294967295"/>
+          </p:nvPr>
+        </p:nvSpPr>
+        <p:spPr>
+          <a:xfrm>
+            <a:off x="7050088" y="6400800"/>
+            <a:ext cx="1905000" cy="457200"/>
+          </a:xfrm>
+        </p:spPr>
         <p:txBody>
           <a:bodyPr/>
           <a:lstStyle/>
           <a:p>
             <a:r>
-              <a:rPr lang="en-US" altLang="zh-CN"/>
-              <a:t>Slide 5- </a:t>
+              <a:rPr lang="en-US" altLang="zh-CN" dirty="0"/>
+              <a:t>Slide </a:t>
+            </a:r>
+            <a:r>
+              <a:rPr lang="en-US" altLang="zh-CN" dirty="0" smtClean="0"/>
+              <a:t>6- </a:t>
             </a:r>
             <a:fld id="{524F9F45-3882-423F-9E36-57CD5276514A}" type="slidenum">
               <a:rPr lang="en-US" altLang="zh-CN"/>
               <a:pPr/>
               <a:t>29</a:t>
             </a:fld>
-            <a:endParaRPr lang="en-CA" altLang="zh-CN">
+            <a:endParaRPr lang="en-CA" altLang="zh-CN" dirty="0">
               <a:ea typeface="宋体" panose="02010600030101010101" pitchFamily="2" charset="-122"/>
             </a:endParaRPr>
           </a:p>
@@ -10362,10 +10210,15 @@
             <a:spLocks noGrp="1"/>
           </p:cNvSpPr>
           <p:nvPr>
-            <p:ph type="sldNum" sz="quarter" idx="10"/>
-          </p:nvPr>
-        </p:nvSpPr>
-        <p:spPr/>
+            <p:ph type="sldNum" sz="quarter" idx="4294967295"/>
+          </p:nvPr>
+        </p:nvSpPr>
+        <p:spPr>
+          <a:xfrm>
+            <a:off x="7050088" y="6400800"/>
+            <a:ext cx="1905000" cy="457200"/>
+          </a:xfrm>
+        </p:spPr>
         <p:txBody>
           <a:bodyPr/>
           <a:lstStyle/>
@@ -10430,24 +10283,33 @@
             <a:spLocks noGrp="1"/>
           </p:cNvSpPr>
           <p:nvPr>
-            <p:ph type="sldNum" sz="quarter" idx="10"/>
-          </p:nvPr>
-        </p:nvSpPr>
-        <p:spPr/>
+            <p:ph type="sldNum" sz="quarter" idx="4294967295"/>
+          </p:nvPr>
+        </p:nvSpPr>
+        <p:spPr>
+          <a:xfrm>
+            <a:off x="7050088" y="6400800"/>
+            <a:ext cx="1905000" cy="457200"/>
+          </a:xfrm>
+        </p:spPr>
         <p:txBody>
           <a:bodyPr/>
           <a:lstStyle/>
           <a:p>
             <a:r>
-              <a:rPr lang="en-US" altLang="zh-CN"/>
-              <a:t>Slide 5- </a:t>
+              <a:rPr lang="en-US" altLang="zh-CN" dirty="0"/>
+              <a:t>Slide </a:t>
+            </a:r>
+            <a:r>
+              <a:rPr lang="en-US" altLang="zh-CN" dirty="0" smtClean="0"/>
+              <a:t>6- </a:t>
             </a:r>
             <a:fld id="{A5DB0BC1-A461-4E56-AC7A-BADA85173CBE}" type="slidenum">
               <a:rPr lang="en-US" altLang="zh-CN"/>
               <a:pPr/>
               <a:t>30</a:t>
             </a:fld>
-            <a:endParaRPr lang="en-CA" altLang="zh-CN">
+            <a:endParaRPr lang="en-CA" altLang="zh-CN" dirty="0">
               <a:ea typeface="宋体" panose="02010600030101010101" pitchFamily="2" charset="-122"/>
             </a:endParaRPr>
           </a:p>
@@ -10566,24 +10428,33 @@
             <a:spLocks noGrp="1"/>
           </p:cNvSpPr>
           <p:nvPr>
-            <p:ph type="sldNum" sz="quarter" idx="10"/>
-          </p:nvPr>
-        </p:nvSpPr>
-        <p:spPr/>
+            <p:ph type="sldNum" sz="quarter" idx="4294967295"/>
+          </p:nvPr>
+        </p:nvSpPr>
+        <p:spPr>
+          <a:xfrm>
+            <a:off x="7050088" y="6400800"/>
+            <a:ext cx="1905000" cy="457200"/>
+          </a:xfrm>
+        </p:spPr>
         <p:txBody>
           <a:bodyPr/>
           <a:lstStyle/>
           <a:p>
             <a:r>
-              <a:rPr lang="en-US" altLang="zh-CN"/>
-              <a:t>Slide 5- </a:t>
+              <a:rPr lang="en-US" altLang="zh-CN" dirty="0"/>
+              <a:t>Slide </a:t>
+            </a:r>
+            <a:r>
+              <a:rPr lang="en-US" altLang="zh-CN" dirty="0" smtClean="0"/>
+              <a:t>6- </a:t>
             </a:r>
             <a:fld id="{CA6DAB45-FFAD-4E2B-B3EF-219481725A9D}" type="slidenum">
               <a:rPr lang="en-US" altLang="zh-CN"/>
               <a:pPr/>
               <a:t>31</a:t>
             </a:fld>
-            <a:endParaRPr lang="en-CA" altLang="zh-CN">
+            <a:endParaRPr lang="en-CA" altLang="zh-CN" dirty="0">
               <a:ea typeface="宋体" panose="02010600030101010101" pitchFamily="2" charset="-122"/>
             </a:endParaRPr>
           </a:p>
@@ -10777,24 +10648,33 @@
             <a:spLocks noGrp="1"/>
           </p:cNvSpPr>
           <p:nvPr>
-            <p:ph type="sldNum" sz="quarter" idx="10"/>
-          </p:nvPr>
-        </p:nvSpPr>
-        <p:spPr/>
+            <p:ph type="sldNum" sz="quarter" idx="4294967295"/>
+          </p:nvPr>
+        </p:nvSpPr>
+        <p:spPr>
+          <a:xfrm>
+            <a:off x="7050088" y="6400800"/>
+            <a:ext cx="1905000" cy="457200"/>
+          </a:xfrm>
+        </p:spPr>
         <p:txBody>
           <a:bodyPr/>
           <a:lstStyle/>
           <a:p>
             <a:r>
-              <a:rPr lang="en-US" altLang="zh-CN"/>
-              <a:t>Slide 5- </a:t>
+              <a:rPr lang="en-US" altLang="zh-CN" dirty="0"/>
+              <a:t>Slide </a:t>
+            </a:r>
+            <a:r>
+              <a:rPr lang="en-US" altLang="zh-CN" dirty="0" smtClean="0"/>
+              <a:t>6- </a:t>
             </a:r>
             <a:fld id="{F1D5A584-53D5-439F-AD13-12F24EEA2D92}" type="slidenum">
               <a:rPr lang="en-US" altLang="zh-CN"/>
               <a:pPr/>
               <a:t>32</a:t>
             </a:fld>
-            <a:endParaRPr lang="en-CA" altLang="zh-CN">
+            <a:endParaRPr lang="en-CA" altLang="zh-CN" dirty="0">
               <a:ea typeface="宋体" panose="02010600030101010101" pitchFamily="2" charset="-122"/>
             </a:endParaRPr>
           </a:p>
@@ -11030,24 +10910,33 @@
             <a:spLocks noGrp="1"/>
           </p:cNvSpPr>
           <p:nvPr>
-            <p:ph type="sldNum" sz="quarter" idx="10"/>
-          </p:nvPr>
-        </p:nvSpPr>
-        <p:spPr/>
+            <p:ph type="sldNum" sz="quarter" idx="4294967295"/>
+          </p:nvPr>
+        </p:nvSpPr>
+        <p:spPr>
+          <a:xfrm>
+            <a:off x="7050088" y="6400800"/>
+            <a:ext cx="1905000" cy="457200"/>
+          </a:xfrm>
+        </p:spPr>
         <p:txBody>
           <a:bodyPr/>
           <a:lstStyle/>
           <a:p>
             <a:r>
-              <a:rPr lang="en-US" altLang="zh-CN"/>
-              <a:t>Slide 5- </a:t>
+              <a:rPr lang="en-US" altLang="zh-CN" dirty="0"/>
+              <a:t>Slide </a:t>
+            </a:r>
+            <a:r>
+              <a:rPr lang="en-US" altLang="zh-CN" dirty="0" smtClean="0"/>
+              <a:t>6- </a:t>
             </a:r>
             <a:fld id="{1BE521E7-997D-4500-9E93-744171A27763}" type="slidenum">
               <a:rPr lang="en-US" altLang="zh-CN"/>
               <a:pPr/>
               <a:t>33</a:t>
             </a:fld>
-            <a:endParaRPr lang="en-CA" altLang="zh-CN">
+            <a:endParaRPr lang="en-CA" altLang="zh-CN" dirty="0">
               <a:ea typeface="宋体" panose="02010600030101010101" pitchFamily="2" charset="-122"/>
             </a:endParaRPr>
           </a:p>
@@ -11358,24 +11247,33 @@
             <a:spLocks noGrp="1"/>
           </p:cNvSpPr>
           <p:nvPr>
-            <p:ph type="sldNum" sz="quarter" idx="10"/>
-          </p:nvPr>
-        </p:nvSpPr>
-        <p:spPr/>
+            <p:ph type="sldNum" sz="quarter" idx="4294967295"/>
+          </p:nvPr>
+        </p:nvSpPr>
+        <p:spPr>
+          <a:xfrm>
+            <a:off x="7050088" y="6400800"/>
+            <a:ext cx="1905000" cy="457200"/>
+          </a:xfrm>
+        </p:spPr>
         <p:txBody>
           <a:bodyPr/>
           <a:lstStyle/>
           <a:p>
             <a:r>
-              <a:rPr lang="en-US" altLang="zh-CN"/>
-              <a:t>Slide 5- </a:t>
+              <a:rPr lang="en-US" altLang="zh-CN" dirty="0"/>
+              <a:t>Slide </a:t>
+            </a:r>
+            <a:r>
+              <a:rPr lang="en-US" altLang="zh-CN" dirty="0" smtClean="0"/>
+              <a:t>6- </a:t>
             </a:r>
             <a:fld id="{A743A8B2-3F71-4E8B-A862-3E38A2E1300B}" type="slidenum">
               <a:rPr lang="en-US" altLang="zh-CN"/>
               <a:pPr/>
               <a:t>34</a:t>
             </a:fld>
-            <a:endParaRPr lang="en-CA" altLang="zh-CN">
+            <a:endParaRPr lang="en-CA" altLang="zh-CN" dirty="0">
               <a:ea typeface="宋体" panose="02010600030101010101" pitchFamily="2" charset="-122"/>
             </a:endParaRPr>
           </a:p>
@@ -11397,7 +11295,7 @@
           <a:lstStyle/>
           <a:p>
             <a:r>
-              <a:rPr lang="en-US" altLang="zh-CN"/>
+              <a:rPr lang="en-US" altLang="zh-CN" dirty="0"/>
               <a:t>Appending Data (optional)</a:t>
             </a:r>
           </a:p>
@@ -11530,6 +11428,43 @@
               <a:rPr lang="en-US" altLang="zh-CN" sz="2400" dirty="0"/>
               <a:t>If the file does not exist, a new file will be created</a:t>
             </a:r>
+          </a:p>
+        </p:txBody>
+      </p:sp>
+      <p:sp>
+        <p:nvSpPr>
+          <p:cNvPr id="2" name="矩形 1"/>
+          <p:cNvSpPr/>
+          <p:nvPr/>
+        </p:nvSpPr>
+        <p:spPr>
+          <a:xfrm>
+            <a:off x="2286000" y="3013502"/>
+            <a:ext cx="4572000" cy="3046988"/>
+          </a:xfrm>
+          <a:prstGeom prst="rect">
+            <a:avLst/>
+          </a:prstGeom>
+        </p:spPr>
+        <p:txBody>
+          <a:bodyPr>
+            <a:spAutoFit/>
+          </a:bodyPr>
+          <a:lstStyle/>
+          <a:p>
+            <a:r>
+              <a:rPr lang="zh-CN" altLang="en-US" dirty="0"/>
+              <a:t>output = predict(X)d2l.set_figsize((5, 5)</a:t>
+            </a:r>
+            <a:r>
+              <a:rPr lang="zh-CN" altLang="en-US" dirty="0" smtClean="0"/>
+              <a:t>)</a:t>
+            </a:r>
+            <a:r>
+              <a:rPr lang="en-US" altLang="zh-CN" dirty="0"/>
+              <a:t> output = predict(X)d2l.set_figsize((5, 5)) output = predict(X)d2l.set_figsize((5, 5)) output = predict(X)d2l.set_figsize((5, 5))</a:t>
+            </a:r>
+            <a:endParaRPr lang="zh-CN" altLang="en-US" dirty="0"/>
           </a:p>
         </p:txBody>
       </p:sp>
@@ -11598,24 +11533,33 @@
             <a:spLocks noGrp="1"/>
           </p:cNvSpPr>
           <p:nvPr>
-            <p:ph type="sldNum" sz="quarter" idx="10"/>
-          </p:nvPr>
-        </p:nvSpPr>
-        <p:spPr/>
+            <p:ph type="sldNum" sz="quarter" idx="4294967295"/>
+          </p:nvPr>
+        </p:nvSpPr>
+        <p:spPr>
+          <a:xfrm>
+            <a:off x="7050088" y="6400800"/>
+            <a:ext cx="1905000" cy="457200"/>
+          </a:xfrm>
+        </p:spPr>
         <p:txBody>
           <a:bodyPr/>
           <a:lstStyle/>
           <a:p>
             <a:r>
-              <a:rPr lang="en-US" altLang="zh-CN" smtClean="0"/>
-              <a:t>Slide 5- </a:t>
+              <a:rPr lang="en-US" altLang="zh-CN" dirty="0" smtClean="0"/>
+              <a:t>Slide </a:t>
+            </a:r>
+            <a:r>
+              <a:rPr lang="en-US" altLang="zh-CN" dirty="0" smtClean="0"/>
+              <a:t>6- </a:t>
             </a:r>
             <a:fld id="{3C594E94-0A75-47C5-A997-082619340147}" type="slidenum">
               <a:rPr lang="en-US" altLang="zh-CN" smtClean="0"/>
               <a:pPr/>
               <a:t>35</a:t>
             </a:fld>
-            <a:endParaRPr lang="en-CA" altLang="zh-CN">
+            <a:endParaRPr lang="en-CA" altLang="zh-CN" dirty="0">
               <a:ea typeface="宋体" panose="02010600030101010101" pitchFamily="2" charset="-122"/>
             </a:endParaRPr>
           </a:p>
@@ -11734,10 +11678,15 @@
             <a:spLocks noGrp="1"/>
           </p:cNvSpPr>
           <p:nvPr>
-            <p:ph type="sldNum" sz="quarter" idx="10"/>
-          </p:nvPr>
-        </p:nvSpPr>
-        <p:spPr/>
+            <p:ph type="sldNum" sz="quarter" idx="4294967295"/>
+          </p:nvPr>
+        </p:nvSpPr>
+        <p:spPr>
+          <a:xfrm>
+            <a:off x="7050088" y="6400800"/>
+            <a:ext cx="1905000" cy="457200"/>
+          </a:xfrm>
+        </p:spPr>
         <p:txBody>
           <a:bodyPr/>
           <a:lstStyle/>
@@ -11979,10 +11928,15 @@
             <a:spLocks noGrp="1"/>
           </p:cNvSpPr>
           <p:nvPr>
-            <p:ph type="sldNum" sz="quarter" idx="10"/>
-          </p:nvPr>
-        </p:nvSpPr>
-        <p:spPr/>
+            <p:ph type="sldNum" sz="quarter" idx="4294967295"/>
+          </p:nvPr>
+        </p:nvSpPr>
+        <p:spPr>
+          <a:xfrm>
+            <a:off x="7050088" y="6400800"/>
+            <a:ext cx="1905000" cy="457200"/>
+          </a:xfrm>
+        </p:spPr>
         <p:txBody>
           <a:bodyPr/>
           <a:lstStyle/>
@@ -12371,10 +12325,15 @@
             <a:spLocks noGrp="1"/>
           </p:cNvSpPr>
           <p:nvPr>
-            <p:ph type="sldNum" sz="quarter" idx="10"/>
-          </p:nvPr>
-        </p:nvSpPr>
-        <p:spPr/>
+            <p:ph type="sldNum" sz="quarter" idx="4294967295"/>
+          </p:nvPr>
+        </p:nvSpPr>
+        <p:spPr>
+          <a:xfrm>
+            <a:off x="7050088" y="6400800"/>
+            <a:ext cx="1905000" cy="457200"/>
+          </a:xfrm>
+        </p:spPr>
         <p:txBody>
           <a:bodyPr/>
           <a:lstStyle/>
@@ -12727,10 +12686,15 @@
             <a:spLocks noGrp="1"/>
           </p:cNvSpPr>
           <p:nvPr>
-            <p:ph type="sldNum" sz="quarter" idx="10"/>
-          </p:nvPr>
-        </p:nvSpPr>
-        <p:spPr/>
+            <p:ph type="sldNum" sz="quarter" idx="4294967295"/>
+          </p:nvPr>
+        </p:nvSpPr>
+        <p:spPr>
+          <a:xfrm>
+            <a:off x="7050088" y="6400800"/>
+            <a:ext cx="1905000" cy="457200"/>
+          </a:xfrm>
+        </p:spPr>
         <p:txBody>
           <a:bodyPr/>
           <a:lstStyle/>
@@ -12772,7 +12736,7 @@
           <a:graphicData uri="http://schemas.openxmlformats.org/presentationml/2006/ole">
             <mc:AlternateContent xmlns:mc="http://schemas.openxmlformats.org/markup-compatibility/2006">
               <mc:Choice xmlns:v="urn:schemas-microsoft-com:vml" Requires="v">
-                <p:oleObj spid="_x0000_s1169" name="包装程序外壳对象" showAsIcon="1" r:id="rId3" imgW="925920" imgH="533880" progId="Package">
+                <p:oleObj spid="_x0000_s1229" name="包装程序外壳对象" showAsIcon="1" r:id="rId3" imgW="925920" imgH="533880" progId="Package">
                   <p:embed/>
                 </p:oleObj>
               </mc:Choice>
@@ -12852,10 +12816,15 @@
             <a:spLocks noGrp="1"/>
           </p:cNvSpPr>
           <p:nvPr>
-            <p:ph type="sldNum" sz="quarter" idx="10"/>
-          </p:nvPr>
-        </p:nvSpPr>
-        <p:spPr/>
+            <p:ph type="sldNum" sz="quarter" idx="4294967295"/>
+          </p:nvPr>
+        </p:nvSpPr>
+        <p:spPr>
+          <a:xfrm>
+            <a:off x="7050088" y="6400800"/>
+            <a:ext cx="1905000" cy="457200"/>
+          </a:xfrm>
+        </p:spPr>
         <p:txBody>
           <a:bodyPr/>
           <a:lstStyle/>
@@ -13055,10 +13024,15 @@
             <a:spLocks noGrp="1"/>
           </p:cNvSpPr>
           <p:nvPr>
-            <p:ph type="sldNum" sz="quarter" idx="10"/>
-          </p:nvPr>
-        </p:nvSpPr>
-        <p:spPr/>
+            <p:ph type="sldNum" sz="quarter" idx="4294967295"/>
+          </p:nvPr>
+        </p:nvSpPr>
+        <p:spPr>
+          <a:xfrm>
+            <a:off x="7050088" y="6400800"/>
+            <a:ext cx="1905000" cy="457200"/>
+          </a:xfrm>
+        </p:spPr>
         <p:txBody>
           <a:bodyPr/>
           <a:lstStyle/>
@@ -13123,10 +13097,15 @@
             <a:spLocks noGrp="1"/>
           </p:cNvSpPr>
           <p:nvPr>
-            <p:ph type="sldNum" sz="quarter" idx="10"/>
-          </p:nvPr>
-        </p:nvSpPr>
-        <p:spPr/>
+            <p:ph type="sldNum" sz="quarter" idx="4294967295"/>
+          </p:nvPr>
+        </p:nvSpPr>
+        <p:spPr>
+          <a:xfrm>
+            <a:off x="7050088" y="6400800"/>
+            <a:ext cx="1905000" cy="457200"/>
+          </a:xfrm>
+        </p:spPr>
         <p:txBody>
           <a:bodyPr/>
           <a:lstStyle/>
@@ -13314,10 +13293,15 @@
             <a:spLocks noGrp="1"/>
           </p:cNvSpPr>
           <p:nvPr>
-            <p:ph type="sldNum" sz="quarter" idx="10"/>
-          </p:nvPr>
-        </p:nvSpPr>
-        <p:spPr/>
+            <p:ph type="sldNum" sz="quarter" idx="4294967295"/>
+          </p:nvPr>
+        </p:nvSpPr>
+        <p:spPr>
+          <a:xfrm>
+            <a:off x="7050088" y="6400800"/>
+            <a:ext cx="1905000" cy="457200"/>
+          </a:xfrm>
+        </p:spPr>
         <p:txBody>
           <a:bodyPr/>
           <a:lstStyle/>
@@ -13762,10 +13746,15 @@
             <a:spLocks noGrp="1"/>
           </p:cNvSpPr>
           <p:nvPr>
-            <p:ph type="sldNum" sz="quarter" idx="10"/>
-          </p:nvPr>
-        </p:nvSpPr>
-        <p:spPr/>
+            <p:ph type="sldNum" sz="quarter" idx="4294967295"/>
+          </p:nvPr>
+        </p:nvSpPr>
+        <p:spPr>
+          <a:xfrm>
+            <a:off x="7050088" y="6400800"/>
+            <a:ext cx="1905000" cy="457200"/>
+          </a:xfrm>
+        </p:spPr>
         <p:txBody>
           <a:bodyPr/>
           <a:lstStyle/>
@@ -14001,10 +13990,15 @@
             <a:spLocks noGrp="1"/>
           </p:cNvSpPr>
           <p:nvPr>
-            <p:ph type="sldNum" sz="quarter" idx="10"/>
-          </p:nvPr>
-        </p:nvSpPr>
-        <p:spPr/>
+            <p:ph type="sldNum" sz="quarter" idx="4294967295"/>
+          </p:nvPr>
+        </p:nvSpPr>
+        <p:spPr>
+          <a:xfrm>
+            <a:off x="7050088" y="6400800"/>
+            <a:ext cx="1905000" cy="457200"/>
+          </a:xfrm>
+        </p:spPr>
         <p:txBody>
           <a:bodyPr/>
           <a:lstStyle/>
@@ -14172,24 +14166,33 @@
             <a:spLocks noGrp="1"/>
           </p:cNvSpPr>
           <p:nvPr>
-            <p:ph type="sldNum" sz="quarter" idx="10"/>
-          </p:nvPr>
-        </p:nvSpPr>
-        <p:spPr/>
+            <p:ph type="sldNum" sz="quarter" idx="4294967295"/>
+          </p:nvPr>
+        </p:nvSpPr>
+        <p:spPr>
+          <a:xfrm>
+            <a:off x="7050088" y="6400800"/>
+            <a:ext cx="1905000" cy="457200"/>
+          </a:xfrm>
+        </p:spPr>
         <p:txBody>
           <a:bodyPr/>
           <a:lstStyle/>
           <a:p>
             <a:r>
-              <a:rPr lang="en-US" altLang="zh-CN"/>
-              <a:t>Slide 5- </a:t>
+              <a:rPr lang="en-US" altLang="zh-CN" dirty="0"/>
+              <a:t>Slide </a:t>
+            </a:r>
+            <a:r>
+              <a:rPr lang="en-US" altLang="zh-CN" dirty="0" smtClean="0"/>
+              <a:t>6- </a:t>
             </a:r>
             <a:fld id="{503008F6-9111-4B34-9D23-99FDA153D24A}" type="slidenum">
               <a:rPr lang="en-US" altLang="zh-CN"/>
               <a:pPr/>
               <a:t>45</a:t>
             </a:fld>
-            <a:endParaRPr lang="en-CA" altLang="zh-CN">
+            <a:endParaRPr lang="en-CA" altLang="zh-CN" dirty="0">
               <a:ea typeface="宋体" panose="02010600030101010101" pitchFamily="2" charset="-122"/>
             </a:endParaRPr>
           </a:p>
@@ -14526,10 +14529,15 @@
             <a:spLocks noGrp="1"/>
           </p:cNvSpPr>
           <p:nvPr>
-            <p:ph type="sldNum" sz="quarter" idx="10"/>
-          </p:nvPr>
-        </p:nvSpPr>
-        <p:spPr/>
+            <p:ph type="sldNum" sz="quarter" idx="4294967295"/>
+          </p:nvPr>
+        </p:nvSpPr>
+        <p:spPr>
+          <a:xfrm>
+            <a:off x="7050088" y="6400800"/>
+            <a:ext cx="1905000" cy="457200"/>
+          </a:xfrm>
+        </p:spPr>
         <p:txBody>
           <a:bodyPr/>
           <a:lstStyle/>
@@ -15640,10 +15648,15 @@
             <a:spLocks noGrp="1"/>
           </p:cNvSpPr>
           <p:nvPr>
-            <p:ph type="sldNum" sz="quarter" idx="10"/>
-          </p:nvPr>
-        </p:nvSpPr>
-        <p:spPr/>
+            <p:ph type="sldNum" sz="quarter" idx="4294967295"/>
+          </p:nvPr>
+        </p:nvSpPr>
+        <p:spPr>
+          <a:xfrm>
+            <a:off x="7050088" y="6400800"/>
+            <a:ext cx="1905000" cy="457200"/>
+          </a:xfrm>
+        </p:spPr>
         <p:txBody>
           <a:bodyPr/>
           <a:lstStyle/>
@@ -15813,10 +15826,15 @@
             <a:spLocks noGrp="1"/>
           </p:cNvSpPr>
           <p:nvPr>
-            <p:ph type="sldNum" sz="quarter" idx="10"/>
-          </p:nvPr>
-        </p:nvSpPr>
-        <p:spPr/>
+            <p:ph type="sldNum" sz="quarter" idx="4294967295"/>
+          </p:nvPr>
+        </p:nvSpPr>
+        <p:spPr>
+          <a:xfrm>
+            <a:off x="7050088" y="6400800"/>
+            <a:ext cx="1905000" cy="457200"/>
+          </a:xfrm>
+        </p:spPr>
         <p:txBody>
           <a:bodyPr/>
           <a:lstStyle/>
@@ -16016,10 +16034,15 @@
             <a:spLocks noGrp="1"/>
           </p:cNvSpPr>
           <p:nvPr>
-            <p:ph type="sldNum" sz="quarter" idx="10"/>
-          </p:nvPr>
-        </p:nvSpPr>
-        <p:spPr/>
+            <p:ph type="sldNum" sz="quarter" idx="4294967295"/>
+          </p:nvPr>
+        </p:nvSpPr>
+        <p:spPr>
+          <a:xfrm>
+            <a:off x="7050088" y="6400800"/>
+            <a:ext cx="1905000" cy="457200"/>
+          </a:xfrm>
+        </p:spPr>
         <p:txBody>
           <a:bodyPr/>
           <a:lstStyle/>
@@ -16160,10 +16183,15 @@
             <a:spLocks noGrp="1"/>
           </p:cNvSpPr>
           <p:nvPr>
-            <p:ph type="sldNum" sz="quarter" idx="10"/>
-          </p:nvPr>
-        </p:nvSpPr>
-        <p:spPr/>
+            <p:ph type="sldNum" sz="quarter" idx="4294967295"/>
+          </p:nvPr>
+        </p:nvSpPr>
+        <p:spPr>
+          <a:xfrm>
+            <a:off x="7050088" y="6400800"/>
+            <a:ext cx="1905000" cy="457200"/>
+          </a:xfrm>
+        </p:spPr>
         <p:txBody>
           <a:bodyPr/>
           <a:lstStyle/>
@@ -16290,10 +16318,15 @@
             <a:spLocks noGrp="1"/>
           </p:cNvSpPr>
           <p:nvPr>
-            <p:ph type="sldNum" sz="quarter" idx="10"/>
-          </p:nvPr>
-        </p:nvSpPr>
-        <p:spPr/>
+            <p:ph type="sldNum" sz="quarter" idx="4294967295"/>
+          </p:nvPr>
+        </p:nvSpPr>
+        <p:spPr>
+          <a:xfrm>
+            <a:off x="7050088" y="6400800"/>
+            <a:ext cx="1905000" cy="457200"/>
+          </a:xfrm>
+        </p:spPr>
         <p:txBody>
           <a:bodyPr/>
           <a:lstStyle/>
@@ -17001,10 +17034,15 @@
             <a:spLocks noGrp="1"/>
           </p:cNvSpPr>
           <p:nvPr>
-            <p:ph type="sldNum" sz="quarter" idx="10"/>
-          </p:nvPr>
-        </p:nvSpPr>
-        <p:spPr/>
+            <p:ph type="sldNum" sz="quarter" idx="4294967295"/>
+          </p:nvPr>
+        </p:nvSpPr>
+        <p:spPr>
+          <a:xfrm>
+            <a:off x="7050088" y="6400800"/>
+            <a:ext cx="1905000" cy="457200"/>
+          </a:xfrm>
+        </p:spPr>
         <p:txBody>
           <a:bodyPr/>
           <a:lstStyle/>
@@ -17385,10 +17423,15 @@
             <a:spLocks noGrp="1"/>
           </p:cNvSpPr>
           <p:nvPr>
-            <p:ph type="sldNum" sz="quarter" idx="10"/>
-          </p:nvPr>
-        </p:nvSpPr>
-        <p:spPr/>
+            <p:ph type="sldNum" sz="quarter" idx="4294967295"/>
+          </p:nvPr>
+        </p:nvSpPr>
+        <p:spPr>
+          <a:xfrm>
+            <a:off x="7050088" y="6400800"/>
+            <a:ext cx="1905000" cy="457200"/>
+          </a:xfrm>
+        </p:spPr>
         <p:txBody>
           <a:bodyPr/>
           <a:lstStyle/>
@@ -17601,10 +17644,15 @@
             <a:spLocks noGrp="1"/>
           </p:cNvSpPr>
           <p:nvPr>
-            <p:ph type="sldNum" sz="quarter" idx="10"/>
-          </p:nvPr>
-        </p:nvSpPr>
-        <p:spPr/>
+            <p:ph type="sldNum" sz="quarter" idx="4294967295"/>
+          </p:nvPr>
+        </p:nvSpPr>
+        <p:spPr>
+          <a:xfrm>
+            <a:off x="7050088" y="6400800"/>
+            <a:ext cx="1905000" cy="457200"/>
+          </a:xfrm>
+        </p:spPr>
         <p:txBody>
           <a:bodyPr/>
           <a:lstStyle/>
@@ -17845,10 +17893,15 @@
             <a:spLocks noGrp="1"/>
           </p:cNvSpPr>
           <p:nvPr>
-            <p:ph type="sldNum" sz="quarter" idx="10"/>
-          </p:nvPr>
-        </p:nvSpPr>
-        <p:spPr/>
+            <p:ph type="sldNum" sz="quarter" idx="4294967295"/>
+          </p:nvPr>
+        </p:nvSpPr>
+        <p:spPr>
+          <a:xfrm>
+            <a:off x="7050088" y="6400800"/>
+            <a:ext cx="1905000" cy="457200"/>
+          </a:xfrm>
+        </p:spPr>
         <p:txBody>
           <a:bodyPr/>
           <a:lstStyle/>
@@ -18026,10 +18079,15 @@
             <a:spLocks noGrp="1"/>
           </p:cNvSpPr>
           <p:nvPr>
-            <p:ph type="sldNum" sz="quarter" idx="10"/>
-          </p:nvPr>
-        </p:nvSpPr>
-        <p:spPr/>
+            <p:ph type="sldNum" sz="quarter" idx="4294967295"/>
+          </p:nvPr>
+        </p:nvSpPr>
+        <p:spPr>
+          <a:xfrm>
+            <a:off x="7050088" y="6400800"/>
+            <a:ext cx="1905000" cy="457200"/>
+          </a:xfrm>
+        </p:spPr>
         <p:txBody>
           <a:bodyPr/>
           <a:lstStyle/>
@@ -18311,10 +18369,15 @@
             <a:spLocks noGrp="1"/>
           </p:cNvSpPr>
           <p:nvPr>
-            <p:ph type="sldNum" sz="quarter" idx="10"/>
-          </p:nvPr>
-        </p:nvSpPr>
-        <p:spPr/>
+            <p:ph type="sldNum" sz="quarter" idx="4294967295"/>
+          </p:nvPr>
+        </p:nvSpPr>
+        <p:spPr>
+          <a:xfrm>
+            <a:off x="7050088" y="6400800"/>
+            <a:ext cx="1905000" cy="457200"/>
+          </a:xfrm>
+        </p:spPr>
         <p:txBody>
           <a:bodyPr/>
           <a:lstStyle/>
@@ -18536,10 +18599,15 @@
             <a:spLocks noGrp="1"/>
           </p:cNvSpPr>
           <p:nvPr>
-            <p:ph type="sldNum" sz="quarter" idx="10"/>
-          </p:nvPr>
-        </p:nvSpPr>
-        <p:spPr/>
+            <p:ph type="sldNum" sz="quarter" idx="4294967295"/>
+          </p:nvPr>
+        </p:nvSpPr>
+        <p:spPr>
+          <a:xfrm>
+            <a:off x="7050088" y="6400800"/>
+            <a:ext cx="1905000" cy="457200"/>
+          </a:xfrm>
+        </p:spPr>
         <p:txBody>
           <a:bodyPr/>
           <a:lstStyle/>
@@ -18654,10 +18722,15 @@
             <a:spLocks noGrp="1"/>
           </p:cNvSpPr>
           <p:nvPr>
-            <p:ph type="sldNum" sz="quarter" idx="10"/>
-          </p:nvPr>
-        </p:nvSpPr>
-        <p:spPr/>
+            <p:ph type="sldNum" sz="quarter" idx="4294967295"/>
+          </p:nvPr>
+        </p:nvSpPr>
+        <p:spPr>
+          <a:xfrm>
+            <a:off x="7050088" y="6400800"/>
+            <a:ext cx="1905000" cy="457200"/>
+          </a:xfrm>
+        </p:spPr>
         <p:txBody>
           <a:bodyPr/>
           <a:lstStyle/>
@@ -18722,10 +18795,15 @@
             <a:spLocks noGrp="1"/>
           </p:cNvSpPr>
           <p:nvPr>
-            <p:ph type="sldNum" sz="quarter" idx="10"/>
-          </p:nvPr>
-        </p:nvSpPr>
-        <p:spPr/>
+            <p:ph type="sldNum" sz="quarter" idx="4294967295"/>
+          </p:nvPr>
+        </p:nvSpPr>
+        <p:spPr>
+          <a:xfrm>
+            <a:off x="7050088" y="6400800"/>
+            <a:ext cx="1905000" cy="457200"/>
+          </a:xfrm>
+        </p:spPr>
         <p:txBody>
           <a:bodyPr/>
           <a:lstStyle/>
@@ -18873,10 +18951,15 @@
             <a:spLocks noGrp="1"/>
           </p:cNvSpPr>
           <p:nvPr>
-            <p:ph type="sldNum" sz="quarter" idx="10"/>
-          </p:nvPr>
-        </p:nvSpPr>
-        <p:spPr/>
+            <p:ph type="sldNum" sz="quarter" idx="4294967295"/>
+          </p:nvPr>
+        </p:nvSpPr>
+        <p:spPr>
+          <a:xfrm>
+            <a:off x="7050088" y="6400800"/>
+            <a:ext cx="1905000" cy="457200"/>
+          </a:xfrm>
+        </p:spPr>
         <p:txBody>
           <a:bodyPr/>
           <a:lstStyle/>
@@ -19055,10 +19138,15 @@
             <a:spLocks noGrp="1"/>
           </p:cNvSpPr>
           <p:nvPr>
-            <p:ph type="sldNum" sz="quarter" idx="10"/>
-          </p:nvPr>
-        </p:nvSpPr>
-        <p:spPr/>
+            <p:ph type="sldNum" sz="quarter" idx="4294967295"/>
+          </p:nvPr>
+        </p:nvSpPr>
+        <p:spPr>
+          <a:xfrm>
+            <a:off x="7050088" y="6400800"/>
+            <a:ext cx="1905000" cy="457200"/>
+          </a:xfrm>
+        </p:spPr>
         <p:txBody>
           <a:bodyPr/>
           <a:lstStyle/>
@@ -19192,10 +19280,15 @@
             <a:spLocks noGrp="1"/>
           </p:cNvSpPr>
           <p:nvPr>
-            <p:ph type="sldNum" sz="quarter" idx="10"/>
-          </p:nvPr>
-        </p:nvSpPr>
-        <p:spPr/>
+            <p:ph type="sldNum" sz="quarter" idx="4294967295"/>
+          </p:nvPr>
+        </p:nvSpPr>
+        <p:spPr>
+          <a:xfrm>
+            <a:off x="7050088" y="6400800"/>
+            <a:ext cx="1905000" cy="457200"/>
+          </a:xfrm>
+        </p:spPr>
         <p:txBody>
           <a:bodyPr/>
           <a:lstStyle/>
@@ -19343,10 +19436,15 @@
             <a:spLocks noGrp="1"/>
           </p:cNvSpPr>
           <p:nvPr>
-            <p:ph type="sldNum" sz="quarter" idx="10"/>
-          </p:nvPr>
-        </p:nvSpPr>
-        <p:spPr/>
+            <p:ph type="sldNum" sz="quarter" idx="4294967295"/>
+          </p:nvPr>
+        </p:nvSpPr>
+        <p:spPr>
+          <a:xfrm>
+            <a:off x="7050088" y="6400800"/>
+            <a:ext cx="1905000" cy="457200"/>
+          </a:xfrm>
+        </p:spPr>
         <p:txBody>
           <a:bodyPr/>
           <a:lstStyle/>
@@ -19589,10 +19687,15 @@
             <a:spLocks noGrp="1"/>
           </p:cNvSpPr>
           <p:nvPr>
-            <p:ph type="sldNum" sz="quarter" idx="10"/>
-          </p:nvPr>
-        </p:nvSpPr>
-        <p:spPr/>
+            <p:ph type="sldNum" sz="quarter" idx="4294967295"/>
+          </p:nvPr>
+        </p:nvSpPr>
+        <p:spPr>
+          <a:xfrm>
+            <a:off x="7050088" y="6400800"/>
+            <a:ext cx="1905000" cy="457200"/>
+          </a:xfrm>
+        </p:spPr>
         <p:txBody>
           <a:bodyPr/>
           <a:lstStyle/>
@@ -19951,10 +20054,15 @@
             <a:spLocks noGrp="1"/>
           </p:cNvSpPr>
           <p:nvPr>
-            <p:ph type="sldNum" sz="quarter" idx="10"/>
-          </p:nvPr>
-        </p:nvSpPr>
-        <p:spPr/>
+            <p:ph type="sldNum" sz="quarter" idx="4294967295"/>
+          </p:nvPr>
+        </p:nvSpPr>
+        <p:spPr>
+          <a:xfrm>
+            <a:off x="7050088" y="6400800"/>
+            <a:ext cx="1905000" cy="457200"/>
+          </a:xfrm>
+        </p:spPr>
         <p:txBody>
           <a:bodyPr/>
           <a:lstStyle/>
@@ -20236,10 +20344,15 @@
             <a:spLocks noGrp="1"/>
           </p:cNvSpPr>
           <p:nvPr>
-            <p:ph type="sldNum" sz="quarter" idx="10"/>
-          </p:nvPr>
-        </p:nvSpPr>
-        <p:spPr/>
+            <p:ph type="sldNum" sz="quarter" idx="4294967295"/>
+          </p:nvPr>
+        </p:nvSpPr>
+        <p:spPr>
+          <a:xfrm>
+            <a:off x="7050088" y="6400800"/>
+            <a:ext cx="1905000" cy="457200"/>
+          </a:xfrm>
+        </p:spPr>
         <p:txBody>
           <a:bodyPr/>
           <a:lstStyle/>
@@ -20516,10 +20629,15 @@
             <a:spLocks noGrp="1"/>
           </p:cNvSpPr>
           <p:nvPr>
-            <p:ph type="sldNum" sz="quarter" idx="10"/>
-          </p:nvPr>
-        </p:nvSpPr>
-        <p:spPr/>
+            <p:ph type="sldNum" sz="quarter" idx="4294967295"/>
+          </p:nvPr>
+        </p:nvSpPr>
+        <p:spPr>
+          <a:xfrm>
+            <a:off x="7050088" y="6400800"/>
+            <a:ext cx="1905000" cy="457200"/>
+          </a:xfrm>
+        </p:spPr>
         <p:txBody>
           <a:bodyPr/>
           <a:lstStyle/>
@@ -20700,10 +20818,15 @@
             <a:spLocks noGrp="1"/>
           </p:cNvSpPr>
           <p:nvPr>
-            <p:ph type="sldNum" sz="quarter" idx="10"/>
-          </p:nvPr>
-        </p:nvSpPr>
-        <p:spPr/>
+            <p:ph type="sldNum" sz="quarter" idx="4294967295"/>
+          </p:nvPr>
+        </p:nvSpPr>
+        <p:spPr>
+          <a:xfrm>
+            <a:off x="7050088" y="6400800"/>
+            <a:ext cx="1905000" cy="457200"/>
+          </a:xfrm>
+        </p:spPr>
         <p:txBody>
           <a:bodyPr/>
           <a:lstStyle/>
@@ -20837,10 +20960,15 @@
             <a:spLocks noGrp="1"/>
           </p:cNvSpPr>
           <p:nvPr>
-            <p:ph type="sldNum" sz="quarter" idx="10"/>
-          </p:nvPr>
-        </p:nvSpPr>
-        <p:spPr/>
+            <p:ph type="sldNum" sz="quarter" idx="4294967295"/>
+          </p:nvPr>
+        </p:nvSpPr>
+        <p:spPr>
+          <a:xfrm>
+            <a:off x="7050088" y="6400800"/>
+            <a:ext cx="1905000" cy="457200"/>
+          </a:xfrm>
+        </p:spPr>
         <p:txBody>
           <a:bodyPr/>
           <a:lstStyle/>
@@ -21185,10 +21313,15 @@
             <a:spLocks noGrp="1"/>
           </p:cNvSpPr>
           <p:nvPr>
-            <p:ph type="sldNum" sz="quarter" idx="10"/>
-          </p:nvPr>
-        </p:nvSpPr>
-        <p:spPr/>
+            <p:ph type="sldNum" sz="quarter" idx="4294967295"/>
+          </p:nvPr>
+        </p:nvSpPr>
+        <p:spPr>
+          <a:xfrm>
+            <a:off x="7050088" y="6400800"/>
+            <a:ext cx="1905000" cy="457200"/>
+          </a:xfrm>
+        </p:spPr>
         <p:txBody>
           <a:bodyPr/>
           <a:lstStyle/>
@@ -21347,10 +21480,15 @@
             <a:spLocks noGrp="1"/>
           </p:cNvSpPr>
           <p:nvPr>
-            <p:ph type="sldNum" sz="quarter" idx="10"/>
-          </p:nvPr>
-        </p:nvSpPr>
-        <p:spPr/>
+            <p:ph type="sldNum" sz="quarter" idx="4294967295"/>
+          </p:nvPr>
+        </p:nvSpPr>
+        <p:spPr>
+          <a:xfrm>
+            <a:off x="7050088" y="6400800"/>
+            <a:ext cx="1905000" cy="457200"/>
+          </a:xfrm>
+        </p:spPr>
         <p:txBody>
           <a:bodyPr/>
           <a:lstStyle/>
@@ -21619,10 +21757,15 @@
             <a:spLocks noGrp="1"/>
           </p:cNvSpPr>
           <p:nvPr>
-            <p:ph type="sldNum" sz="quarter" idx="10"/>
-          </p:nvPr>
-        </p:nvSpPr>
-        <p:spPr/>
+            <p:ph type="sldNum" sz="quarter" idx="4294967295"/>
+          </p:nvPr>
+        </p:nvSpPr>
+        <p:spPr>
+          <a:xfrm>
+            <a:off x="7050088" y="6400800"/>
+            <a:ext cx="1905000" cy="457200"/>
+          </a:xfrm>
+        </p:spPr>
         <p:txBody>
           <a:bodyPr/>
           <a:lstStyle/>
@@ -21818,10 +21961,15 @@
             <a:spLocks noGrp="1"/>
           </p:cNvSpPr>
           <p:nvPr>
-            <p:ph type="sldNum" sz="quarter" idx="10"/>
-          </p:nvPr>
-        </p:nvSpPr>
-        <p:spPr/>
+            <p:ph type="sldNum" sz="quarter" idx="4294967295"/>
+          </p:nvPr>
+        </p:nvSpPr>
+        <p:spPr>
+          <a:xfrm>
+            <a:off x="7050088" y="6400800"/>
+            <a:ext cx="1905000" cy="457200"/>
+          </a:xfrm>
+        </p:spPr>
         <p:txBody>
           <a:bodyPr/>
           <a:lstStyle/>
@@ -21983,10 +22131,15 @@
             <a:spLocks noGrp="1"/>
           </p:cNvSpPr>
           <p:nvPr>
-            <p:ph type="sldNum" sz="quarter" idx="10"/>
-          </p:nvPr>
-        </p:nvSpPr>
-        <p:spPr/>
+            <p:ph type="sldNum" sz="quarter" idx="4294967295"/>
+          </p:nvPr>
+        </p:nvSpPr>
+        <p:spPr>
+          <a:xfrm>
+            <a:off x="7050088" y="6400800"/>
+            <a:ext cx="1905000" cy="457200"/>
+          </a:xfrm>
+        </p:spPr>
         <p:txBody>
           <a:bodyPr/>
           <a:lstStyle/>
@@ -22183,10 +22336,15 @@
             <a:spLocks noGrp="1"/>
           </p:cNvSpPr>
           <p:nvPr>
-            <p:ph type="sldNum" sz="quarter" idx="10"/>
-          </p:nvPr>
-        </p:nvSpPr>
-        <p:spPr/>
+            <p:ph type="sldNum" sz="quarter" idx="4294967295"/>
+          </p:nvPr>
+        </p:nvSpPr>
+        <p:spPr>
+          <a:xfrm>
+            <a:off x="7050088" y="6400800"/>
+            <a:ext cx="1905000" cy="457200"/>
+          </a:xfrm>
+        </p:spPr>
         <p:txBody>
           <a:bodyPr/>
           <a:lstStyle/>
@@ -22774,10 +22932,15 @@
             <a:spLocks noGrp="1"/>
           </p:cNvSpPr>
           <p:nvPr>
-            <p:ph type="sldNum" sz="quarter" idx="10"/>
-          </p:nvPr>
-        </p:nvSpPr>
-        <p:spPr/>
+            <p:ph type="sldNum" sz="quarter" idx="4294967295"/>
+          </p:nvPr>
+        </p:nvSpPr>
+        <p:spPr>
+          <a:xfrm>
+            <a:off x="7050088" y="6400800"/>
+            <a:ext cx="1905000" cy="457200"/>
+          </a:xfrm>
+        </p:spPr>
         <p:txBody>
           <a:bodyPr/>
           <a:lstStyle/>
@@ -23113,10 +23276,15 @@
             <a:spLocks noGrp="1"/>
           </p:cNvSpPr>
           <p:nvPr>
-            <p:ph type="sldNum" sz="quarter" idx="10"/>
-          </p:nvPr>
-        </p:nvSpPr>
-        <p:spPr/>
+            <p:ph type="sldNum" sz="quarter" idx="4294967295"/>
+          </p:nvPr>
+        </p:nvSpPr>
+        <p:spPr>
+          <a:xfrm>
+            <a:off x="7050088" y="6400800"/>
+            <a:ext cx="1905000" cy="457200"/>
+          </a:xfrm>
+        </p:spPr>
         <p:txBody>
           <a:bodyPr/>
           <a:lstStyle/>
@@ -23309,10 +23477,15 @@
             <a:spLocks noGrp="1"/>
           </p:cNvSpPr>
           <p:nvPr>
-            <p:ph type="sldNum" sz="quarter" idx="10"/>
-          </p:nvPr>
-        </p:nvSpPr>
-        <p:spPr/>
+            <p:ph type="sldNum" sz="quarter" idx="4294967295"/>
+          </p:nvPr>
+        </p:nvSpPr>
+        <p:spPr>
+          <a:xfrm>
+            <a:off x="7050088" y="6400800"/>
+            <a:ext cx="1905000" cy="457200"/>
+          </a:xfrm>
+        </p:spPr>
         <p:txBody>
           <a:bodyPr/>
           <a:lstStyle/>
@@ -23887,10 +24060,15 @@
             <a:spLocks noGrp="1"/>
           </p:cNvSpPr>
           <p:nvPr>
-            <p:ph type="sldNum" sz="quarter" idx="10"/>
-          </p:nvPr>
-        </p:nvSpPr>
-        <p:spPr/>
+            <p:ph type="sldNum" sz="quarter" idx="4294967295"/>
+          </p:nvPr>
+        </p:nvSpPr>
+        <p:spPr>
+          <a:xfrm>
+            <a:off x="7050088" y="6400800"/>
+            <a:ext cx="1905000" cy="457200"/>
+          </a:xfrm>
+        </p:spPr>
         <p:txBody>
           <a:bodyPr/>
           <a:lstStyle/>
@@ -24166,10 +24344,15 @@
             <a:spLocks noGrp="1"/>
           </p:cNvSpPr>
           <p:nvPr>
-            <p:ph type="sldNum" sz="quarter" idx="10"/>
-          </p:nvPr>
-        </p:nvSpPr>
-        <p:spPr/>
+            <p:ph type="sldNum" sz="quarter" idx="4294967295"/>
+          </p:nvPr>
+        </p:nvSpPr>
+        <p:spPr>
+          <a:xfrm>
+            <a:off x="7050088" y="6400800"/>
+            <a:ext cx="1905000" cy="457200"/>
+          </a:xfrm>
+        </p:spPr>
         <p:txBody>
           <a:bodyPr/>
           <a:lstStyle/>
@@ -24464,10 +24647,15 @@
             <a:spLocks noGrp="1"/>
           </p:cNvSpPr>
           <p:nvPr>
-            <p:ph type="sldNum" sz="quarter" idx="10"/>
-          </p:nvPr>
-        </p:nvSpPr>
-        <p:spPr/>
+            <p:ph type="sldNum" sz="quarter" idx="4294967295"/>
+          </p:nvPr>
+        </p:nvSpPr>
+        <p:spPr>
+          <a:xfrm>
+            <a:off x="7050088" y="6400800"/>
+            <a:ext cx="1905000" cy="457200"/>
+          </a:xfrm>
+        </p:spPr>
         <p:txBody>
           <a:bodyPr/>
           <a:lstStyle/>
@@ -24771,10 +24959,15 @@
             <a:spLocks noGrp="1"/>
           </p:cNvSpPr>
           <p:nvPr>
-            <p:ph type="sldNum" sz="quarter" idx="10"/>
-          </p:nvPr>
-        </p:nvSpPr>
-        <p:spPr/>
+            <p:ph type="sldNum" sz="quarter" idx="4294967295"/>
+          </p:nvPr>
+        </p:nvSpPr>
+        <p:spPr>
+          <a:xfrm>
+            <a:off x="7050088" y="6400800"/>
+            <a:ext cx="1905000" cy="457200"/>
+          </a:xfrm>
+        </p:spPr>
         <p:txBody>
           <a:bodyPr/>
           <a:lstStyle/>
@@ -24839,10 +25032,15 @@
             <a:spLocks noGrp="1"/>
           </p:cNvSpPr>
           <p:nvPr>
-            <p:ph type="sldNum" sz="quarter" idx="10"/>
-          </p:nvPr>
-        </p:nvSpPr>
-        <p:spPr/>
+            <p:ph type="sldNum" sz="quarter" idx="4294967295"/>
+          </p:nvPr>
+        </p:nvSpPr>
+        <p:spPr>
+          <a:xfrm>
+            <a:off x="7050088" y="6400800"/>
+            <a:ext cx="1905000" cy="457200"/>
+          </a:xfrm>
+        </p:spPr>
         <p:txBody>
           <a:bodyPr/>
           <a:lstStyle/>
@@ -25129,10 +25327,15 @@
             <a:spLocks noGrp="1"/>
           </p:cNvSpPr>
           <p:nvPr>
-            <p:ph type="sldNum" sz="quarter" idx="10"/>
-          </p:nvPr>
-        </p:nvSpPr>
-        <p:spPr/>
+            <p:ph type="sldNum" sz="quarter" idx="4294967295"/>
+          </p:nvPr>
+        </p:nvSpPr>
+        <p:spPr>
+          <a:xfrm>
+            <a:off x="7050088" y="6400800"/>
+            <a:ext cx="1905000" cy="457200"/>
+          </a:xfrm>
+        </p:spPr>
         <p:txBody>
           <a:bodyPr/>
           <a:lstStyle/>
@@ -25264,24 +25467,33 @@
             <a:spLocks noGrp="1"/>
           </p:cNvSpPr>
           <p:nvPr>
-            <p:ph type="sldNum" sz="quarter" idx="10"/>
-          </p:nvPr>
-        </p:nvSpPr>
-        <p:spPr/>
+            <p:ph type="sldNum" sz="quarter" idx="4294967295"/>
+          </p:nvPr>
+        </p:nvSpPr>
+        <p:spPr>
+          <a:xfrm>
+            <a:off x="7050088" y="6400800"/>
+            <a:ext cx="1905000" cy="457200"/>
+          </a:xfrm>
+        </p:spPr>
         <p:txBody>
           <a:bodyPr/>
           <a:lstStyle/>
           <a:p>
             <a:r>
-              <a:rPr lang="en-US" altLang="zh-CN"/>
-              <a:t>Slide 5- </a:t>
+              <a:rPr lang="en-US" altLang="zh-CN" dirty="0"/>
+              <a:t>Slide </a:t>
+            </a:r>
+            <a:r>
+              <a:rPr lang="en-US" altLang="zh-CN" dirty="0" smtClean="0"/>
+              <a:t>6- </a:t>
             </a:r>
             <a:fld id="{90953D6E-ECB8-4138-8E2A-66C4ECAB6F67}" type="slidenum">
               <a:rPr lang="en-US" altLang="zh-CN"/>
               <a:pPr/>
               <a:t>82</a:t>
             </a:fld>
-            <a:endParaRPr lang="en-CA" altLang="zh-CN">
+            <a:endParaRPr lang="en-CA" altLang="zh-CN" dirty="0">
               <a:ea typeface="宋体" panose="02010600030101010101" pitchFamily="2" charset="-122"/>
             </a:endParaRPr>
           </a:p>
@@ -25407,10 +25619,15 @@
             <a:spLocks noGrp="1"/>
           </p:cNvSpPr>
           <p:nvPr>
-            <p:ph type="sldNum" sz="quarter" idx="10"/>
-          </p:nvPr>
-        </p:nvSpPr>
-        <p:spPr/>
+            <p:ph type="sldNum" sz="quarter" idx="4294967295"/>
+          </p:nvPr>
+        </p:nvSpPr>
+        <p:spPr>
+          <a:xfrm>
+            <a:off x="7050088" y="6400800"/>
+            <a:ext cx="1905000" cy="457200"/>
+          </a:xfrm>
+        </p:spPr>
         <p:txBody>
           <a:bodyPr/>
           <a:lstStyle/>
@@ -25947,24 +26164,33 @@
             <a:spLocks noGrp="1"/>
           </p:cNvSpPr>
           <p:nvPr>
-            <p:ph type="sldNum" sz="quarter" idx="10"/>
-          </p:nvPr>
-        </p:nvSpPr>
-        <p:spPr/>
+            <p:ph type="sldNum" sz="quarter" idx="4294967295"/>
+          </p:nvPr>
+        </p:nvSpPr>
+        <p:spPr>
+          <a:xfrm>
+            <a:off x="7050088" y="6400800"/>
+            <a:ext cx="1905000" cy="457200"/>
+          </a:xfrm>
+        </p:spPr>
         <p:txBody>
           <a:bodyPr/>
           <a:lstStyle/>
           <a:p>
             <a:r>
-              <a:rPr lang="en-US" altLang="zh-CN"/>
-              <a:t>Slide 5- </a:t>
+              <a:rPr lang="en-US" altLang="zh-CN" dirty="0"/>
+              <a:t>Slide </a:t>
+            </a:r>
+            <a:r>
+              <a:rPr lang="en-US" altLang="zh-CN" dirty="0" smtClean="0"/>
+              <a:t>6- </a:t>
             </a:r>
             <a:fld id="{247612B1-D9A5-4842-A36B-6CEA77F3E529}" type="slidenum">
               <a:rPr lang="en-US" altLang="zh-CN"/>
               <a:pPr/>
               <a:t>84</a:t>
             </a:fld>
-            <a:endParaRPr lang="en-CA" altLang="zh-CN">
+            <a:endParaRPr lang="en-CA" altLang="zh-CN" dirty="0">
               <a:ea typeface="宋体" panose="02010600030101010101" pitchFamily="2" charset="-122"/>
             </a:endParaRPr>
           </a:p>
@@ -26121,24 +26347,33 @@
             <a:spLocks noGrp="1"/>
           </p:cNvSpPr>
           <p:nvPr>
-            <p:ph type="sldNum" sz="quarter" idx="10"/>
-          </p:nvPr>
-        </p:nvSpPr>
-        <p:spPr/>
+            <p:ph type="sldNum" sz="quarter" idx="4294967295"/>
+          </p:nvPr>
+        </p:nvSpPr>
+        <p:spPr>
+          <a:xfrm>
+            <a:off x="7050088" y="6400800"/>
+            <a:ext cx="1905000" cy="457200"/>
+          </a:xfrm>
+        </p:spPr>
         <p:txBody>
           <a:bodyPr/>
           <a:lstStyle/>
           <a:p>
             <a:r>
-              <a:rPr lang="en-US" altLang="zh-CN"/>
-              <a:t>Slide 5- </a:t>
+              <a:rPr lang="en-US" altLang="zh-CN" dirty="0"/>
+              <a:t>Slide </a:t>
+            </a:r>
+            <a:r>
+              <a:rPr lang="en-US" altLang="zh-CN" dirty="0" smtClean="0"/>
+              <a:t>6- </a:t>
             </a:r>
             <a:fld id="{AF9ED857-0F64-461F-A453-5E6231318602}" type="slidenum">
               <a:rPr lang="en-US" altLang="zh-CN"/>
               <a:pPr/>
               <a:t>85</a:t>
             </a:fld>
-            <a:endParaRPr lang="en-CA" altLang="zh-CN">
+            <a:endParaRPr lang="en-CA" altLang="zh-CN" dirty="0">
               <a:ea typeface="宋体" panose="02010600030101010101" pitchFamily="2" charset="-122"/>
             </a:endParaRPr>
           </a:p>
@@ -26257,24 +26492,33 @@
             <a:spLocks noGrp="1"/>
           </p:cNvSpPr>
           <p:nvPr>
-            <p:ph type="sldNum" sz="quarter" idx="10"/>
-          </p:nvPr>
-        </p:nvSpPr>
-        <p:spPr/>
+            <p:ph type="sldNum" sz="quarter" idx="4294967295"/>
+          </p:nvPr>
+        </p:nvSpPr>
+        <p:spPr>
+          <a:xfrm>
+            <a:off x="7050088" y="6400800"/>
+            <a:ext cx="1905000" cy="457200"/>
+          </a:xfrm>
+        </p:spPr>
         <p:txBody>
           <a:bodyPr/>
           <a:lstStyle/>
           <a:p>
             <a:r>
-              <a:rPr lang="en-US" altLang="zh-CN"/>
-              <a:t>Slide 5- </a:t>
+              <a:rPr lang="en-US" altLang="zh-CN" dirty="0"/>
+              <a:t>Slide </a:t>
+            </a:r>
+            <a:r>
+              <a:rPr lang="en-US" altLang="zh-CN" dirty="0" smtClean="0"/>
+              <a:t>6- </a:t>
             </a:r>
             <a:fld id="{F2DA2E2F-1590-4F16-8D98-FEDCCEA5CDE7}" type="slidenum">
               <a:rPr lang="en-US" altLang="zh-CN"/>
               <a:pPr/>
               <a:t>86</a:t>
             </a:fld>
-            <a:endParaRPr lang="en-CA" altLang="zh-CN">
+            <a:endParaRPr lang="en-CA" altLang="zh-CN" dirty="0">
               <a:ea typeface="宋体" panose="02010600030101010101" pitchFamily="2" charset="-122"/>
             </a:endParaRPr>
           </a:p>
@@ -26417,24 +26661,33 @@
             <a:spLocks noGrp="1"/>
           </p:cNvSpPr>
           <p:nvPr>
-            <p:ph type="sldNum" sz="quarter" idx="10"/>
-          </p:nvPr>
-        </p:nvSpPr>
-        <p:spPr/>
+            <p:ph type="sldNum" sz="quarter" idx="4294967295"/>
+          </p:nvPr>
+        </p:nvSpPr>
+        <p:spPr>
+          <a:xfrm>
+            <a:off x="7050088" y="6400800"/>
+            <a:ext cx="1905000" cy="457200"/>
+          </a:xfrm>
+        </p:spPr>
         <p:txBody>
           <a:bodyPr/>
           <a:lstStyle/>
           <a:p>
             <a:r>
-              <a:rPr lang="en-US" altLang="zh-CN"/>
-              <a:t>Slide 5- </a:t>
+              <a:rPr lang="en-US" altLang="zh-CN" dirty="0"/>
+              <a:t>Slide </a:t>
+            </a:r>
+            <a:r>
+              <a:rPr lang="en-US" altLang="zh-CN" dirty="0" smtClean="0"/>
+              <a:t>6- </a:t>
             </a:r>
             <a:fld id="{6BA628FF-CC66-402B-AA42-AAFB2775E01D}" type="slidenum">
               <a:rPr lang="en-US" altLang="zh-CN"/>
               <a:pPr/>
               <a:t>87</a:t>
             </a:fld>
-            <a:endParaRPr lang="en-CA" altLang="zh-CN">
+            <a:endParaRPr lang="en-CA" altLang="zh-CN" dirty="0">
               <a:ea typeface="宋体" panose="02010600030101010101" pitchFamily="2" charset="-122"/>
             </a:endParaRPr>
           </a:p>
@@ -26970,24 +27223,33 @@
             <a:spLocks noGrp="1"/>
           </p:cNvSpPr>
           <p:nvPr>
-            <p:ph type="sldNum" sz="quarter" idx="10"/>
-          </p:nvPr>
-        </p:nvSpPr>
-        <p:spPr/>
+            <p:ph type="sldNum" sz="quarter" idx="4294967295"/>
+          </p:nvPr>
+        </p:nvSpPr>
+        <p:spPr>
+          <a:xfrm>
+            <a:off x="7050088" y="6400800"/>
+            <a:ext cx="1905000" cy="457200"/>
+          </a:xfrm>
+        </p:spPr>
         <p:txBody>
           <a:bodyPr/>
           <a:lstStyle/>
           <a:p>
             <a:r>
-              <a:rPr lang="en-US" altLang="zh-CN"/>
-              <a:t>Slide 5- </a:t>
+              <a:rPr lang="en-US" altLang="zh-CN" dirty="0"/>
+              <a:t>Slide </a:t>
+            </a:r>
+            <a:r>
+              <a:rPr lang="en-US" altLang="zh-CN" dirty="0" smtClean="0"/>
+              <a:t>6- </a:t>
             </a:r>
             <a:fld id="{1053C85B-5858-40C8-BDB1-DDC51C22B663}" type="slidenum">
               <a:rPr lang="en-US" altLang="zh-CN"/>
               <a:pPr/>
               <a:t>88</a:t>
             </a:fld>
-            <a:endParaRPr lang="en-CA" altLang="zh-CN">
+            <a:endParaRPr lang="en-CA" altLang="zh-CN" dirty="0">
               <a:ea typeface="宋体" panose="02010600030101010101" pitchFamily="2" charset="-122"/>
             </a:endParaRPr>
           </a:p>
@@ -27147,10 +27409,15 @@
             <a:spLocks noGrp="1"/>
           </p:cNvSpPr>
           <p:nvPr>
-            <p:ph type="sldNum" sz="quarter" idx="10"/>
-          </p:nvPr>
-        </p:nvSpPr>
-        <p:spPr/>
+            <p:ph type="sldNum" sz="quarter" idx="4294967295"/>
+          </p:nvPr>
+        </p:nvSpPr>
+        <p:spPr>
+          <a:xfrm>
+            <a:off x="7050088" y="6400800"/>
+            <a:ext cx="1905000" cy="457200"/>
+          </a:xfrm>
+        </p:spPr>
         <p:txBody>
           <a:bodyPr/>
           <a:lstStyle/>

--- a/ppt/Chapter 6.pptx
+++ b/ppt/Chapter 6.pptx
@@ -11431,43 +11431,6 @@
           </a:p>
         </p:txBody>
       </p:sp>
-      <p:sp>
-        <p:nvSpPr>
-          <p:cNvPr id="2" name="矩形 1"/>
-          <p:cNvSpPr/>
-          <p:nvPr/>
-        </p:nvSpPr>
-        <p:spPr>
-          <a:xfrm>
-            <a:off x="2286000" y="3013502"/>
-            <a:ext cx="4572000" cy="3046988"/>
-          </a:xfrm>
-          <a:prstGeom prst="rect">
-            <a:avLst/>
-          </a:prstGeom>
-        </p:spPr>
-        <p:txBody>
-          <a:bodyPr>
-            <a:spAutoFit/>
-          </a:bodyPr>
-          <a:lstStyle/>
-          <a:p>
-            <a:r>
-              <a:rPr lang="zh-CN" altLang="en-US" dirty="0"/>
-              <a:t>output = predict(X)d2l.set_figsize((5, 5)</a:t>
-            </a:r>
-            <a:r>
-              <a:rPr lang="zh-CN" altLang="en-US" dirty="0" smtClean="0"/>
-              <a:t>)</a:t>
-            </a:r>
-            <a:r>
-              <a:rPr lang="en-US" altLang="zh-CN" dirty="0"/>
-              <a:t> output = predict(X)d2l.set_figsize((5, 5)) output = predict(X)d2l.set_figsize((5, 5)) output = predict(X)d2l.set_figsize((5, 5))</a:t>
-            </a:r>
-            <a:endParaRPr lang="zh-CN" altLang="en-US" dirty="0"/>
-          </a:p>
-        </p:txBody>
-      </p:sp>
     </p:spTree>
   </p:cSld>
   <p:clrMapOvr>
@@ -11548,11 +11511,7 @@
           <a:p>
             <a:r>
               <a:rPr lang="en-US" altLang="zh-CN" dirty="0" smtClean="0"/>
-              <a:t>Slide </a:t>
-            </a:r>
-            <a:r>
-              <a:rPr lang="en-US" altLang="zh-CN" dirty="0" smtClean="0"/>
-              <a:t>6- </a:t>
+              <a:t>Slide 6- </a:t>
             </a:r>
             <a:fld id="{3C594E94-0A75-47C5-A997-082619340147}" type="slidenum">
               <a:rPr lang="en-US" altLang="zh-CN" smtClean="0"/>
@@ -12736,7 +12695,7 @@
           <a:graphicData uri="http://schemas.openxmlformats.org/presentationml/2006/ole">
             <mc:AlternateContent xmlns:mc="http://schemas.openxmlformats.org/markup-compatibility/2006">
               <mc:Choice xmlns:v="urn:schemas-microsoft-com:vml" Requires="v">
-                <p:oleObj spid="_x0000_s1229" name="包装程序外壳对象" showAsIcon="1" r:id="rId3" imgW="925920" imgH="533880" progId="Package">
+                <p:oleObj spid="_x0000_s1235" name="包装程序外壳对象" showAsIcon="1" r:id="rId3" imgW="925920" imgH="533880" progId="Package">
                   <p:embed/>
                 </p:oleObj>
               </mc:Choice>
@@ -24915,8 +24874,17 @@
           <a:p>
             <a:r>
               <a:rPr lang="en-US" altLang="zh-CN" dirty="0" smtClean="0"/>
-              <a:t>Output:  a o p</a:t>
-            </a:r>
+              <a:t>Output:  a </a:t>
+            </a:r>
+            <a:r>
+              <a:rPr lang="en-US" altLang="zh-CN" smtClean="0"/>
+              <a:t>o </a:t>
+            </a:r>
+            <a:r>
+              <a:rPr lang="en-US" altLang="zh-CN" smtClean="0"/>
+              <a:t>b</a:t>
+            </a:r>
+            <a:endParaRPr lang="en-US" altLang="zh-CN" dirty="0" smtClean="0"/>
           </a:p>
           <a:p>
             <a:endParaRPr lang="en-US" altLang="zh-CN" dirty="0"/>

--- a/ppt/Chapter 6.pptx
+++ b/ppt/Chapter 6.pptx
@@ -1166,6 +1166,176 @@
 </p:notesMaster>
 </file>
 
+<file path=ppt/notesSlides/notesSlide1.xml><?xml version="1.0" encoding="utf-8"?>
+<p:notes xmlns:a="http://schemas.openxmlformats.org/drawingml/2006/main" xmlns:r="http://schemas.openxmlformats.org/officeDocument/2006/relationships" xmlns:p="http://schemas.openxmlformats.org/presentationml/2006/main">
+  <p:cSld>
+    <p:spTree>
+      <p:nvGrpSpPr>
+        <p:cNvPr id="1" name=""/>
+        <p:cNvGrpSpPr/>
+        <p:nvPr/>
+      </p:nvGrpSpPr>
+      <p:grpSpPr>
+        <a:xfrm>
+          <a:off x="0" y="0"/>
+          <a:ext cx="0" cy="0"/>
+          <a:chOff x="0" y="0"/>
+          <a:chExt cx="0" cy="0"/>
+        </a:xfrm>
+      </p:grpSpPr>
+      <p:sp>
+        <p:nvSpPr>
+          <p:cNvPr id="2" name="幻灯片图像占位符 1"/>
+          <p:cNvSpPr>
+            <a:spLocks noGrp="1" noRot="1" noChangeAspect="1"/>
+          </p:cNvSpPr>
+          <p:nvPr>
+            <p:ph type="sldImg"/>
+          </p:nvPr>
+        </p:nvSpPr>
+        <p:spPr/>
+      </p:sp>
+      <p:sp>
+        <p:nvSpPr>
+          <p:cNvPr id="3" name="备注占位符 2"/>
+          <p:cNvSpPr>
+            <a:spLocks noGrp="1"/>
+          </p:cNvSpPr>
+          <p:nvPr>
+            <p:ph type="body" idx="1"/>
+          </p:nvPr>
+        </p:nvSpPr>
+        <p:spPr/>
+        <p:txBody>
+          <a:bodyPr/>
+          <a:lstStyle/>
+          <a:p>
+            <a:endParaRPr kumimoji="1" lang="zh-CN" altLang="en-US"/>
+          </a:p>
+        </p:txBody>
+      </p:sp>
+      <p:sp>
+        <p:nvSpPr>
+          <p:cNvPr id="4" name="幻灯片编号占位符 3"/>
+          <p:cNvSpPr>
+            <a:spLocks noGrp="1"/>
+          </p:cNvSpPr>
+          <p:nvPr>
+            <p:ph type="sldNum" sz="quarter" idx="10"/>
+          </p:nvPr>
+        </p:nvSpPr>
+        <p:spPr/>
+        <p:txBody>
+          <a:bodyPr/>
+          <a:lstStyle/>
+          <a:p>
+            <a:fld id="{9D9CBCA5-2C34-40ED-A2E3-82DA0B288CDD}" type="slidenum">
+              <a:rPr lang="zh-CN" altLang="en-CA" smtClean="0"/>
+              <a:pPr/>
+              <a:t>1</a:t>
+            </a:fld>
+            <a:endParaRPr lang="en-CA" altLang="zh-CN"/>
+          </a:p>
+        </p:txBody>
+      </p:sp>
+    </p:spTree>
+    <p:extLst>
+      <p:ext uri="{BB962C8B-B14F-4D97-AF65-F5344CB8AC3E}">
+        <p14:creationId xmlns:p14="http://schemas.microsoft.com/office/powerpoint/2010/main" val="1719121396"/>
+      </p:ext>
+    </p:extLst>
+  </p:cSld>
+  <p:clrMapOvr>
+    <a:masterClrMapping/>
+  </p:clrMapOvr>
+</p:notes>
+</file>
+
+<file path=ppt/notesSlides/notesSlide2.xml><?xml version="1.0" encoding="utf-8"?>
+<p:notes xmlns:a="http://schemas.openxmlformats.org/drawingml/2006/main" xmlns:r="http://schemas.openxmlformats.org/officeDocument/2006/relationships" xmlns:p="http://schemas.openxmlformats.org/presentationml/2006/main">
+  <p:cSld>
+    <p:spTree>
+      <p:nvGrpSpPr>
+        <p:cNvPr id="1" name=""/>
+        <p:cNvGrpSpPr/>
+        <p:nvPr/>
+      </p:nvGrpSpPr>
+      <p:grpSpPr>
+        <a:xfrm>
+          <a:off x="0" y="0"/>
+          <a:ext cx="0" cy="0"/>
+          <a:chOff x="0" y="0"/>
+          <a:chExt cx="0" cy="0"/>
+        </a:xfrm>
+      </p:grpSpPr>
+      <p:sp>
+        <p:nvSpPr>
+          <p:cNvPr id="2" name="幻灯片图像占位符 1"/>
+          <p:cNvSpPr>
+            <a:spLocks noGrp="1" noRot="1" noChangeAspect="1"/>
+          </p:cNvSpPr>
+          <p:nvPr>
+            <p:ph type="sldImg"/>
+          </p:nvPr>
+        </p:nvSpPr>
+        <p:spPr/>
+      </p:sp>
+      <p:sp>
+        <p:nvSpPr>
+          <p:cNvPr id="3" name="备注占位符 2"/>
+          <p:cNvSpPr>
+            <a:spLocks noGrp="1"/>
+          </p:cNvSpPr>
+          <p:nvPr>
+            <p:ph type="body" idx="1"/>
+          </p:nvPr>
+        </p:nvSpPr>
+        <p:spPr/>
+        <p:txBody>
+          <a:bodyPr/>
+          <a:lstStyle/>
+          <a:p>
+            <a:endParaRPr kumimoji="1" lang="zh-CN" altLang="en-US"/>
+          </a:p>
+        </p:txBody>
+      </p:sp>
+      <p:sp>
+        <p:nvSpPr>
+          <p:cNvPr id="4" name="幻灯片编号占位符 3"/>
+          <p:cNvSpPr>
+            <a:spLocks noGrp="1"/>
+          </p:cNvSpPr>
+          <p:nvPr>
+            <p:ph type="sldNum" sz="quarter" idx="10"/>
+          </p:nvPr>
+        </p:nvSpPr>
+        <p:spPr/>
+        <p:txBody>
+          <a:bodyPr/>
+          <a:lstStyle/>
+          <a:p>
+            <a:fld id="{9D9CBCA5-2C34-40ED-A2E3-82DA0B288CDD}" type="slidenum">
+              <a:rPr lang="zh-CN" altLang="en-CA" smtClean="0"/>
+              <a:pPr/>
+              <a:t>66</a:t>
+            </a:fld>
+            <a:endParaRPr lang="en-CA" altLang="zh-CN"/>
+          </a:p>
+        </p:txBody>
+      </p:sp>
+    </p:spTree>
+    <p:extLst>
+      <p:ext uri="{BB962C8B-B14F-4D97-AF65-F5344CB8AC3E}">
+        <p14:creationId xmlns:p14="http://schemas.microsoft.com/office/powerpoint/2010/main" val="1753741259"/>
+      </p:ext>
+    </p:extLst>
+  </p:cSld>
+  <p:clrMapOvr>
+    <a:masterClrMapping/>
+  </p:clrMapOvr>
+</p:notes>
+</file>
+
 <file path=ppt/slideLayouts/slideLayout1.xml><?xml version="1.0" encoding="utf-8"?>
 <p:sldLayout xmlns:a="http://schemas.openxmlformats.org/drawingml/2006/main" xmlns:r="http://schemas.openxmlformats.org/officeDocument/2006/relationships" xmlns:p="http://schemas.openxmlformats.org/presentationml/2006/main" type="title" preserve="1">
   <p:cSld name="标题幻灯片">
@@ -1501,150 +1671,6 @@
 </file>
 
 <file path=ppt/slideLayouts/slideLayout10.xml><?xml version="1.0" encoding="utf-8"?>
-<p:sldLayout xmlns:a="http://schemas.openxmlformats.org/drawingml/2006/main" xmlns:r="http://schemas.openxmlformats.org/officeDocument/2006/relationships" xmlns:p="http://schemas.openxmlformats.org/presentationml/2006/main" type="vertTx" preserve="1">
-  <p:cSld name="标题和竖排文字">
-    <p:spTree>
-      <p:nvGrpSpPr>
-        <p:cNvPr id="1" name=""/>
-        <p:cNvGrpSpPr/>
-        <p:nvPr/>
-      </p:nvGrpSpPr>
-      <p:grpSpPr>
-        <a:xfrm>
-          <a:off x="0" y="0"/>
-          <a:ext cx="0" cy="0"/>
-          <a:chOff x="0" y="0"/>
-          <a:chExt cx="0" cy="0"/>
-        </a:xfrm>
-      </p:grpSpPr>
-      <p:sp>
-        <p:nvSpPr>
-          <p:cNvPr id="2" name="标题 1"/>
-          <p:cNvSpPr>
-            <a:spLocks noGrp="1"/>
-          </p:cNvSpPr>
-          <p:nvPr>
-            <p:ph type="title"/>
-          </p:nvPr>
-        </p:nvSpPr>
-        <p:spPr/>
-        <p:txBody>
-          <a:bodyPr/>
-          <a:lstStyle/>
-          <a:p>
-            <a:r>
-              <a:rPr lang="zh-CN" altLang="en-US" smtClean="0"/>
-              <a:t>单击此处编辑母版标题样式</a:t>
-            </a:r>
-            <a:endParaRPr lang="zh-CN" altLang="en-US"/>
-          </a:p>
-        </p:txBody>
-      </p:sp>
-      <p:sp>
-        <p:nvSpPr>
-          <p:cNvPr id="3" name="竖排文字占位符 2"/>
-          <p:cNvSpPr>
-            <a:spLocks noGrp="1"/>
-          </p:cNvSpPr>
-          <p:nvPr>
-            <p:ph type="body" orient="vert" idx="1"/>
-          </p:nvPr>
-        </p:nvSpPr>
-        <p:spPr/>
-        <p:txBody>
-          <a:bodyPr vert="eaVert"/>
-          <a:lstStyle/>
-          <a:p>
-            <a:pPr lvl="0"/>
-            <a:r>
-              <a:rPr lang="zh-CN" altLang="en-US" smtClean="0"/>
-              <a:t>编辑母版文本样式</a:t>
-            </a:r>
-          </a:p>
-          <a:p>
-            <a:pPr lvl="1"/>
-            <a:r>
-              <a:rPr lang="zh-CN" altLang="en-US" smtClean="0"/>
-              <a:t>第二级</a:t>
-            </a:r>
-          </a:p>
-          <a:p>
-            <a:pPr lvl="2"/>
-            <a:r>
-              <a:rPr lang="zh-CN" altLang="en-US" smtClean="0"/>
-              <a:t>第三级</a:t>
-            </a:r>
-          </a:p>
-          <a:p>
-            <a:pPr lvl="3"/>
-            <a:r>
-              <a:rPr lang="zh-CN" altLang="en-US" smtClean="0"/>
-              <a:t>第四级</a:t>
-            </a:r>
-          </a:p>
-          <a:p>
-            <a:pPr lvl="4"/>
-            <a:r>
-              <a:rPr lang="zh-CN" altLang="en-US" smtClean="0"/>
-              <a:t>第五级</a:t>
-            </a:r>
-            <a:endParaRPr lang="zh-CN" altLang="en-US"/>
-          </a:p>
-        </p:txBody>
-      </p:sp>
-      <p:sp>
-        <p:nvSpPr>
-          <p:cNvPr id="4" name="灯片编号占位符 3"/>
-          <p:cNvSpPr>
-            <a:spLocks noGrp="1"/>
-          </p:cNvSpPr>
-          <p:nvPr>
-            <p:ph type="sldNum" sz="quarter" idx="10"/>
-          </p:nvPr>
-        </p:nvSpPr>
-        <p:spPr/>
-        <p:txBody>
-          <a:bodyPr/>
-          <a:lstStyle>
-            <a:lvl1pPr>
-              <a:defRPr/>
-            </a:lvl1pPr>
-          </a:lstStyle>
-          <a:p>
-            <a:r>
-              <a:rPr lang="en-US" altLang="zh-CN" dirty="0"/>
-              <a:t>Slide </a:t>
-            </a:r>
-            <a:r>
-              <a:rPr lang="en-US" altLang="zh-CN" dirty="0" smtClean="0"/>
-              <a:t>6- </a:t>
-            </a:r>
-            <a:fld id="{1CFD3717-D8AB-46B4-979A-8136D7D1BB08}" type="slidenum">
-              <a:rPr lang="en-US" altLang="zh-CN"/>
-              <a:pPr/>
-              <a:t>‹#›</a:t>
-            </a:fld>
-            <a:endParaRPr lang="en-CA" altLang="zh-CN" dirty="0">
-              <a:ea typeface="宋体" panose="02010600030101010101" pitchFamily="2" charset="-122"/>
-            </a:endParaRPr>
-          </a:p>
-        </p:txBody>
-      </p:sp>
-    </p:spTree>
-    <p:extLst>
-      <p:ext uri="{BB962C8B-B14F-4D97-AF65-F5344CB8AC3E}">
-        <p14:creationId xmlns:p14="http://schemas.microsoft.com/office/powerpoint/2010/main" val="3406251746"/>
-      </p:ext>
-    </p:extLst>
-  </p:cSld>
-  <p:clrMapOvr>
-    <a:masterClrMapping/>
-  </p:clrMapOvr>
-  <p:transition spd="med"/>
-</p:sldLayout>
-</file>
-
-<file path=ppt/slideLayouts/slideLayout11.xml><?xml version="1.0" encoding="utf-8"?>
 <p:sldLayout xmlns:a="http://schemas.openxmlformats.org/drawingml/2006/main" xmlns:r="http://schemas.openxmlformats.org/officeDocument/2006/relationships" xmlns:p="http://schemas.openxmlformats.org/presentationml/2006/main" type="vertTitleAndTx" preserve="1">
   <p:cSld name="竖排标题与文本">
     <p:spTree>
@@ -1743,44 +1769,6 @@
               <a:t>第五级</a:t>
             </a:r>
             <a:endParaRPr lang="zh-CN" altLang="en-US"/>
-          </a:p>
-        </p:txBody>
-      </p:sp>
-      <p:sp>
-        <p:nvSpPr>
-          <p:cNvPr id="4" name="灯片编号占位符 3"/>
-          <p:cNvSpPr>
-            <a:spLocks noGrp="1"/>
-          </p:cNvSpPr>
-          <p:nvPr>
-            <p:ph type="sldNum" sz="quarter" idx="10"/>
-          </p:nvPr>
-        </p:nvSpPr>
-        <p:spPr/>
-        <p:txBody>
-          <a:bodyPr/>
-          <a:lstStyle>
-            <a:lvl1pPr>
-              <a:defRPr/>
-            </a:lvl1pPr>
-          </a:lstStyle>
-          <a:p>
-            <a:r>
-              <a:rPr lang="en-US" altLang="zh-CN" dirty="0"/>
-              <a:t>Slide </a:t>
-            </a:r>
-            <a:r>
-              <a:rPr lang="en-US" altLang="zh-CN" dirty="0" smtClean="0"/>
-              <a:t>6- </a:t>
-            </a:r>
-            <a:fld id="{9A2BA22D-40D9-4A2F-A9F5-319C9D632D85}" type="slidenum">
-              <a:rPr lang="en-US" altLang="zh-CN"/>
-              <a:pPr/>
-              <a:t>‹#›</a:t>
-            </a:fld>
-            <a:endParaRPr lang="en-CA" altLang="zh-CN" dirty="0">
-              <a:ea typeface="宋体" panose="02010600030101010101" pitchFamily="2" charset="-122"/>
-            </a:endParaRPr>
           </a:p>
         </p:txBody>
       </p:sp>
@@ -2186,44 +2174,6 @@
           </a:p>
         </p:txBody>
       </p:sp>
-      <p:sp>
-        <p:nvSpPr>
-          <p:cNvPr id="5" name="灯片编号占位符 4"/>
-          <p:cNvSpPr>
-            <a:spLocks noGrp="1"/>
-          </p:cNvSpPr>
-          <p:nvPr>
-            <p:ph type="sldNum" sz="quarter" idx="10"/>
-          </p:nvPr>
-        </p:nvSpPr>
-        <p:spPr/>
-        <p:txBody>
-          <a:bodyPr/>
-          <a:lstStyle>
-            <a:lvl1pPr>
-              <a:defRPr/>
-            </a:lvl1pPr>
-          </a:lstStyle>
-          <a:p>
-            <a:r>
-              <a:rPr lang="en-US" altLang="zh-CN" dirty="0"/>
-              <a:t>Slide </a:t>
-            </a:r>
-            <a:r>
-              <a:rPr lang="en-US" altLang="zh-CN" dirty="0" smtClean="0"/>
-              <a:t>6- </a:t>
-            </a:r>
-            <a:fld id="{9ACFE678-C6CB-4598-848C-636B3DEEB622}" type="slidenum">
-              <a:rPr lang="en-US" altLang="zh-CN"/>
-              <a:pPr/>
-              <a:t>‹#›</a:t>
-            </a:fld>
-            <a:endParaRPr lang="en-CA" altLang="zh-CN" dirty="0">
-              <a:ea typeface="宋体" panose="02010600030101010101" pitchFamily="2" charset="-122"/>
-            </a:endParaRPr>
-          </a:p>
-        </p:txBody>
-      </p:sp>
     </p:spTree>
     <p:extLst>
       <p:ext uri="{BB962C8B-B14F-4D97-AF65-F5344CB8AC3E}">
@@ -2527,44 +2477,6 @@
           </a:p>
         </p:txBody>
       </p:sp>
-      <p:sp>
-        <p:nvSpPr>
-          <p:cNvPr id="7" name="灯片编号占位符 6"/>
-          <p:cNvSpPr>
-            <a:spLocks noGrp="1"/>
-          </p:cNvSpPr>
-          <p:nvPr>
-            <p:ph type="sldNum" sz="quarter" idx="10"/>
-          </p:nvPr>
-        </p:nvSpPr>
-        <p:spPr/>
-        <p:txBody>
-          <a:bodyPr/>
-          <a:lstStyle>
-            <a:lvl1pPr>
-              <a:defRPr/>
-            </a:lvl1pPr>
-          </a:lstStyle>
-          <a:p>
-            <a:r>
-              <a:rPr lang="en-US" altLang="zh-CN" dirty="0"/>
-              <a:t>Slide </a:t>
-            </a:r>
-            <a:r>
-              <a:rPr lang="en-US" altLang="zh-CN" dirty="0" smtClean="0"/>
-              <a:t>6- </a:t>
-            </a:r>
-            <a:fld id="{62294025-951D-4198-8041-192CD2A356E4}" type="slidenum">
-              <a:rPr lang="en-US" altLang="zh-CN"/>
-              <a:pPr/>
-              <a:t>‹#›</a:t>
-            </a:fld>
-            <a:endParaRPr lang="en-CA" altLang="zh-CN" dirty="0">
-              <a:ea typeface="宋体" panose="02010600030101010101" pitchFamily="2" charset="-122"/>
-            </a:endParaRPr>
-          </a:p>
-        </p:txBody>
-      </p:sp>
     </p:spTree>
     <p:extLst>
       <p:ext uri="{BB962C8B-B14F-4D97-AF65-F5344CB8AC3E}">
@@ -2580,98 +2492,6 @@
 </file>
 
 <file path=ppt/slideLayouts/slideLayout6.xml><?xml version="1.0" encoding="utf-8"?>
-<p:sldLayout xmlns:a="http://schemas.openxmlformats.org/drawingml/2006/main" xmlns:r="http://schemas.openxmlformats.org/officeDocument/2006/relationships" xmlns:p="http://schemas.openxmlformats.org/presentationml/2006/main" type="titleOnly" preserve="1">
-  <p:cSld name="仅标题">
-    <p:spTree>
-      <p:nvGrpSpPr>
-        <p:cNvPr id="1" name=""/>
-        <p:cNvGrpSpPr/>
-        <p:nvPr/>
-      </p:nvGrpSpPr>
-      <p:grpSpPr>
-        <a:xfrm>
-          <a:off x="0" y="0"/>
-          <a:ext cx="0" cy="0"/>
-          <a:chOff x="0" y="0"/>
-          <a:chExt cx="0" cy="0"/>
-        </a:xfrm>
-      </p:grpSpPr>
-      <p:sp>
-        <p:nvSpPr>
-          <p:cNvPr id="2" name="标题 1"/>
-          <p:cNvSpPr>
-            <a:spLocks noGrp="1"/>
-          </p:cNvSpPr>
-          <p:nvPr>
-            <p:ph type="title"/>
-          </p:nvPr>
-        </p:nvSpPr>
-        <p:spPr/>
-        <p:txBody>
-          <a:bodyPr/>
-          <a:lstStyle/>
-          <a:p>
-            <a:r>
-              <a:rPr lang="zh-CN" altLang="en-US" smtClean="0"/>
-              <a:t>单击此处编辑母版标题样式</a:t>
-            </a:r>
-            <a:endParaRPr lang="zh-CN" altLang="en-US"/>
-          </a:p>
-        </p:txBody>
-      </p:sp>
-      <p:sp>
-        <p:nvSpPr>
-          <p:cNvPr id="3" name="灯片编号占位符 2"/>
-          <p:cNvSpPr>
-            <a:spLocks noGrp="1"/>
-          </p:cNvSpPr>
-          <p:nvPr>
-            <p:ph type="sldNum" sz="quarter" idx="10"/>
-          </p:nvPr>
-        </p:nvSpPr>
-        <p:spPr/>
-        <p:txBody>
-          <a:bodyPr/>
-          <a:lstStyle>
-            <a:lvl1pPr>
-              <a:defRPr/>
-            </a:lvl1pPr>
-          </a:lstStyle>
-          <a:p>
-            <a:r>
-              <a:rPr lang="en-US" altLang="zh-CN" dirty="0"/>
-              <a:t>Slide </a:t>
-            </a:r>
-            <a:r>
-              <a:rPr lang="en-US" altLang="zh-CN" dirty="0" smtClean="0"/>
-              <a:t>6- </a:t>
-            </a:r>
-            <a:fld id="{3371F30A-3AFC-4363-8D0A-FC4B157010FB}" type="slidenum">
-              <a:rPr lang="en-US" altLang="zh-CN"/>
-              <a:pPr/>
-              <a:t>‹#›</a:t>
-            </a:fld>
-            <a:endParaRPr lang="en-CA" altLang="zh-CN" dirty="0">
-              <a:ea typeface="宋体" panose="02010600030101010101" pitchFamily="2" charset="-122"/>
-            </a:endParaRPr>
-          </a:p>
-        </p:txBody>
-      </p:sp>
-    </p:spTree>
-    <p:extLst>
-      <p:ext uri="{BB962C8B-B14F-4D97-AF65-F5344CB8AC3E}">
-        <p14:creationId xmlns:p14="http://schemas.microsoft.com/office/powerpoint/2010/main" val="2011061676"/>
-      </p:ext>
-    </p:extLst>
-  </p:cSld>
-  <p:clrMapOvr>
-    <a:masterClrMapping/>
-  </p:clrMapOvr>
-  <p:transition spd="med"/>
-</p:sldLayout>
-</file>
-
-<file path=ppt/slideLayouts/slideLayout7.xml><?xml version="1.0" encoding="utf-8"?>
 <p:sldLayout xmlns:a="http://schemas.openxmlformats.org/drawingml/2006/main" xmlns:r="http://schemas.openxmlformats.org/officeDocument/2006/relationships" xmlns:p="http://schemas.openxmlformats.org/presentationml/2006/main" type="blank" preserve="1">
   <p:cSld name="空白">
     <p:spTree>
@@ -2688,44 +2508,6 @@
           <a:chExt cx="0" cy="0"/>
         </a:xfrm>
       </p:grpSpPr>
-      <p:sp>
-        <p:nvSpPr>
-          <p:cNvPr id="2" name="灯片编号占位符 1"/>
-          <p:cNvSpPr>
-            <a:spLocks noGrp="1"/>
-          </p:cNvSpPr>
-          <p:nvPr>
-            <p:ph type="sldNum" sz="quarter" idx="10"/>
-          </p:nvPr>
-        </p:nvSpPr>
-        <p:spPr/>
-        <p:txBody>
-          <a:bodyPr/>
-          <a:lstStyle>
-            <a:lvl1pPr>
-              <a:defRPr/>
-            </a:lvl1pPr>
-          </a:lstStyle>
-          <a:p>
-            <a:r>
-              <a:rPr lang="en-US" altLang="zh-CN" dirty="0"/>
-              <a:t>Slide </a:t>
-            </a:r>
-            <a:r>
-              <a:rPr lang="en-US" altLang="zh-CN" dirty="0" smtClean="0"/>
-              <a:t>6- </a:t>
-            </a:r>
-            <a:fld id="{1CE67936-BD54-45F2-86D1-0665F40EBF21}" type="slidenum">
-              <a:rPr lang="en-US" altLang="zh-CN"/>
-              <a:pPr/>
-              <a:t>‹#›</a:t>
-            </a:fld>
-            <a:endParaRPr lang="en-CA" altLang="zh-CN" dirty="0">
-              <a:ea typeface="宋体" panose="02010600030101010101" pitchFamily="2" charset="-122"/>
-            </a:endParaRPr>
-          </a:p>
-        </p:txBody>
-      </p:sp>
     </p:spTree>
     <p:extLst>
       <p:ext uri="{BB962C8B-B14F-4D97-AF65-F5344CB8AC3E}">
@@ -2740,7 +2522,7 @@
 </p:sldLayout>
 </file>
 
-<file path=ppt/slideLayouts/slideLayout8.xml><?xml version="1.0" encoding="utf-8"?>
+<file path=ppt/slideLayouts/slideLayout7.xml><?xml version="1.0" encoding="utf-8"?>
 <p:sldLayout xmlns:a="http://schemas.openxmlformats.org/drawingml/2006/main" xmlns:r="http://schemas.openxmlformats.org/officeDocument/2006/relationships" xmlns:p="http://schemas.openxmlformats.org/presentationml/2006/main" type="objTx" preserve="1">
   <p:cSld name="内容与标题">
     <p:spTree>
@@ -2939,44 +2721,6 @@
           </a:p>
         </p:txBody>
       </p:sp>
-      <p:sp>
-        <p:nvSpPr>
-          <p:cNvPr id="5" name="灯片编号占位符 4"/>
-          <p:cNvSpPr>
-            <a:spLocks noGrp="1"/>
-          </p:cNvSpPr>
-          <p:nvPr>
-            <p:ph type="sldNum" sz="quarter" idx="10"/>
-          </p:nvPr>
-        </p:nvSpPr>
-        <p:spPr/>
-        <p:txBody>
-          <a:bodyPr/>
-          <a:lstStyle>
-            <a:lvl1pPr>
-              <a:defRPr/>
-            </a:lvl1pPr>
-          </a:lstStyle>
-          <a:p>
-            <a:r>
-              <a:rPr lang="en-US" altLang="zh-CN" dirty="0"/>
-              <a:t>Slide </a:t>
-            </a:r>
-            <a:r>
-              <a:rPr lang="en-US" altLang="zh-CN" dirty="0" smtClean="0"/>
-              <a:t>6- </a:t>
-            </a:r>
-            <a:fld id="{792B2A00-988C-4DDF-A06E-EF0F0A630FE5}" type="slidenum">
-              <a:rPr lang="en-US" altLang="zh-CN"/>
-              <a:pPr/>
-              <a:t>‹#›</a:t>
-            </a:fld>
-            <a:endParaRPr lang="en-CA" altLang="zh-CN" dirty="0">
-              <a:ea typeface="宋体" panose="02010600030101010101" pitchFamily="2" charset="-122"/>
-            </a:endParaRPr>
-          </a:p>
-        </p:txBody>
-      </p:sp>
     </p:spTree>
     <p:extLst>
       <p:ext uri="{BB962C8B-B14F-4D97-AF65-F5344CB8AC3E}">
@@ -2991,7 +2735,7 @@
 </p:sldLayout>
 </file>
 
-<file path=ppt/slideLayouts/slideLayout9.xml><?xml version="1.0" encoding="utf-8"?>
+<file path=ppt/slideLayouts/slideLayout8.xml><?xml version="1.0" encoding="utf-8"?>
 <p:sldLayout xmlns:a="http://schemas.openxmlformats.org/drawingml/2006/main" xmlns:r="http://schemas.openxmlformats.org/officeDocument/2006/relationships" xmlns:p="http://schemas.openxmlformats.org/presentationml/2006/main" type="picTx" preserve="1">
   <p:cSld name="图片与标题">
     <p:spTree>
@@ -3166,48 +2910,116 @@
           </a:p>
         </p:txBody>
       </p:sp>
-      <p:sp>
-        <p:nvSpPr>
-          <p:cNvPr id="5" name="灯片编号占位符 4"/>
-          <p:cNvSpPr>
-            <a:spLocks noGrp="1"/>
-          </p:cNvSpPr>
-          <p:nvPr>
-            <p:ph type="sldNum" sz="quarter" idx="10"/>
-          </p:nvPr>
-        </p:nvSpPr>
-        <p:spPr/>
-        <p:txBody>
-          <a:bodyPr/>
-          <a:lstStyle>
-            <a:lvl1pPr>
-              <a:defRPr/>
-            </a:lvl1pPr>
-          </a:lstStyle>
-          <a:p>
-            <a:r>
-              <a:rPr lang="en-US" altLang="zh-CN" dirty="0"/>
-              <a:t>Slide </a:t>
-            </a:r>
-            <a:r>
-              <a:rPr lang="en-US" altLang="zh-CN" dirty="0" smtClean="0"/>
-              <a:t>6- </a:t>
-            </a:r>
-            <a:fld id="{A47C856B-C28C-412D-A0C5-882D811DE99C}" type="slidenum">
-              <a:rPr lang="en-US" altLang="zh-CN"/>
-              <a:pPr/>
-              <a:t>‹#›</a:t>
-            </a:fld>
-            <a:endParaRPr lang="en-CA" altLang="zh-CN" dirty="0">
-              <a:ea typeface="宋体" panose="02010600030101010101" pitchFamily="2" charset="-122"/>
-            </a:endParaRPr>
-          </a:p>
-        </p:txBody>
-      </p:sp>
     </p:spTree>
     <p:extLst>
       <p:ext uri="{BB962C8B-B14F-4D97-AF65-F5344CB8AC3E}">
         <p14:creationId xmlns:p14="http://schemas.microsoft.com/office/powerpoint/2010/main" val="2097722525"/>
+      </p:ext>
+    </p:extLst>
+  </p:cSld>
+  <p:clrMapOvr>
+    <a:masterClrMapping/>
+  </p:clrMapOvr>
+  <p:transition spd="med"/>
+</p:sldLayout>
+</file>
+
+<file path=ppt/slideLayouts/slideLayout9.xml><?xml version="1.0" encoding="utf-8"?>
+<p:sldLayout xmlns:a="http://schemas.openxmlformats.org/drawingml/2006/main" xmlns:r="http://schemas.openxmlformats.org/officeDocument/2006/relationships" xmlns:p="http://schemas.openxmlformats.org/presentationml/2006/main" type="vertTx" preserve="1">
+  <p:cSld name="标题和竖排文字">
+    <p:spTree>
+      <p:nvGrpSpPr>
+        <p:cNvPr id="1" name=""/>
+        <p:cNvGrpSpPr/>
+        <p:nvPr/>
+      </p:nvGrpSpPr>
+      <p:grpSpPr>
+        <a:xfrm>
+          <a:off x="0" y="0"/>
+          <a:ext cx="0" cy="0"/>
+          <a:chOff x="0" y="0"/>
+          <a:chExt cx="0" cy="0"/>
+        </a:xfrm>
+      </p:grpSpPr>
+      <p:sp>
+        <p:nvSpPr>
+          <p:cNvPr id="2" name="标题 1"/>
+          <p:cNvSpPr>
+            <a:spLocks noGrp="1"/>
+          </p:cNvSpPr>
+          <p:nvPr>
+            <p:ph type="title"/>
+          </p:nvPr>
+        </p:nvSpPr>
+        <p:spPr/>
+        <p:txBody>
+          <a:bodyPr/>
+          <a:lstStyle/>
+          <a:p>
+            <a:r>
+              <a:rPr lang="zh-CN" altLang="en-US" smtClean="0"/>
+              <a:t>单击此处编辑母版标题样式</a:t>
+            </a:r>
+            <a:endParaRPr lang="zh-CN" altLang="en-US"/>
+          </a:p>
+        </p:txBody>
+      </p:sp>
+      <p:sp>
+        <p:nvSpPr>
+          <p:cNvPr id="3" name="竖排文字占位符 2"/>
+          <p:cNvSpPr>
+            <a:spLocks noGrp="1"/>
+          </p:cNvSpPr>
+          <p:nvPr>
+            <p:ph type="body" orient="vert" idx="1"/>
+          </p:nvPr>
+        </p:nvSpPr>
+        <p:spPr/>
+        <p:txBody>
+          <a:bodyPr vert="eaVert"/>
+          <a:lstStyle/>
+          <a:p>
+            <a:pPr lvl="0"/>
+            <a:r>
+              <a:rPr lang="zh-CN" altLang="en-US" smtClean="0"/>
+              <a:t>编辑母版文本样式</a:t>
+            </a:r>
+          </a:p>
+          <a:p>
+            <a:pPr lvl="1"/>
+            <a:r>
+              <a:rPr lang="zh-CN" altLang="en-US" smtClean="0"/>
+              <a:t>第二级</a:t>
+            </a:r>
+          </a:p>
+          <a:p>
+            <a:pPr lvl="2"/>
+            <a:r>
+              <a:rPr lang="zh-CN" altLang="en-US" smtClean="0"/>
+              <a:t>第三级</a:t>
+            </a:r>
+          </a:p>
+          <a:p>
+            <a:pPr lvl="3"/>
+            <a:r>
+              <a:rPr lang="zh-CN" altLang="en-US" smtClean="0"/>
+              <a:t>第四级</a:t>
+            </a:r>
+          </a:p>
+          <a:p>
+            <a:pPr lvl="4"/>
+            <a:r>
+              <a:rPr lang="zh-CN" altLang="en-US" smtClean="0"/>
+              <a:t>第五级</a:t>
+            </a:r>
+            <a:endParaRPr lang="zh-CN" altLang="en-US"/>
+          </a:p>
+        </p:txBody>
+      </p:sp>
+    </p:spTree>
+    <p:extLst>
+      <p:ext uri="{BB962C8B-B14F-4D97-AF65-F5344CB8AC3E}">
+        <p14:creationId xmlns:p14="http://schemas.microsoft.com/office/powerpoint/2010/main" val="3406251746"/>
       </p:ext>
     </p:extLst>
   </p:cSld>
@@ -3383,18 +3195,18 @@
       </p:sp>
       <p:sp>
         <p:nvSpPr>
-          <p:cNvPr id="3085" name="Rectangle 13"/>
+          <p:cNvPr id="3093" name="Rectangle 21"/>
           <p:cNvSpPr>
             <a:spLocks noGrp="1" noChangeArrowheads="1"/>
           </p:cNvSpPr>
           <p:nvPr>
-            <p:ph type="sldNum" sz="quarter" idx="4"/>
+            <p:ph type="body" idx="1"/>
           </p:nvPr>
         </p:nvSpPr>
         <p:spPr bwMode="auto">
           <a:xfrm>
-            <a:off x="7050088" y="6400800"/>
-            <a:ext cx="1905000" cy="457200"/>
+            <a:off x="544513" y="1676400"/>
+            <a:ext cx="8294687" cy="4572000"/>
           </a:xfrm>
           <a:prstGeom prst="rect">
             <a:avLst/>
@@ -3415,7 +3227,7 @@
             <a:ext uri="{91240B29-F687-4F45-9708-019B960494DF}">
               <a14:hiddenLine xmlns:a14="http://schemas.microsoft.com/office/drawing/2010/main" w="9525">
                 <a:solidFill>
-                  <a:schemeClr val="tx1"/>
+                  <a:srgbClr val="CC0000"/>
                 </a:solidFill>
                 <a:miter lim="800000"/>
                 <a:headEnd/>
@@ -3434,89 +3246,6 @@
           </a:extLst>
         </p:spPr>
         <p:txBody>
-          <a:bodyPr vert="horz" wrap="square" lIns="91440" tIns="45720" rIns="91440" bIns="45720" numCol="1" anchor="b" anchorCtr="0" compatLnSpc="1">
-            <a:prstTxWarp prst="textNoShape">
-              <a:avLst/>
-            </a:prstTxWarp>
-          </a:bodyPr>
-          <a:lstStyle>
-            <a:lvl1pPr algn="r">
-              <a:defRPr sz="1400" b="1"/>
-            </a:lvl1pPr>
-          </a:lstStyle>
-          <a:p>
-            <a:r>
-              <a:rPr lang="en-US" altLang="zh-CN" dirty="0"/>
-              <a:t>Slide </a:t>
-            </a:r>
-            <a:r>
-              <a:rPr lang="en-US" altLang="zh-CN" dirty="0" smtClean="0"/>
-              <a:t>6- </a:t>
-            </a:r>
-            <a:fld id="{64DFAACD-A2F6-4D8B-AD96-C11C543D4A62}" type="slidenum">
-              <a:rPr lang="en-US" altLang="zh-CN"/>
-              <a:pPr/>
-              <a:t>‹#›</a:t>
-            </a:fld>
-            <a:endParaRPr lang="en-CA" altLang="zh-CN" dirty="0">
-              <a:ea typeface="宋体" panose="02010600030101010101" pitchFamily="2" charset="-122"/>
-            </a:endParaRPr>
-          </a:p>
-        </p:txBody>
-      </p:sp>
-      <p:sp>
-        <p:nvSpPr>
-          <p:cNvPr id="3093" name="Rectangle 21"/>
-          <p:cNvSpPr>
-            <a:spLocks noGrp="1" noChangeArrowheads="1"/>
-          </p:cNvSpPr>
-          <p:nvPr>
-            <p:ph type="body" idx="1"/>
-          </p:nvPr>
-        </p:nvSpPr>
-        <p:spPr bwMode="auto">
-          <a:xfrm>
-            <a:off x="544513" y="1676400"/>
-            <a:ext cx="8294687" cy="4572000"/>
-          </a:xfrm>
-          <a:prstGeom prst="rect">
-            <a:avLst/>
-          </a:prstGeom>
-          <a:noFill/>
-          <a:ln>
-            <a:noFill/>
-          </a:ln>
-          <a:effectLst/>
-          <a:extLst>
-            <a:ext uri="{909E8E84-426E-40DD-AFC4-6F175D3DCCD1}">
-              <a14:hiddenFill xmlns:a14="http://schemas.microsoft.com/office/drawing/2010/main">
-                <a:solidFill>
-                  <a:schemeClr val="accent1"/>
-                </a:solidFill>
-              </a14:hiddenFill>
-            </a:ext>
-            <a:ext uri="{91240B29-F687-4F45-9708-019B960494DF}">
-              <a14:hiddenLine xmlns:a14="http://schemas.microsoft.com/office/drawing/2010/main" w="9525">
-                <a:solidFill>
-                  <a:srgbClr val="CC0000"/>
-                </a:solidFill>
-                <a:miter lim="800000"/>
-                <a:headEnd/>
-                <a:tailEnd/>
-              </a14:hiddenLine>
-            </a:ext>
-            <a:ext uri="{AF507438-7753-43E0-B8FC-AC1667EBCBE1}">
-              <a14:hiddenEffects xmlns:a14="http://schemas.microsoft.com/office/drawing/2010/main">
-                <a:effectLst>
-                  <a:outerShdw dist="35921" dir="2700000" algn="ctr" rotWithShape="0">
-                    <a:schemeClr val="bg2"/>
-                  </a:outerShdw>
-                </a:effectLst>
-              </a14:hiddenEffects>
-            </a:ext>
-          </a:extLst>
-        </p:spPr>
-        <p:txBody>
           <a:bodyPr vert="horz" wrap="square" lIns="91440" tIns="45720" rIns="0" bIns="45720" numCol="1" anchor="t" anchorCtr="0" compatLnSpc="1">
             <a:prstTxWarp prst="textNoShape">
               <a:avLst/>
@@ -3569,12 +3298,11 @@
     <p:sldLayoutId id="2147483652" r:id="rId3"/>
     <p:sldLayoutId id="2147483653" r:id="rId4"/>
     <p:sldLayoutId id="2147483654" r:id="rId5"/>
-    <p:sldLayoutId id="2147483655" r:id="rId6"/>
-    <p:sldLayoutId id="2147483656" r:id="rId7"/>
-    <p:sldLayoutId id="2147483657" r:id="rId8"/>
-    <p:sldLayoutId id="2147483658" r:id="rId9"/>
-    <p:sldLayoutId id="2147483659" r:id="rId10"/>
-    <p:sldLayoutId id="2147483660" r:id="rId11"/>
+    <p:sldLayoutId id="2147483656" r:id="rId6"/>
+    <p:sldLayoutId id="2147483657" r:id="rId7"/>
+    <p:sldLayoutId id="2147483658" r:id="rId8"/>
+    <p:sldLayoutId id="2147483659" r:id="rId9"/>
+    <p:sldLayoutId id="2147483660" r:id="rId10"/>
   </p:sldLayoutIdLst>
   <p:transition spd="med"/>
   <p:hf hdr="0" ftr="0" dt="0"/>
@@ -4047,6 +3775,9 @@
             <a:off x="7050088" y="6400800"/>
             <a:ext cx="1905000" cy="457200"/>
           </a:xfrm>
+          <a:prstGeom prst="rect">
+            <a:avLst/>
+          </a:prstGeom>
         </p:spPr>
         <p:txBody>
           <a:bodyPr/>
@@ -4236,6 +3967,9 @@
             <a:off x="7050088" y="6400800"/>
             <a:ext cx="1905000" cy="457200"/>
           </a:xfrm>
+          <a:prstGeom prst="rect">
+            <a:avLst/>
+          </a:prstGeom>
         </p:spPr>
         <p:txBody>
           <a:bodyPr/>
@@ -4428,6 +4162,9 @@
             <a:off x="7050088" y="6400800"/>
             <a:ext cx="1905000" cy="457200"/>
           </a:xfrm>
+          <a:prstGeom prst="rect">
+            <a:avLst/>
+          </a:prstGeom>
         </p:spPr>
         <p:txBody>
           <a:bodyPr/>
@@ -4608,6 +4345,9 @@
             <a:off x="7050088" y="6400800"/>
             <a:ext cx="1905000" cy="457200"/>
           </a:xfrm>
+          <a:prstGeom prst="rect">
+            <a:avLst/>
+          </a:prstGeom>
         </p:spPr>
         <p:txBody>
           <a:bodyPr/>
@@ -4787,6 +4527,9 @@
             <a:off x="7050088" y="6400800"/>
             <a:ext cx="1905000" cy="457200"/>
           </a:xfrm>
+          <a:prstGeom prst="rect">
+            <a:avLst/>
+          </a:prstGeom>
         </p:spPr>
         <p:txBody>
           <a:bodyPr/>
@@ -4941,6 +4684,9 @@
             <a:off x="7050088" y="6400800"/>
             <a:ext cx="1905000" cy="457200"/>
           </a:xfrm>
+          <a:prstGeom prst="rect">
+            <a:avLst/>
+          </a:prstGeom>
         </p:spPr>
         <p:txBody>
           <a:bodyPr/>
@@ -5250,6 +4996,9 @@
             <a:off x="7050088" y="6400800"/>
             <a:ext cx="1905000" cy="457200"/>
           </a:xfrm>
+          <a:prstGeom prst="rect">
+            <a:avLst/>
+          </a:prstGeom>
         </p:spPr>
         <p:txBody>
           <a:bodyPr/>
@@ -5547,6 +5296,9 @@
             <a:off x="7050088" y="6400800"/>
             <a:ext cx="1905000" cy="457200"/>
           </a:xfrm>
+          <a:prstGeom prst="rect">
+            <a:avLst/>
+          </a:prstGeom>
         </p:spPr>
         <p:txBody>
           <a:bodyPr/>
@@ -6330,6 +6082,9 @@
             <a:off x="7050088" y="6400800"/>
             <a:ext cx="1905000" cy="457200"/>
           </a:xfrm>
+          <a:prstGeom prst="rect">
+            <a:avLst/>
+          </a:prstGeom>
         </p:spPr>
         <p:txBody>
           <a:bodyPr/>
@@ -6651,6 +6406,9 @@
             <a:off x="7050088" y="6400800"/>
             <a:ext cx="1905000" cy="457200"/>
           </a:xfrm>
+          <a:prstGeom prst="rect">
+            <a:avLst/>
+          </a:prstGeom>
         </p:spPr>
         <p:txBody>
           <a:bodyPr/>
@@ -6966,6 +6724,9 @@
             <a:off x="7050088" y="6400800"/>
             <a:ext cx="1905000" cy="457200"/>
           </a:xfrm>
+          <a:prstGeom prst="rect">
+            <a:avLst/>
+          </a:prstGeom>
         </p:spPr>
         <p:txBody>
           <a:bodyPr/>
@@ -7140,6 +6901,9 @@
             <a:off x="7050088" y="6400800"/>
             <a:ext cx="1905000" cy="457200"/>
           </a:xfrm>
+          <a:prstGeom prst="rect">
+            <a:avLst/>
+          </a:prstGeom>
         </p:spPr>
         <p:txBody>
           <a:bodyPr/>
@@ -7362,6 +7126,9 @@
             <a:off x="7050088" y="6400800"/>
             <a:ext cx="1905000" cy="457200"/>
           </a:xfrm>
+          <a:prstGeom prst="rect">
+            <a:avLst/>
+          </a:prstGeom>
         </p:spPr>
         <p:txBody>
           <a:bodyPr/>
@@ -7554,6 +7321,9 @@
             <a:off x="7050088" y="6400800"/>
             <a:ext cx="1905000" cy="457200"/>
           </a:xfrm>
+          <a:prstGeom prst="rect">
+            <a:avLst/>
+          </a:prstGeom>
         </p:spPr>
         <p:txBody>
           <a:bodyPr/>
@@ -8339,6 +8109,9 @@
             <a:off x="7050088" y="6400800"/>
             <a:ext cx="1905000" cy="457200"/>
           </a:xfrm>
+          <a:prstGeom prst="rect">
+            <a:avLst/>
+          </a:prstGeom>
         </p:spPr>
         <p:txBody>
           <a:bodyPr/>
@@ -8544,6 +8317,9 @@
             <a:off x="7050088" y="6400800"/>
             <a:ext cx="1905000" cy="457200"/>
           </a:xfrm>
+          <a:prstGeom prst="rect">
+            <a:avLst/>
+          </a:prstGeom>
         </p:spPr>
         <p:txBody>
           <a:bodyPr/>
@@ -8705,6 +8481,9 @@
             <a:off x="7050088" y="6400800"/>
             <a:ext cx="1905000" cy="457200"/>
           </a:xfrm>
+          <a:prstGeom prst="rect">
+            <a:avLst/>
+          </a:prstGeom>
         </p:spPr>
         <p:txBody>
           <a:bodyPr/>
@@ -8871,6 +8650,9 @@
             <a:off x="7050088" y="6400800"/>
             <a:ext cx="1905000" cy="457200"/>
           </a:xfrm>
+          <a:prstGeom prst="rect">
+            <a:avLst/>
+          </a:prstGeom>
         </p:spPr>
         <p:txBody>
           <a:bodyPr/>
@@ -9105,6 +8887,9 @@
             <a:off x="7050088" y="6400800"/>
             <a:ext cx="1905000" cy="457200"/>
           </a:xfrm>
+          <a:prstGeom prst="rect">
+            <a:avLst/>
+          </a:prstGeom>
         </p:spPr>
         <p:txBody>
           <a:bodyPr/>
@@ -9291,6 +9076,9 @@
             <a:off x="7050088" y="6400800"/>
             <a:ext cx="1905000" cy="457200"/>
           </a:xfrm>
+          <a:prstGeom prst="rect">
+            <a:avLst/>
+          </a:prstGeom>
         </p:spPr>
         <p:txBody>
           <a:bodyPr/>
@@ -9894,6 +9682,9 @@
             <a:off x="7050088" y="6400800"/>
             <a:ext cx="1905000" cy="457200"/>
           </a:xfrm>
+          <a:prstGeom prst="rect">
+            <a:avLst/>
+          </a:prstGeom>
         </p:spPr>
         <p:txBody>
           <a:bodyPr/>
@@ -10036,6 +9827,9 @@
             <a:off x="7050088" y="6400800"/>
             <a:ext cx="1905000" cy="457200"/>
           </a:xfrm>
+          <a:prstGeom prst="rect">
+            <a:avLst/>
+          </a:prstGeom>
         </p:spPr>
         <p:txBody>
           <a:bodyPr/>
@@ -10218,6 +10012,9 @@
             <a:off x="7050088" y="6400800"/>
             <a:ext cx="1905000" cy="457200"/>
           </a:xfrm>
+          <a:prstGeom prst="rect">
+            <a:avLst/>
+          </a:prstGeom>
         </p:spPr>
         <p:txBody>
           <a:bodyPr/>
@@ -10291,6 +10088,9 @@
             <a:off x="7050088" y="6400800"/>
             <a:ext cx="1905000" cy="457200"/>
           </a:xfrm>
+          <a:prstGeom prst="rect">
+            <a:avLst/>
+          </a:prstGeom>
         </p:spPr>
         <p:txBody>
           <a:bodyPr/>
@@ -10436,6 +10236,9 @@
             <a:off x="7050088" y="6400800"/>
             <a:ext cx="1905000" cy="457200"/>
           </a:xfrm>
+          <a:prstGeom prst="rect">
+            <a:avLst/>
+          </a:prstGeom>
         </p:spPr>
         <p:txBody>
           <a:bodyPr/>
@@ -10656,6 +10459,9 @@
             <a:off x="7050088" y="6400800"/>
             <a:ext cx="1905000" cy="457200"/>
           </a:xfrm>
+          <a:prstGeom prst="rect">
+            <a:avLst/>
+          </a:prstGeom>
         </p:spPr>
         <p:txBody>
           <a:bodyPr/>
@@ -10918,6 +10724,9 @@
             <a:off x="7050088" y="6400800"/>
             <a:ext cx="1905000" cy="457200"/>
           </a:xfrm>
+          <a:prstGeom prst="rect">
+            <a:avLst/>
+          </a:prstGeom>
         </p:spPr>
         <p:txBody>
           <a:bodyPr/>
@@ -11255,6 +11064,9 @@
             <a:off x="7050088" y="6400800"/>
             <a:ext cx="1905000" cy="457200"/>
           </a:xfrm>
+          <a:prstGeom prst="rect">
+            <a:avLst/>
+          </a:prstGeom>
         </p:spPr>
         <p:txBody>
           <a:bodyPr/>
@@ -11504,6 +11316,9 @@
             <a:off x="7050088" y="6400800"/>
             <a:ext cx="1905000" cy="457200"/>
           </a:xfrm>
+          <a:prstGeom prst="rect">
+            <a:avLst/>
+          </a:prstGeom>
         </p:spPr>
         <p:txBody>
           <a:bodyPr/>
@@ -11645,6 +11460,9 @@
             <a:off x="7050088" y="6400800"/>
             <a:ext cx="1905000" cy="457200"/>
           </a:xfrm>
+          <a:prstGeom prst="rect">
+            <a:avLst/>
+          </a:prstGeom>
         </p:spPr>
         <p:txBody>
           <a:bodyPr/>
@@ -11895,6 +11713,9 @@
             <a:off x="7050088" y="6400800"/>
             <a:ext cx="1905000" cy="457200"/>
           </a:xfrm>
+          <a:prstGeom prst="rect">
+            <a:avLst/>
+          </a:prstGeom>
         </p:spPr>
         <p:txBody>
           <a:bodyPr/>
@@ -12292,6 +12113,9 @@
             <a:off x="7050088" y="6400800"/>
             <a:ext cx="1905000" cy="457200"/>
           </a:xfrm>
+          <a:prstGeom prst="rect">
+            <a:avLst/>
+          </a:prstGeom>
         </p:spPr>
         <p:txBody>
           <a:bodyPr/>
@@ -12653,6 +12477,9 @@
             <a:off x="7050088" y="6400800"/>
             <a:ext cx="1905000" cy="457200"/>
           </a:xfrm>
+          <a:prstGeom prst="rect">
+            <a:avLst/>
+          </a:prstGeom>
         </p:spPr>
         <p:txBody>
           <a:bodyPr/>
@@ -12695,7 +12522,7 @@
           <a:graphicData uri="http://schemas.openxmlformats.org/presentationml/2006/ole">
             <mc:AlternateContent xmlns:mc="http://schemas.openxmlformats.org/markup-compatibility/2006">
               <mc:Choice xmlns:v="urn:schemas-microsoft-com:vml" Requires="v">
-                <p:oleObj spid="_x0000_s1235" name="包装程序外壳对象" showAsIcon="1" r:id="rId3" imgW="925920" imgH="533880" progId="Package">
+                <p:oleObj spid="_x0000_s1254" name="包装程序外壳对象" showAsIcon="1" r:id="rId3" imgW="925920" imgH="533880" progId="Package">
                   <p:embed/>
                 </p:oleObj>
               </mc:Choice>
@@ -12783,21 +12610,28 @@
             <a:off x="7050088" y="6400800"/>
             <a:ext cx="1905000" cy="457200"/>
           </a:xfrm>
+          <a:prstGeom prst="rect">
+            <a:avLst/>
+          </a:prstGeom>
         </p:spPr>
         <p:txBody>
           <a:bodyPr/>
           <a:lstStyle/>
           <a:p>
             <a:r>
-              <a:rPr lang="en-US" altLang="zh-CN"/>
-              <a:t>Slide 5- </a:t>
+              <a:rPr lang="en-US" altLang="zh-CN" dirty="0"/>
+              <a:t>Slide </a:t>
+            </a:r>
+            <a:r>
+              <a:rPr lang="en-US" altLang="zh-CN" dirty="0" smtClean="0"/>
+              <a:t>6- </a:t>
             </a:r>
             <a:fld id="{A8BA60C3-D1F2-4DE4-870D-3D49893F77A4}" type="slidenum">
               <a:rPr lang="en-US" altLang="zh-CN"/>
               <a:pPr/>
               <a:t>4</a:t>
             </a:fld>
-            <a:endParaRPr lang="en-CA" altLang="zh-CN">
+            <a:endParaRPr lang="en-CA" altLang="zh-CN" dirty="0">
               <a:ea typeface="宋体" panose="02010600030101010101" pitchFamily="2" charset="-122"/>
             </a:endParaRPr>
           </a:p>
@@ -12991,6 +12825,9 @@
             <a:off x="7050088" y="6400800"/>
             <a:ext cx="1905000" cy="457200"/>
           </a:xfrm>
+          <a:prstGeom prst="rect">
+            <a:avLst/>
+          </a:prstGeom>
         </p:spPr>
         <p:txBody>
           <a:bodyPr/>
@@ -13064,6 +12901,9 @@
             <a:off x="7050088" y="6400800"/>
             <a:ext cx="1905000" cy="457200"/>
           </a:xfrm>
+          <a:prstGeom prst="rect">
+            <a:avLst/>
+          </a:prstGeom>
         </p:spPr>
         <p:txBody>
           <a:bodyPr/>
@@ -13260,6 +13100,9 @@
             <a:off x="7050088" y="6400800"/>
             <a:ext cx="1905000" cy="457200"/>
           </a:xfrm>
+          <a:prstGeom prst="rect">
+            <a:avLst/>
+          </a:prstGeom>
         </p:spPr>
         <p:txBody>
           <a:bodyPr/>
@@ -13700,7 +13543,181 @@
       </p:grpSpPr>
       <p:sp>
         <p:nvSpPr>
-          <p:cNvPr id="4" name="灯片编号占位符 3"/>
+          <p:cNvPr id="549890" name="Rectangle 1026"/>
+          <p:cNvSpPr>
+            <a:spLocks noGrp="1" noChangeArrowheads="1"/>
+          </p:cNvSpPr>
+          <p:nvPr>
+            <p:ph type="title"/>
+          </p:nvPr>
+        </p:nvSpPr>
+        <p:spPr/>
+        <p:txBody>
+          <a:bodyPr/>
+          <a:lstStyle/>
+          <a:p>
+            <a:r>
+              <a:rPr lang="en-US" altLang="zh-CN"/>
+              <a:t>out_stream.precision(2);</a:t>
+            </a:r>
+          </a:p>
+        </p:txBody>
+      </p:sp>
+      <p:sp>
+        <p:nvSpPr>
+          <p:cNvPr id="549891" name="Rectangle 1027"/>
+          <p:cNvSpPr>
+            <a:spLocks noGrp="1" noChangeArrowheads="1"/>
+          </p:cNvSpPr>
+          <p:nvPr>
+            <p:ph type="body" idx="1"/>
+          </p:nvPr>
+        </p:nvSpPr>
+        <p:spPr/>
+        <p:txBody>
+          <a:bodyPr/>
+          <a:lstStyle/>
+          <a:p>
+            <a:r>
+              <a:rPr lang="en-US" altLang="zh-CN" sz="2400" dirty="0"/>
+              <a:t>precision is a member function of output streams</a:t>
+            </a:r>
+          </a:p>
+          <a:p>
+            <a:pPr lvl="1"/>
+            <a:r>
+              <a:rPr lang="en-US" altLang="zh-CN" sz="2400" dirty="0"/>
+              <a:t>After </a:t>
+            </a:r>
+            <a:r>
+              <a:rPr lang="en-US" altLang="zh-CN" sz="2400" dirty="0" err="1">
+                <a:solidFill>
+                  <a:srgbClr val="0000FF"/>
+                </a:solidFill>
+              </a:rPr>
+              <a:t>out_stream.precision</a:t>
+            </a:r>
+            <a:r>
+              <a:rPr lang="en-US" altLang="zh-CN" sz="2400" dirty="0">
+                <a:solidFill>
+                  <a:srgbClr val="0000FF"/>
+                </a:solidFill>
+              </a:rPr>
+              <a:t>(2);</a:t>
+            </a:r>
+            <a:r>
+              <a:rPr lang="en-US" altLang="zh-CN" sz="2400" dirty="0"/>
+              <a:t/>
+            </a:r>
+            <a:br>
+              <a:rPr lang="en-US" altLang="zh-CN" sz="2400" dirty="0"/>
+            </a:br>
+            <a:r>
+              <a:rPr lang="en-US" altLang="zh-CN" sz="2400" dirty="0"/>
+              <a:t>Output of numbers with decimal points…</a:t>
+            </a:r>
+          </a:p>
+          <a:p>
+            <a:pPr lvl="2"/>
+            <a:r>
+              <a:rPr lang="en-US" altLang="zh-CN" sz="2000" dirty="0"/>
+              <a:t>will show a total of 2 significant digits</a:t>
+            </a:r>
+            <a:br>
+              <a:rPr lang="en-US" altLang="zh-CN" sz="2000" dirty="0"/>
+            </a:br>
+            <a:r>
+              <a:rPr lang="en-US" altLang="zh-CN" sz="2000" dirty="0"/>
+              <a:t>   	23.	2.2e7	    2.2	    6.9e-1	0.00069</a:t>
+            </a:r>
+            <a:br>
+              <a:rPr lang="en-US" altLang="zh-CN" sz="2000" dirty="0"/>
+            </a:br>
+            <a:r>
+              <a:rPr lang="en-US" altLang="zh-CN" sz="2000" dirty="0"/>
+              <a:t>OR</a:t>
+            </a:r>
+          </a:p>
+          <a:p>
+            <a:pPr lvl="2"/>
+            <a:r>
+              <a:rPr lang="en-US" altLang="zh-CN" sz="2000" dirty="0"/>
+              <a:t>will show  2 digits after the decimal </a:t>
+            </a:r>
+            <a:r>
+              <a:rPr lang="en-US" altLang="zh-CN" sz="2000" dirty="0" smtClean="0"/>
+              <a:t>point(</a:t>
+            </a:r>
+            <a:r>
+              <a:rPr lang="en-US" altLang="zh-CN" sz="2000" dirty="0" err="1">
+                <a:solidFill>
+                  <a:srgbClr val="0000FF"/>
+                </a:solidFill>
+              </a:rPr>
+              <a:t>cout.setf</a:t>
+            </a:r>
+            <a:r>
+              <a:rPr lang="en-US" altLang="zh-CN" sz="2000" dirty="0">
+                <a:solidFill>
+                  <a:srgbClr val="0000FF"/>
+                </a:solidFill>
+              </a:rPr>
+              <a:t>(</a:t>
+            </a:r>
+            <a:r>
+              <a:rPr lang="en-US" altLang="zh-CN" sz="2000" dirty="0" err="1">
+                <a:solidFill>
+                  <a:srgbClr val="0000FF"/>
+                </a:solidFill>
+              </a:rPr>
+              <a:t>ios</a:t>
+            </a:r>
+            <a:r>
+              <a:rPr lang="en-US" altLang="zh-CN" sz="2000" dirty="0">
+                <a:solidFill>
+                  <a:srgbClr val="0000FF"/>
+                </a:solidFill>
+              </a:rPr>
+              <a:t>::fixed</a:t>
+            </a:r>
+            <a:r>
+              <a:rPr lang="en-US" altLang="zh-CN" sz="2000" dirty="0" smtClean="0">
+                <a:solidFill>
+                  <a:srgbClr val="0000FF"/>
+                </a:solidFill>
+              </a:rPr>
+              <a:t>);)</a:t>
+            </a:r>
+            <a:r>
+              <a:rPr lang="en-US" altLang="zh-CN" sz="2000" dirty="0"/>
+              <a:t/>
+            </a:r>
+            <a:br>
+              <a:rPr lang="en-US" altLang="zh-CN" sz="2000" dirty="0"/>
+            </a:br>
+            <a:r>
+              <a:rPr lang="en-US" altLang="zh-CN" sz="2000" dirty="0"/>
+              <a:t>	23.56	2.26e7	    2.21	     0.69	0.69e-4</a:t>
+            </a:r>
+          </a:p>
+          <a:p>
+            <a:r>
+              <a:rPr lang="en-US" altLang="zh-CN" sz="2400" dirty="0"/>
+              <a:t>Calls to precision apply only to the stream</a:t>
+            </a:r>
+            <a:br>
+              <a:rPr lang="en-US" altLang="zh-CN" sz="2400" dirty="0"/>
+            </a:br>
+            <a:r>
+              <a:rPr lang="en-US" altLang="zh-CN" sz="2400" dirty="0"/>
+              <a:t>named in the call</a:t>
+            </a:r>
+          </a:p>
+        </p:txBody>
+      </p:sp>
+      <p:sp>
+        <p:nvSpPr>
+          <p:cNvPr id="2" name="幻灯片编号占位符 1"/>
           <p:cNvSpPr>
             <a:spLocks noGrp="1"/>
           </p:cNvSpPr>
@@ -13713,197 +13730,26 @@
             <a:off x="7050088" y="6400800"/>
             <a:ext cx="1905000" cy="457200"/>
           </a:xfrm>
+          <a:prstGeom prst="rect">
+            <a:avLst/>
+          </a:prstGeom>
         </p:spPr>
         <p:txBody>
           <a:bodyPr/>
           <a:lstStyle/>
           <a:p>
             <a:r>
-              <a:rPr lang="en-US" altLang="zh-CN"/>
-              <a:t>Slide 5- </a:t>
-            </a:r>
-            <a:fld id="{E447DCD1-6D53-4A15-AA00-18973216FD6B}" type="slidenum">
-              <a:rPr lang="en-US" altLang="zh-CN"/>
+              <a:rPr lang="en-US" altLang="zh-CN" smtClean="0"/>
+              <a:t>Slide 6- </a:t>
+            </a:r>
+            <a:fld id="{64DFAACD-A2F6-4D8B-AD96-C11C543D4A62}" type="slidenum">
+              <a:rPr lang="en-US" altLang="zh-CN" smtClean="0"/>
               <a:pPr/>
               <a:t>43</a:t>
             </a:fld>
-            <a:endParaRPr lang="en-CA" altLang="zh-CN">
+            <a:endParaRPr lang="en-CA" altLang="zh-CN" dirty="0">
               <a:ea typeface="宋体" panose="02010600030101010101" pitchFamily="2" charset="-122"/>
             </a:endParaRPr>
-          </a:p>
-        </p:txBody>
-      </p:sp>
-      <p:sp>
-        <p:nvSpPr>
-          <p:cNvPr id="549890" name="Rectangle 1026"/>
-          <p:cNvSpPr>
-            <a:spLocks noGrp="1" noChangeArrowheads="1"/>
-          </p:cNvSpPr>
-          <p:nvPr>
-            <p:ph type="title"/>
-          </p:nvPr>
-        </p:nvSpPr>
-        <p:spPr/>
-        <p:txBody>
-          <a:bodyPr/>
-          <a:lstStyle/>
-          <a:p>
-            <a:r>
-              <a:rPr lang="en-US" altLang="zh-CN"/>
-              <a:t>out_stream.precision(2);</a:t>
-            </a:r>
-          </a:p>
-        </p:txBody>
-      </p:sp>
-      <p:sp>
-        <p:nvSpPr>
-          <p:cNvPr id="549891" name="Rectangle 1027"/>
-          <p:cNvSpPr>
-            <a:spLocks noGrp="1" noChangeArrowheads="1"/>
-          </p:cNvSpPr>
-          <p:nvPr>
-            <p:ph type="body" idx="1"/>
-          </p:nvPr>
-        </p:nvSpPr>
-        <p:spPr/>
-        <p:txBody>
-          <a:bodyPr/>
-          <a:lstStyle/>
-          <a:p>
-            <a:r>
-              <a:rPr lang="en-US" altLang="zh-CN" sz="2400" dirty="0"/>
-              <a:t>precision is a member function of output streams</a:t>
-            </a:r>
-          </a:p>
-          <a:p>
-            <a:pPr lvl="1"/>
-            <a:r>
-              <a:rPr lang="en-US" altLang="zh-CN" sz="2400" dirty="0"/>
-              <a:t>After </a:t>
-            </a:r>
-            <a:r>
-              <a:rPr lang="en-US" altLang="zh-CN" sz="2400" dirty="0" err="1">
-                <a:solidFill>
-                  <a:srgbClr val="0000FF"/>
-                </a:solidFill>
-              </a:rPr>
-              <a:t>out_stream.precision</a:t>
-            </a:r>
-            <a:r>
-              <a:rPr lang="en-US" altLang="zh-CN" sz="2400" dirty="0">
-                <a:solidFill>
-                  <a:srgbClr val="0000FF"/>
-                </a:solidFill>
-              </a:rPr>
-              <a:t>(2);</a:t>
-            </a:r>
-            <a:r>
-              <a:rPr lang="en-US" altLang="zh-CN" sz="2400" dirty="0"/>
-              <a:t/>
-            </a:r>
-            <a:br>
-              <a:rPr lang="en-US" altLang="zh-CN" sz="2400" dirty="0"/>
-            </a:br>
-            <a:r>
-              <a:rPr lang="en-US" altLang="zh-CN" sz="2400" dirty="0"/>
-              <a:t>Output of numbers with decimal points…</a:t>
-            </a:r>
-          </a:p>
-          <a:p>
-            <a:pPr lvl="2"/>
-            <a:r>
-              <a:rPr lang="en-US" altLang="zh-CN" sz="2000" dirty="0"/>
-              <a:t>will show a total of 2 significant digits</a:t>
-            </a:r>
-            <a:br>
-              <a:rPr lang="en-US" altLang="zh-CN" sz="2000" dirty="0"/>
-            </a:br>
-            <a:r>
-              <a:rPr lang="en-US" altLang="zh-CN" sz="2000" dirty="0"/>
-              <a:t>   	23.	2.2e7	    2.2	    6.9e-1	0.00069</a:t>
-            </a:r>
-            <a:br>
-              <a:rPr lang="en-US" altLang="zh-CN" sz="2000" dirty="0"/>
-            </a:br>
-            <a:r>
-              <a:rPr lang="en-US" altLang="zh-CN" sz="2000" dirty="0"/>
-              <a:t>OR</a:t>
-            </a:r>
-          </a:p>
-          <a:p>
-            <a:pPr lvl="2"/>
-            <a:r>
-              <a:rPr lang="en-US" altLang="zh-CN" sz="2000" dirty="0"/>
-              <a:t>will show  2 digits after the decimal </a:t>
-            </a:r>
-            <a:r>
-              <a:rPr lang="en-US" altLang="zh-CN" sz="2000" dirty="0" smtClean="0"/>
-              <a:t>point(</a:t>
-            </a:r>
-            <a:r>
-              <a:rPr lang="en-US" altLang="zh-CN" sz="2000" dirty="0" err="1">
-                <a:solidFill>
-                  <a:srgbClr val="0000FF"/>
-                </a:solidFill>
-              </a:rPr>
-              <a:t>cout.setf</a:t>
-            </a:r>
-            <a:r>
-              <a:rPr lang="en-US" altLang="zh-CN" sz="2000" dirty="0">
-                <a:solidFill>
-                  <a:srgbClr val="0000FF"/>
-                </a:solidFill>
-              </a:rPr>
-              <a:t>(</a:t>
-            </a:r>
-            <a:r>
-              <a:rPr lang="en-US" altLang="zh-CN" sz="2000" dirty="0" err="1">
-                <a:solidFill>
-                  <a:srgbClr val="0000FF"/>
-                </a:solidFill>
-              </a:rPr>
-              <a:t>ios</a:t>
-            </a:r>
-            <a:r>
-              <a:rPr lang="en-US" altLang="zh-CN" sz="2000" dirty="0">
-                <a:solidFill>
-                  <a:srgbClr val="0000FF"/>
-                </a:solidFill>
-              </a:rPr>
-              <a:t>::fixed</a:t>
-            </a:r>
-            <a:r>
-              <a:rPr lang="en-US" altLang="zh-CN" sz="2000" dirty="0" smtClean="0">
-                <a:solidFill>
-                  <a:srgbClr val="0000FF"/>
-                </a:solidFill>
-              </a:rPr>
-              <a:t>);)</a:t>
-            </a:r>
-            <a:r>
-              <a:rPr lang="en-US" altLang="zh-CN" sz="2000" dirty="0"/>
-              <a:t/>
-            </a:r>
-            <a:br>
-              <a:rPr lang="en-US" altLang="zh-CN" sz="2000" dirty="0"/>
-            </a:br>
-            <a:r>
-              <a:rPr lang="en-US" altLang="zh-CN" sz="2000" dirty="0"/>
-              <a:t>	23.56	2.26e7	    2.21	     0.69	0.69e-4</a:t>
-            </a:r>
-          </a:p>
-          <a:p>
-            <a:r>
-              <a:rPr lang="en-US" altLang="zh-CN" sz="2400" dirty="0"/>
-              <a:t>Calls to precision apply only to the stream</a:t>
-            </a:r>
-            <a:br>
-              <a:rPr lang="en-US" altLang="zh-CN" sz="2400" dirty="0"/>
-            </a:br>
-            <a:r>
-              <a:rPr lang="en-US" altLang="zh-CN" sz="2400" dirty="0"/>
-              <a:t>named in the call</a:t>
-            </a:r>
           </a:p>
         </p:txBody>
       </p:sp>
@@ -13957,6 +13803,9 @@
             <a:off x="7050088" y="6400800"/>
             <a:ext cx="1905000" cy="457200"/>
           </a:xfrm>
+          <a:prstGeom prst="rect">
+            <a:avLst/>
+          </a:prstGeom>
         </p:spPr>
         <p:txBody>
           <a:bodyPr/>
@@ -14133,6 +13982,9 @@
             <a:off x="7050088" y="6400800"/>
             <a:ext cx="1905000" cy="457200"/>
           </a:xfrm>
+          <a:prstGeom prst="rect">
+            <a:avLst/>
+          </a:prstGeom>
         </p:spPr>
         <p:txBody>
           <a:bodyPr/>
@@ -14496,6 +14348,9 @@
             <a:off x="7050088" y="6400800"/>
             <a:ext cx="1905000" cy="457200"/>
           </a:xfrm>
+          <a:prstGeom prst="rect">
+            <a:avLst/>
+          </a:prstGeom>
         </p:spPr>
         <p:txBody>
           <a:bodyPr/>
@@ -15615,6 +15470,9 @@
             <a:off x="7050088" y="6400800"/>
             <a:ext cx="1905000" cy="457200"/>
           </a:xfrm>
+          <a:prstGeom prst="rect">
+            <a:avLst/>
+          </a:prstGeom>
         </p:spPr>
         <p:txBody>
           <a:bodyPr/>
@@ -15780,7 +15638,145 @@
       </p:grpSpPr>
       <p:sp>
         <p:nvSpPr>
-          <p:cNvPr id="4" name="灯片编号占位符 3"/>
+          <p:cNvPr id="555010" name="Rectangle 1026"/>
+          <p:cNvSpPr>
+            <a:spLocks noGrp="1" noChangeArrowheads="1"/>
+          </p:cNvSpPr>
+          <p:nvPr>
+            <p:ph type="title"/>
+          </p:nvPr>
+        </p:nvSpPr>
+        <p:spPr/>
+        <p:txBody>
+          <a:bodyPr/>
+          <a:lstStyle/>
+          <a:p>
+            <a:r>
+              <a:rPr lang="en-US" altLang="zh-CN"/>
+              <a:t>Unsetting Flags</a:t>
+            </a:r>
+          </a:p>
+        </p:txBody>
+      </p:sp>
+      <p:sp>
+        <p:nvSpPr>
+          <p:cNvPr id="555011" name="Rectangle 1027"/>
+          <p:cNvSpPr>
+            <a:spLocks noGrp="1" noChangeArrowheads="1"/>
+          </p:cNvSpPr>
+          <p:nvPr>
+            <p:ph type="body" idx="1"/>
+          </p:nvPr>
+        </p:nvSpPr>
+        <p:spPr/>
+        <p:txBody>
+          <a:bodyPr/>
+          <a:lstStyle/>
+          <a:p>
+            <a:r>
+              <a:rPr lang="en-US" altLang="zh-CN" dirty="0"/>
+              <a:t>Any flag that is set, may be unset</a:t>
+            </a:r>
+          </a:p>
+          <a:p>
+            <a:r>
+              <a:rPr lang="en-US" altLang="zh-CN" dirty="0"/>
+              <a:t>Use the </a:t>
+            </a:r>
+            <a:r>
+              <a:rPr lang="en-US" altLang="zh-CN" dirty="0" err="1"/>
+              <a:t>unsetf</a:t>
+            </a:r>
+            <a:r>
+              <a:rPr lang="en-US" altLang="zh-CN" dirty="0"/>
+              <a:t> function</a:t>
+            </a:r>
+          </a:p>
+          <a:p>
+            <a:pPr lvl="1"/>
+            <a:r>
+              <a:rPr lang="en-US" altLang="zh-CN" dirty="0"/>
+              <a:t>Example:</a:t>
+            </a:r>
+            <a:br>
+              <a:rPr lang="en-US" altLang="zh-CN" dirty="0"/>
+            </a:br>
+            <a:r>
+              <a:rPr lang="en-US" altLang="zh-CN" dirty="0"/>
+              <a:t>			</a:t>
+            </a:r>
+            <a:r>
+              <a:rPr lang="en-US" altLang="zh-CN" dirty="0" err="1">
+                <a:solidFill>
+                  <a:srgbClr val="0000FF"/>
+                </a:solidFill>
+              </a:rPr>
+              <a:t>cout.unsetf</a:t>
+            </a:r>
+            <a:r>
+              <a:rPr lang="en-US" altLang="zh-CN" dirty="0">
+                <a:solidFill>
+                  <a:srgbClr val="0000FF"/>
+                </a:solidFill>
+              </a:rPr>
+              <a:t>(</a:t>
+            </a:r>
+            <a:r>
+              <a:rPr lang="en-US" altLang="zh-CN" dirty="0" err="1">
+                <a:solidFill>
+                  <a:srgbClr val="0000FF"/>
+                </a:solidFill>
+              </a:rPr>
+              <a:t>ios</a:t>
+            </a:r>
+            <a:r>
+              <a:rPr lang="en-US" altLang="zh-CN" dirty="0">
+                <a:solidFill>
+                  <a:srgbClr val="0000FF"/>
+                </a:solidFill>
+              </a:rPr>
+              <a:t>::</a:t>
+            </a:r>
+            <a:r>
+              <a:rPr lang="en-US" altLang="zh-CN" dirty="0" err="1">
+                <a:solidFill>
+                  <a:srgbClr val="0000FF"/>
+                </a:solidFill>
+              </a:rPr>
+              <a:t>showpos</a:t>
+            </a:r>
+            <a:r>
+              <a:rPr lang="en-US" altLang="zh-CN" dirty="0">
+                <a:solidFill>
+                  <a:srgbClr val="0000FF"/>
+                </a:solidFill>
+              </a:rPr>
+              <a:t>);</a:t>
+            </a:r>
+            <a:br>
+              <a:rPr lang="en-US" altLang="zh-CN" dirty="0">
+                <a:solidFill>
+                  <a:srgbClr val="0000FF"/>
+                </a:solidFill>
+              </a:rPr>
+            </a:br>
+            <a:r>
+              <a:rPr lang="en-US" altLang="zh-CN" dirty="0"/>
+              <a:t/>
+            </a:r>
+            <a:br>
+              <a:rPr lang="en-US" altLang="zh-CN" dirty="0"/>
+            </a:br>
+            <a:r>
+              <a:rPr lang="en-US" altLang="zh-CN" dirty="0"/>
+              <a:t>causes the program to stop printing plus signs on positive numbers</a:t>
+            </a:r>
+          </a:p>
+        </p:txBody>
+      </p:sp>
+      <p:sp>
+        <p:nvSpPr>
+          <p:cNvPr id="2" name="幻灯片编号占位符 1"/>
           <p:cNvSpPr>
             <a:spLocks noGrp="1"/>
           </p:cNvSpPr>
@@ -15793,161 +15789,26 @@
             <a:off x="7050088" y="6400800"/>
             <a:ext cx="1905000" cy="457200"/>
           </a:xfrm>
+          <a:prstGeom prst="rect">
+            <a:avLst/>
+          </a:prstGeom>
         </p:spPr>
         <p:txBody>
           <a:bodyPr/>
           <a:lstStyle/>
           <a:p>
             <a:r>
-              <a:rPr lang="en-US" altLang="zh-CN"/>
-              <a:t>Slide 5- </a:t>
-            </a:r>
-            <a:fld id="{748F6A81-9A93-40D6-BB09-4D27B72CD93D}" type="slidenum">
-              <a:rPr lang="en-US" altLang="zh-CN"/>
+              <a:rPr lang="en-US" altLang="zh-CN" smtClean="0"/>
+              <a:t>Slide 6- </a:t>
+            </a:r>
+            <a:fld id="{64DFAACD-A2F6-4D8B-AD96-C11C543D4A62}" type="slidenum">
+              <a:rPr lang="en-US" altLang="zh-CN" smtClean="0"/>
               <a:pPr/>
               <a:t>48</a:t>
             </a:fld>
-            <a:endParaRPr lang="en-CA" altLang="zh-CN">
+            <a:endParaRPr lang="en-CA" altLang="zh-CN" dirty="0">
               <a:ea typeface="宋体" panose="02010600030101010101" pitchFamily="2" charset="-122"/>
             </a:endParaRPr>
-          </a:p>
-        </p:txBody>
-      </p:sp>
-      <p:sp>
-        <p:nvSpPr>
-          <p:cNvPr id="555010" name="Rectangle 1026"/>
-          <p:cNvSpPr>
-            <a:spLocks noGrp="1" noChangeArrowheads="1"/>
-          </p:cNvSpPr>
-          <p:nvPr>
-            <p:ph type="title"/>
-          </p:nvPr>
-        </p:nvSpPr>
-        <p:spPr/>
-        <p:txBody>
-          <a:bodyPr/>
-          <a:lstStyle/>
-          <a:p>
-            <a:r>
-              <a:rPr lang="en-US" altLang="zh-CN"/>
-              <a:t>Unsetting Flags</a:t>
-            </a:r>
-          </a:p>
-        </p:txBody>
-      </p:sp>
-      <p:sp>
-        <p:nvSpPr>
-          <p:cNvPr id="555011" name="Rectangle 1027"/>
-          <p:cNvSpPr>
-            <a:spLocks noGrp="1" noChangeArrowheads="1"/>
-          </p:cNvSpPr>
-          <p:nvPr>
-            <p:ph type="body" idx="1"/>
-          </p:nvPr>
-        </p:nvSpPr>
-        <p:spPr/>
-        <p:txBody>
-          <a:bodyPr/>
-          <a:lstStyle/>
-          <a:p>
-            <a:r>
-              <a:rPr lang="en-US" altLang="zh-CN" dirty="0"/>
-              <a:t>Any flag that is set, may be unset</a:t>
-            </a:r>
-          </a:p>
-          <a:p>
-            <a:r>
-              <a:rPr lang="en-US" altLang="zh-CN" dirty="0"/>
-              <a:t>Use the </a:t>
-            </a:r>
-            <a:r>
-              <a:rPr lang="en-US" altLang="zh-CN" dirty="0" err="1"/>
-              <a:t>unsetf</a:t>
-            </a:r>
-            <a:r>
-              <a:rPr lang="en-US" altLang="zh-CN" dirty="0"/>
-              <a:t> function</a:t>
-            </a:r>
-          </a:p>
-          <a:p>
-            <a:pPr lvl="1"/>
-            <a:r>
-              <a:rPr lang="en-US" altLang="zh-CN" dirty="0"/>
-              <a:t>Example:</a:t>
-            </a:r>
-            <a:br>
-              <a:rPr lang="en-US" altLang="zh-CN" dirty="0"/>
-            </a:br>
-            <a:r>
-              <a:rPr lang="en-US" altLang="zh-CN" dirty="0"/>
-              <a:t>			</a:t>
-            </a:r>
-            <a:r>
-              <a:rPr lang="en-US" altLang="zh-CN" dirty="0" err="1">
-                <a:solidFill>
-                  <a:srgbClr val="0000FF"/>
-                </a:solidFill>
-              </a:rPr>
-              <a:t>cout.unsetf</a:t>
-            </a:r>
-            <a:r>
-              <a:rPr lang="en-US" altLang="zh-CN" dirty="0">
-                <a:solidFill>
-                  <a:srgbClr val="0000FF"/>
-                </a:solidFill>
-              </a:rPr>
-              <a:t>(</a:t>
-            </a:r>
-            <a:r>
-              <a:rPr lang="en-US" altLang="zh-CN" dirty="0" err="1">
-                <a:solidFill>
-                  <a:srgbClr val="0000FF"/>
-                </a:solidFill>
-              </a:rPr>
-              <a:t>ios</a:t>
-            </a:r>
-            <a:r>
-              <a:rPr lang="en-US" altLang="zh-CN" dirty="0">
-                <a:solidFill>
-                  <a:srgbClr val="0000FF"/>
-                </a:solidFill>
-              </a:rPr>
-              <a:t>::</a:t>
-            </a:r>
-            <a:r>
-              <a:rPr lang="en-US" altLang="zh-CN" dirty="0" err="1">
-                <a:solidFill>
-                  <a:srgbClr val="0000FF"/>
-                </a:solidFill>
-              </a:rPr>
-              <a:t>showpos</a:t>
-            </a:r>
-            <a:r>
-              <a:rPr lang="en-US" altLang="zh-CN" dirty="0">
-                <a:solidFill>
-                  <a:srgbClr val="0000FF"/>
-                </a:solidFill>
-              </a:rPr>
-              <a:t>);</a:t>
-            </a:r>
-            <a:br>
-              <a:rPr lang="en-US" altLang="zh-CN" dirty="0">
-                <a:solidFill>
-                  <a:srgbClr val="0000FF"/>
-                </a:solidFill>
-              </a:rPr>
-            </a:br>
-            <a:r>
-              <a:rPr lang="en-US" altLang="zh-CN" dirty="0"/>
-              <a:t/>
-            </a:r>
-            <a:br>
-              <a:rPr lang="en-US" altLang="zh-CN" dirty="0"/>
-            </a:br>
-            <a:r>
-              <a:rPr lang="en-US" altLang="zh-CN" dirty="0"/>
-              <a:t>causes the program to stop printing plus signs on positive numbers</a:t>
-            </a:r>
           </a:p>
         </p:txBody>
       </p:sp>
@@ -16001,6 +15862,9 @@
             <a:off x="7050088" y="6400800"/>
             <a:ext cx="1905000" cy="457200"/>
           </a:xfrm>
+          <a:prstGeom prst="rect">
+            <a:avLst/>
+          </a:prstGeom>
         </p:spPr>
         <p:txBody>
           <a:bodyPr/>
@@ -16150,6 +16014,9 @@
             <a:off x="7050088" y="6400800"/>
             <a:ext cx="1905000" cy="457200"/>
           </a:xfrm>
+          <a:prstGeom prst="rect">
+            <a:avLst/>
+          </a:prstGeom>
         </p:spPr>
         <p:txBody>
           <a:bodyPr/>
@@ -16285,6 +16152,9 @@
             <a:off x="7050088" y="6400800"/>
             <a:ext cx="1905000" cy="457200"/>
           </a:xfrm>
+          <a:prstGeom prst="rect">
+            <a:avLst/>
+          </a:prstGeom>
         </p:spPr>
         <p:txBody>
           <a:bodyPr/>
@@ -17001,6 +16871,9 @@
             <a:off x="7050088" y="6400800"/>
             <a:ext cx="1905000" cy="457200"/>
           </a:xfrm>
+          <a:prstGeom prst="rect">
+            <a:avLst/>
+          </a:prstGeom>
         </p:spPr>
         <p:txBody>
           <a:bodyPr/>
@@ -17390,6 +17263,9 @@
             <a:off x="7050088" y="6400800"/>
             <a:ext cx="1905000" cy="457200"/>
           </a:xfrm>
+          <a:prstGeom prst="rect">
+            <a:avLst/>
+          </a:prstGeom>
         </p:spPr>
         <p:txBody>
           <a:bodyPr/>
@@ -17611,6 +17487,9 @@
             <a:off x="7050088" y="6400800"/>
             <a:ext cx="1905000" cy="457200"/>
           </a:xfrm>
+          <a:prstGeom prst="rect">
+            <a:avLst/>
+          </a:prstGeom>
         </p:spPr>
         <p:txBody>
           <a:bodyPr/>
@@ -17860,6 +17739,9 @@
             <a:off x="7050088" y="6400800"/>
             <a:ext cx="1905000" cy="457200"/>
           </a:xfrm>
+          <a:prstGeom prst="rect">
+            <a:avLst/>
+          </a:prstGeom>
         </p:spPr>
         <p:txBody>
           <a:bodyPr/>
@@ -18046,6 +17928,9 @@
             <a:off x="7050088" y="6400800"/>
             <a:ext cx="1905000" cy="457200"/>
           </a:xfrm>
+          <a:prstGeom prst="rect">
+            <a:avLst/>
+          </a:prstGeom>
         </p:spPr>
         <p:txBody>
           <a:bodyPr/>
@@ -18336,6 +18221,9 @@
             <a:off x="7050088" y="6400800"/>
             <a:ext cx="1905000" cy="457200"/>
           </a:xfrm>
+          <a:prstGeom prst="rect">
+            <a:avLst/>
+          </a:prstGeom>
         </p:spPr>
         <p:txBody>
           <a:bodyPr/>
@@ -18566,6 +18454,9 @@
             <a:off x="7050088" y="6400800"/>
             <a:ext cx="1905000" cy="457200"/>
           </a:xfrm>
+          <a:prstGeom prst="rect">
+            <a:avLst/>
+          </a:prstGeom>
         </p:spPr>
         <p:txBody>
           <a:bodyPr/>
@@ -18689,6 +18580,9 @@
             <a:off x="7050088" y="6400800"/>
             <a:ext cx="1905000" cy="457200"/>
           </a:xfrm>
+          <a:prstGeom prst="rect">
+            <a:avLst/>
+          </a:prstGeom>
         </p:spPr>
         <p:txBody>
           <a:bodyPr/>
@@ -18762,6 +18656,9 @@
             <a:off x="7050088" y="6400800"/>
             <a:ext cx="1905000" cy="457200"/>
           </a:xfrm>
+          <a:prstGeom prst="rect">
+            <a:avLst/>
+          </a:prstGeom>
         </p:spPr>
         <p:txBody>
           <a:bodyPr/>
@@ -18918,6 +18815,9 @@
             <a:off x="7050088" y="6400800"/>
             <a:ext cx="1905000" cy="457200"/>
           </a:xfrm>
+          <a:prstGeom prst="rect">
+            <a:avLst/>
+          </a:prstGeom>
         </p:spPr>
         <p:txBody>
           <a:bodyPr/>
@@ -19105,6 +19005,9 @@
             <a:off x="7050088" y="6400800"/>
             <a:ext cx="1905000" cy="457200"/>
           </a:xfrm>
+          <a:prstGeom prst="rect">
+            <a:avLst/>
+          </a:prstGeom>
         </p:spPr>
         <p:txBody>
           <a:bodyPr/>
@@ -19247,6 +19150,9 @@
             <a:off x="7050088" y="6400800"/>
             <a:ext cx="1905000" cy="457200"/>
           </a:xfrm>
+          <a:prstGeom prst="rect">
+            <a:avLst/>
+          </a:prstGeom>
         </p:spPr>
         <p:txBody>
           <a:bodyPr/>
@@ -19403,6 +19309,9 @@
             <a:off x="7050088" y="6400800"/>
             <a:ext cx="1905000" cy="457200"/>
           </a:xfrm>
+          <a:prstGeom prst="rect">
+            <a:avLst/>
+          </a:prstGeom>
         </p:spPr>
         <p:txBody>
           <a:bodyPr/>
@@ -19654,6 +19563,9 @@
             <a:off x="7050088" y="6400800"/>
             <a:ext cx="1905000" cy="457200"/>
           </a:xfrm>
+          <a:prstGeom prst="rect">
+            <a:avLst/>
+          </a:prstGeom>
         </p:spPr>
         <p:txBody>
           <a:bodyPr/>
@@ -20008,41 +19920,6 @@
       </p:grpSpPr>
       <p:sp>
         <p:nvSpPr>
-          <p:cNvPr id="4" name="灯片编号占位符 3"/>
-          <p:cNvSpPr>
-            <a:spLocks noGrp="1"/>
-          </p:cNvSpPr>
-          <p:nvPr>
-            <p:ph type="sldNum" sz="quarter" idx="4294967295"/>
-          </p:nvPr>
-        </p:nvSpPr>
-        <p:spPr>
-          <a:xfrm>
-            <a:off x="7050088" y="6400800"/>
-            <a:ext cx="1905000" cy="457200"/>
-          </a:xfrm>
-        </p:spPr>
-        <p:txBody>
-          <a:bodyPr/>
-          <a:lstStyle/>
-          <a:p>
-            <a:r>
-              <a:rPr lang="en-US" altLang="zh-CN"/>
-              <a:t>Slide 5- </a:t>
-            </a:r>
-            <a:fld id="{A2E45B31-9201-4468-8096-C3ECABE703F8}" type="slidenum">
-              <a:rPr lang="en-US" altLang="zh-CN"/>
-              <a:pPr/>
-              <a:t>64</a:t>
-            </a:fld>
-            <a:endParaRPr lang="en-CA" altLang="zh-CN">
-              <a:ea typeface="宋体" panose="02010600030101010101" pitchFamily="2" charset="-122"/>
-            </a:endParaRPr>
-          </a:p>
-        </p:txBody>
-      </p:sp>
-      <p:sp>
-        <p:nvSpPr>
           <p:cNvPr id="571394" name="Rectangle 2"/>
           <p:cNvSpPr>
             <a:spLocks noGrp="1" noChangeArrowheads="1"/>
@@ -20298,41 +20175,6 @@
       </p:grpSpPr>
       <p:sp>
         <p:nvSpPr>
-          <p:cNvPr id="4" name="灯片编号占位符 3"/>
-          <p:cNvSpPr>
-            <a:spLocks noGrp="1"/>
-          </p:cNvSpPr>
-          <p:nvPr>
-            <p:ph type="sldNum" sz="quarter" idx="4294967295"/>
-          </p:nvPr>
-        </p:nvSpPr>
-        <p:spPr>
-          <a:xfrm>
-            <a:off x="7050088" y="6400800"/>
-            <a:ext cx="1905000" cy="457200"/>
-          </a:xfrm>
-        </p:spPr>
-        <p:txBody>
-          <a:bodyPr/>
-          <a:lstStyle/>
-          <a:p>
-            <a:r>
-              <a:rPr lang="en-US" altLang="zh-CN"/>
-              <a:t>Slide 5- </a:t>
-            </a:r>
-            <a:fld id="{F25D61A6-C9EA-4895-9551-D3EDB61197B6}" type="slidenum">
-              <a:rPr lang="en-US" altLang="zh-CN"/>
-              <a:pPr/>
-              <a:t>65</a:t>
-            </a:fld>
-            <a:endParaRPr lang="en-CA" altLang="zh-CN">
-              <a:ea typeface="宋体" panose="02010600030101010101" pitchFamily="2" charset="-122"/>
-            </a:endParaRPr>
-          </a:p>
-        </p:txBody>
-      </p:sp>
-      <p:sp>
-        <p:nvSpPr>
           <p:cNvPr id="572418" name="Rectangle 1026"/>
           <p:cNvSpPr>
             <a:spLocks noGrp="1" noChangeArrowheads="1"/>
@@ -20583,7 +20425,126 @@
       </p:grpSpPr>
       <p:sp>
         <p:nvSpPr>
-          <p:cNvPr id="4" name="灯片编号占位符 3"/>
+          <p:cNvPr id="573442" name="Rectangle 2"/>
+          <p:cNvSpPr>
+            <a:spLocks noGrp="1" noChangeArrowheads="1"/>
+          </p:cNvSpPr>
+          <p:nvPr>
+            <p:ph type="title"/>
+          </p:nvPr>
+        </p:nvSpPr>
+        <p:spPr/>
+        <p:txBody>
+          <a:bodyPr/>
+          <a:lstStyle/>
+          <a:p>
+            <a:r>
+              <a:rPr lang="en-US" altLang="zh-CN"/>
+              <a:t>'\n ' vs "\n "</a:t>
+            </a:r>
+          </a:p>
+        </p:txBody>
+      </p:sp>
+      <p:sp>
+        <p:nvSpPr>
+          <p:cNvPr id="573443" name="Rectangle 3"/>
+          <p:cNvSpPr>
+            <a:spLocks noGrp="1" noChangeArrowheads="1"/>
+          </p:cNvSpPr>
+          <p:nvPr>
+            <p:ph type="body" idx="1"/>
+          </p:nvPr>
+        </p:nvSpPr>
+        <p:spPr/>
+        <p:txBody>
+          <a:bodyPr/>
+          <a:lstStyle/>
+          <a:p>
+            <a:pPr>
+              <a:lnSpc>
+                <a:spcPct val="90000"/>
+              </a:lnSpc>
+            </a:pPr>
+            <a:r>
+              <a:rPr lang="en-US" altLang="zh-CN"/>
+              <a:t>'\n'</a:t>
+            </a:r>
+          </a:p>
+          <a:p>
+            <a:pPr lvl="1">
+              <a:lnSpc>
+                <a:spcPct val="90000"/>
+              </a:lnSpc>
+            </a:pPr>
+            <a:r>
+              <a:rPr lang="en-US" altLang="zh-CN"/>
+              <a:t>A value of type char</a:t>
+            </a:r>
+          </a:p>
+          <a:p>
+            <a:pPr lvl="1">
+              <a:lnSpc>
+                <a:spcPct val="90000"/>
+              </a:lnSpc>
+            </a:pPr>
+            <a:r>
+              <a:rPr lang="en-US" altLang="zh-CN"/>
+              <a:t>Can be stored in a variable of type char</a:t>
+            </a:r>
+          </a:p>
+          <a:p>
+            <a:pPr>
+              <a:lnSpc>
+                <a:spcPct val="90000"/>
+              </a:lnSpc>
+            </a:pPr>
+            <a:r>
+              <a:rPr lang="en-US" altLang="zh-CN"/>
+              <a:t>"\n"</a:t>
+            </a:r>
+          </a:p>
+          <a:p>
+            <a:pPr lvl="1">
+              <a:lnSpc>
+                <a:spcPct val="90000"/>
+              </a:lnSpc>
+            </a:pPr>
+            <a:r>
+              <a:rPr lang="en-US" altLang="zh-CN"/>
+              <a:t>A string containing only one character</a:t>
+            </a:r>
+          </a:p>
+          <a:p>
+            <a:pPr lvl="1">
+              <a:lnSpc>
+                <a:spcPct val="90000"/>
+              </a:lnSpc>
+            </a:pPr>
+            <a:r>
+              <a:rPr lang="en-US" altLang="zh-CN"/>
+              <a:t>Cannot be stored in a variable of type char</a:t>
+            </a:r>
+            <a:br>
+              <a:rPr lang="en-US" altLang="zh-CN"/>
+            </a:br>
+            <a:endParaRPr lang="en-US" altLang="zh-CN"/>
+          </a:p>
+          <a:p>
+            <a:pPr>
+              <a:lnSpc>
+                <a:spcPct val="90000"/>
+              </a:lnSpc>
+            </a:pPr>
+            <a:r>
+              <a:rPr lang="en-US" altLang="zh-CN"/>
+              <a:t>In a cout-statement they produce the same result</a:t>
+            </a:r>
+          </a:p>
+        </p:txBody>
+      </p:sp>
+      <p:sp>
+        <p:nvSpPr>
+          <p:cNvPr id="2" name="幻灯片编号占位符 1"/>
           <p:cNvSpPr>
             <a:spLocks noGrp="1"/>
           </p:cNvSpPr>
@@ -20596,142 +20557,26 @@
             <a:off x="7050088" y="6400800"/>
             <a:ext cx="1905000" cy="457200"/>
           </a:xfrm>
+          <a:prstGeom prst="rect">
+            <a:avLst/>
+          </a:prstGeom>
         </p:spPr>
         <p:txBody>
           <a:bodyPr/>
           <a:lstStyle/>
           <a:p>
             <a:r>
-              <a:rPr lang="en-US" altLang="zh-CN"/>
-              <a:t>Slide 5- </a:t>
-            </a:r>
-            <a:fld id="{30CE1D84-CACC-4545-9376-A6E65659A1D6}" type="slidenum">
-              <a:rPr lang="en-US" altLang="zh-CN"/>
+              <a:rPr lang="en-US" altLang="zh-CN" smtClean="0"/>
+              <a:t>Slide 6- </a:t>
+            </a:r>
+            <a:fld id="{64DFAACD-A2F6-4D8B-AD96-C11C543D4A62}" type="slidenum">
+              <a:rPr lang="en-US" altLang="zh-CN" smtClean="0"/>
               <a:pPr/>
               <a:t>66</a:t>
             </a:fld>
-            <a:endParaRPr lang="en-CA" altLang="zh-CN">
+            <a:endParaRPr lang="en-CA" altLang="zh-CN" dirty="0">
               <a:ea typeface="宋体" panose="02010600030101010101" pitchFamily="2" charset="-122"/>
             </a:endParaRPr>
-          </a:p>
-        </p:txBody>
-      </p:sp>
-      <p:sp>
-        <p:nvSpPr>
-          <p:cNvPr id="573442" name="Rectangle 2"/>
-          <p:cNvSpPr>
-            <a:spLocks noGrp="1" noChangeArrowheads="1"/>
-          </p:cNvSpPr>
-          <p:nvPr>
-            <p:ph type="title"/>
-          </p:nvPr>
-        </p:nvSpPr>
-        <p:spPr/>
-        <p:txBody>
-          <a:bodyPr/>
-          <a:lstStyle/>
-          <a:p>
-            <a:r>
-              <a:rPr lang="en-US" altLang="zh-CN"/>
-              <a:t>'\n ' vs "\n "</a:t>
-            </a:r>
-          </a:p>
-        </p:txBody>
-      </p:sp>
-      <p:sp>
-        <p:nvSpPr>
-          <p:cNvPr id="573443" name="Rectangle 3"/>
-          <p:cNvSpPr>
-            <a:spLocks noGrp="1" noChangeArrowheads="1"/>
-          </p:cNvSpPr>
-          <p:nvPr>
-            <p:ph type="body" idx="1"/>
-          </p:nvPr>
-        </p:nvSpPr>
-        <p:spPr/>
-        <p:txBody>
-          <a:bodyPr/>
-          <a:lstStyle/>
-          <a:p>
-            <a:pPr>
-              <a:lnSpc>
-                <a:spcPct val="90000"/>
-              </a:lnSpc>
-            </a:pPr>
-            <a:r>
-              <a:rPr lang="en-US" altLang="zh-CN"/>
-              <a:t>'\n'</a:t>
-            </a:r>
-          </a:p>
-          <a:p>
-            <a:pPr lvl="1">
-              <a:lnSpc>
-                <a:spcPct val="90000"/>
-              </a:lnSpc>
-            </a:pPr>
-            <a:r>
-              <a:rPr lang="en-US" altLang="zh-CN"/>
-              <a:t>A value of type char</a:t>
-            </a:r>
-          </a:p>
-          <a:p>
-            <a:pPr lvl="1">
-              <a:lnSpc>
-                <a:spcPct val="90000"/>
-              </a:lnSpc>
-            </a:pPr>
-            <a:r>
-              <a:rPr lang="en-US" altLang="zh-CN"/>
-              <a:t>Can be stored in a variable of type char</a:t>
-            </a:r>
-          </a:p>
-          <a:p>
-            <a:pPr>
-              <a:lnSpc>
-                <a:spcPct val="90000"/>
-              </a:lnSpc>
-            </a:pPr>
-            <a:r>
-              <a:rPr lang="en-US" altLang="zh-CN"/>
-              <a:t>"\n"</a:t>
-            </a:r>
-          </a:p>
-          <a:p>
-            <a:pPr lvl="1">
-              <a:lnSpc>
-                <a:spcPct val="90000"/>
-              </a:lnSpc>
-            </a:pPr>
-            <a:r>
-              <a:rPr lang="en-US" altLang="zh-CN"/>
-              <a:t>A string containing only one character</a:t>
-            </a:r>
-          </a:p>
-          <a:p>
-            <a:pPr lvl="1">
-              <a:lnSpc>
-                <a:spcPct val="90000"/>
-              </a:lnSpc>
-            </a:pPr>
-            <a:r>
-              <a:rPr lang="en-US" altLang="zh-CN"/>
-              <a:t>Cannot be stored in a variable of type char</a:t>
-            </a:r>
-            <a:br>
-              <a:rPr lang="en-US" altLang="zh-CN"/>
-            </a:br>
-            <a:endParaRPr lang="en-US" altLang="zh-CN"/>
-          </a:p>
-          <a:p>
-            <a:pPr>
-              <a:lnSpc>
-                <a:spcPct val="90000"/>
-              </a:lnSpc>
-            </a:pPr>
-            <a:r>
-              <a:rPr lang="en-US" altLang="zh-CN"/>
-              <a:t>In a cout-statement they produce the same result</a:t>
-            </a:r>
           </a:p>
         </p:txBody>
       </p:sp>
@@ -20772,7 +20617,79 @@
       </p:grpSpPr>
       <p:sp>
         <p:nvSpPr>
-          <p:cNvPr id="4" name="灯片编号占位符 3"/>
+          <p:cNvPr id="574466" name="Rectangle 1026"/>
+          <p:cNvSpPr>
+            <a:spLocks noGrp="1" noChangeArrowheads="1"/>
+          </p:cNvSpPr>
+          <p:nvPr>
+            <p:ph type="title"/>
+          </p:nvPr>
+        </p:nvSpPr>
+        <p:spPr/>
+        <p:txBody>
+          <a:bodyPr/>
+          <a:lstStyle/>
+          <a:p>
+            <a:r>
+              <a:rPr lang="en-US" altLang="zh-CN"/>
+              <a:t>Member Function put</a:t>
+            </a:r>
+          </a:p>
+        </p:txBody>
+      </p:sp>
+      <p:sp>
+        <p:nvSpPr>
+          <p:cNvPr id="574467" name="Rectangle 1027"/>
+          <p:cNvSpPr>
+            <a:spLocks noGrp="1" noChangeArrowheads="1"/>
+          </p:cNvSpPr>
+          <p:nvPr>
+            <p:ph type="body" idx="1"/>
+          </p:nvPr>
+        </p:nvSpPr>
+        <p:spPr/>
+        <p:txBody>
+          <a:bodyPr/>
+          <a:lstStyle/>
+          <a:p>
+            <a:r>
+              <a:rPr lang="en-US" altLang="zh-CN"/>
+              <a:t>Function put</a:t>
+            </a:r>
+          </a:p>
+          <a:p>
+            <a:pPr lvl="1"/>
+            <a:r>
+              <a:rPr lang="en-US" altLang="zh-CN"/>
+              <a:t>Member function of every output stream</a:t>
+            </a:r>
+          </a:p>
+          <a:p>
+            <a:pPr lvl="1"/>
+            <a:r>
+              <a:rPr lang="en-US" altLang="zh-CN"/>
+              <a:t>Requires one argument of type char</a:t>
+            </a:r>
+          </a:p>
+          <a:p>
+            <a:pPr lvl="1"/>
+            <a:r>
+              <a:rPr lang="en-US" altLang="zh-CN"/>
+              <a:t>Places its argument of type char in the output stream</a:t>
+            </a:r>
+          </a:p>
+          <a:p>
+            <a:pPr lvl="1"/>
+            <a:r>
+              <a:rPr lang="en-US" altLang="zh-CN"/>
+              <a:t>Does not do allow you to do more than previous output with the insertion operator and cout</a:t>
+            </a:r>
+          </a:p>
+        </p:txBody>
+      </p:sp>
+      <p:sp>
+        <p:nvSpPr>
+          <p:cNvPr id="2" name="幻灯片编号占位符 1"/>
           <p:cNvSpPr>
             <a:spLocks noGrp="1"/>
           </p:cNvSpPr>
@@ -20785,95 +20702,26 @@
             <a:off x="7050088" y="6400800"/>
             <a:ext cx="1905000" cy="457200"/>
           </a:xfrm>
+          <a:prstGeom prst="rect">
+            <a:avLst/>
+          </a:prstGeom>
         </p:spPr>
         <p:txBody>
           <a:bodyPr/>
           <a:lstStyle/>
           <a:p>
             <a:r>
-              <a:rPr lang="en-US" altLang="zh-CN"/>
-              <a:t>Slide 5- </a:t>
-            </a:r>
-            <a:fld id="{4B5247D6-A1F8-4547-B4C3-63F2B2A8596B}" type="slidenum">
-              <a:rPr lang="en-US" altLang="zh-CN"/>
+              <a:rPr lang="en-US" altLang="zh-CN" smtClean="0"/>
+              <a:t>Slide 6- </a:t>
+            </a:r>
+            <a:fld id="{64DFAACD-A2F6-4D8B-AD96-C11C543D4A62}" type="slidenum">
+              <a:rPr lang="en-US" altLang="zh-CN" smtClean="0"/>
               <a:pPr/>
               <a:t>67</a:t>
             </a:fld>
-            <a:endParaRPr lang="en-CA" altLang="zh-CN">
+            <a:endParaRPr lang="en-CA" altLang="zh-CN" dirty="0">
               <a:ea typeface="宋体" panose="02010600030101010101" pitchFamily="2" charset="-122"/>
             </a:endParaRPr>
-          </a:p>
-        </p:txBody>
-      </p:sp>
-      <p:sp>
-        <p:nvSpPr>
-          <p:cNvPr id="574466" name="Rectangle 1026"/>
-          <p:cNvSpPr>
-            <a:spLocks noGrp="1" noChangeArrowheads="1"/>
-          </p:cNvSpPr>
-          <p:nvPr>
-            <p:ph type="title"/>
-          </p:nvPr>
-        </p:nvSpPr>
-        <p:spPr/>
-        <p:txBody>
-          <a:bodyPr/>
-          <a:lstStyle/>
-          <a:p>
-            <a:r>
-              <a:rPr lang="en-US" altLang="zh-CN"/>
-              <a:t>Member Function put</a:t>
-            </a:r>
-          </a:p>
-        </p:txBody>
-      </p:sp>
-      <p:sp>
-        <p:nvSpPr>
-          <p:cNvPr id="574467" name="Rectangle 1027"/>
-          <p:cNvSpPr>
-            <a:spLocks noGrp="1" noChangeArrowheads="1"/>
-          </p:cNvSpPr>
-          <p:nvPr>
-            <p:ph type="body" idx="1"/>
-          </p:nvPr>
-        </p:nvSpPr>
-        <p:spPr/>
-        <p:txBody>
-          <a:bodyPr/>
-          <a:lstStyle/>
-          <a:p>
-            <a:r>
-              <a:rPr lang="en-US" altLang="zh-CN"/>
-              <a:t>Function put</a:t>
-            </a:r>
-          </a:p>
-          <a:p>
-            <a:pPr lvl="1"/>
-            <a:r>
-              <a:rPr lang="en-US" altLang="zh-CN"/>
-              <a:t>Member function of every output stream</a:t>
-            </a:r>
-          </a:p>
-          <a:p>
-            <a:pPr lvl="1"/>
-            <a:r>
-              <a:rPr lang="en-US" altLang="zh-CN"/>
-              <a:t>Requires one argument of type char</a:t>
-            </a:r>
-          </a:p>
-          <a:p>
-            <a:pPr lvl="1"/>
-            <a:r>
-              <a:rPr lang="en-US" altLang="zh-CN"/>
-              <a:t>Places its argument of type char in the output stream</a:t>
-            </a:r>
-          </a:p>
-          <a:p>
-            <a:pPr lvl="1"/>
-            <a:r>
-              <a:rPr lang="en-US" altLang="zh-CN"/>
-              <a:t>Does not do allow you to do more than previous output with the insertion operator and cout</a:t>
-            </a:r>
           </a:p>
         </p:txBody>
       </p:sp>
@@ -20914,7 +20762,290 @@
       </p:grpSpPr>
       <p:sp>
         <p:nvSpPr>
-          <p:cNvPr id="4" name="灯片编号占位符 3"/>
+          <p:cNvPr id="575490" name="Rectangle 2"/>
+          <p:cNvSpPr>
+            <a:spLocks noGrp="1" noChangeArrowheads="1"/>
+          </p:cNvSpPr>
+          <p:nvPr>
+            <p:ph type="title"/>
+          </p:nvPr>
+        </p:nvSpPr>
+        <p:spPr/>
+        <p:txBody>
+          <a:bodyPr/>
+          <a:lstStyle/>
+          <a:p>
+            <a:r>
+              <a:rPr lang="en-US" altLang="zh-CN"/>
+              <a:t>put Syntax</a:t>
+            </a:r>
+          </a:p>
+        </p:txBody>
+      </p:sp>
+      <p:sp>
+        <p:nvSpPr>
+          <p:cNvPr id="575491" name="Rectangle 3"/>
+          <p:cNvSpPr>
+            <a:spLocks noGrp="1" noChangeArrowheads="1"/>
+          </p:cNvSpPr>
+          <p:nvPr>
+            <p:ph type="body" idx="1"/>
+          </p:nvPr>
+        </p:nvSpPr>
+        <p:spPr/>
+        <p:txBody>
+          <a:bodyPr/>
+          <a:lstStyle/>
+          <a:p>
+            <a:pPr>
+              <a:lnSpc>
+                <a:spcPct val="90000"/>
+              </a:lnSpc>
+            </a:pPr>
+            <a:r>
+              <a:rPr lang="en-US" altLang="zh-CN" dirty="0" err="1">
+                <a:solidFill>
+                  <a:srgbClr val="0000FF"/>
+                </a:solidFill>
+              </a:rPr>
+              <a:t>Output_stream.put</a:t>
+            </a:r>
+            <a:r>
+              <a:rPr lang="en-US" altLang="zh-CN" dirty="0">
+                <a:solidFill>
+                  <a:srgbClr val="0000FF"/>
+                </a:solidFill>
+              </a:rPr>
+              <a:t>(</a:t>
+            </a:r>
+            <a:r>
+              <a:rPr lang="en-US" altLang="zh-CN" dirty="0" err="1">
+                <a:solidFill>
+                  <a:srgbClr val="0000FF"/>
+                </a:solidFill>
+              </a:rPr>
+              <a:t>Char_expression</a:t>
+            </a:r>
+            <a:r>
+              <a:rPr lang="en-US" altLang="zh-CN" dirty="0">
+                <a:solidFill>
+                  <a:srgbClr val="0000FF"/>
+                </a:solidFill>
+              </a:rPr>
+              <a:t>);</a:t>
+            </a:r>
+            <a:r>
+              <a:rPr lang="en-US" altLang="zh-CN" dirty="0"/>
+              <a:t/>
+            </a:r>
+            <a:br>
+              <a:rPr lang="en-US" altLang="zh-CN" dirty="0"/>
+            </a:br>
+            <a:endParaRPr lang="en-US" altLang="zh-CN" dirty="0"/>
+          </a:p>
+          <a:p>
+            <a:pPr>
+              <a:lnSpc>
+                <a:spcPct val="90000"/>
+              </a:lnSpc>
+            </a:pPr>
+            <a:r>
+              <a:rPr lang="en-US" altLang="zh-CN" dirty="0"/>
+              <a:t>Examples:   	</a:t>
+            </a:r>
+            <a:r>
+              <a:rPr lang="en-US" altLang="zh-CN" dirty="0" err="1">
+                <a:solidFill>
+                  <a:srgbClr val="0000FF"/>
+                </a:solidFill>
+              </a:rPr>
+              <a:t>cout.put</a:t>
+            </a:r>
+            <a:r>
+              <a:rPr lang="en-US" altLang="zh-CN" dirty="0">
+                <a:solidFill>
+                  <a:srgbClr val="0000FF"/>
+                </a:solidFill>
+              </a:rPr>
+              <a:t>(</a:t>
+            </a:r>
+            <a:r>
+              <a:rPr lang="en-US" altLang="zh-CN" dirty="0" err="1">
+                <a:solidFill>
+                  <a:srgbClr val="0000FF"/>
+                </a:solidFill>
+              </a:rPr>
+              <a:t>next_symbol</a:t>
+            </a:r>
+            <a:r>
+              <a:rPr lang="en-US" altLang="zh-CN" dirty="0">
+                <a:solidFill>
+                  <a:srgbClr val="0000FF"/>
+                </a:solidFill>
+              </a:rPr>
+              <a:t>);</a:t>
+            </a:r>
+            <a:br>
+              <a:rPr lang="en-US" altLang="zh-CN" dirty="0">
+                <a:solidFill>
+                  <a:srgbClr val="0000FF"/>
+                </a:solidFill>
+              </a:rPr>
+            </a:br>
+            <a:r>
+              <a:rPr lang="en-US" altLang="zh-CN" dirty="0">
+                <a:solidFill>
+                  <a:srgbClr val="0000FF"/>
+                </a:solidFill>
+              </a:rPr>
+              <a:t> 		      	</a:t>
+            </a:r>
+            <a:r>
+              <a:rPr lang="en-US" altLang="zh-CN" dirty="0" err="1">
+                <a:solidFill>
+                  <a:srgbClr val="0000FF"/>
+                </a:solidFill>
+              </a:rPr>
+              <a:t>cout.put</a:t>
+            </a:r>
+            <a:r>
+              <a:rPr lang="en-US" altLang="zh-CN" dirty="0">
+                <a:solidFill>
+                  <a:srgbClr val="0000FF"/>
+                </a:solidFill>
+              </a:rPr>
+              <a:t>('a');</a:t>
+            </a:r>
+            <a:br>
+              <a:rPr lang="en-US" altLang="zh-CN" dirty="0">
+                <a:solidFill>
+                  <a:srgbClr val="0000FF"/>
+                </a:solidFill>
+              </a:rPr>
+            </a:br>
+            <a:r>
+              <a:rPr lang="en-US" altLang="zh-CN" dirty="0">
+                <a:solidFill>
+                  <a:srgbClr val="0000FF"/>
+                </a:solidFill>
+              </a:rPr>
+              <a:t/>
+            </a:r>
+            <a:br>
+              <a:rPr lang="en-US" altLang="zh-CN" dirty="0">
+                <a:solidFill>
+                  <a:srgbClr val="0000FF"/>
+                </a:solidFill>
+              </a:rPr>
+            </a:br>
+            <a:r>
+              <a:rPr lang="en-US" altLang="zh-CN" dirty="0">
+                <a:solidFill>
+                  <a:srgbClr val="0000FF"/>
+                </a:solidFill>
+              </a:rPr>
+              <a:t> 		  	</a:t>
+            </a:r>
+            <a:r>
+              <a:rPr lang="en-US" altLang="zh-CN" dirty="0" err="1">
+                <a:solidFill>
+                  <a:srgbClr val="0000FF"/>
+                </a:solidFill>
+              </a:rPr>
+              <a:t>ofstream</a:t>
+            </a:r>
+            <a:r>
+              <a:rPr lang="en-US" altLang="zh-CN" dirty="0">
+                <a:solidFill>
+                  <a:srgbClr val="0000FF"/>
+                </a:solidFill>
+              </a:rPr>
+              <a:t> </a:t>
+            </a:r>
+            <a:r>
+              <a:rPr lang="en-US" altLang="zh-CN" dirty="0" err="1">
+                <a:solidFill>
+                  <a:srgbClr val="0000FF"/>
+                </a:solidFill>
+              </a:rPr>
+              <a:t>out_stream</a:t>
+            </a:r>
+            <a:r>
+              <a:rPr lang="en-US" altLang="zh-CN" dirty="0">
+                <a:solidFill>
+                  <a:srgbClr val="0000FF"/>
+                </a:solidFill>
+              </a:rPr>
+              <a:t>;</a:t>
+            </a:r>
+            <a:br>
+              <a:rPr lang="en-US" altLang="zh-CN" dirty="0">
+                <a:solidFill>
+                  <a:srgbClr val="0000FF"/>
+                </a:solidFill>
+              </a:rPr>
+            </a:br>
+            <a:r>
+              <a:rPr lang="en-US" altLang="zh-CN" dirty="0">
+                <a:solidFill>
+                  <a:srgbClr val="0000FF"/>
+                </a:solidFill>
+              </a:rPr>
+              <a:t> 			</a:t>
+            </a:r>
+            <a:r>
+              <a:rPr lang="en-US" altLang="zh-CN" dirty="0" err="1">
+                <a:solidFill>
+                  <a:srgbClr val="0000FF"/>
+                </a:solidFill>
+              </a:rPr>
+              <a:t>out_stream.open</a:t>
+            </a:r>
+            <a:r>
+              <a:rPr lang="en-US" altLang="zh-CN" dirty="0">
+                <a:solidFill>
+                  <a:srgbClr val="0000FF"/>
+                </a:solidFill>
+              </a:rPr>
+              <a:t>("outfile.dat");</a:t>
+            </a:r>
+            <a:br>
+              <a:rPr lang="en-US" altLang="zh-CN" dirty="0">
+                <a:solidFill>
+                  <a:srgbClr val="0000FF"/>
+                </a:solidFill>
+              </a:rPr>
+            </a:br>
+            <a:r>
+              <a:rPr lang="en-US" altLang="zh-CN" dirty="0">
+                <a:solidFill>
+                  <a:srgbClr val="0000FF"/>
+                </a:solidFill>
+              </a:rPr>
+              <a:t> 			</a:t>
+            </a:r>
+            <a:r>
+              <a:rPr lang="en-US" altLang="zh-CN" dirty="0" err="1">
+                <a:solidFill>
+                  <a:srgbClr val="0000FF"/>
+                </a:solidFill>
+              </a:rPr>
+              <a:t>out_stream.put</a:t>
+            </a:r>
+            <a:r>
+              <a:rPr lang="en-US" altLang="zh-CN" dirty="0">
+                <a:solidFill>
+                  <a:srgbClr val="0000FF"/>
+                </a:solidFill>
+              </a:rPr>
+              <a:t>('Z');  </a:t>
+            </a:r>
+          </a:p>
+        </p:txBody>
+      </p:sp>
+      <p:sp>
+        <p:nvSpPr>
+          <p:cNvPr id="2" name="幻灯片编号占位符 1"/>
           <p:cNvSpPr>
             <a:spLocks noGrp="1"/>
           </p:cNvSpPr>
@@ -20927,306 +21058,26 @@
             <a:off x="7050088" y="6400800"/>
             <a:ext cx="1905000" cy="457200"/>
           </a:xfrm>
+          <a:prstGeom prst="rect">
+            <a:avLst/>
+          </a:prstGeom>
         </p:spPr>
         <p:txBody>
           <a:bodyPr/>
           <a:lstStyle/>
           <a:p>
             <a:r>
-              <a:rPr lang="en-US" altLang="zh-CN"/>
-              <a:t>Slide 5- </a:t>
-            </a:r>
-            <a:fld id="{B33260D6-8326-48CE-AEEF-A1C7FD1CD87D}" type="slidenum">
-              <a:rPr lang="en-US" altLang="zh-CN"/>
+              <a:rPr lang="en-US" altLang="zh-CN" smtClean="0"/>
+              <a:t>Slide 6- </a:t>
+            </a:r>
+            <a:fld id="{64DFAACD-A2F6-4D8B-AD96-C11C543D4A62}" type="slidenum">
+              <a:rPr lang="en-US" altLang="zh-CN" smtClean="0"/>
               <a:pPr/>
               <a:t>68</a:t>
             </a:fld>
-            <a:endParaRPr lang="en-CA" altLang="zh-CN">
+            <a:endParaRPr lang="en-CA" altLang="zh-CN" dirty="0">
               <a:ea typeface="宋体" panose="02010600030101010101" pitchFamily="2" charset="-122"/>
             </a:endParaRPr>
-          </a:p>
-        </p:txBody>
-      </p:sp>
-      <p:sp>
-        <p:nvSpPr>
-          <p:cNvPr id="575490" name="Rectangle 2"/>
-          <p:cNvSpPr>
-            <a:spLocks noGrp="1" noChangeArrowheads="1"/>
-          </p:cNvSpPr>
-          <p:nvPr>
-            <p:ph type="title"/>
-          </p:nvPr>
-        </p:nvSpPr>
-        <p:spPr/>
-        <p:txBody>
-          <a:bodyPr/>
-          <a:lstStyle/>
-          <a:p>
-            <a:r>
-              <a:rPr lang="en-US" altLang="zh-CN"/>
-              <a:t>put Syntax</a:t>
-            </a:r>
-          </a:p>
-        </p:txBody>
-      </p:sp>
-      <p:sp>
-        <p:nvSpPr>
-          <p:cNvPr id="575491" name="Rectangle 3"/>
-          <p:cNvSpPr>
-            <a:spLocks noGrp="1" noChangeArrowheads="1"/>
-          </p:cNvSpPr>
-          <p:nvPr>
-            <p:ph type="body" idx="1"/>
-          </p:nvPr>
-        </p:nvSpPr>
-        <p:spPr/>
-        <p:txBody>
-          <a:bodyPr/>
-          <a:lstStyle/>
-          <a:p>
-            <a:pPr>
-              <a:lnSpc>
-                <a:spcPct val="90000"/>
-              </a:lnSpc>
-            </a:pPr>
-            <a:r>
-              <a:rPr lang="en-US" altLang="zh-CN" dirty="0" err="1">
-                <a:solidFill>
-                  <a:srgbClr val="0000FF"/>
-                </a:solidFill>
-              </a:rPr>
-              <a:t>Output_stream.put</a:t>
-            </a:r>
-            <a:r>
-              <a:rPr lang="en-US" altLang="zh-CN" dirty="0">
-                <a:solidFill>
-                  <a:srgbClr val="0000FF"/>
-                </a:solidFill>
-              </a:rPr>
-              <a:t>(</a:t>
-            </a:r>
-            <a:r>
-              <a:rPr lang="en-US" altLang="zh-CN" dirty="0" err="1">
-                <a:solidFill>
-                  <a:srgbClr val="0000FF"/>
-                </a:solidFill>
-              </a:rPr>
-              <a:t>Char_expression</a:t>
-            </a:r>
-            <a:r>
-              <a:rPr lang="en-US" altLang="zh-CN" dirty="0">
-                <a:solidFill>
-                  <a:srgbClr val="0000FF"/>
-                </a:solidFill>
-              </a:rPr>
-              <a:t>);</a:t>
-            </a:r>
-            <a:r>
-              <a:rPr lang="en-US" altLang="zh-CN" dirty="0"/>
-              <a:t/>
-            </a:r>
-            <a:br>
-              <a:rPr lang="en-US" altLang="zh-CN" dirty="0"/>
-            </a:br>
-            <a:endParaRPr lang="en-US" altLang="zh-CN" dirty="0"/>
-          </a:p>
-          <a:p>
-            <a:pPr>
-              <a:lnSpc>
-                <a:spcPct val="90000"/>
-              </a:lnSpc>
-            </a:pPr>
-            <a:r>
-              <a:rPr lang="en-US" altLang="zh-CN" dirty="0"/>
-              <a:t>Examples:   	</a:t>
-            </a:r>
-            <a:r>
-              <a:rPr lang="en-US" altLang="zh-CN" dirty="0" err="1">
-                <a:solidFill>
-                  <a:srgbClr val="0000FF"/>
-                </a:solidFill>
-              </a:rPr>
-              <a:t>cout.put</a:t>
-            </a:r>
-            <a:r>
-              <a:rPr lang="en-US" altLang="zh-CN" dirty="0">
-                <a:solidFill>
-                  <a:srgbClr val="0000FF"/>
-                </a:solidFill>
-              </a:rPr>
-              <a:t>(</a:t>
-            </a:r>
-            <a:r>
-              <a:rPr lang="en-US" altLang="zh-CN" dirty="0" err="1">
-                <a:solidFill>
-                  <a:srgbClr val="0000FF"/>
-                </a:solidFill>
-              </a:rPr>
-              <a:t>next_symbol</a:t>
-            </a:r>
-            <a:r>
-              <a:rPr lang="en-US" altLang="zh-CN" dirty="0">
-                <a:solidFill>
-                  <a:srgbClr val="0000FF"/>
-                </a:solidFill>
-              </a:rPr>
-              <a:t>);</a:t>
-            </a:r>
-            <a:br>
-              <a:rPr lang="en-US" altLang="zh-CN" dirty="0">
-                <a:solidFill>
-                  <a:srgbClr val="0000FF"/>
-                </a:solidFill>
-              </a:rPr>
-            </a:br>
-            <a:r>
-              <a:rPr lang="en-US" altLang="zh-CN" dirty="0">
-                <a:solidFill>
-                  <a:srgbClr val="0000FF"/>
-                </a:solidFill>
-              </a:rPr>
-              <a:t> 		      	</a:t>
-            </a:r>
-            <a:r>
-              <a:rPr lang="en-US" altLang="zh-CN" dirty="0" err="1">
-                <a:solidFill>
-                  <a:srgbClr val="0000FF"/>
-                </a:solidFill>
-              </a:rPr>
-              <a:t>cout.put</a:t>
-            </a:r>
-            <a:r>
-              <a:rPr lang="en-US" altLang="zh-CN" dirty="0">
-                <a:solidFill>
-                  <a:srgbClr val="0000FF"/>
-                </a:solidFill>
-              </a:rPr>
-              <a:t>('a');</a:t>
-            </a:r>
-            <a:br>
-              <a:rPr lang="en-US" altLang="zh-CN" dirty="0">
-                <a:solidFill>
-                  <a:srgbClr val="0000FF"/>
-                </a:solidFill>
-              </a:rPr>
-            </a:br>
-            <a:r>
-              <a:rPr lang="en-US" altLang="zh-CN" dirty="0">
-                <a:solidFill>
-                  <a:srgbClr val="0000FF"/>
-                </a:solidFill>
-              </a:rPr>
-              <a:t/>
-            </a:r>
-            <a:br>
-              <a:rPr lang="en-US" altLang="zh-CN" dirty="0">
-                <a:solidFill>
-                  <a:srgbClr val="0000FF"/>
-                </a:solidFill>
-              </a:rPr>
-            </a:br>
-            <a:r>
-              <a:rPr lang="en-US" altLang="zh-CN" dirty="0">
-                <a:solidFill>
-                  <a:srgbClr val="0000FF"/>
-                </a:solidFill>
-              </a:rPr>
-              <a:t> 		  	</a:t>
-            </a:r>
-            <a:r>
-              <a:rPr lang="en-US" altLang="zh-CN" dirty="0" err="1">
-                <a:solidFill>
-                  <a:srgbClr val="0000FF"/>
-                </a:solidFill>
-              </a:rPr>
-              <a:t>ofstream</a:t>
-            </a:r>
-            <a:r>
-              <a:rPr lang="en-US" altLang="zh-CN" dirty="0">
-                <a:solidFill>
-                  <a:srgbClr val="0000FF"/>
-                </a:solidFill>
-              </a:rPr>
-              <a:t> </a:t>
-            </a:r>
-            <a:r>
-              <a:rPr lang="en-US" altLang="zh-CN" dirty="0" err="1">
-                <a:solidFill>
-                  <a:srgbClr val="0000FF"/>
-                </a:solidFill>
-              </a:rPr>
-              <a:t>out_stream</a:t>
-            </a:r>
-            <a:r>
-              <a:rPr lang="en-US" altLang="zh-CN" dirty="0">
-                <a:solidFill>
-                  <a:srgbClr val="0000FF"/>
-                </a:solidFill>
-              </a:rPr>
-              <a:t>;</a:t>
-            </a:r>
-            <a:br>
-              <a:rPr lang="en-US" altLang="zh-CN" dirty="0">
-                <a:solidFill>
-                  <a:srgbClr val="0000FF"/>
-                </a:solidFill>
-              </a:rPr>
-            </a:br>
-            <a:r>
-              <a:rPr lang="en-US" altLang="zh-CN" dirty="0">
-                <a:solidFill>
-                  <a:srgbClr val="0000FF"/>
-                </a:solidFill>
-              </a:rPr>
-              <a:t> 			</a:t>
-            </a:r>
-            <a:r>
-              <a:rPr lang="en-US" altLang="zh-CN" dirty="0" err="1">
-                <a:solidFill>
-                  <a:srgbClr val="0000FF"/>
-                </a:solidFill>
-              </a:rPr>
-              <a:t>out_stream.open</a:t>
-            </a:r>
-            <a:r>
-              <a:rPr lang="en-US" altLang="zh-CN" dirty="0">
-                <a:solidFill>
-                  <a:srgbClr val="0000FF"/>
-                </a:solidFill>
-              </a:rPr>
-              <a:t>("outfile.dat");</a:t>
-            </a:r>
-            <a:br>
-              <a:rPr lang="en-US" altLang="zh-CN" dirty="0">
-                <a:solidFill>
-                  <a:srgbClr val="0000FF"/>
-                </a:solidFill>
-              </a:rPr>
-            </a:br>
-            <a:r>
-              <a:rPr lang="en-US" altLang="zh-CN" dirty="0">
-                <a:solidFill>
-                  <a:srgbClr val="0000FF"/>
-                </a:solidFill>
-              </a:rPr>
-              <a:t> 			</a:t>
-            </a:r>
-            <a:r>
-              <a:rPr lang="en-US" altLang="zh-CN" dirty="0" err="1">
-                <a:solidFill>
-                  <a:srgbClr val="0000FF"/>
-                </a:solidFill>
-              </a:rPr>
-              <a:t>out_stream.put</a:t>
-            </a:r>
-            <a:r>
-              <a:rPr lang="en-US" altLang="zh-CN" dirty="0">
-                <a:solidFill>
-                  <a:srgbClr val="0000FF"/>
-                </a:solidFill>
-              </a:rPr>
-              <a:t>('Z');  </a:t>
-            </a:r>
           </a:p>
         </p:txBody>
       </p:sp>
@@ -21267,7 +21118,104 @@
       </p:grpSpPr>
       <p:sp>
         <p:nvSpPr>
-          <p:cNvPr id="4" name="灯片编号占位符 3"/>
+          <p:cNvPr id="576514" name="Rectangle 1026"/>
+          <p:cNvSpPr>
+            <a:spLocks noGrp="1" noChangeArrowheads="1"/>
+          </p:cNvSpPr>
+          <p:nvPr>
+            <p:ph type="title"/>
+          </p:nvPr>
+        </p:nvSpPr>
+        <p:spPr/>
+        <p:txBody>
+          <a:bodyPr/>
+          <a:lstStyle/>
+          <a:p>
+            <a:r>
+              <a:rPr lang="en-US" altLang="zh-CN"/>
+              <a:t>Member Function putback</a:t>
+            </a:r>
+          </a:p>
+        </p:txBody>
+      </p:sp>
+      <p:sp>
+        <p:nvSpPr>
+          <p:cNvPr id="576515" name="Rectangle 1027"/>
+          <p:cNvSpPr>
+            <a:spLocks noGrp="1" noChangeArrowheads="1"/>
+          </p:cNvSpPr>
+          <p:nvPr>
+            <p:ph type="body" idx="1"/>
+          </p:nvPr>
+        </p:nvSpPr>
+        <p:spPr/>
+        <p:txBody>
+          <a:bodyPr/>
+          <a:lstStyle/>
+          <a:p>
+            <a:r>
+              <a:rPr lang="en-US" altLang="zh-CN" sz="2400"/>
+              <a:t>The putback member function places a character </a:t>
+            </a:r>
+            <a:br>
+              <a:rPr lang="en-US" altLang="zh-CN" sz="2400"/>
+            </a:br>
+            <a:r>
+              <a:rPr lang="en-US" altLang="zh-CN" sz="2400"/>
+              <a:t>in the input stream</a:t>
+            </a:r>
+          </a:p>
+          <a:p>
+            <a:pPr lvl="1"/>
+            <a:r>
+              <a:rPr lang="en-US" altLang="zh-CN" sz="2400"/>
+              <a:t>putback is a member function of every input stream</a:t>
+            </a:r>
+          </a:p>
+          <a:p>
+            <a:pPr lvl="1"/>
+            <a:r>
+              <a:rPr lang="en-US" altLang="zh-CN" sz="2400"/>
+              <a:t>Useful when input continues until a specific character</a:t>
+            </a:r>
+            <a:br>
+              <a:rPr lang="en-US" altLang="zh-CN" sz="2400"/>
+            </a:br>
+            <a:r>
+              <a:rPr lang="en-US" altLang="zh-CN" sz="2400"/>
+              <a:t>is read, but you do not want to process the character</a:t>
+            </a:r>
+          </a:p>
+          <a:p>
+            <a:pPr lvl="1"/>
+            <a:r>
+              <a:rPr lang="en-US" altLang="zh-CN" sz="2400"/>
+              <a:t>Places its argument of type char in the input stream</a:t>
+            </a:r>
+          </a:p>
+          <a:p>
+            <a:pPr lvl="1"/>
+            <a:r>
+              <a:rPr lang="en-US" altLang="zh-CN" sz="2400"/>
+              <a:t>Character placed in the stream does not have to</a:t>
+            </a:r>
+            <a:br>
+              <a:rPr lang="en-US" altLang="zh-CN" sz="2400"/>
+            </a:br>
+            <a:r>
+              <a:rPr lang="en-US" altLang="zh-CN" sz="2400"/>
+              <a:t>be a character read from the stream</a:t>
+            </a:r>
+          </a:p>
+          <a:p>
+            <a:pPr lvl="1"/>
+            <a:endParaRPr lang="en-US" altLang="zh-CN" sz="2400"/>
+          </a:p>
+        </p:txBody>
+      </p:sp>
+      <p:sp>
+        <p:nvSpPr>
+          <p:cNvPr id="2" name="幻灯片编号占位符 1"/>
           <p:cNvSpPr>
             <a:spLocks noGrp="1"/>
           </p:cNvSpPr>
@@ -21280,120 +21228,26 @@
             <a:off x="7050088" y="6400800"/>
             <a:ext cx="1905000" cy="457200"/>
           </a:xfrm>
+          <a:prstGeom prst="rect">
+            <a:avLst/>
+          </a:prstGeom>
         </p:spPr>
         <p:txBody>
           <a:bodyPr/>
           <a:lstStyle/>
           <a:p>
             <a:r>
-              <a:rPr lang="en-US" altLang="zh-CN"/>
-              <a:t>Slide 5- </a:t>
-            </a:r>
-            <a:fld id="{0738AB2D-8A4F-4175-939D-836F58DCAF90}" type="slidenum">
-              <a:rPr lang="en-US" altLang="zh-CN"/>
+              <a:rPr lang="en-US" altLang="zh-CN" smtClean="0"/>
+              <a:t>Slide 6- </a:t>
+            </a:r>
+            <a:fld id="{64DFAACD-A2F6-4D8B-AD96-C11C543D4A62}" type="slidenum">
+              <a:rPr lang="en-US" altLang="zh-CN" smtClean="0"/>
               <a:pPr/>
               <a:t>69</a:t>
             </a:fld>
-            <a:endParaRPr lang="en-CA" altLang="zh-CN">
+            <a:endParaRPr lang="en-CA" altLang="zh-CN" dirty="0">
               <a:ea typeface="宋体" panose="02010600030101010101" pitchFamily="2" charset="-122"/>
             </a:endParaRPr>
-          </a:p>
-        </p:txBody>
-      </p:sp>
-      <p:sp>
-        <p:nvSpPr>
-          <p:cNvPr id="576514" name="Rectangle 1026"/>
-          <p:cNvSpPr>
-            <a:spLocks noGrp="1" noChangeArrowheads="1"/>
-          </p:cNvSpPr>
-          <p:nvPr>
-            <p:ph type="title"/>
-          </p:nvPr>
-        </p:nvSpPr>
-        <p:spPr/>
-        <p:txBody>
-          <a:bodyPr/>
-          <a:lstStyle/>
-          <a:p>
-            <a:r>
-              <a:rPr lang="en-US" altLang="zh-CN"/>
-              <a:t>Member Function putback</a:t>
-            </a:r>
-          </a:p>
-        </p:txBody>
-      </p:sp>
-      <p:sp>
-        <p:nvSpPr>
-          <p:cNvPr id="576515" name="Rectangle 1027"/>
-          <p:cNvSpPr>
-            <a:spLocks noGrp="1" noChangeArrowheads="1"/>
-          </p:cNvSpPr>
-          <p:nvPr>
-            <p:ph type="body" idx="1"/>
-          </p:nvPr>
-        </p:nvSpPr>
-        <p:spPr/>
-        <p:txBody>
-          <a:bodyPr/>
-          <a:lstStyle/>
-          <a:p>
-            <a:r>
-              <a:rPr lang="en-US" altLang="zh-CN" sz="2400"/>
-              <a:t>The putback member function places a character </a:t>
-            </a:r>
-            <a:br>
-              <a:rPr lang="en-US" altLang="zh-CN" sz="2400"/>
-            </a:br>
-            <a:r>
-              <a:rPr lang="en-US" altLang="zh-CN" sz="2400"/>
-              <a:t>in the input stream</a:t>
-            </a:r>
-          </a:p>
-          <a:p>
-            <a:pPr lvl="1"/>
-            <a:r>
-              <a:rPr lang="en-US" altLang="zh-CN" sz="2400"/>
-              <a:t>putback is a member function of every input stream</a:t>
-            </a:r>
-          </a:p>
-          <a:p>
-            <a:pPr lvl="1"/>
-            <a:r>
-              <a:rPr lang="en-US" altLang="zh-CN" sz="2400"/>
-              <a:t>Useful when input continues until a specific character</a:t>
-            </a:r>
-            <a:br>
-              <a:rPr lang="en-US" altLang="zh-CN" sz="2400"/>
-            </a:br>
-            <a:r>
-              <a:rPr lang="en-US" altLang="zh-CN" sz="2400"/>
-              <a:t>is read, but you do not want to process the character</a:t>
-            </a:r>
-          </a:p>
-          <a:p>
-            <a:pPr lvl="1"/>
-            <a:r>
-              <a:rPr lang="en-US" altLang="zh-CN" sz="2400"/>
-              <a:t>Places its argument of type char in the input stream</a:t>
-            </a:r>
-          </a:p>
-          <a:p>
-            <a:pPr lvl="1"/>
-            <a:r>
-              <a:rPr lang="en-US" altLang="zh-CN" sz="2400"/>
-              <a:t>Character placed in the stream does not have to</a:t>
-            </a:r>
-            <a:br>
-              <a:rPr lang="en-US" altLang="zh-CN" sz="2400"/>
-            </a:br>
-            <a:r>
-              <a:rPr lang="en-US" altLang="zh-CN" sz="2400"/>
-              <a:t>be a character read from the stream</a:t>
-            </a:r>
-          </a:p>
-          <a:p>
-            <a:pPr lvl="1"/>
-            <a:endParaRPr lang="en-US" altLang="zh-CN" sz="2400"/>
           </a:p>
         </p:txBody>
       </p:sp>
@@ -21447,6 +21301,9 @@
             <a:off x="7050088" y="6400800"/>
             <a:ext cx="1905000" cy="457200"/>
           </a:xfrm>
+          <a:prstGeom prst="rect">
+            <a:avLst/>
+          </a:prstGeom>
         </p:spPr>
         <p:txBody>
           <a:bodyPr/>
@@ -21711,7 +21568,141 @@
       </p:grpSpPr>
       <p:sp>
         <p:nvSpPr>
-          <p:cNvPr id="4" name="灯片编号占位符 3"/>
+          <p:cNvPr id="577538" name="Rectangle 2"/>
+          <p:cNvSpPr>
+            <a:spLocks noGrp="1" noChangeArrowheads="1"/>
+          </p:cNvSpPr>
+          <p:nvPr>
+            <p:ph type="title"/>
+          </p:nvPr>
+        </p:nvSpPr>
+        <p:spPr/>
+        <p:txBody>
+          <a:bodyPr/>
+          <a:lstStyle/>
+          <a:p>
+            <a:r>
+              <a:rPr lang="en-US" altLang="zh-CN"/>
+              <a:t>putback Example</a:t>
+            </a:r>
+          </a:p>
+        </p:txBody>
+      </p:sp>
+      <p:sp>
+        <p:nvSpPr>
+          <p:cNvPr id="577539" name="Rectangle 3"/>
+          <p:cNvSpPr>
+            <a:spLocks noGrp="1" noChangeArrowheads="1"/>
+          </p:cNvSpPr>
+          <p:nvPr>
+            <p:ph type="body" idx="1"/>
+          </p:nvPr>
+        </p:nvSpPr>
+        <p:spPr/>
+        <p:txBody>
+          <a:bodyPr/>
+          <a:lstStyle/>
+          <a:p>
+            <a:pPr>
+              <a:lnSpc>
+                <a:spcPct val="90000"/>
+              </a:lnSpc>
+            </a:pPr>
+            <a:r>
+              <a:rPr lang="en-US" altLang="zh-CN" sz="2400"/>
+              <a:t>The following code reads up to the first blank in </a:t>
+            </a:r>
+            <a:br>
+              <a:rPr lang="en-US" altLang="zh-CN" sz="2400"/>
+            </a:br>
+            <a:r>
+              <a:rPr lang="en-US" altLang="zh-CN" sz="2400"/>
+              <a:t>the input stream fin, and writes the characters to</a:t>
+            </a:r>
+            <a:br>
+              <a:rPr lang="en-US" altLang="zh-CN" sz="2400"/>
+            </a:br>
+            <a:r>
+              <a:rPr lang="en-US" altLang="zh-CN" sz="2400"/>
+              <a:t>the file connected to the output stream fout</a:t>
+            </a:r>
+          </a:p>
+          <a:p>
+            <a:pPr lvl="1">
+              <a:lnSpc>
+                <a:spcPct val="90000"/>
+              </a:lnSpc>
+            </a:pPr>
+            <a:r>
+              <a:rPr lang="en-US" altLang="zh-CN" sz="2400"/>
+              <a:t>			fin.get(next);</a:t>
+            </a:r>
+            <a:br>
+              <a:rPr lang="en-US" altLang="zh-CN" sz="2400"/>
+            </a:br>
+            <a:r>
+              <a:rPr lang="en-US" altLang="zh-CN" sz="2400"/>
+              <a:t> 			while (next != '  ')</a:t>
+            </a:r>
+            <a:br>
+              <a:rPr lang="en-US" altLang="zh-CN" sz="2400"/>
+            </a:br>
+            <a:r>
+              <a:rPr lang="en-US" altLang="zh-CN" sz="2400"/>
+              <a:t> 			{</a:t>
+            </a:r>
+            <a:br>
+              <a:rPr lang="en-US" altLang="zh-CN" sz="2400"/>
+            </a:br>
+            <a:r>
+              <a:rPr lang="en-US" altLang="zh-CN" sz="2400"/>
+              <a:t> 				fout.put(next);</a:t>
+            </a:r>
+            <a:br>
+              <a:rPr lang="en-US" altLang="zh-CN" sz="2400"/>
+            </a:br>
+            <a:r>
+              <a:rPr lang="en-US" altLang="zh-CN" sz="2400"/>
+              <a:t> 				fin.get(next);</a:t>
+            </a:r>
+            <a:br>
+              <a:rPr lang="en-US" altLang="zh-CN" sz="2400"/>
+            </a:br>
+            <a:r>
+              <a:rPr lang="en-US" altLang="zh-CN" sz="2400"/>
+              <a:t> 			}</a:t>
+            </a:r>
+            <a:br>
+              <a:rPr lang="en-US" altLang="zh-CN" sz="2400"/>
+            </a:br>
+            <a:r>
+              <a:rPr lang="en-US" altLang="zh-CN" sz="2400"/>
+              <a:t> 			fin.putback(next);</a:t>
+            </a:r>
+          </a:p>
+          <a:p>
+            <a:pPr lvl="1">
+              <a:lnSpc>
+                <a:spcPct val="90000"/>
+              </a:lnSpc>
+            </a:pPr>
+            <a:r>
+              <a:rPr lang="en-US" altLang="zh-CN" sz="2400"/>
+              <a:t>The blank space read to end the loop is put back into</a:t>
+            </a:r>
+            <a:br>
+              <a:rPr lang="en-US" altLang="zh-CN" sz="2400"/>
+            </a:br>
+            <a:r>
+              <a:rPr lang="en-US" altLang="zh-CN" sz="2400"/>
+              <a:t> the input stream</a:t>
+            </a:r>
+          </a:p>
+        </p:txBody>
+      </p:sp>
+      <p:sp>
+        <p:nvSpPr>
+          <p:cNvPr id="2" name="幻灯片编号占位符 1"/>
           <p:cNvSpPr>
             <a:spLocks noGrp="1"/>
           </p:cNvSpPr>
@@ -21724,157 +21715,26 @@
             <a:off x="7050088" y="6400800"/>
             <a:ext cx="1905000" cy="457200"/>
           </a:xfrm>
+          <a:prstGeom prst="rect">
+            <a:avLst/>
+          </a:prstGeom>
         </p:spPr>
         <p:txBody>
           <a:bodyPr/>
           <a:lstStyle/>
           <a:p>
             <a:r>
-              <a:rPr lang="en-US" altLang="zh-CN"/>
-              <a:t>Slide 5- </a:t>
-            </a:r>
-            <a:fld id="{561F80D0-40C1-4821-BE57-9E8BECCFF452}" type="slidenum">
-              <a:rPr lang="en-US" altLang="zh-CN"/>
+              <a:rPr lang="en-US" altLang="zh-CN" smtClean="0"/>
+              <a:t>Slide 6- </a:t>
+            </a:r>
+            <a:fld id="{64DFAACD-A2F6-4D8B-AD96-C11C543D4A62}" type="slidenum">
+              <a:rPr lang="en-US" altLang="zh-CN" smtClean="0"/>
               <a:pPr/>
               <a:t>70</a:t>
             </a:fld>
-            <a:endParaRPr lang="en-CA" altLang="zh-CN">
+            <a:endParaRPr lang="en-CA" altLang="zh-CN" dirty="0">
               <a:ea typeface="宋体" panose="02010600030101010101" pitchFamily="2" charset="-122"/>
             </a:endParaRPr>
-          </a:p>
-        </p:txBody>
-      </p:sp>
-      <p:sp>
-        <p:nvSpPr>
-          <p:cNvPr id="577538" name="Rectangle 2"/>
-          <p:cNvSpPr>
-            <a:spLocks noGrp="1" noChangeArrowheads="1"/>
-          </p:cNvSpPr>
-          <p:nvPr>
-            <p:ph type="title"/>
-          </p:nvPr>
-        </p:nvSpPr>
-        <p:spPr/>
-        <p:txBody>
-          <a:bodyPr/>
-          <a:lstStyle/>
-          <a:p>
-            <a:r>
-              <a:rPr lang="en-US" altLang="zh-CN"/>
-              <a:t>putback Example</a:t>
-            </a:r>
-          </a:p>
-        </p:txBody>
-      </p:sp>
-      <p:sp>
-        <p:nvSpPr>
-          <p:cNvPr id="577539" name="Rectangle 3"/>
-          <p:cNvSpPr>
-            <a:spLocks noGrp="1" noChangeArrowheads="1"/>
-          </p:cNvSpPr>
-          <p:nvPr>
-            <p:ph type="body" idx="1"/>
-          </p:nvPr>
-        </p:nvSpPr>
-        <p:spPr/>
-        <p:txBody>
-          <a:bodyPr/>
-          <a:lstStyle/>
-          <a:p>
-            <a:pPr>
-              <a:lnSpc>
-                <a:spcPct val="90000"/>
-              </a:lnSpc>
-            </a:pPr>
-            <a:r>
-              <a:rPr lang="en-US" altLang="zh-CN" sz="2400"/>
-              <a:t>The following code reads up to the first blank in </a:t>
-            </a:r>
-            <a:br>
-              <a:rPr lang="en-US" altLang="zh-CN" sz="2400"/>
-            </a:br>
-            <a:r>
-              <a:rPr lang="en-US" altLang="zh-CN" sz="2400"/>
-              <a:t>the input stream fin, and writes the characters to</a:t>
-            </a:r>
-            <a:br>
-              <a:rPr lang="en-US" altLang="zh-CN" sz="2400"/>
-            </a:br>
-            <a:r>
-              <a:rPr lang="en-US" altLang="zh-CN" sz="2400"/>
-              <a:t>the file connected to the output stream fout</a:t>
-            </a:r>
-          </a:p>
-          <a:p>
-            <a:pPr lvl="1">
-              <a:lnSpc>
-                <a:spcPct val="90000"/>
-              </a:lnSpc>
-            </a:pPr>
-            <a:r>
-              <a:rPr lang="en-US" altLang="zh-CN" sz="2400"/>
-              <a:t>			fin.get(next);</a:t>
-            </a:r>
-            <a:br>
-              <a:rPr lang="en-US" altLang="zh-CN" sz="2400"/>
-            </a:br>
-            <a:r>
-              <a:rPr lang="en-US" altLang="zh-CN" sz="2400"/>
-              <a:t> 			while (next != '  ')</a:t>
-            </a:r>
-            <a:br>
-              <a:rPr lang="en-US" altLang="zh-CN" sz="2400"/>
-            </a:br>
-            <a:r>
-              <a:rPr lang="en-US" altLang="zh-CN" sz="2400"/>
-              <a:t> 			{</a:t>
-            </a:r>
-            <a:br>
-              <a:rPr lang="en-US" altLang="zh-CN" sz="2400"/>
-            </a:br>
-            <a:r>
-              <a:rPr lang="en-US" altLang="zh-CN" sz="2400"/>
-              <a:t> 				fout.put(next);</a:t>
-            </a:r>
-            <a:br>
-              <a:rPr lang="en-US" altLang="zh-CN" sz="2400"/>
-            </a:br>
-            <a:r>
-              <a:rPr lang="en-US" altLang="zh-CN" sz="2400"/>
-              <a:t> 				fin.get(next);</a:t>
-            </a:r>
-            <a:br>
-              <a:rPr lang="en-US" altLang="zh-CN" sz="2400"/>
-            </a:br>
-            <a:r>
-              <a:rPr lang="en-US" altLang="zh-CN" sz="2400"/>
-              <a:t> 			}</a:t>
-            </a:r>
-            <a:br>
-              <a:rPr lang="en-US" altLang="zh-CN" sz="2400"/>
-            </a:br>
-            <a:r>
-              <a:rPr lang="en-US" altLang="zh-CN" sz="2400"/>
-              <a:t> 			fin.putback(next);</a:t>
-            </a:r>
-          </a:p>
-          <a:p>
-            <a:pPr lvl="1">
-              <a:lnSpc>
-                <a:spcPct val="90000"/>
-              </a:lnSpc>
-            </a:pPr>
-            <a:r>
-              <a:rPr lang="en-US" altLang="zh-CN" sz="2400"/>
-              <a:t>The blank space read to end the loop is put back into</a:t>
-            </a:r>
-            <a:br>
-              <a:rPr lang="en-US" altLang="zh-CN" sz="2400"/>
-            </a:br>
-            <a:r>
-              <a:rPr lang="en-US" altLang="zh-CN" sz="2400"/>
-              <a:t> the input stream</a:t>
-            </a:r>
           </a:p>
         </p:txBody>
       </p:sp>
@@ -21915,7 +21775,107 @@
       </p:grpSpPr>
       <p:sp>
         <p:nvSpPr>
-          <p:cNvPr id="4" name="灯片编号占位符 3"/>
+          <p:cNvPr id="578562" name="Rectangle 1026"/>
+          <p:cNvSpPr>
+            <a:spLocks noGrp="1" noChangeArrowheads="1"/>
+          </p:cNvSpPr>
+          <p:nvPr>
+            <p:ph type="title"/>
+          </p:nvPr>
+        </p:nvSpPr>
+        <p:spPr/>
+        <p:txBody>
+          <a:bodyPr/>
+          <a:lstStyle/>
+          <a:p>
+            <a:r>
+              <a:rPr lang="en-US" altLang="zh-CN"/>
+              <a:t>Program Example</a:t>
+            </a:r>
+            <a:br>
+              <a:rPr lang="en-US" altLang="zh-CN"/>
+            </a:br>
+            <a:r>
+              <a:rPr lang="en-US" altLang="zh-CN"/>
+              <a:t>Checking Input</a:t>
+            </a:r>
+          </a:p>
+        </p:txBody>
+      </p:sp>
+      <p:sp>
+        <p:nvSpPr>
+          <p:cNvPr id="578563" name="Rectangle 1027"/>
+          <p:cNvSpPr>
+            <a:spLocks noGrp="1" noChangeArrowheads="1"/>
+          </p:cNvSpPr>
+          <p:nvPr>
+            <p:ph type="body" idx="1"/>
+          </p:nvPr>
+        </p:nvSpPr>
+        <p:spPr/>
+        <p:txBody>
+          <a:bodyPr/>
+          <a:lstStyle/>
+          <a:p>
+            <a:pPr>
+              <a:lnSpc>
+                <a:spcPct val="90000"/>
+              </a:lnSpc>
+            </a:pPr>
+            <a:r>
+              <a:rPr lang="en-US" altLang="zh-CN"/>
+              <a:t>Incorrect input can produce worthless output</a:t>
+            </a:r>
+            <a:br>
+              <a:rPr lang="en-US" altLang="zh-CN"/>
+            </a:br>
+            <a:endParaRPr lang="en-US" altLang="zh-CN"/>
+          </a:p>
+          <a:p>
+            <a:pPr>
+              <a:lnSpc>
+                <a:spcPct val="90000"/>
+              </a:lnSpc>
+            </a:pPr>
+            <a:r>
+              <a:rPr lang="en-US" altLang="zh-CN"/>
+              <a:t>Use input functions that allow the user to </a:t>
+            </a:r>
+            <a:br>
+              <a:rPr lang="en-US" altLang="zh-CN"/>
+            </a:br>
+            <a:r>
+              <a:rPr lang="en-US" altLang="zh-CN"/>
+              <a:t>re-enter input until it is correct, such as</a:t>
+            </a:r>
+          </a:p>
+          <a:p>
+            <a:pPr lvl="1">
+              <a:lnSpc>
+                <a:spcPct val="90000"/>
+              </a:lnSpc>
+            </a:pPr>
+            <a:r>
+              <a:rPr lang="en-US" altLang="zh-CN"/>
+              <a:t>Echoing the input and asking the user if it is correct</a:t>
+            </a:r>
+          </a:p>
+          <a:p>
+            <a:pPr lvl="1">
+              <a:lnSpc>
+                <a:spcPct val="90000"/>
+              </a:lnSpc>
+            </a:pPr>
+            <a:r>
+              <a:rPr lang="en-US" altLang="zh-CN"/>
+              <a:t>If the input is not correct, allow the user to enter the data again</a:t>
+            </a:r>
+          </a:p>
+        </p:txBody>
+      </p:sp>
+      <p:sp>
+        <p:nvSpPr>
+          <p:cNvPr id="2" name="幻灯片编号占位符 1"/>
           <p:cNvSpPr>
             <a:spLocks noGrp="1"/>
           </p:cNvSpPr>
@@ -21928,123 +21888,26 @@
             <a:off x="7050088" y="6400800"/>
             <a:ext cx="1905000" cy="457200"/>
           </a:xfrm>
+          <a:prstGeom prst="rect">
+            <a:avLst/>
+          </a:prstGeom>
         </p:spPr>
         <p:txBody>
           <a:bodyPr/>
           <a:lstStyle/>
           <a:p>
             <a:r>
-              <a:rPr lang="en-US" altLang="zh-CN"/>
-              <a:t>Slide 5- </a:t>
-            </a:r>
-            <a:fld id="{37DAA15F-92CE-4183-A14C-9EDB4B5AD603}" type="slidenum">
-              <a:rPr lang="en-US" altLang="zh-CN"/>
+              <a:rPr lang="en-US" altLang="zh-CN" smtClean="0"/>
+              <a:t>Slide 6- </a:t>
+            </a:r>
+            <a:fld id="{64DFAACD-A2F6-4D8B-AD96-C11C543D4A62}" type="slidenum">
+              <a:rPr lang="en-US" altLang="zh-CN" smtClean="0"/>
               <a:pPr/>
               <a:t>71</a:t>
             </a:fld>
-            <a:endParaRPr lang="en-CA" altLang="zh-CN">
+            <a:endParaRPr lang="en-CA" altLang="zh-CN" dirty="0">
               <a:ea typeface="宋体" panose="02010600030101010101" pitchFamily="2" charset="-122"/>
             </a:endParaRPr>
-          </a:p>
-        </p:txBody>
-      </p:sp>
-      <p:sp>
-        <p:nvSpPr>
-          <p:cNvPr id="578562" name="Rectangle 1026"/>
-          <p:cNvSpPr>
-            <a:spLocks noGrp="1" noChangeArrowheads="1"/>
-          </p:cNvSpPr>
-          <p:nvPr>
-            <p:ph type="title"/>
-          </p:nvPr>
-        </p:nvSpPr>
-        <p:spPr/>
-        <p:txBody>
-          <a:bodyPr/>
-          <a:lstStyle/>
-          <a:p>
-            <a:r>
-              <a:rPr lang="en-US" altLang="zh-CN"/>
-              <a:t>Program Example</a:t>
-            </a:r>
-            <a:br>
-              <a:rPr lang="en-US" altLang="zh-CN"/>
-            </a:br>
-            <a:r>
-              <a:rPr lang="en-US" altLang="zh-CN"/>
-              <a:t>Checking Input</a:t>
-            </a:r>
-          </a:p>
-        </p:txBody>
-      </p:sp>
-      <p:sp>
-        <p:nvSpPr>
-          <p:cNvPr id="578563" name="Rectangle 1027"/>
-          <p:cNvSpPr>
-            <a:spLocks noGrp="1" noChangeArrowheads="1"/>
-          </p:cNvSpPr>
-          <p:nvPr>
-            <p:ph type="body" idx="1"/>
-          </p:nvPr>
-        </p:nvSpPr>
-        <p:spPr/>
-        <p:txBody>
-          <a:bodyPr/>
-          <a:lstStyle/>
-          <a:p>
-            <a:pPr>
-              <a:lnSpc>
-                <a:spcPct val="90000"/>
-              </a:lnSpc>
-            </a:pPr>
-            <a:r>
-              <a:rPr lang="en-US" altLang="zh-CN"/>
-              <a:t>Incorrect input can produce worthless output</a:t>
-            </a:r>
-            <a:br>
-              <a:rPr lang="en-US" altLang="zh-CN"/>
-            </a:br>
-            <a:endParaRPr lang="en-US" altLang="zh-CN"/>
-          </a:p>
-          <a:p>
-            <a:pPr>
-              <a:lnSpc>
-                <a:spcPct val="90000"/>
-              </a:lnSpc>
-            </a:pPr>
-            <a:r>
-              <a:rPr lang="en-US" altLang="zh-CN"/>
-              <a:t>Use input functions that allow the user to </a:t>
-            </a:r>
-            <a:br>
-              <a:rPr lang="en-US" altLang="zh-CN"/>
-            </a:br>
-            <a:r>
-              <a:rPr lang="en-US" altLang="zh-CN"/>
-              <a:t>re-enter input until it is correct, such as</a:t>
-            </a:r>
-          </a:p>
-          <a:p>
-            <a:pPr lvl="1">
-              <a:lnSpc>
-                <a:spcPct val="90000"/>
-              </a:lnSpc>
-            </a:pPr>
-            <a:r>
-              <a:rPr lang="en-US" altLang="zh-CN"/>
-              <a:t>Echoing the input and asking the user if it is correct</a:t>
-            </a:r>
-          </a:p>
-          <a:p>
-            <a:pPr lvl="1">
-              <a:lnSpc>
-                <a:spcPct val="90000"/>
-              </a:lnSpc>
-            </a:pPr>
-            <a:r>
-              <a:rPr lang="en-US" altLang="zh-CN"/>
-              <a:t>If the input is not correct, allow the user to enter the data again</a:t>
-            </a:r>
           </a:p>
         </p:txBody>
       </p:sp>
@@ -22085,7 +21948,142 @@
       </p:grpSpPr>
       <p:sp>
         <p:nvSpPr>
-          <p:cNvPr id="4" name="灯片编号占位符 3"/>
+          <p:cNvPr id="579586" name="Rectangle 2"/>
+          <p:cNvSpPr>
+            <a:spLocks noGrp="1" noChangeArrowheads="1"/>
+          </p:cNvSpPr>
+          <p:nvPr>
+            <p:ph type="title"/>
+          </p:nvPr>
+        </p:nvSpPr>
+        <p:spPr/>
+        <p:txBody>
+          <a:bodyPr/>
+          <a:lstStyle/>
+          <a:p>
+            <a:r>
+              <a:rPr lang="en-US" altLang="zh-CN"/>
+              <a:t>Checking Input:</a:t>
+            </a:r>
+            <a:br>
+              <a:rPr lang="en-US" altLang="zh-CN"/>
+            </a:br>
+            <a:r>
+              <a:rPr lang="en-US" altLang="zh-CN"/>
+              <a:t> 					get_int</a:t>
+            </a:r>
+          </a:p>
+        </p:txBody>
+      </p:sp>
+      <p:sp>
+        <p:nvSpPr>
+          <p:cNvPr id="579587" name="Rectangle 3"/>
+          <p:cNvSpPr>
+            <a:spLocks noGrp="1" noChangeArrowheads="1"/>
+          </p:cNvSpPr>
+          <p:nvPr>
+            <p:ph type="body" idx="1"/>
+          </p:nvPr>
+        </p:nvSpPr>
+        <p:spPr/>
+        <p:txBody>
+          <a:bodyPr/>
+          <a:lstStyle/>
+          <a:p>
+            <a:r>
+              <a:rPr lang="en-US" altLang="zh-CN" sz="2400" dirty="0"/>
+              <a:t>The </a:t>
+            </a:r>
+            <a:r>
+              <a:rPr lang="en-US" altLang="zh-CN" sz="2400" dirty="0" err="1"/>
+              <a:t>get_int</a:t>
+            </a:r>
+            <a:r>
+              <a:rPr lang="en-US" altLang="zh-CN" sz="2400" dirty="0"/>
+              <a:t> function seen in Display </a:t>
+            </a:r>
+            <a:r>
+              <a:rPr lang="en-US" altLang="zh-CN" sz="2400" dirty="0" smtClean="0"/>
+              <a:t>6.7</a:t>
+            </a:r>
+            <a:r>
+              <a:rPr lang="en-US" altLang="zh-CN" sz="2400" dirty="0"/>
+              <a:t/>
+            </a:r>
+            <a:br>
+              <a:rPr lang="en-US" altLang="zh-CN" sz="2400" dirty="0"/>
+            </a:br>
+            <a:r>
+              <a:rPr lang="en-US" altLang="zh-CN" sz="2400" dirty="0"/>
+              <a:t>obtains an integer value from the user</a:t>
+            </a:r>
+          </a:p>
+          <a:p>
+            <a:pPr lvl="1"/>
+            <a:r>
+              <a:rPr lang="en-US" altLang="zh-CN" sz="2400" dirty="0" err="1"/>
+              <a:t>get_int</a:t>
+            </a:r>
+            <a:r>
+              <a:rPr lang="en-US" altLang="zh-CN" sz="2400" dirty="0"/>
+              <a:t> prompts the user, reads the input, and displays</a:t>
+            </a:r>
+            <a:br>
+              <a:rPr lang="en-US" altLang="zh-CN" sz="2400" dirty="0"/>
+            </a:br>
+            <a:r>
+              <a:rPr lang="en-US" altLang="zh-CN" sz="2400" dirty="0"/>
+              <a:t>the input</a:t>
+            </a:r>
+          </a:p>
+          <a:p>
+            <a:pPr lvl="1"/>
+            <a:r>
+              <a:rPr lang="en-US" altLang="zh-CN" sz="2400" dirty="0"/>
+              <a:t>After displaying the input, </a:t>
+            </a:r>
+            <a:r>
+              <a:rPr lang="en-US" altLang="zh-CN" sz="2400" dirty="0" err="1"/>
+              <a:t>get_int</a:t>
+            </a:r>
+            <a:r>
+              <a:rPr lang="en-US" altLang="zh-CN" sz="2400" dirty="0"/>
+              <a:t> asks the user to </a:t>
+            </a:r>
+            <a:br>
+              <a:rPr lang="en-US" altLang="zh-CN" sz="2400" dirty="0"/>
+            </a:br>
+            <a:r>
+              <a:rPr lang="en-US" altLang="zh-CN" sz="2400" dirty="0"/>
+              <a:t>confirm the number and reads the user's response</a:t>
+            </a:r>
+            <a:br>
+              <a:rPr lang="en-US" altLang="zh-CN" sz="2400" dirty="0"/>
+            </a:br>
+            <a:r>
+              <a:rPr lang="en-US" altLang="zh-CN" sz="2400" dirty="0"/>
+              <a:t>using a variable of type character</a:t>
+            </a:r>
+          </a:p>
+          <a:p>
+            <a:pPr lvl="1"/>
+            <a:r>
+              <a:rPr lang="en-US" altLang="zh-CN" sz="2400" dirty="0"/>
+              <a:t>The process is repeated until the user indicates with</a:t>
+            </a:r>
+            <a:br>
+              <a:rPr lang="en-US" altLang="zh-CN" sz="2400" dirty="0"/>
+            </a:br>
+            <a:r>
+              <a:rPr lang="en-US" altLang="zh-CN" sz="2400" dirty="0"/>
+              <a:t>a 'Y' or 'y' that the number entered is correct</a:t>
+            </a:r>
+          </a:p>
+        </p:txBody>
+      </p:sp>
+      <p:sp>
+        <p:nvSpPr>
+          <p:cNvPr id="2" name="幻灯片编号占位符 1"/>
           <p:cNvSpPr>
             <a:spLocks noGrp="1"/>
           </p:cNvSpPr>
@@ -22098,158 +22096,26 @@
             <a:off x="7050088" y="6400800"/>
             <a:ext cx="1905000" cy="457200"/>
           </a:xfrm>
+          <a:prstGeom prst="rect">
+            <a:avLst/>
+          </a:prstGeom>
         </p:spPr>
         <p:txBody>
           <a:bodyPr/>
           <a:lstStyle/>
           <a:p>
             <a:r>
-              <a:rPr lang="en-US" altLang="zh-CN"/>
-              <a:t>Slide 5- </a:t>
-            </a:r>
-            <a:fld id="{76B276C9-8AC7-4ACA-95C6-C88D24F24244}" type="slidenum">
-              <a:rPr lang="en-US" altLang="zh-CN"/>
+              <a:rPr lang="en-US" altLang="zh-CN" smtClean="0"/>
+              <a:t>Slide 6- </a:t>
+            </a:r>
+            <a:fld id="{64DFAACD-A2F6-4D8B-AD96-C11C543D4A62}" type="slidenum">
+              <a:rPr lang="en-US" altLang="zh-CN" smtClean="0"/>
               <a:pPr/>
               <a:t>72</a:t>
             </a:fld>
-            <a:endParaRPr lang="en-CA" altLang="zh-CN">
+            <a:endParaRPr lang="en-CA" altLang="zh-CN" dirty="0">
               <a:ea typeface="宋体" panose="02010600030101010101" pitchFamily="2" charset="-122"/>
             </a:endParaRPr>
-          </a:p>
-        </p:txBody>
-      </p:sp>
-      <p:sp>
-        <p:nvSpPr>
-          <p:cNvPr id="579586" name="Rectangle 2"/>
-          <p:cNvSpPr>
-            <a:spLocks noGrp="1" noChangeArrowheads="1"/>
-          </p:cNvSpPr>
-          <p:nvPr>
-            <p:ph type="title"/>
-          </p:nvPr>
-        </p:nvSpPr>
-        <p:spPr/>
-        <p:txBody>
-          <a:bodyPr/>
-          <a:lstStyle/>
-          <a:p>
-            <a:r>
-              <a:rPr lang="en-US" altLang="zh-CN"/>
-              <a:t>Checking Input:</a:t>
-            </a:r>
-            <a:br>
-              <a:rPr lang="en-US" altLang="zh-CN"/>
-            </a:br>
-            <a:r>
-              <a:rPr lang="en-US" altLang="zh-CN"/>
-              <a:t> 					get_int</a:t>
-            </a:r>
-          </a:p>
-        </p:txBody>
-      </p:sp>
-      <p:sp>
-        <p:nvSpPr>
-          <p:cNvPr id="579587" name="Rectangle 3"/>
-          <p:cNvSpPr>
-            <a:spLocks noGrp="1" noChangeArrowheads="1"/>
-          </p:cNvSpPr>
-          <p:nvPr>
-            <p:ph type="body" idx="1"/>
-          </p:nvPr>
-        </p:nvSpPr>
-        <p:spPr/>
-        <p:txBody>
-          <a:bodyPr/>
-          <a:lstStyle/>
-          <a:p>
-            <a:r>
-              <a:rPr lang="en-US" altLang="zh-CN" sz="2400" dirty="0"/>
-              <a:t>The </a:t>
-            </a:r>
-            <a:r>
-              <a:rPr lang="en-US" altLang="zh-CN" sz="2400" dirty="0" err="1"/>
-              <a:t>get_int</a:t>
-            </a:r>
-            <a:r>
-              <a:rPr lang="en-US" altLang="zh-CN" sz="2400" dirty="0"/>
-              <a:t> function seen in Display </a:t>
-            </a:r>
-            <a:r>
-              <a:rPr lang="en-US" altLang="zh-CN" sz="2400" dirty="0" smtClean="0"/>
-              <a:t>6.7</a:t>
-            </a:r>
-            <a:r>
-              <a:rPr lang="en-US" altLang="zh-CN" sz="2400" dirty="0"/>
-              <a:t/>
-            </a:r>
-            <a:br>
-              <a:rPr lang="en-US" altLang="zh-CN" sz="2400" dirty="0"/>
-            </a:br>
-            <a:r>
-              <a:rPr lang="en-US" altLang="zh-CN" sz="2400" dirty="0"/>
-              <a:t>obtains an integer value from the user</a:t>
-            </a:r>
-          </a:p>
-          <a:p>
-            <a:pPr lvl="1"/>
-            <a:r>
-              <a:rPr lang="en-US" altLang="zh-CN" sz="2400" dirty="0" err="1"/>
-              <a:t>get_int</a:t>
-            </a:r>
-            <a:r>
-              <a:rPr lang="en-US" altLang="zh-CN" sz="2400" dirty="0"/>
-              <a:t> prompts the user, reads the input, and displays</a:t>
-            </a:r>
-            <a:br>
-              <a:rPr lang="en-US" altLang="zh-CN" sz="2400" dirty="0"/>
-            </a:br>
-            <a:r>
-              <a:rPr lang="en-US" altLang="zh-CN" sz="2400" dirty="0"/>
-              <a:t>the input</a:t>
-            </a:r>
-          </a:p>
-          <a:p>
-            <a:pPr lvl="1"/>
-            <a:r>
-              <a:rPr lang="en-US" altLang="zh-CN" sz="2400" dirty="0"/>
-              <a:t>After displaying the input, </a:t>
-            </a:r>
-            <a:r>
-              <a:rPr lang="en-US" altLang="zh-CN" sz="2400" dirty="0" err="1"/>
-              <a:t>get_int</a:t>
-            </a:r>
-            <a:r>
-              <a:rPr lang="en-US" altLang="zh-CN" sz="2400" dirty="0"/>
-              <a:t> asks the user to </a:t>
-            </a:r>
-            <a:br>
-              <a:rPr lang="en-US" altLang="zh-CN" sz="2400" dirty="0"/>
-            </a:br>
-            <a:r>
-              <a:rPr lang="en-US" altLang="zh-CN" sz="2400" dirty="0"/>
-              <a:t>confirm the number and reads the user's response</a:t>
-            </a:r>
-            <a:br>
-              <a:rPr lang="en-US" altLang="zh-CN" sz="2400" dirty="0"/>
-            </a:br>
-            <a:r>
-              <a:rPr lang="en-US" altLang="zh-CN" sz="2400" dirty="0"/>
-              <a:t>using a variable of type character</a:t>
-            </a:r>
-          </a:p>
-          <a:p>
-            <a:pPr lvl="1"/>
-            <a:r>
-              <a:rPr lang="en-US" altLang="zh-CN" sz="2400" dirty="0"/>
-              <a:t>The process is repeated until the user indicates with</a:t>
-            </a:r>
-            <a:br>
-              <a:rPr lang="en-US" altLang="zh-CN" sz="2400" dirty="0"/>
-            </a:br>
-            <a:r>
-              <a:rPr lang="en-US" altLang="zh-CN" sz="2400" dirty="0"/>
-              <a:t>a 'Y' or 'y' that the number entered is correct</a:t>
-            </a:r>
           </a:p>
         </p:txBody>
       </p:sp>
@@ -22290,41 +22156,6 @@
       </p:grpSpPr>
       <p:sp>
         <p:nvSpPr>
-          <p:cNvPr id="6" name="灯片编号占位符 3"/>
-          <p:cNvSpPr>
-            <a:spLocks noGrp="1"/>
-          </p:cNvSpPr>
-          <p:nvPr>
-            <p:ph type="sldNum" sz="quarter" idx="4294967295"/>
-          </p:nvPr>
-        </p:nvSpPr>
-        <p:spPr>
-          <a:xfrm>
-            <a:off x="7050088" y="6400800"/>
-            <a:ext cx="1905000" cy="457200"/>
-          </a:xfrm>
-        </p:spPr>
-        <p:txBody>
-          <a:bodyPr/>
-          <a:lstStyle/>
-          <a:p>
-            <a:r>
-              <a:rPr lang="en-US" altLang="zh-CN"/>
-              <a:t>Slide 5- </a:t>
-            </a:r>
-            <a:fld id="{2BA20BB6-3095-4049-9DD3-DC75AB7ABCE6}" type="slidenum">
-              <a:rPr lang="en-US" altLang="zh-CN"/>
-              <a:pPr/>
-              <a:t>73</a:t>
-            </a:fld>
-            <a:endParaRPr lang="en-CA" altLang="zh-CN">
-              <a:ea typeface="宋体" panose="02010600030101010101" pitchFamily="2" charset="-122"/>
-            </a:endParaRPr>
-          </a:p>
-        </p:txBody>
-      </p:sp>
-      <p:sp>
-        <p:nvSpPr>
           <p:cNvPr id="580613" name="Rectangle 5"/>
           <p:cNvSpPr>
             <a:spLocks noGrp="1" noChangeArrowheads="1"/>
@@ -22652,6 +22483,44 @@
               <a:rPr lang="en-US" altLang="zh-CN"/>
               <a:t> 					new_line</a:t>
             </a:r>
+          </a:p>
+        </p:txBody>
+      </p:sp>
+      <p:sp>
+        <p:nvSpPr>
+          <p:cNvPr id="2" name="幻灯片编号占位符 1"/>
+          <p:cNvSpPr>
+            <a:spLocks noGrp="1"/>
+          </p:cNvSpPr>
+          <p:nvPr>
+            <p:ph type="sldNum" sz="quarter" idx="4294967295"/>
+          </p:nvPr>
+        </p:nvSpPr>
+        <p:spPr>
+          <a:xfrm>
+            <a:off x="7050088" y="6400800"/>
+            <a:ext cx="1905000" cy="457200"/>
+          </a:xfrm>
+          <a:prstGeom prst="rect">
+            <a:avLst/>
+          </a:prstGeom>
+        </p:spPr>
+        <p:txBody>
+          <a:bodyPr/>
+          <a:lstStyle/>
+          <a:p>
+            <a:r>
+              <a:rPr lang="en-US" altLang="zh-CN" smtClean="0"/>
+              <a:t>Slide 6- </a:t>
+            </a:r>
+            <a:fld id="{64DFAACD-A2F6-4D8B-AD96-C11C543D4A62}" type="slidenum">
+              <a:rPr lang="en-US" altLang="zh-CN" smtClean="0"/>
+              <a:pPr/>
+              <a:t>73</a:t>
+            </a:fld>
+            <a:endParaRPr lang="en-CA" altLang="zh-CN" dirty="0">
+              <a:ea typeface="宋体" panose="02010600030101010101" pitchFamily="2" charset="-122"/>
+            </a:endParaRPr>
           </a:p>
         </p:txBody>
       </p:sp>
@@ -22886,41 +22755,6 @@
       </p:grpSpPr>
       <p:sp>
         <p:nvSpPr>
-          <p:cNvPr id="4" name="灯片编号占位符 3"/>
-          <p:cNvSpPr>
-            <a:spLocks noGrp="1"/>
-          </p:cNvSpPr>
-          <p:nvPr>
-            <p:ph type="sldNum" sz="quarter" idx="4294967295"/>
-          </p:nvPr>
-        </p:nvSpPr>
-        <p:spPr>
-          <a:xfrm>
-            <a:off x="7050088" y="6400800"/>
-            <a:ext cx="1905000" cy="457200"/>
-          </a:xfrm>
-        </p:spPr>
-        <p:txBody>
-          <a:bodyPr/>
-          <a:lstStyle/>
-          <a:p>
-            <a:r>
-              <a:rPr lang="en-US" altLang="zh-CN"/>
-              <a:t>Slide 5- </a:t>
-            </a:r>
-            <a:fld id="{F48CFCA5-A861-45AC-A507-52ED4915DD0C}" type="slidenum">
-              <a:rPr lang="en-US" altLang="zh-CN"/>
-              <a:pPr/>
-              <a:t>74</a:t>
-            </a:fld>
-            <a:endParaRPr lang="en-CA" altLang="zh-CN">
-              <a:ea typeface="宋体" panose="02010600030101010101" pitchFamily="2" charset="-122"/>
-            </a:endParaRPr>
-          </a:p>
-        </p:txBody>
-      </p:sp>
-      <p:sp>
-        <p:nvSpPr>
           <p:cNvPr id="581634" name="Rectangle 2"/>
           <p:cNvSpPr>
             <a:spLocks noGrp="1" noChangeArrowheads="1"/>
@@ -23190,6 +23024,44 @@
               </a:lnSpc>
             </a:pPr>
             <a:endParaRPr lang="en-US" altLang="zh-CN" sz="2400" dirty="0"/>
+          </a:p>
+        </p:txBody>
+      </p:sp>
+      <p:sp>
+        <p:nvSpPr>
+          <p:cNvPr id="2" name="幻灯片编号占位符 1"/>
+          <p:cNvSpPr>
+            <a:spLocks noGrp="1"/>
+          </p:cNvSpPr>
+          <p:nvPr>
+            <p:ph type="sldNum" sz="quarter" idx="4294967295"/>
+          </p:nvPr>
+        </p:nvSpPr>
+        <p:spPr>
+          <a:xfrm>
+            <a:off x="7050088" y="6400800"/>
+            <a:ext cx="1905000" cy="457200"/>
+          </a:xfrm>
+          <a:prstGeom prst="rect">
+            <a:avLst/>
+          </a:prstGeom>
+        </p:spPr>
+        <p:txBody>
+          <a:bodyPr/>
+          <a:lstStyle/>
+          <a:p>
+            <a:r>
+              <a:rPr lang="en-US" altLang="zh-CN" smtClean="0"/>
+              <a:t>Slide 6- </a:t>
+            </a:r>
+            <a:fld id="{64DFAACD-A2F6-4D8B-AD96-C11C543D4A62}" type="slidenum">
+              <a:rPr lang="en-US" altLang="zh-CN" smtClean="0"/>
+              <a:pPr/>
+              <a:t>74</a:t>
+            </a:fld>
+            <a:endParaRPr lang="en-CA" altLang="zh-CN" dirty="0">
+              <a:ea typeface="宋体" panose="02010600030101010101" pitchFamily="2" charset="-122"/>
+            </a:endParaRPr>
           </a:p>
         </p:txBody>
       </p:sp>
@@ -23230,41 +23102,6 @@
       </p:grpSpPr>
       <p:sp>
         <p:nvSpPr>
-          <p:cNvPr id="4" name="灯片编号占位符 3"/>
-          <p:cNvSpPr>
-            <a:spLocks noGrp="1"/>
-          </p:cNvSpPr>
-          <p:nvPr>
-            <p:ph type="sldNum" sz="quarter" idx="4294967295"/>
-          </p:nvPr>
-        </p:nvSpPr>
-        <p:spPr>
-          <a:xfrm>
-            <a:off x="7050088" y="6400800"/>
-            <a:ext cx="1905000" cy="457200"/>
-          </a:xfrm>
-        </p:spPr>
-        <p:txBody>
-          <a:bodyPr/>
-          <a:lstStyle/>
-          <a:p>
-            <a:r>
-              <a:rPr lang="en-US" altLang="zh-CN"/>
-              <a:t>Slide 5- </a:t>
-            </a:r>
-            <a:fld id="{981E5D81-5A3D-4514-8B8F-F392191DF479}" type="slidenum">
-              <a:rPr lang="en-US" altLang="zh-CN"/>
-              <a:pPr/>
-              <a:t>75</a:t>
-            </a:fld>
-            <a:endParaRPr lang="en-CA" altLang="zh-CN">
-              <a:ea typeface="宋体" panose="02010600030101010101" pitchFamily="2" charset="-122"/>
-            </a:endParaRPr>
-          </a:p>
-        </p:txBody>
-      </p:sp>
-      <p:sp>
-        <p:nvSpPr>
           <p:cNvPr id="582658" name="Rectangle 2"/>
           <p:cNvSpPr>
             <a:spLocks noGrp="1" noChangeArrowheads="1"/>
@@ -23444,6 +23281,9 @@
             <a:off x="7050088" y="6400800"/>
             <a:ext cx="1905000" cy="457200"/>
           </a:xfrm>
+          <a:prstGeom prst="rect">
+            <a:avLst/>
+          </a:prstGeom>
         </p:spPr>
         <p:txBody>
           <a:bodyPr/>
@@ -24014,7 +23854,221 @@
       </p:grpSpPr>
       <p:sp>
         <p:nvSpPr>
-          <p:cNvPr id="4" name="灯片编号占位符 3"/>
+          <p:cNvPr id="584706" name="Rectangle 2"/>
+          <p:cNvSpPr>
+            <a:spLocks noGrp="1" noChangeArrowheads="1"/>
+          </p:cNvSpPr>
+          <p:nvPr>
+            <p:ph type="title"/>
+          </p:nvPr>
+        </p:nvSpPr>
+        <p:spPr/>
+        <p:txBody>
+          <a:bodyPr/>
+          <a:lstStyle/>
+          <a:p>
+            <a:r>
+              <a:rPr lang="en-US" altLang="zh-CN"/>
+              <a:t>A Fix To Remove '\n'</a:t>
+            </a:r>
+          </a:p>
+        </p:txBody>
+      </p:sp>
+      <p:sp>
+        <p:nvSpPr>
+          <p:cNvPr id="584707" name="Rectangle 3"/>
+          <p:cNvSpPr>
+            <a:spLocks noGrp="1" noChangeArrowheads="1"/>
+          </p:cNvSpPr>
+          <p:nvPr>
+            <p:ph type="body" idx="1"/>
+          </p:nvPr>
+        </p:nvSpPr>
+        <p:spPr/>
+        <p:txBody>
+          <a:bodyPr/>
+          <a:lstStyle/>
+          <a:p>
+            <a:r>
+              <a:rPr lang="en-US" altLang="zh-CN" dirty="0"/>
+              <a:t> 	</a:t>
+            </a:r>
+            <a:r>
+              <a:rPr lang="en-US" altLang="zh-CN" dirty="0" err="1">
+                <a:solidFill>
+                  <a:srgbClr val="0000FF"/>
+                </a:solidFill>
+              </a:rPr>
+              <a:t>cout</a:t>
+            </a:r>
+            <a:r>
+              <a:rPr lang="en-US" altLang="zh-CN" dirty="0">
+                <a:solidFill>
+                  <a:srgbClr val="0000FF"/>
+                </a:solidFill>
+              </a:rPr>
+              <a:t> &lt;&lt; "Enter a number:\n";</a:t>
+            </a:r>
+            <a:br>
+              <a:rPr lang="en-US" altLang="zh-CN" dirty="0">
+                <a:solidFill>
+                  <a:srgbClr val="0000FF"/>
+                </a:solidFill>
+              </a:rPr>
+            </a:br>
+            <a:r>
+              <a:rPr lang="en-US" altLang="zh-CN" dirty="0">
+                <a:solidFill>
+                  <a:srgbClr val="0000FF"/>
+                </a:solidFill>
+              </a:rPr>
+              <a:t>	</a:t>
+            </a:r>
+            <a:r>
+              <a:rPr lang="en-US" altLang="zh-CN" dirty="0" err="1">
+                <a:solidFill>
+                  <a:srgbClr val="0000FF"/>
+                </a:solidFill>
+              </a:rPr>
+              <a:t>int</a:t>
+            </a:r>
+            <a:r>
+              <a:rPr lang="en-US" altLang="zh-CN" dirty="0">
+                <a:solidFill>
+                  <a:srgbClr val="0000FF"/>
+                </a:solidFill>
+              </a:rPr>
+              <a:t> number;</a:t>
+            </a:r>
+            <a:br>
+              <a:rPr lang="en-US" altLang="zh-CN" dirty="0">
+                <a:solidFill>
+                  <a:srgbClr val="0000FF"/>
+                </a:solidFill>
+              </a:rPr>
+            </a:br>
+            <a:r>
+              <a:rPr lang="en-US" altLang="zh-CN" dirty="0">
+                <a:solidFill>
+                  <a:srgbClr val="0000FF"/>
+                </a:solidFill>
+              </a:rPr>
+              <a:t>	</a:t>
+            </a:r>
+            <a:r>
+              <a:rPr lang="en-US" altLang="zh-CN" dirty="0" err="1">
+                <a:solidFill>
+                  <a:srgbClr val="0000FF"/>
+                </a:solidFill>
+              </a:rPr>
+              <a:t>cin</a:t>
+            </a:r>
+            <a:r>
+              <a:rPr lang="en-US" altLang="zh-CN" dirty="0">
+                <a:solidFill>
+                  <a:srgbClr val="0000FF"/>
+                </a:solidFill>
+              </a:rPr>
+              <a:t> &gt;&gt; number;</a:t>
+            </a:r>
+            <a:br>
+              <a:rPr lang="en-US" altLang="zh-CN" dirty="0">
+                <a:solidFill>
+                  <a:srgbClr val="0000FF"/>
+                </a:solidFill>
+              </a:rPr>
+            </a:br>
+            <a:r>
+              <a:rPr lang="en-US" altLang="zh-CN" dirty="0">
+                <a:solidFill>
+                  <a:srgbClr val="0000FF"/>
+                </a:solidFill>
+              </a:rPr>
+              <a:t>	</a:t>
+            </a:r>
+            <a:r>
+              <a:rPr lang="en-US" altLang="zh-CN" dirty="0" err="1">
+                <a:solidFill>
+                  <a:srgbClr val="0000FF"/>
+                </a:solidFill>
+              </a:rPr>
+              <a:t>cout</a:t>
+            </a:r>
+            <a:r>
+              <a:rPr lang="en-US" altLang="zh-CN" dirty="0">
+                <a:solidFill>
+                  <a:srgbClr val="0000FF"/>
+                </a:solidFill>
+              </a:rPr>
+              <a:t> &lt;&lt; "Now enter a letter:\n";</a:t>
+            </a:r>
+            <a:br>
+              <a:rPr lang="en-US" altLang="zh-CN" dirty="0">
+                <a:solidFill>
+                  <a:srgbClr val="0000FF"/>
+                </a:solidFill>
+              </a:rPr>
+            </a:br>
+            <a:r>
+              <a:rPr lang="en-US" altLang="zh-CN" dirty="0">
+                <a:solidFill>
+                  <a:srgbClr val="0000FF"/>
+                </a:solidFill>
+              </a:rPr>
+              <a:t>	char symbol;</a:t>
+            </a:r>
+            <a:br>
+              <a:rPr lang="en-US" altLang="zh-CN" dirty="0">
+                <a:solidFill>
+                  <a:srgbClr val="0000FF"/>
+                </a:solidFill>
+              </a:rPr>
+            </a:br>
+            <a:r>
+              <a:rPr lang="en-US" altLang="zh-CN" dirty="0">
+                <a:solidFill>
+                  <a:srgbClr val="0000FF"/>
+                </a:solidFill>
+              </a:rPr>
+              <a:t>	</a:t>
+            </a:r>
+            <a:r>
+              <a:rPr lang="en-US" altLang="zh-CN" dirty="0" err="1">
+                <a:solidFill>
+                  <a:srgbClr val="0000FF"/>
+                </a:solidFill>
+              </a:rPr>
+              <a:t>cin</a:t>
+            </a:r>
+            <a:r>
+              <a:rPr lang="en-US" altLang="zh-CN" dirty="0">
+                <a:solidFill>
+                  <a:srgbClr val="0000FF"/>
+                </a:solidFill>
+              </a:rPr>
+              <a:t> &gt;&gt;symbol;</a:t>
+            </a:r>
+            <a:br>
+              <a:rPr lang="en-US" altLang="zh-CN" dirty="0">
+                <a:solidFill>
+                  <a:srgbClr val="0000FF"/>
+                </a:solidFill>
+              </a:rPr>
+            </a:br>
+            <a:endParaRPr lang="en-US" altLang="zh-CN" dirty="0">
+              <a:solidFill>
+                <a:srgbClr val="0000FF"/>
+              </a:solidFill>
+            </a:endParaRPr>
+          </a:p>
+          <a:p>
+            <a:endParaRPr lang="en-US" altLang="zh-CN" dirty="0"/>
+          </a:p>
+        </p:txBody>
+      </p:sp>
+      <p:sp>
+        <p:nvSpPr>
+          <p:cNvPr id="2" name="幻灯片编号占位符 1"/>
           <p:cNvSpPr>
             <a:spLocks noGrp="1"/>
           </p:cNvSpPr>
@@ -24027,237 +24081,26 @@
             <a:off x="7050088" y="6400800"/>
             <a:ext cx="1905000" cy="457200"/>
           </a:xfrm>
+          <a:prstGeom prst="rect">
+            <a:avLst/>
+          </a:prstGeom>
         </p:spPr>
         <p:txBody>
           <a:bodyPr/>
           <a:lstStyle/>
           <a:p>
             <a:r>
-              <a:rPr lang="en-US" altLang="zh-CN"/>
-              <a:t>Slide 5- </a:t>
-            </a:r>
-            <a:fld id="{F8CB573C-416D-4B32-974F-D2B7AF953F0F}" type="slidenum">
-              <a:rPr lang="en-US" altLang="zh-CN"/>
+              <a:rPr lang="en-US" altLang="zh-CN" smtClean="0"/>
+              <a:t>Slide 6- </a:t>
+            </a:r>
+            <a:fld id="{64DFAACD-A2F6-4D8B-AD96-C11C543D4A62}" type="slidenum">
+              <a:rPr lang="en-US" altLang="zh-CN" smtClean="0"/>
               <a:pPr/>
               <a:t>77</a:t>
             </a:fld>
-            <a:endParaRPr lang="en-CA" altLang="zh-CN">
+            <a:endParaRPr lang="en-CA" altLang="zh-CN" dirty="0">
               <a:ea typeface="宋体" panose="02010600030101010101" pitchFamily="2" charset="-122"/>
             </a:endParaRPr>
-          </a:p>
-        </p:txBody>
-      </p:sp>
-      <p:sp>
-        <p:nvSpPr>
-          <p:cNvPr id="584706" name="Rectangle 2"/>
-          <p:cNvSpPr>
-            <a:spLocks noGrp="1" noChangeArrowheads="1"/>
-          </p:cNvSpPr>
-          <p:nvPr>
-            <p:ph type="title"/>
-          </p:nvPr>
-        </p:nvSpPr>
-        <p:spPr/>
-        <p:txBody>
-          <a:bodyPr/>
-          <a:lstStyle/>
-          <a:p>
-            <a:r>
-              <a:rPr lang="en-US" altLang="zh-CN"/>
-              <a:t>A Fix To Remove '\n'</a:t>
-            </a:r>
-          </a:p>
-        </p:txBody>
-      </p:sp>
-      <p:sp>
-        <p:nvSpPr>
-          <p:cNvPr id="584707" name="Rectangle 3"/>
-          <p:cNvSpPr>
-            <a:spLocks noGrp="1" noChangeArrowheads="1"/>
-          </p:cNvSpPr>
-          <p:nvPr>
-            <p:ph type="body" idx="1"/>
-          </p:nvPr>
-        </p:nvSpPr>
-        <p:spPr/>
-        <p:txBody>
-          <a:bodyPr/>
-          <a:lstStyle/>
-          <a:p>
-            <a:r>
-              <a:rPr lang="en-US" altLang="zh-CN" dirty="0"/>
-              <a:t> 	</a:t>
-            </a:r>
-            <a:r>
-              <a:rPr lang="en-US" altLang="zh-CN" dirty="0" err="1">
-                <a:solidFill>
-                  <a:srgbClr val="0000FF"/>
-                </a:solidFill>
-              </a:rPr>
-              <a:t>cout</a:t>
-            </a:r>
-            <a:r>
-              <a:rPr lang="en-US" altLang="zh-CN" dirty="0">
-                <a:solidFill>
-                  <a:srgbClr val="0000FF"/>
-                </a:solidFill>
-              </a:rPr>
-              <a:t> &lt;&lt; "Enter a number:\n";</a:t>
-            </a:r>
-            <a:br>
-              <a:rPr lang="en-US" altLang="zh-CN" dirty="0">
-                <a:solidFill>
-                  <a:srgbClr val="0000FF"/>
-                </a:solidFill>
-              </a:rPr>
-            </a:br>
-            <a:r>
-              <a:rPr lang="en-US" altLang="zh-CN" dirty="0">
-                <a:solidFill>
-                  <a:srgbClr val="0000FF"/>
-                </a:solidFill>
-              </a:rPr>
-              <a:t>	</a:t>
-            </a:r>
-            <a:r>
-              <a:rPr lang="en-US" altLang="zh-CN" dirty="0" err="1">
-                <a:solidFill>
-                  <a:srgbClr val="0000FF"/>
-                </a:solidFill>
-              </a:rPr>
-              <a:t>int</a:t>
-            </a:r>
-            <a:r>
-              <a:rPr lang="en-US" altLang="zh-CN" dirty="0">
-                <a:solidFill>
-                  <a:srgbClr val="0000FF"/>
-                </a:solidFill>
-              </a:rPr>
-              <a:t> number;</a:t>
-            </a:r>
-            <a:br>
-              <a:rPr lang="en-US" altLang="zh-CN" dirty="0">
-                <a:solidFill>
-                  <a:srgbClr val="0000FF"/>
-                </a:solidFill>
-              </a:rPr>
-            </a:br>
-            <a:r>
-              <a:rPr lang="en-US" altLang="zh-CN" dirty="0">
-                <a:solidFill>
-                  <a:srgbClr val="0000FF"/>
-                </a:solidFill>
-              </a:rPr>
-              <a:t>	</a:t>
-            </a:r>
-            <a:r>
-              <a:rPr lang="en-US" altLang="zh-CN" dirty="0" err="1">
-                <a:solidFill>
-                  <a:srgbClr val="0000FF"/>
-                </a:solidFill>
-              </a:rPr>
-              <a:t>cin</a:t>
-            </a:r>
-            <a:r>
-              <a:rPr lang="en-US" altLang="zh-CN" dirty="0">
-                <a:solidFill>
-                  <a:srgbClr val="0000FF"/>
-                </a:solidFill>
-              </a:rPr>
-              <a:t> &gt;&gt; number;</a:t>
-            </a:r>
-            <a:br>
-              <a:rPr lang="en-US" altLang="zh-CN" dirty="0">
-                <a:solidFill>
-                  <a:srgbClr val="0000FF"/>
-                </a:solidFill>
-              </a:rPr>
-            </a:br>
-            <a:r>
-              <a:rPr lang="en-US" altLang="zh-CN" dirty="0">
-                <a:solidFill>
-                  <a:srgbClr val="0000FF"/>
-                </a:solidFill>
-              </a:rPr>
-              <a:t>	</a:t>
-            </a:r>
-            <a:r>
-              <a:rPr lang="en-US" altLang="zh-CN" dirty="0" err="1">
-                <a:solidFill>
-                  <a:srgbClr val="0000FF"/>
-                </a:solidFill>
-              </a:rPr>
-              <a:t>cout</a:t>
-            </a:r>
-            <a:r>
-              <a:rPr lang="en-US" altLang="zh-CN" dirty="0">
-                <a:solidFill>
-                  <a:srgbClr val="0000FF"/>
-                </a:solidFill>
-              </a:rPr>
-              <a:t> &lt;&lt; "Now enter a letter:\n";</a:t>
-            </a:r>
-            <a:br>
-              <a:rPr lang="en-US" altLang="zh-CN" dirty="0">
-                <a:solidFill>
-                  <a:srgbClr val="0000FF"/>
-                </a:solidFill>
-              </a:rPr>
-            </a:br>
-            <a:r>
-              <a:rPr lang="en-US" altLang="zh-CN" dirty="0">
-                <a:solidFill>
-                  <a:srgbClr val="0000FF"/>
-                </a:solidFill>
-              </a:rPr>
-              <a:t>	char symbol;</a:t>
-            </a:r>
-            <a:br>
-              <a:rPr lang="en-US" altLang="zh-CN" dirty="0">
-                <a:solidFill>
-                  <a:srgbClr val="0000FF"/>
-                </a:solidFill>
-              </a:rPr>
-            </a:br>
-            <a:r>
-              <a:rPr lang="en-US" altLang="zh-CN" dirty="0">
-                <a:solidFill>
-                  <a:srgbClr val="0000FF"/>
-                </a:solidFill>
-              </a:rPr>
-              <a:t>	</a:t>
-            </a:r>
-            <a:r>
-              <a:rPr lang="en-US" altLang="zh-CN" dirty="0" err="1">
-                <a:solidFill>
-                  <a:srgbClr val="0000FF"/>
-                </a:solidFill>
-              </a:rPr>
-              <a:t>cin</a:t>
-            </a:r>
-            <a:r>
-              <a:rPr lang="en-US" altLang="zh-CN" dirty="0">
-                <a:solidFill>
-                  <a:srgbClr val="0000FF"/>
-                </a:solidFill>
-              </a:rPr>
-              <a:t> &gt;&gt;symbol;</a:t>
-            </a:r>
-            <a:br>
-              <a:rPr lang="en-US" altLang="zh-CN" dirty="0">
-                <a:solidFill>
-                  <a:srgbClr val="0000FF"/>
-                </a:solidFill>
-              </a:rPr>
-            </a:br>
-            <a:endParaRPr lang="en-US" altLang="zh-CN" dirty="0">
-              <a:solidFill>
-                <a:srgbClr val="0000FF"/>
-              </a:solidFill>
-            </a:endParaRPr>
-          </a:p>
-          <a:p>
-            <a:endParaRPr lang="en-US" altLang="zh-CN" dirty="0"/>
           </a:p>
         </p:txBody>
       </p:sp>
@@ -24298,7 +24141,240 @@
       </p:grpSpPr>
       <p:sp>
         <p:nvSpPr>
-          <p:cNvPr id="4" name="灯片编号占位符 3"/>
+          <p:cNvPr id="585730" name="Rectangle 2"/>
+          <p:cNvSpPr>
+            <a:spLocks noGrp="1" noChangeArrowheads="1"/>
+          </p:cNvSpPr>
+          <p:nvPr>
+            <p:ph type="title"/>
+          </p:nvPr>
+        </p:nvSpPr>
+        <p:spPr/>
+        <p:txBody>
+          <a:bodyPr/>
+          <a:lstStyle/>
+          <a:p>
+            <a:r>
+              <a:rPr lang="en-US" altLang="zh-CN"/>
+              <a:t>Another  '\n' Fix</a:t>
+            </a:r>
+          </a:p>
+        </p:txBody>
+      </p:sp>
+      <p:sp>
+        <p:nvSpPr>
+          <p:cNvPr id="585731" name="Rectangle 3"/>
+          <p:cNvSpPr>
+            <a:spLocks noGrp="1" noChangeArrowheads="1"/>
+          </p:cNvSpPr>
+          <p:nvPr>
+            <p:ph type="body" idx="1"/>
+          </p:nvPr>
+        </p:nvSpPr>
+        <p:spPr/>
+        <p:txBody>
+          <a:bodyPr/>
+          <a:lstStyle/>
+          <a:p>
+            <a:r>
+              <a:rPr lang="en-US" altLang="zh-CN" dirty="0"/>
+              <a:t> 	</a:t>
+            </a:r>
+            <a:r>
+              <a:rPr lang="en-US" altLang="zh-CN" dirty="0" err="1">
+                <a:solidFill>
+                  <a:srgbClr val="FF0000"/>
+                </a:solidFill>
+              </a:rPr>
+              <a:t>cout</a:t>
+            </a:r>
+            <a:r>
+              <a:rPr lang="en-US" altLang="zh-CN" dirty="0">
+                <a:solidFill>
+                  <a:srgbClr val="FF0000"/>
+                </a:solidFill>
+              </a:rPr>
+              <a:t> &lt;&lt; "Enter a number:\n";</a:t>
+            </a:r>
+            <a:br>
+              <a:rPr lang="en-US" altLang="zh-CN" dirty="0">
+                <a:solidFill>
+                  <a:srgbClr val="FF0000"/>
+                </a:solidFill>
+              </a:rPr>
+            </a:br>
+            <a:r>
+              <a:rPr lang="en-US" altLang="zh-CN" dirty="0">
+                <a:solidFill>
+                  <a:srgbClr val="FF0000"/>
+                </a:solidFill>
+              </a:rPr>
+              <a:t>	</a:t>
+            </a:r>
+            <a:r>
+              <a:rPr lang="en-US" altLang="zh-CN" dirty="0" err="1">
+                <a:solidFill>
+                  <a:srgbClr val="FF0000"/>
+                </a:solidFill>
+              </a:rPr>
+              <a:t>int</a:t>
+            </a:r>
+            <a:r>
+              <a:rPr lang="en-US" altLang="zh-CN" dirty="0">
+                <a:solidFill>
+                  <a:srgbClr val="FF0000"/>
+                </a:solidFill>
+              </a:rPr>
+              <a:t> number;</a:t>
+            </a:r>
+            <a:br>
+              <a:rPr lang="en-US" altLang="zh-CN" dirty="0">
+                <a:solidFill>
+                  <a:srgbClr val="FF0000"/>
+                </a:solidFill>
+              </a:rPr>
+            </a:br>
+            <a:r>
+              <a:rPr lang="en-US" altLang="zh-CN" dirty="0">
+                <a:solidFill>
+                  <a:srgbClr val="FF0000"/>
+                </a:solidFill>
+              </a:rPr>
+              <a:t>	</a:t>
+            </a:r>
+            <a:r>
+              <a:rPr lang="en-US" altLang="zh-CN" dirty="0" err="1">
+                <a:solidFill>
+                  <a:srgbClr val="FF0000"/>
+                </a:solidFill>
+              </a:rPr>
+              <a:t>cin</a:t>
+            </a:r>
+            <a:r>
+              <a:rPr lang="en-US" altLang="zh-CN" dirty="0">
+                <a:solidFill>
+                  <a:srgbClr val="FF0000"/>
+                </a:solidFill>
+              </a:rPr>
+              <a:t> &gt;&gt; number;</a:t>
+            </a:r>
+            <a:br>
+              <a:rPr lang="en-US" altLang="zh-CN" dirty="0">
+                <a:solidFill>
+                  <a:srgbClr val="FF0000"/>
+                </a:solidFill>
+              </a:rPr>
+            </a:br>
+            <a:r>
+              <a:rPr lang="en-US" altLang="zh-CN" dirty="0">
+                <a:solidFill>
+                  <a:srgbClr val="FF0000"/>
+                </a:solidFill>
+              </a:rPr>
+              <a:t>	</a:t>
+            </a:r>
+            <a:r>
+              <a:rPr lang="en-US" altLang="zh-CN" dirty="0" err="1">
+                <a:solidFill>
+                  <a:srgbClr val="FF0000"/>
+                </a:solidFill>
+              </a:rPr>
+              <a:t>new_line</a:t>
+            </a:r>
+            <a:r>
+              <a:rPr lang="en-US" altLang="zh-CN" dirty="0">
+                <a:solidFill>
+                  <a:srgbClr val="FF0000"/>
+                </a:solidFill>
+              </a:rPr>
+              <a:t>( ); // From Display 5.7</a:t>
+            </a:r>
+            <a:br>
+              <a:rPr lang="en-US" altLang="zh-CN" dirty="0">
+                <a:solidFill>
+                  <a:srgbClr val="FF0000"/>
+                </a:solidFill>
+              </a:rPr>
+            </a:br>
+            <a:r>
+              <a:rPr lang="en-US" altLang="zh-CN" dirty="0">
+                <a:solidFill>
+                  <a:srgbClr val="FF0000"/>
+                </a:solidFill>
+              </a:rPr>
+              <a:t>	</a:t>
+            </a:r>
+            <a:r>
+              <a:rPr lang="en-US" altLang="zh-CN" dirty="0" err="1">
+                <a:solidFill>
+                  <a:srgbClr val="FF0000"/>
+                </a:solidFill>
+              </a:rPr>
+              <a:t>cout</a:t>
+            </a:r>
+            <a:r>
+              <a:rPr lang="en-US" altLang="zh-CN" dirty="0">
+                <a:solidFill>
+                  <a:srgbClr val="FF0000"/>
+                </a:solidFill>
+              </a:rPr>
+              <a:t> &lt;&lt; "Now enter a letter:\n";</a:t>
+            </a:r>
+            <a:br>
+              <a:rPr lang="en-US" altLang="zh-CN" dirty="0">
+                <a:solidFill>
+                  <a:srgbClr val="FF0000"/>
+                </a:solidFill>
+              </a:rPr>
+            </a:br>
+            <a:r>
+              <a:rPr lang="en-US" altLang="zh-CN" dirty="0">
+                <a:solidFill>
+                  <a:srgbClr val="FF0000"/>
+                </a:solidFill>
+              </a:rPr>
+              <a:t>	char symbol;</a:t>
+            </a:r>
+            <a:br>
+              <a:rPr lang="en-US" altLang="zh-CN" dirty="0">
+                <a:solidFill>
+                  <a:srgbClr val="FF0000"/>
+                </a:solidFill>
+              </a:rPr>
+            </a:br>
+            <a:r>
+              <a:rPr lang="en-US" altLang="zh-CN" dirty="0">
+                <a:solidFill>
+                  <a:srgbClr val="FF0000"/>
+                </a:solidFill>
+              </a:rPr>
+              <a:t>	</a:t>
+            </a:r>
+            <a:r>
+              <a:rPr lang="en-US" altLang="zh-CN" dirty="0" err="1">
+                <a:solidFill>
+                  <a:srgbClr val="FF0000"/>
+                </a:solidFill>
+              </a:rPr>
+              <a:t>cin.get</a:t>
+            </a:r>
+            <a:r>
+              <a:rPr lang="en-US" altLang="zh-CN" dirty="0">
+                <a:solidFill>
+                  <a:srgbClr val="FF0000"/>
+                </a:solidFill>
+              </a:rPr>
+              <a:t>(symbol);</a:t>
+            </a:r>
+          </a:p>
+          <a:p>
+            <a:endParaRPr lang="en-US" altLang="zh-CN" dirty="0"/>
+          </a:p>
+        </p:txBody>
+      </p:sp>
+      <p:sp>
+        <p:nvSpPr>
+          <p:cNvPr id="2" name="幻灯片编号占位符 1"/>
           <p:cNvSpPr>
             <a:spLocks noGrp="1"/>
           </p:cNvSpPr>
@@ -24311,256 +24387,26 @@
             <a:off x="7050088" y="6400800"/>
             <a:ext cx="1905000" cy="457200"/>
           </a:xfrm>
+          <a:prstGeom prst="rect">
+            <a:avLst/>
+          </a:prstGeom>
         </p:spPr>
         <p:txBody>
           <a:bodyPr/>
           <a:lstStyle/>
           <a:p>
             <a:r>
-              <a:rPr lang="en-US" altLang="zh-CN"/>
-              <a:t>Slide 5- </a:t>
-            </a:r>
-            <a:fld id="{9AD0C1CB-BAEE-43CC-9F5E-EECDA0F2B0AE}" type="slidenum">
-              <a:rPr lang="en-US" altLang="zh-CN"/>
+              <a:rPr lang="en-US" altLang="zh-CN" smtClean="0"/>
+              <a:t>Slide 6- </a:t>
+            </a:r>
+            <a:fld id="{64DFAACD-A2F6-4D8B-AD96-C11C543D4A62}" type="slidenum">
+              <a:rPr lang="en-US" altLang="zh-CN" smtClean="0"/>
               <a:pPr/>
               <a:t>78</a:t>
             </a:fld>
-            <a:endParaRPr lang="en-CA" altLang="zh-CN">
+            <a:endParaRPr lang="en-CA" altLang="zh-CN" dirty="0">
               <a:ea typeface="宋体" panose="02010600030101010101" pitchFamily="2" charset="-122"/>
             </a:endParaRPr>
-          </a:p>
-        </p:txBody>
-      </p:sp>
-      <p:sp>
-        <p:nvSpPr>
-          <p:cNvPr id="585730" name="Rectangle 2"/>
-          <p:cNvSpPr>
-            <a:spLocks noGrp="1" noChangeArrowheads="1"/>
-          </p:cNvSpPr>
-          <p:nvPr>
-            <p:ph type="title"/>
-          </p:nvPr>
-        </p:nvSpPr>
-        <p:spPr/>
-        <p:txBody>
-          <a:bodyPr/>
-          <a:lstStyle/>
-          <a:p>
-            <a:r>
-              <a:rPr lang="en-US" altLang="zh-CN"/>
-              <a:t>Another  '\n' Fix</a:t>
-            </a:r>
-          </a:p>
-        </p:txBody>
-      </p:sp>
-      <p:sp>
-        <p:nvSpPr>
-          <p:cNvPr id="585731" name="Rectangle 3"/>
-          <p:cNvSpPr>
-            <a:spLocks noGrp="1" noChangeArrowheads="1"/>
-          </p:cNvSpPr>
-          <p:nvPr>
-            <p:ph type="body" idx="1"/>
-          </p:nvPr>
-        </p:nvSpPr>
-        <p:spPr/>
-        <p:txBody>
-          <a:bodyPr/>
-          <a:lstStyle/>
-          <a:p>
-            <a:r>
-              <a:rPr lang="en-US" altLang="zh-CN" dirty="0"/>
-              <a:t> 	</a:t>
-            </a:r>
-            <a:r>
-              <a:rPr lang="en-US" altLang="zh-CN" dirty="0" err="1">
-                <a:solidFill>
-                  <a:srgbClr val="FF0000"/>
-                </a:solidFill>
-              </a:rPr>
-              <a:t>cout</a:t>
-            </a:r>
-            <a:r>
-              <a:rPr lang="en-US" altLang="zh-CN" dirty="0">
-                <a:solidFill>
-                  <a:srgbClr val="FF0000"/>
-                </a:solidFill>
-              </a:rPr>
-              <a:t> &lt;&lt; "Enter a number:\n";</a:t>
-            </a:r>
-            <a:br>
-              <a:rPr lang="en-US" altLang="zh-CN" dirty="0">
-                <a:solidFill>
-                  <a:srgbClr val="FF0000"/>
-                </a:solidFill>
-              </a:rPr>
-            </a:br>
-            <a:r>
-              <a:rPr lang="en-US" altLang="zh-CN" dirty="0">
-                <a:solidFill>
-                  <a:srgbClr val="FF0000"/>
-                </a:solidFill>
-              </a:rPr>
-              <a:t>	</a:t>
-            </a:r>
-            <a:r>
-              <a:rPr lang="en-US" altLang="zh-CN" dirty="0" err="1">
-                <a:solidFill>
-                  <a:srgbClr val="FF0000"/>
-                </a:solidFill>
-              </a:rPr>
-              <a:t>int</a:t>
-            </a:r>
-            <a:r>
-              <a:rPr lang="en-US" altLang="zh-CN" dirty="0">
-                <a:solidFill>
-                  <a:srgbClr val="FF0000"/>
-                </a:solidFill>
-              </a:rPr>
-              <a:t> number;</a:t>
-            </a:r>
-            <a:br>
-              <a:rPr lang="en-US" altLang="zh-CN" dirty="0">
-                <a:solidFill>
-                  <a:srgbClr val="FF0000"/>
-                </a:solidFill>
-              </a:rPr>
-            </a:br>
-            <a:r>
-              <a:rPr lang="en-US" altLang="zh-CN" dirty="0">
-                <a:solidFill>
-                  <a:srgbClr val="FF0000"/>
-                </a:solidFill>
-              </a:rPr>
-              <a:t>	</a:t>
-            </a:r>
-            <a:r>
-              <a:rPr lang="en-US" altLang="zh-CN" dirty="0" err="1">
-                <a:solidFill>
-                  <a:srgbClr val="FF0000"/>
-                </a:solidFill>
-              </a:rPr>
-              <a:t>cin</a:t>
-            </a:r>
-            <a:r>
-              <a:rPr lang="en-US" altLang="zh-CN" dirty="0">
-                <a:solidFill>
-                  <a:srgbClr val="FF0000"/>
-                </a:solidFill>
-              </a:rPr>
-              <a:t> &gt;&gt; number;</a:t>
-            </a:r>
-            <a:br>
-              <a:rPr lang="en-US" altLang="zh-CN" dirty="0">
-                <a:solidFill>
-                  <a:srgbClr val="FF0000"/>
-                </a:solidFill>
-              </a:rPr>
-            </a:br>
-            <a:r>
-              <a:rPr lang="en-US" altLang="zh-CN" dirty="0">
-                <a:solidFill>
-                  <a:srgbClr val="FF0000"/>
-                </a:solidFill>
-              </a:rPr>
-              <a:t>	</a:t>
-            </a:r>
-            <a:r>
-              <a:rPr lang="en-US" altLang="zh-CN" dirty="0" err="1">
-                <a:solidFill>
-                  <a:srgbClr val="FF0000"/>
-                </a:solidFill>
-              </a:rPr>
-              <a:t>new_line</a:t>
-            </a:r>
-            <a:r>
-              <a:rPr lang="en-US" altLang="zh-CN" dirty="0">
-                <a:solidFill>
-                  <a:srgbClr val="FF0000"/>
-                </a:solidFill>
-              </a:rPr>
-              <a:t>( ); // From Display 5.7</a:t>
-            </a:r>
-            <a:br>
-              <a:rPr lang="en-US" altLang="zh-CN" dirty="0">
-                <a:solidFill>
-                  <a:srgbClr val="FF0000"/>
-                </a:solidFill>
-              </a:rPr>
-            </a:br>
-            <a:r>
-              <a:rPr lang="en-US" altLang="zh-CN" dirty="0">
-                <a:solidFill>
-                  <a:srgbClr val="FF0000"/>
-                </a:solidFill>
-              </a:rPr>
-              <a:t>	</a:t>
-            </a:r>
-            <a:r>
-              <a:rPr lang="en-US" altLang="zh-CN" dirty="0" err="1">
-                <a:solidFill>
-                  <a:srgbClr val="FF0000"/>
-                </a:solidFill>
-              </a:rPr>
-              <a:t>cout</a:t>
-            </a:r>
-            <a:r>
-              <a:rPr lang="en-US" altLang="zh-CN" dirty="0">
-                <a:solidFill>
-                  <a:srgbClr val="FF0000"/>
-                </a:solidFill>
-              </a:rPr>
-              <a:t> &lt;&lt; "Now enter a letter:\n";</a:t>
-            </a:r>
-            <a:br>
-              <a:rPr lang="en-US" altLang="zh-CN" dirty="0">
-                <a:solidFill>
-                  <a:srgbClr val="FF0000"/>
-                </a:solidFill>
-              </a:rPr>
-            </a:br>
-            <a:r>
-              <a:rPr lang="en-US" altLang="zh-CN" dirty="0">
-                <a:solidFill>
-                  <a:srgbClr val="FF0000"/>
-                </a:solidFill>
-              </a:rPr>
-              <a:t>	char symbol;</a:t>
-            </a:r>
-            <a:br>
-              <a:rPr lang="en-US" altLang="zh-CN" dirty="0">
-                <a:solidFill>
-                  <a:srgbClr val="FF0000"/>
-                </a:solidFill>
-              </a:rPr>
-            </a:br>
-            <a:r>
-              <a:rPr lang="en-US" altLang="zh-CN" dirty="0">
-                <a:solidFill>
-                  <a:srgbClr val="FF0000"/>
-                </a:solidFill>
-              </a:rPr>
-              <a:t>	</a:t>
-            </a:r>
-            <a:r>
-              <a:rPr lang="en-US" altLang="zh-CN" dirty="0" err="1">
-                <a:solidFill>
-                  <a:srgbClr val="FF0000"/>
-                </a:solidFill>
-              </a:rPr>
-              <a:t>cin.get</a:t>
-            </a:r>
-            <a:r>
-              <a:rPr lang="en-US" altLang="zh-CN" dirty="0">
-                <a:solidFill>
-                  <a:srgbClr val="FF0000"/>
-                </a:solidFill>
-              </a:rPr>
-              <a:t>(symbol);</a:t>
-            </a:r>
-          </a:p>
-          <a:p>
-            <a:endParaRPr lang="en-US" altLang="zh-CN" dirty="0"/>
           </a:p>
         </p:txBody>
       </p:sp>
@@ -24601,7 +24447,140 @@
       </p:grpSpPr>
       <p:sp>
         <p:nvSpPr>
-          <p:cNvPr id="4" name="灯片编号占位符 3"/>
+          <p:cNvPr id="586754" name="Rectangle 2"/>
+          <p:cNvSpPr>
+            <a:spLocks noGrp="1" noChangeArrowheads="1"/>
+          </p:cNvSpPr>
+          <p:nvPr>
+            <p:ph type="title"/>
+          </p:nvPr>
+        </p:nvSpPr>
+        <p:spPr/>
+        <p:txBody>
+          <a:bodyPr/>
+          <a:lstStyle/>
+          <a:p>
+            <a:r>
+              <a:rPr lang="en-US" altLang="zh-CN"/>
+              <a:t>Detecting the End of a File</a:t>
+            </a:r>
+          </a:p>
+        </p:txBody>
+      </p:sp>
+      <p:sp>
+        <p:nvSpPr>
+          <p:cNvPr id="586755" name="Rectangle 3"/>
+          <p:cNvSpPr>
+            <a:spLocks noGrp="1" noChangeArrowheads="1"/>
+          </p:cNvSpPr>
+          <p:nvPr>
+            <p:ph type="body" idx="1"/>
+          </p:nvPr>
+        </p:nvSpPr>
+        <p:spPr/>
+        <p:txBody>
+          <a:bodyPr/>
+          <a:lstStyle/>
+          <a:p>
+            <a:pPr>
+              <a:lnSpc>
+                <a:spcPct val="90000"/>
+              </a:lnSpc>
+            </a:pPr>
+            <a:r>
+              <a:rPr lang="en-US" altLang="zh-CN"/>
+              <a:t>Member function eof detects the end of a file</a:t>
+            </a:r>
+          </a:p>
+          <a:p>
+            <a:pPr lvl="1">
+              <a:lnSpc>
+                <a:spcPct val="90000"/>
+              </a:lnSpc>
+            </a:pPr>
+            <a:r>
+              <a:rPr lang="en-US" altLang="zh-CN"/>
+              <a:t>Member function of every input-file stream</a:t>
+            </a:r>
+          </a:p>
+          <a:p>
+            <a:pPr lvl="1">
+              <a:lnSpc>
+                <a:spcPct val="90000"/>
+              </a:lnSpc>
+            </a:pPr>
+            <a:r>
+              <a:rPr lang="en-US" altLang="zh-CN"/>
+              <a:t>eof stands for end of file</a:t>
+            </a:r>
+          </a:p>
+          <a:p>
+            <a:pPr lvl="1">
+              <a:lnSpc>
+                <a:spcPct val="90000"/>
+              </a:lnSpc>
+            </a:pPr>
+            <a:r>
+              <a:rPr lang="en-US" altLang="zh-CN"/>
+              <a:t>eof returns a boolean value </a:t>
+            </a:r>
+          </a:p>
+          <a:p>
+            <a:pPr lvl="2">
+              <a:lnSpc>
+                <a:spcPct val="90000"/>
+              </a:lnSpc>
+            </a:pPr>
+            <a:r>
+              <a:rPr lang="en-US" altLang="zh-CN"/>
+              <a:t>True when the end of the file has been reached</a:t>
+            </a:r>
+          </a:p>
+          <a:p>
+            <a:pPr lvl="2">
+              <a:lnSpc>
+                <a:spcPct val="90000"/>
+              </a:lnSpc>
+            </a:pPr>
+            <a:r>
+              <a:rPr lang="en-US" altLang="zh-CN"/>
+              <a:t>False when there is more data to read</a:t>
+            </a:r>
+          </a:p>
+          <a:p>
+            <a:pPr lvl="1">
+              <a:lnSpc>
+                <a:spcPct val="90000"/>
+              </a:lnSpc>
+            </a:pPr>
+            <a:r>
+              <a:rPr lang="en-US" altLang="zh-CN"/>
+              <a:t>Normally used to determine when we are NOT </a:t>
+            </a:r>
+            <a:br>
+              <a:rPr lang="en-US" altLang="zh-CN"/>
+            </a:br>
+            <a:r>
+              <a:rPr lang="en-US" altLang="zh-CN"/>
+              <a:t>at the end of the file</a:t>
+            </a:r>
+          </a:p>
+          <a:p>
+            <a:pPr lvl="2">
+              <a:lnSpc>
+                <a:spcPct val="90000"/>
+              </a:lnSpc>
+            </a:pPr>
+            <a:r>
+              <a:rPr lang="en-US" altLang="zh-CN"/>
+              <a:t>Example:        if ( ! in_stream.eof( ) )</a:t>
+            </a:r>
+          </a:p>
+        </p:txBody>
+      </p:sp>
+      <p:sp>
+        <p:nvSpPr>
+          <p:cNvPr id="2" name="幻灯片编号占位符 1"/>
           <p:cNvSpPr>
             <a:spLocks noGrp="1"/>
           </p:cNvSpPr>
@@ -24614,156 +24593,26 @@
             <a:off x="7050088" y="6400800"/>
             <a:ext cx="1905000" cy="457200"/>
           </a:xfrm>
+          <a:prstGeom prst="rect">
+            <a:avLst/>
+          </a:prstGeom>
         </p:spPr>
         <p:txBody>
           <a:bodyPr/>
           <a:lstStyle/>
           <a:p>
             <a:r>
-              <a:rPr lang="en-US" altLang="zh-CN"/>
-              <a:t>Slide 5- </a:t>
-            </a:r>
-            <a:fld id="{6A12FE4F-6C7B-4E42-B27E-9F720C21AC97}" type="slidenum">
-              <a:rPr lang="en-US" altLang="zh-CN"/>
+              <a:rPr lang="en-US" altLang="zh-CN" smtClean="0"/>
+              <a:t>Slide 6- </a:t>
+            </a:r>
+            <a:fld id="{64DFAACD-A2F6-4D8B-AD96-C11C543D4A62}" type="slidenum">
+              <a:rPr lang="en-US" altLang="zh-CN" smtClean="0"/>
               <a:pPr/>
               <a:t>79</a:t>
             </a:fld>
-            <a:endParaRPr lang="en-CA" altLang="zh-CN">
+            <a:endParaRPr lang="en-CA" altLang="zh-CN" dirty="0">
               <a:ea typeface="宋体" panose="02010600030101010101" pitchFamily="2" charset="-122"/>
             </a:endParaRPr>
-          </a:p>
-        </p:txBody>
-      </p:sp>
-      <p:sp>
-        <p:nvSpPr>
-          <p:cNvPr id="586754" name="Rectangle 2"/>
-          <p:cNvSpPr>
-            <a:spLocks noGrp="1" noChangeArrowheads="1"/>
-          </p:cNvSpPr>
-          <p:nvPr>
-            <p:ph type="title"/>
-          </p:nvPr>
-        </p:nvSpPr>
-        <p:spPr/>
-        <p:txBody>
-          <a:bodyPr/>
-          <a:lstStyle/>
-          <a:p>
-            <a:r>
-              <a:rPr lang="en-US" altLang="zh-CN"/>
-              <a:t>Detecting the End of a File</a:t>
-            </a:r>
-          </a:p>
-        </p:txBody>
-      </p:sp>
-      <p:sp>
-        <p:nvSpPr>
-          <p:cNvPr id="586755" name="Rectangle 3"/>
-          <p:cNvSpPr>
-            <a:spLocks noGrp="1" noChangeArrowheads="1"/>
-          </p:cNvSpPr>
-          <p:nvPr>
-            <p:ph type="body" idx="1"/>
-          </p:nvPr>
-        </p:nvSpPr>
-        <p:spPr/>
-        <p:txBody>
-          <a:bodyPr/>
-          <a:lstStyle/>
-          <a:p>
-            <a:pPr>
-              <a:lnSpc>
-                <a:spcPct val="90000"/>
-              </a:lnSpc>
-            </a:pPr>
-            <a:r>
-              <a:rPr lang="en-US" altLang="zh-CN"/>
-              <a:t>Member function eof detects the end of a file</a:t>
-            </a:r>
-          </a:p>
-          <a:p>
-            <a:pPr lvl="1">
-              <a:lnSpc>
-                <a:spcPct val="90000"/>
-              </a:lnSpc>
-            </a:pPr>
-            <a:r>
-              <a:rPr lang="en-US" altLang="zh-CN"/>
-              <a:t>Member function of every input-file stream</a:t>
-            </a:r>
-          </a:p>
-          <a:p>
-            <a:pPr lvl="1">
-              <a:lnSpc>
-                <a:spcPct val="90000"/>
-              </a:lnSpc>
-            </a:pPr>
-            <a:r>
-              <a:rPr lang="en-US" altLang="zh-CN"/>
-              <a:t>eof stands for end of file</a:t>
-            </a:r>
-          </a:p>
-          <a:p>
-            <a:pPr lvl="1">
-              <a:lnSpc>
-                <a:spcPct val="90000"/>
-              </a:lnSpc>
-            </a:pPr>
-            <a:r>
-              <a:rPr lang="en-US" altLang="zh-CN"/>
-              <a:t>eof returns a boolean value </a:t>
-            </a:r>
-          </a:p>
-          <a:p>
-            <a:pPr lvl="2">
-              <a:lnSpc>
-                <a:spcPct val="90000"/>
-              </a:lnSpc>
-            </a:pPr>
-            <a:r>
-              <a:rPr lang="en-US" altLang="zh-CN"/>
-              <a:t>True when the end of the file has been reached</a:t>
-            </a:r>
-          </a:p>
-          <a:p>
-            <a:pPr lvl="2">
-              <a:lnSpc>
-                <a:spcPct val="90000"/>
-              </a:lnSpc>
-            </a:pPr>
-            <a:r>
-              <a:rPr lang="en-US" altLang="zh-CN"/>
-              <a:t>False when there is more data to read</a:t>
-            </a:r>
-          </a:p>
-          <a:p>
-            <a:pPr lvl="1">
-              <a:lnSpc>
-                <a:spcPct val="90000"/>
-              </a:lnSpc>
-            </a:pPr>
-            <a:r>
-              <a:rPr lang="en-US" altLang="zh-CN"/>
-              <a:t>Normally used to determine when we are NOT </a:t>
-            </a:r>
-            <a:br>
-              <a:rPr lang="en-US" altLang="zh-CN"/>
-            </a:br>
-            <a:r>
-              <a:rPr lang="en-US" altLang="zh-CN"/>
-              <a:t>at the end of the file</a:t>
-            </a:r>
-          </a:p>
-          <a:p>
-            <a:pPr lvl="2">
-              <a:lnSpc>
-                <a:spcPct val="90000"/>
-              </a:lnSpc>
-            </a:pPr>
-            <a:r>
-              <a:rPr lang="en-US" altLang="zh-CN"/>
-              <a:t>Example:        if ( ! in_stream.eof( ) )</a:t>
-            </a:r>
           </a:p>
         </p:txBody>
       </p:sp>
@@ -24878,11 +24727,7 @@
             </a:r>
             <a:r>
               <a:rPr lang="en-US" altLang="zh-CN" smtClean="0"/>
-              <a:t>o </a:t>
-            </a:r>
-            <a:r>
-              <a:rPr lang="en-US" altLang="zh-CN" smtClean="0"/>
-              <a:t>b</a:t>
+              <a:t>o b</a:t>
             </a:r>
             <a:endParaRPr lang="en-US" altLang="zh-CN" dirty="0" smtClean="0"/>
           </a:p>
@@ -24935,6 +24780,9 @@
             <a:off x="7050088" y="6400800"/>
             <a:ext cx="1905000" cy="457200"/>
           </a:xfrm>
+          <a:prstGeom prst="rect">
+            <a:avLst/>
+          </a:prstGeom>
         </p:spPr>
         <p:txBody>
           <a:bodyPr/>
@@ -24995,7 +24843,232 @@
       </p:grpSpPr>
       <p:sp>
         <p:nvSpPr>
-          <p:cNvPr id="4" name="灯片编号占位符 3"/>
+          <p:cNvPr id="587778" name="Rectangle 2"/>
+          <p:cNvSpPr>
+            <a:spLocks noGrp="1" noChangeArrowheads="1"/>
+          </p:cNvSpPr>
+          <p:nvPr>
+            <p:ph type="title"/>
+          </p:nvPr>
+        </p:nvSpPr>
+        <p:spPr/>
+        <p:txBody>
+          <a:bodyPr/>
+          <a:lstStyle/>
+          <a:p>
+            <a:r>
+              <a:rPr lang="en-US" altLang="zh-CN"/>
+              <a:t>Using eof</a:t>
+            </a:r>
+          </a:p>
+        </p:txBody>
+      </p:sp>
+      <p:sp>
+        <p:nvSpPr>
+          <p:cNvPr id="587779" name="Rectangle 3"/>
+          <p:cNvSpPr>
+            <a:spLocks noGrp="1" noChangeArrowheads="1"/>
+          </p:cNvSpPr>
+          <p:nvPr>
+            <p:ph type="body" idx="1"/>
+          </p:nvPr>
+        </p:nvSpPr>
+        <p:spPr/>
+        <p:txBody>
+          <a:bodyPr/>
+          <a:lstStyle/>
+          <a:p>
+            <a:r>
+              <a:rPr lang="en-US" altLang="zh-CN" sz="2400" dirty="0"/>
+              <a:t>This loop reads each character, and writes it to</a:t>
+            </a:r>
+            <a:br>
+              <a:rPr lang="en-US" altLang="zh-CN" sz="2400" dirty="0"/>
+            </a:br>
+            <a:r>
+              <a:rPr lang="en-US" altLang="zh-CN" sz="2400" dirty="0"/>
+              <a:t>the screen</a:t>
+            </a:r>
+          </a:p>
+          <a:p>
+            <a:r>
+              <a:rPr lang="en-US" altLang="zh-CN" sz="2400" dirty="0"/>
+              <a:t>			</a:t>
+            </a:r>
+            <a:r>
+              <a:rPr lang="en-US" altLang="zh-CN" sz="2400" dirty="0" err="1" smtClean="0">
+                <a:solidFill>
+                  <a:srgbClr val="0000FF"/>
+                </a:solidFill>
+              </a:rPr>
+              <a:t>in_stream.get</a:t>
+            </a:r>
+            <a:r>
+              <a:rPr lang="en-US" altLang="zh-CN" sz="2400" dirty="0" smtClean="0">
+                <a:solidFill>
+                  <a:srgbClr val="0000FF"/>
+                </a:solidFill>
+              </a:rPr>
+              <a:t>(next</a:t>
+            </a:r>
+            <a:r>
+              <a:rPr lang="en-US" altLang="zh-CN" sz="2400" dirty="0">
+                <a:solidFill>
+                  <a:srgbClr val="0000FF"/>
+                </a:solidFill>
+              </a:rPr>
+              <a:t>);</a:t>
+            </a:r>
+            <a:br>
+              <a:rPr lang="en-US" altLang="zh-CN" sz="2400" dirty="0">
+                <a:solidFill>
+                  <a:srgbClr val="0000FF"/>
+                </a:solidFill>
+              </a:rPr>
+            </a:br>
+            <a:r>
+              <a:rPr lang="en-US" altLang="zh-CN" sz="2400" dirty="0">
+                <a:solidFill>
+                  <a:srgbClr val="0000FF"/>
+                </a:solidFill>
+              </a:rPr>
+              <a:t>			while (! </a:t>
+            </a:r>
+            <a:r>
+              <a:rPr lang="en-US" altLang="zh-CN" sz="2400" dirty="0" err="1">
+                <a:solidFill>
+                  <a:srgbClr val="0000FF"/>
+                </a:solidFill>
+              </a:rPr>
+              <a:t>in_stream.eof</a:t>
+            </a:r>
+            <a:r>
+              <a:rPr lang="en-US" altLang="zh-CN" sz="2400" dirty="0">
+                <a:solidFill>
+                  <a:srgbClr val="0000FF"/>
+                </a:solidFill>
+              </a:rPr>
+              <a:t>( ) )</a:t>
+            </a:r>
+            <a:br>
+              <a:rPr lang="en-US" altLang="zh-CN" sz="2400" dirty="0">
+                <a:solidFill>
+                  <a:srgbClr val="0000FF"/>
+                </a:solidFill>
+              </a:rPr>
+            </a:br>
+            <a:r>
+              <a:rPr lang="en-US" altLang="zh-CN" sz="2400" dirty="0">
+                <a:solidFill>
+                  <a:srgbClr val="0000FF"/>
+                </a:solidFill>
+              </a:rPr>
+              <a:t> 			{</a:t>
+            </a:r>
+            <a:br>
+              <a:rPr lang="en-US" altLang="zh-CN" sz="2400" dirty="0">
+                <a:solidFill>
+                  <a:srgbClr val="0000FF"/>
+                </a:solidFill>
+              </a:rPr>
+            </a:br>
+            <a:r>
+              <a:rPr lang="en-US" altLang="zh-CN" sz="2400" dirty="0">
+                <a:solidFill>
+                  <a:srgbClr val="0000FF"/>
+                </a:solidFill>
+              </a:rPr>
+              <a:t> 				</a:t>
+            </a:r>
+            <a:r>
+              <a:rPr lang="en-US" altLang="zh-CN" sz="2400" dirty="0" err="1">
+                <a:solidFill>
+                  <a:srgbClr val="0000FF"/>
+                </a:solidFill>
+              </a:rPr>
+              <a:t>cout</a:t>
+            </a:r>
+            <a:r>
+              <a:rPr lang="en-US" altLang="zh-CN" sz="2400" dirty="0">
+                <a:solidFill>
+                  <a:srgbClr val="0000FF"/>
+                </a:solidFill>
+              </a:rPr>
+              <a:t> &lt;&lt; next;</a:t>
+            </a:r>
+            <a:br>
+              <a:rPr lang="en-US" altLang="zh-CN" sz="2400" dirty="0">
+                <a:solidFill>
+                  <a:srgbClr val="0000FF"/>
+                </a:solidFill>
+              </a:rPr>
+            </a:br>
+            <a:r>
+              <a:rPr lang="en-US" altLang="zh-CN" sz="2400" dirty="0">
+                <a:solidFill>
+                  <a:srgbClr val="0000FF"/>
+                </a:solidFill>
+              </a:rPr>
+              <a:t> 				</a:t>
+            </a:r>
+            <a:r>
+              <a:rPr lang="en-US" altLang="zh-CN" sz="2400" dirty="0" err="1">
+                <a:solidFill>
+                  <a:srgbClr val="0000FF"/>
+                </a:solidFill>
+              </a:rPr>
+              <a:t>in_stream.get</a:t>
+            </a:r>
+            <a:r>
+              <a:rPr lang="en-US" altLang="zh-CN" sz="2400" dirty="0">
+                <a:solidFill>
+                  <a:srgbClr val="0000FF"/>
+                </a:solidFill>
+              </a:rPr>
+              <a:t>(next);</a:t>
+            </a:r>
+            <a:br>
+              <a:rPr lang="en-US" altLang="zh-CN" sz="2400" dirty="0">
+                <a:solidFill>
+                  <a:srgbClr val="0000FF"/>
+                </a:solidFill>
+              </a:rPr>
+            </a:br>
+            <a:r>
+              <a:rPr lang="en-US" altLang="zh-CN" sz="2400" dirty="0">
+                <a:solidFill>
+                  <a:srgbClr val="0000FF"/>
+                </a:solidFill>
+              </a:rPr>
+              <a:t> 			}</a:t>
+            </a:r>
+          </a:p>
+          <a:p>
+            <a:r>
+              <a:rPr lang="en-US" altLang="zh-CN" sz="2400" dirty="0"/>
+              <a:t>( ! </a:t>
+            </a:r>
+            <a:r>
+              <a:rPr lang="en-US" altLang="zh-CN" sz="2400" dirty="0" err="1"/>
+              <a:t>In_stream.eof</a:t>
+            </a:r>
+            <a:r>
+              <a:rPr lang="en-US" altLang="zh-CN" sz="2400" dirty="0"/>
+              <a:t>( ) ) becomes false when the </a:t>
+            </a:r>
+            <a:br>
+              <a:rPr lang="en-US" altLang="zh-CN" sz="2400" dirty="0"/>
+            </a:br>
+            <a:r>
+              <a:rPr lang="en-US" altLang="zh-CN" sz="2400" dirty="0"/>
+              <a:t>program reads past the last character in the file</a:t>
+            </a:r>
+          </a:p>
+        </p:txBody>
+      </p:sp>
+      <p:sp>
+        <p:nvSpPr>
+          <p:cNvPr id="2" name="幻灯片编号占位符 1"/>
           <p:cNvSpPr>
             <a:spLocks noGrp="1"/>
           </p:cNvSpPr>
@@ -25008,248 +25081,26 @@
             <a:off x="7050088" y="6400800"/>
             <a:ext cx="1905000" cy="457200"/>
           </a:xfrm>
+          <a:prstGeom prst="rect">
+            <a:avLst/>
+          </a:prstGeom>
         </p:spPr>
         <p:txBody>
           <a:bodyPr/>
           <a:lstStyle/>
           <a:p>
             <a:r>
-              <a:rPr lang="en-US" altLang="zh-CN"/>
-              <a:t>Slide 5- </a:t>
-            </a:r>
-            <a:fld id="{A97230CC-DC35-4365-BD95-470235AC3BDD}" type="slidenum">
-              <a:rPr lang="en-US" altLang="zh-CN"/>
+              <a:rPr lang="en-US" altLang="zh-CN" smtClean="0"/>
+              <a:t>Slide 6- </a:t>
+            </a:r>
+            <a:fld id="{64DFAACD-A2F6-4D8B-AD96-C11C543D4A62}" type="slidenum">
+              <a:rPr lang="en-US" altLang="zh-CN" smtClean="0"/>
               <a:pPr/>
               <a:t>80</a:t>
             </a:fld>
-            <a:endParaRPr lang="en-CA" altLang="zh-CN">
+            <a:endParaRPr lang="en-CA" altLang="zh-CN" dirty="0">
               <a:ea typeface="宋体" panose="02010600030101010101" pitchFamily="2" charset="-122"/>
             </a:endParaRPr>
-          </a:p>
-        </p:txBody>
-      </p:sp>
-      <p:sp>
-        <p:nvSpPr>
-          <p:cNvPr id="587778" name="Rectangle 2"/>
-          <p:cNvSpPr>
-            <a:spLocks noGrp="1" noChangeArrowheads="1"/>
-          </p:cNvSpPr>
-          <p:nvPr>
-            <p:ph type="title"/>
-          </p:nvPr>
-        </p:nvSpPr>
-        <p:spPr/>
-        <p:txBody>
-          <a:bodyPr/>
-          <a:lstStyle/>
-          <a:p>
-            <a:r>
-              <a:rPr lang="en-US" altLang="zh-CN"/>
-              <a:t>Using eof</a:t>
-            </a:r>
-          </a:p>
-        </p:txBody>
-      </p:sp>
-      <p:sp>
-        <p:nvSpPr>
-          <p:cNvPr id="587779" name="Rectangle 3"/>
-          <p:cNvSpPr>
-            <a:spLocks noGrp="1" noChangeArrowheads="1"/>
-          </p:cNvSpPr>
-          <p:nvPr>
-            <p:ph type="body" idx="1"/>
-          </p:nvPr>
-        </p:nvSpPr>
-        <p:spPr/>
-        <p:txBody>
-          <a:bodyPr/>
-          <a:lstStyle/>
-          <a:p>
-            <a:r>
-              <a:rPr lang="en-US" altLang="zh-CN" sz="2400" dirty="0"/>
-              <a:t>This loop reads each character, and writes it to</a:t>
-            </a:r>
-            <a:br>
-              <a:rPr lang="en-US" altLang="zh-CN" sz="2400" dirty="0"/>
-            </a:br>
-            <a:r>
-              <a:rPr lang="en-US" altLang="zh-CN" sz="2400" dirty="0"/>
-              <a:t>the screen</a:t>
-            </a:r>
-          </a:p>
-          <a:p>
-            <a:r>
-              <a:rPr lang="en-US" altLang="zh-CN" sz="2400" dirty="0"/>
-              <a:t>			</a:t>
-            </a:r>
-            <a:r>
-              <a:rPr lang="en-US" altLang="zh-CN" sz="2400" dirty="0" err="1" smtClean="0">
-                <a:solidFill>
-                  <a:srgbClr val="0000FF"/>
-                </a:solidFill>
-              </a:rPr>
-              <a:t>in_stream.get</a:t>
-            </a:r>
-            <a:r>
-              <a:rPr lang="en-US" altLang="zh-CN" sz="2400" dirty="0" smtClean="0">
-                <a:solidFill>
-                  <a:srgbClr val="0000FF"/>
-                </a:solidFill>
-              </a:rPr>
-              <a:t>(next</a:t>
-            </a:r>
-            <a:r>
-              <a:rPr lang="en-US" altLang="zh-CN" sz="2400" dirty="0">
-                <a:solidFill>
-                  <a:srgbClr val="0000FF"/>
-                </a:solidFill>
-              </a:rPr>
-              <a:t>);</a:t>
-            </a:r>
-            <a:br>
-              <a:rPr lang="en-US" altLang="zh-CN" sz="2400" dirty="0">
-                <a:solidFill>
-                  <a:srgbClr val="0000FF"/>
-                </a:solidFill>
-              </a:rPr>
-            </a:br>
-            <a:r>
-              <a:rPr lang="en-US" altLang="zh-CN" sz="2400" dirty="0">
-                <a:solidFill>
-                  <a:srgbClr val="0000FF"/>
-                </a:solidFill>
-              </a:rPr>
-              <a:t>			while (! </a:t>
-            </a:r>
-            <a:r>
-              <a:rPr lang="en-US" altLang="zh-CN" sz="2400" dirty="0" err="1">
-                <a:solidFill>
-                  <a:srgbClr val="0000FF"/>
-                </a:solidFill>
-              </a:rPr>
-              <a:t>in_stream.eof</a:t>
-            </a:r>
-            <a:r>
-              <a:rPr lang="en-US" altLang="zh-CN" sz="2400" dirty="0">
-                <a:solidFill>
-                  <a:srgbClr val="0000FF"/>
-                </a:solidFill>
-              </a:rPr>
-              <a:t>( ) )</a:t>
-            </a:r>
-            <a:br>
-              <a:rPr lang="en-US" altLang="zh-CN" sz="2400" dirty="0">
-                <a:solidFill>
-                  <a:srgbClr val="0000FF"/>
-                </a:solidFill>
-              </a:rPr>
-            </a:br>
-            <a:r>
-              <a:rPr lang="en-US" altLang="zh-CN" sz="2400" dirty="0">
-                <a:solidFill>
-                  <a:srgbClr val="0000FF"/>
-                </a:solidFill>
-              </a:rPr>
-              <a:t> 			{</a:t>
-            </a:r>
-            <a:br>
-              <a:rPr lang="en-US" altLang="zh-CN" sz="2400" dirty="0">
-                <a:solidFill>
-                  <a:srgbClr val="0000FF"/>
-                </a:solidFill>
-              </a:rPr>
-            </a:br>
-            <a:r>
-              <a:rPr lang="en-US" altLang="zh-CN" sz="2400" dirty="0">
-                <a:solidFill>
-                  <a:srgbClr val="0000FF"/>
-                </a:solidFill>
-              </a:rPr>
-              <a:t> 				</a:t>
-            </a:r>
-            <a:r>
-              <a:rPr lang="en-US" altLang="zh-CN" sz="2400" dirty="0" err="1">
-                <a:solidFill>
-                  <a:srgbClr val="0000FF"/>
-                </a:solidFill>
-              </a:rPr>
-              <a:t>cout</a:t>
-            </a:r>
-            <a:r>
-              <a:rPr lang="en-US" altLang="zh-CN" sz="2400" dirty="0">
-                <a:solidFill>
-                  <a:srgbClr val="0000FF"/>
-                </a:solidFill>
-              </a:rPr>
-              <a:t> &lt;&lt; next;</a:t>
-            </a:r>
-            <a:br>
-              <a:rPr lang="en-US" altLang="zh-CN" sz="2400" dirty="0">
-                <a:solidFill>
-                  <a:srgbClr val="0000FF"/>
-                </a:solidFill>
-              </a:rPr>
-            </a:br>
-            <a:r>
-              <a:rPr lang="en-US" altLang="zh-CN" sz="2400" dirty="0">
-                <a:solidFill>
-                  <a:srgbClr val="0000FF"/>
-                </a:solidFill>
-              </a:rPr>
-              <a:t> 				</a:t>
-            </a:r>
-            <a:r>
-              <a:rPr lang="en-US" altLang="zh-CN" sz="2400" dirty="0" err="1">
-                <a:solidFill>
-                  <a:srgbClr val="0000FF"/>
-                </a:solidFill>
-              </a:rPr>
-              <a:t>in_stream.get</a:t>
-            </a:r>
-            <a:r>
-              <a:rPr lang="en-US" altLang="zh-CN" sz="2400" dirty="0">
-                <a:solidFill>
-                  <a:srgbClr val="0000FF"/>
-                </a:solidFill>
-              </a:rPr>
-              <a:t>(next);</a:t>
-            </a:r>
-            <a:br>
-              <a:rPr lang="en-US" altLang="zh-CN" sz="2400" dirty="0">
-                <a:solidFill>
-                  <a:srgbClr val="0000FF"/>
-                </a:solidFill>
-              </a:rPr>
-            </a:br>
-            <a:r>
-              <a:rPr lang="en-US" altLang="zh-CN" sz="2400" dirty="0">
-                <a:solidFill>
-                  <a:srgbClr val="0000FF"/>
-                </a:solidFill>
-              </a:rPr>
-              <a:t> 			}</a:t>
-            </a:r>
-          </a:p>
-          <a:p>
-            <a:r>
-              <a:rPr lang="en-US" altLang="zh-CN" sz="2400" dirty="0"/>
-              <a:t>( ! </a:t>
-            </a:r>
-            <a:r>
-              <a:rPr lang="en-US" altLang="zh-CN" sz="2400" dirty="0" err="1"/>
-              <a:t>In_stream.eof</a:t>
-            </a:r>
-            <a:r>
-              <a:rPr lang="en-US" altLang="zh-CN" sz="2400" dirty="0"/>
-              <a:t>( ) ) becomes false when the </a:t>
-            </a:r>
-            <a:br>
-              <a:rPr lang="en-US" altLang="zh-CN" sz="2400" dirty="0"/>
-            </a:br>
-            <a:r>
-              <a:rPr lang="en-US" altLang="zh-CN" sz="2400" dirty="0"/>
-              <a:t>program reads past the last character in the file</a:t>
-            </a:r>
           </a:p>
         </p:txBody>
       </p:sp>
@@ -25290,7 +25141,77 @@
       </p:grpSpPr>
       <p:sp>
         <p:nvSpPr>
-          <p:cNvPr id="4" name="灯片编号占位符 3"/>
+          <p:cNvPr id="588802" name="Rectangle 2"/>
+          <p:cNvSpPr>
+            <a:spLocks noGrp="1" noChangeArrowheads="1"/>
+          </p:cNvSpPr>
+          <p:nvPr>
+            <p:ph type="title"/>
+          </p:nvPr>
+        </p:nvSpPr>
+        <p:spPr/>
+        <p:txBody>
+          <a:bodyPr/>
+          <a:lstStyle/>
+          <a:p>
+            <a:r>
+              <a:rPr lang="en-US" altLang="zh-CN"/>
+              <a:t>The End Of File Character</a:t>
+            </a:r>
+          </a:p>
+        </p:txBody>
+      </p:sp>
+      <p:sp>
+        <p:nvSpPr>
+          <p:cNvPr id="588803" name="Rectangle 3"/>
+          <p:cNvSpPr>
+            <a:spLocks noGrp="1" noChangeArrowheads="1"/>
+          </p:cNvSpPr>
+          <p:nvPr>
+            <p:ph type="body" idx="1"/>
+          </p:nvPr>
+        </p:nvSpPr>
+        <p:spPr/>
+        <p:txBody>
+          <a:bodyPr/>
+          <a:lstStyle/>
+          <a:p>
+            <a:r>
+              <a:rPr lang="en-US" altLang="zh-CN"/>
+              <a:t>End of a file is indicated by a special character</a:t>
+            </a:r>
+          </a:p>
+          <a:p>
+            <a:r>
+              <a:rPr lang="en-US" altLang="zh-CN"/>
+              <a:t>in_stream.eof( ) is still true after the last </a:t>
+            </a:r>
+            <a:br>
+              <a:rPr lang="en-US" altLang="zh-CN"/>
+            </a:br>
+            <a:r>
+              <a:rPr lang="en-US" altLang="zh-CN"/>
+              <a:t>character of data is read</a:t>
+            </a:r>
+          </a:p>
+          <a:p>
+            <a:r>
+              <a:rPr lang="en-US" altLang="zh-CN"/>
+              <a:t>in_stream.eof( ) becomes false when the </a:t>
+            </a:r>
+            <a:br>
+              <a:rPr lang="en-US" altLang="zh-CN"/>
+            </a:br>
+            <a:r>
+              <a:rPr lang="en-US" altLang="zh-CN"/>
+              <a:t>special end of file character is read </a:t>
+            </a:r>
+          </a:p>
+        </p:txBody>
+      </p:sp>
+      <p:sp>
+        <p:nvSpPr>
+          <p:cNvPr id="2" name="幻灯片编号占位符 1"/>
           <p:cNvSpPr>
             <a:spLocks noGrp="1"/>
           </p:cNvSpPr>
@@ -25303,93 +25224,26 @@
             <a:off x="7050088" y="6400800"/>
             <a:ext cx="1905000" cy="457200"/>
           </a:xfrm>
+          <a:prstGeom prst="rect">
+            <a:avLst/>
+          </a:prstGeom>
         </p:spPr>
         <p:txBody>
           <a:bodyPr/>
           <a:lstStyle/>
           <a:p>
             <a:r>
-              <a:rPr lang="en-US" altLang="zh-CN"/>
-              <a:t>Slide 5- </a:t>
-            </a:r>
-            <a:fld id="{432CA968-23C7-458C-9847-51099C985366}" type="slidenum">
-              <a:rPr lang="en-US" altLang="zh-CN"/>
+              <a:rPr lang="en-US" altLang="zh-CN" smtClean="0"/>
+              <a:t>Slide 6- </a:t>
+            </a:r>
+            <a:fld id="{64DFAACD-A2F6-4D8B-AD96-C11C543D4A62}" type="slidenum">
+              <a:rPr lang="en-US" altLang="zh-CN" smtClean="0"/>
               <a:pPr/>
               <a:t>81</a:t>
             </a:fld>
-            <a:endParaRPr lang="en-CA" altLang="zh-CN">
+            <a:endParaRPr lang="en-CA" altLang="zh-CN" dirty="0">
               <a:ea typeface="宋体" panose="02010600030101010101" pitchFamily="2" charset="-122"/>
             </a:endParaRPr>
-          </a:p>
-        </p:txBody>
-      </p:sp>
-      <p:sp>
-        <p:nvSpPr>
-          <p:cNvPr id="588802" name="Rectangle 2"/>
-          <p:cNvSpPr>
-            <a:spLocks noGrp="1" noChangeArrowheads="1"/>
-          </p:cNvSpPr>
-          <p:nvPr>
-            <p:ph type="title"/>
-          </p:nvPr>
-        </p:nvSpPr>
-        <p:spPr/>
-        <p:txBody>
-          <a:bodyPr/>
-          <a:lstStyle/>
-          <a:p>
-            <a:r>
-              <a:rPr lang="en-US" altLang="zh-CN"/>
-              <a:t>The End Of File Character</a:t>
-            </a:r>
-          </a:p>
-        </p:txBody>
-      </p:sp>
-      <p:sp>
-        <p:nvSpPr>
-          <p:cNvPr id="588803" name="Rectangle 3"/>
-          <p:cNvSpPr>
-            <a:spLocks noGrp="1" noChangeArrowheads="1"/>
-          </p:cNvSpPr>
-          <p:nvPr>
-            <p:ph type="body" idx="1"/>
-          </p:nvPr>
-        </p:nvSpPr>
-        <p:spPr/>
-        <p:txBody>
-          <a:bodyPr/>
-          <a:lstStyle/>
-          <a:p>
-            <a:r>
-              <a:rPr lang="en-US" altLang="zh-CN"/>
-              <a:t>End of a file is indicated by a special character</a:t>
-            </a:r>
-          </a:p>
-          <a:p>
-            <a:r>
-              <a:rPr lang="en-US" altLang="zh-CN"/>
-              <a:t>in_stream.eof( ) is still true after the last </a:t>
-            </a:r>
-            <a:br>
-              <a:rPr lang="en-US" altLang="zh-CN"/>
-            </a:br>
-            <a:r>
-              <a:rPr lang="en-US" altLang="zh-CN"/>
-              <a:t>character of data is read</a:t>
-            </a:r>
-          </a:p>
-          <a:p>
-            <a:r>
-              <a:rPr lang="en-US" altLang="zh-CN"/>
-              <a:t>in_stream.eof( ) becomes false when the </a:t>
-            </a:r>
-            <a:br>
-              <a:rPr lang="en-US" altLang="zh-CN"/>
-            </a:br>
-            <a:r>
-              <a:rPr lang="en-US" altLang="zh-CN"/>
-              <a:t>special end of file character is read </a:t>
-            </a:r>
           </a:p>
         </p:txBody>
       </p:sp>
@@ -25443,6 +25297,9 @@
             <a:off x="7050088" y="6400800"/>
             <a:ext cx="1905000" cy="457200"/>
           </a:xfrm>
+          <a:prstGeom prst="rect">
+            <a:avLst/>
+          </a:prstGeom>
         </p:spPr>
         <p:txBody>
           <a:bodyPr/>
@@ -25582,41 +25439,6 @@
       </p:grpSpPr>
       <p:sp>
         <p:nvSpPr>
-          <p:cNvPr id="6" name="灯片编号占位符 3"/>
-          <p:cNvSpPr>
-            <a:spLocks noGrp="1"/>
-          </p:cNvSpPr>
-          <p:nvPr>
-            <p:ph type="sldNum" sz="quarter" idx="4294967295"/>
-          </p:nvPr>
-        </p:nvSpPr>
-        <p:spPr>
-          <a:xfrm>
-            <a:off x="7050088" y="6400800"/>
-            <a:ext cx="1905000" cy="457200"/>
-          </a:xfrm>
-        </p:spPr>
-        <p:txBody>
-          <a:bodyPr/>
-          <a:lstStyle/>
-          <a:p>
-            <a:r>
-              <a:rPr lang="en-US" altLang="zh-CN"/>
-              <a:t>Slide 5- </a:t>
-            </a:r>
-            <a:fld id="{F4AEABB3-E752-4496-8983-8A5C88EA13BB}" type="slidenum">
-              <a:rPr lang="en-US" altLang="zh-CN"/>
-              <a:pPr/>
-              <a:t>83</a:t>
-            </a:fld>
-            <a:endParaRPr lang="en-CA" altLang="zh-CN">
-              <a:ea typeface="宋体" panose="02010600030101010101" pitchFamily="2" charset="-122"/>
-            </a:endParaRPr>
-          </a:p>
-        </p:txBody>
-      </p:sp>
-      <p:sp>
-        <p:nvSpPr>
           <p:cNvPr id="590853" name="Rectangle 5"/>
           <p:cNvSpPr>
             <a:spLocks noGrp="1" noChangeArrowheads="1"/>
@@ -25893,6 +25715,44 @@
               <a:rPr lang="en-US" altLang="zh-CN"/>
               <a:t>Editing a Text File</a:t>
             </a:r>
+          </a:p>
+        </p:txBody>
+      </p:sp>
+      <p:sp>
+        <p:nvSpPr>
+          <p:cNvPr id="2" name="幻灯片编号占位符 1"/>
+          <p:cNvSpPr>
+            <a:spLocks noGrp="1"/>
+          </p:cNvSpPr>
+          <p:nvPr>
+            <p:ph type="sldNum" sz="quarter" idx="4294967295"/>
+          </p:nvPr>
+        </p:nvSpPr>
+        <p:spPr>
+          <a:xfrm>
+            <a:off x="7050088" y="6400800"/>
+            <a:ext cx="1905000" cy="457200"/>
+          </a:xfrm>
+          <a:prstGeom prst="rect">
+            <a:avLst/>
+          </a:prstGeom>
+        </p:spPr>
+        <p:txBody>
+          <a:bodyPr/>
+          <a:lstStyle/>
+          <a:p>
+            <a:r>
+              <a:rPr lang="en-US" altLang="zh-CN" smtClean="0"/>
+              <a:t>Slide 6- </a:t>
+            </a:r>
+            <a:fld id="{64DFAACD-A2F6-4D8B-AD96-C11C543D4A62}" type="slidenum">
+              <a:rPr lang="en-US" altLang="zh-CN" smtClean="0"/>
+              <a:pPr/>
+              <a:t>83</a:t>
+            </a:fld>
+            <a:endParaRPr lang="en-CA" altLang="zh-CN" dirty="0">
+              <a:ea typeface="宋体" panose="02010600030101010101" pitchFamily="2" charset="-122"/>
+            </a:endParaRPr>
           </a:p>
         </p:txBody>
       </p:sp>
@@ -26140,6 +26000,9 @@
             <a:off x="7050088" y="6400800"/>
             <a:ext cx="1905000" cy="457200"/>
           </a:xfrm>
+          <a:prstGeom prst="rect">
+            <a:avLst/>
+          </a:prstGeom>
         </p:spPr>
         <p:txBody>
           <a:bodyPr/>
@@ -26323,6 +26186,9 @@
             <a:off x="7050088" y="6400800"/>
             <a:ext cx="1905000" cy="457200"/>
           </a:xfrm>
+          <a:prstGeom prst="rect">
+            <a:avLst/>
+          </a:prstGeom>
         </p:spPr>
         <p:txBody>
           <a:bodyPr/>
@@ -26468,6 +26334,9 @@
             <a:off x="7050088" y="6400800"/>
             <a:ext cx="1905000" cy="457200"/>
           </a:xfrm>
+          <a:prstGeom prst="rect">
+            <a:avLst/>
+          </a:prstGeom>
         </p:spPr>
         <p:txBody>
           <a:bodyPr/>
@@ -26637,6 +26506,9 @@
             <a:off x="7050088" y="6400800"/>
             <a:ext cx="1905000" cy="457200"/>
           </a:xfrm>
+          <a:prstGeom prst="rect">
+            <a:avLst/>
+          </a:prstGeom>
         </p:spPr>
         <p:txBody>
           <a:bodyPr/>
@@ -27199,6 +27071,9 @@
             <a:off x="7050088" y="6400800"/>
             <a:ext cx="1905000" cy="457200"/>
           </a:xfrm>
+          <a:prstGeom prst="rect">
+            <a:avLst/>
+          </a:prstGeom>
         </p:spPr>
         <p:txBody>
           <a:bodyPr/>
@@ -27385,6 +27260,9 @@
             <a:off x="7050088" y="6400800"/>
             <a:ext cx="1905000" cy="457200"/>
           </a:xfrm>
+          <a:prstGeom prst="rect">
+            <a:avLst/>
+          </a:prstGeom>
         </p:spPr>
         <p:txBody>
           <a:bodyPr/>

--- a/ppt/Chapter 6.pptx
+++ b/ppt/Chapter 6.pptx
@@ -12302,8 +12302,8 @@
           <a:lstStyle/>
           <a:p>
             <a:r>
-              <a:rPr lang="en-US" altLang="zh-CN" dirty="0"/>
-              <a:t>Exercise </a:t>
+              <a:rPr lang="en-US" altLang="zh-CN" dirty="0" smtClean="0"/>
+              <a:t>Project 1 </a:t>
             </a:r>
             <a:endParaRPr lang="zh-CN" altLang="en-US" dirty="0"/>
           </a:p>
@@ -12522,7 +12522,7 @@
           <a:graphicData uri="http://schemas.openxmlformats.org/presentationml/2006/ole">
             <mc:AlternateContent xmlns:mc="http://schemas.openxmlformats.org/markup-compatibility/2006">
               <mc:Choice xmlns:v="urn:schemas-microsoft-com:vml" Requires="v">
-                <p:oleObj spid="_x0000_s1254" name="包装程序外壳对象" showAsIcon="1" r:id="rId3" imgW="925920" imgH="533880" progId="Package">
+                <p:oleObj spid="_x0000_s1263" name="包装程序外壳对象" showAsIcon="1" r:id="rId3" imgW="925920" imgH="533880" progId="Package">
                   <p:embed/>
                 </p:oleObj>
               </mc:Choice>
@@ -18429,11 +18429,7 @@
           <a:p>
             <a:r>
               <a:rPr lang="en-US" altLang="zh-CN" dirty="0" smtClean="0"/>
-              <a:t>P </a:t>
-            </a:r>
-            <a:r>
-              <a:rPr lang="en-US" altLang="zh-CN" smtClean="0"/>
-              <a:t>371  exercise 18</a:t>
+              <a:t>P 371  exercise 18</a:t>
             </a:r>
             <a:endParaRPr lang="zh-CN" altLang="en-US" dirty="0"/>
           </a:p>
